--- a/Assigment2/Checkpoint1_trabalho2.pptx
+++ b/Assigment2/Checkpoint1_trabalho2.pptx
@@ -71,7 +71,7 @@
         <p:spPr>
           <a:xfrm>
             <a:off x="576000" y="729720"/>
-            <a:ext cx="11028960" cy="987480"/>
+            <a:ext cx="11028600" cy="987120"/>
           </a:xfrm>
           <a:prstGeom prst="rect">
             <a:avLst/>
@@ -184,7 +184,7 @@
         <p:spPr>
           <a:xfrm>
             <a:off x="576000" y="729720"/>
-            <a:ext cx="11028960" cy="987480"/>
+            <a:ext cx="11028600" cy="987120"/>
           </a:xfrm>
           <a:prstGeom prst="rect">
             <a:avLst/>
@@ -357,7 +357,7 @@
         <p:spPr>
           <a:xfrm>
             <a:off x="576000" y="729720"/>
-            <a:ext cx="11028960" cy="987480"/>
+            <a:ext cx="11028600" cy="987120"/>
           </a:xfrm>
           <a:prstGeom prst="rect">
             <a:avLst/>
@@ -612,7 +612,7 @@
         <p:spPr>
           <a:xfrm>
             <a:off x="576000" y="729720"/>
-            <a:ext cx="11028960" cy="987480"/>
+            <a:ext cx="11028600" cy="987120"/>
           </a:xfrm>
           <a:prstGeom prst="rect">
             <a:avLst/>
@@ -696,7 +696,7 @@
         <p:spPr>
           <a:xfrm>
             <a:off x="576000" y="729720"/>
-            <a:ext cx="11028960" cy="987480"/>
+            <a:ext cx="11028600" cy="987120"/>
           </a:xfrm>
           <a:prstGeom prst="rect">
             <a:avLst/>
@@ -779,7 +779,7 @@
         <p:spPr>
           <a:xfrm>
             <a:off x="576000" y="729720"/>
-            <a:ext cx="11028960" cy="987480"/>
+            <a:ext cx="11028600" cy="987120"/>
           </a:xfrm>
           <a:prstGeom prst="rect">
             <a:avLst/>
@@ -892,7 +892,7 @@
         <p:spPr>
           <a:xfrm>
             <a:off x="576000" y="729720"/>
-            <a:ext cx="11028960" cy="987480"/>
+            <a:ext cx="11028600" cy="987120"/>
           </a:xfrm>
           <a:prstGeom prst="rect">
             <a:avLst/>
@@ -945,7 +945,7 @@
         <p:spPr>
           <a:xfrm>
             <a:off x="576000" y="729720"/>
-            <a:ext cx="11028960" cy="4578840"/>
+            <a:ext cx="11028600" cy="4577040"/>
           </a:xfrm>
           <a:prstGeom prst="rect">
             <a:avLst/>
@@ -998,7 +998,7 @@
         <p:spPr>
           <a:xfrm>
             <a:off x="576000" y="729720"/>
-            <a:ext cx="11028960" cy="987480"/>
+            <a:ext cx="11028600" cy="987120"/>
           </a:xfrm>
           <a:prstGeom prst="rect">
             <a:avLst/>
@@ -1141,7 +1141,7 @@
         <p:spPr>
           <a:xfrm>
             <a:off x="576000" y="729720"/>
-            <a:ext cx="11028960" cy="987480"/>
+            <a:ext cx="11028600" cy="987120"/>
           </a:xfrm>
           <a:prstGeom prst="rect">
             <a:avLst/>
@@ -1225,7 +1225,7 @@
         <p:spPr>
           <a:xfrm>
             <a:off x="576000" y="729720"/>
-            <a:ext cx="11028960" cy="987480"/>
+            <a:ext cx="11028600" cy="987120"/>
           </a:xfrm>
           <a:prstGeom prst="rect">
             <a:avLst/>
@@ -1368,7 +1368,7 @@
         <p:spPr>
           <a:xfrm>
             <a:off x="576000" y="729720"/>
-            <a:ext cx="11028960" cy="987480"/>
+            <a:ext cx="11028600" cy="987120"/>
           </a:xfrm>
           <a:prstGeom prst="rect">
             <a:avLst/>
@@ -1511,7 +1511,7 @@
         <p:spPr>
           <a:xfrm>
             <a:off x="576000" y="729720"/>
-            <a:ext cx="11028960" cy="987480"/>
+            <a:ext cx="11028600" cy="987120"/>
           </a:xfrm>
           <a:prstGeom prst="rect">
             <a:avLst/>
@@ -1624,7 +1624,7 @@
         <p:spPr>
           <a:xfrm>
             <a:off x="576000" y="729720"/>
-            <a:ext cx="11028960" cy="987480"/>
+            <a:ext cx="11028600" cy="987120"/>
           </a:xfrm>
           <a:prstGeom prst="rect">
             <a:avLst/>
@@ -1797,7 +1797,7 @@
         <p:spPr>
           <a:xfrm>
             <a:off x="576000" y="729720"/>
-            <a:ext cx="11028960" cy="987480"/>
+            <a:ext cx="11028600" cy="987120"/>
           </a:xfrm>
           <a:prstGeom prst="rect">
             <a:avLst/>
@@ -2052,7 +2052,7 @@
         <p:spPr>
           <a:xfrm>
             <a:off x="576000" y="729720"/>
-            <a:ext cx="11028960" cy="987480"/>
+            <a:ext cx="11028600" cy="987120"/>
           </a:xfrm>
           <a:prstGeom prst="rect">
             <a:avLst/>
@@ -2136,7 +2136,7 @@
         <p:spPr>
           <a:xfrm>
             <a:off x="576000" y="729720"/>
-            <a:ext cx="11028960" cy="987480"/>
+            <a:ext cx="11028600" cy="987120"/>
           </a:xfrm>
           <a:prstGeom prst="rect">
             <a:avLst/>
@@ -2219,7 +2219,7 @@
         <p:spPr>
           <a:xfrm>
             <a:off x="576000" y="729720"/>
-            <a:ext cx="11028960" cy="987480"/>
+            <a:ext cx="11028600" cy="987120"/>
           </a:xfrm>
           <a:prstGeom prst="rect">
             <a:avLst/>
@@ -2332,7 +2332,7 @@
         <p:spPr>
           <a:xfrm>
             <a:off x="576000" y="729720"/>
-            <a:ext cx="11028960" cy="987480"/>
+            <a:ext cx="11028600" cy="987120"/>
           </a:xfrm>
           <a:prstGeom prst="rect">
             <a:avLst/>
@@ -2385,7 +2385,7 @@
         <p:spPr>
           <a:xfrm>
             <a:off x="576000" y="729720"/>
-            <a:ext cx="11028960" cy="987480"/>
+            <a:ext cx="11028600" cy="987120"/>
           </a:xfrm>
           <a:prstGeom prst="rect">
             <a:avLst/>
@@ -2468,7 +2468,7 @@
         <p:spPr>
           <a:xfrm>
             <a:off x="576000" y="729720"/>
-            <a:ext cx="11028960" cy="4578840"/>
+            <a:ext cx="11028600" cy="4577040"/>
           </a:xfrm>
           <a:prstGeom prst="rect">
             <a:avLst/>
@@ -2521,7 +2521,7 @@
         <p:spPr>
           <a:xfrm>
             <a:off x="576000" y="729720"/>
-            <a:ext cx="11028960" cy="987480"/>
+            <a:ext cx="11028600" cy="987120"/>
           </a:xfrm>
           <a:prstGeom prst="rect">
             <a:avLst/>
@@ -2664,7 +2664,7 @@
         <p:spPr>
           <a:xfrm>
             <a:off x="576000" y="729720"/>
-            <a:ext cx="11028960" cy="987480"/>
+            <a:ext cx="11028600" cy="987120"/>
           </a:xfrm>
           <a:prstGeom prst="rect">
             <a:avLst/>
@@ -2807,7 +2807,7 @@
         <p:spPr>
           <a:xfrm>
             <a:off x="576000" y="729720"/>
-            <a:ext cx="11028960" cy="987480"/>
+            <a:ext cx="11028600" cy="987120"/>
           </a:xfrm>
           <a:prstGeom prst="rect">
             <a:avLst/>
@@ -2950,7 +2950,7 @@
         <p:spPr>
           <a:xfrm>
             <a:off x="576000" y="729720"/>
-            <a:ext cx="11028960" cy="987480"/>
+            <a:ext cx="11028600" cy="987120"/>
           </a:xfrm>
           <a:prstGeom prst="rect">
             <a:avLst/>
@@ -3063,7 +3063,7 @@
         <p:spPr>
           <a:xfrm>
             <a:off x="576000" y="729720"/>
-            <a:ext cx="11028960" cy="987480"/>
+            <a:ext cx="11028600" cy="987120"/>
           </a:xfrm>
           <a:prstGeom prst="rect">
             <a:avLst/>
@@ -3236,7 +3236,7 @@
         <p:spPr>
           <a:xfrm>
             <a:off x="576000" y="729720"/>
-            <a:ext cx="11028960" cy="987480"/>
+            <a:ext cx="11028600" cy="987120"/>
           </a:xfrm>
           <a:prstGeom prst="rect">
             <a:avLst/>
@@ -3469,7 +3469,7 @@
         <p:spPr>
           <a:xfrm>
             <a:off x="576000" y="729720"/>
-            <a:ext cx="11028960" cy="987480"/>
+            <a:ext cx="11028600" cy="987120"/>
           </a:xfrm>
           <a:prstGeom prst="rect">
             <a:avLst/>
@@ -3582,7 +3582,7 @@
         <p:spPr>
           <a:xfrm>
             <a:off x="576000" y="729720"/>
-            <a:ext cx="11028960" cy="987480"/>
+            <a:ext cx="11028600" cy="987120"/>
           </a:xfrm>
           <a:prstGeom prst="rect">
             <a:avLst/>
@@ -3635,7 +3635,7 @@
         <p:spPr>
           <a:xfrm>
             <a:off x="576000" y="729720"/>
-            <a:ext cx="11028960" cy="4578840"/>
+            <a:ext cx="11028600" cy="4577040"/>
           </a:xfrm>
           <a:prstGeom prst="rect">
             <a:avLst/>
@@ -3688,7 +3688,7 @@
         <p:spPr>
           <a:xfrm>
             <a:off x="576000" y="729720"/>
-            <a:ext cx="11028960" cy="987480"/>
+            <a:ext cx="11028600" cy="987120"/>
           </a:xfrm>
           <a:prstGeom prst="rect">
             <a:avLst/>
@@ -3831,7 +3831,7 @@
         <p:spPr>
           <a:xfrm>
             <a:off x="576000" y="729720"/>
-            <a:ext cx="11028960" cy="987480"/>
+            <a:ext cx="11028600" cy="987120"/>
           </a:xfrm>
           <a:prstGeom prst="rect">
             <a:avLst/>
@@ -3974,7 +3974,7 @@
         <p:spPr>
           <a:xfrm>
             <a:off x="576000" y="729720"/>
-            <a:ext cx="11028960" cy="987480"/>
+            <a:ext cx="11028600" cy="987120"/>
           </a:xfrm>
           <a:prstGeom prst="rect">
             <a:avLst/>
@@ -4120,7 +4120,7 @@
         <p:spPr>
           <a:xfrm>
             <a:off x="446400" y="457200"/>
-            <a:ext cx="3702600" cy="94320"/>
+            <a:ext cx="3702240" cy="93960"/>
           </a:xfrm>
           <a:prstGeom prst="rect">
             <a:avLst/>
@@ -4161,7 +4161,7 @@
         <p:spPr>
           <a:xfrm>
             <a:off x="8042040" y="453600"/>
-            <a:ext cx="3702600" cy="97920"/>
+            <a:ext cx="3702240" cy="97560"/>
           </a:xfrm>
           <a:prstGeom prst="rect">
             <a:avLst/>
@@ -4202,7 +4202,7 @@
         <p:spPr>
           <a:xfrm>
             <a:off x="4241880" y="457200"/>
-            <a:ext cx="3702600" cy="90720"/>
+            <a:ext cx="3702240" cy="90360"/>
           </a:xfrm>
           <a:prstGeom prst="rect">
             <a:avLst/>
@@ -4243,7 +4243,7 @@
         <p:spPr>
           <a:xfrm>
             <a:off x="447840" y="5141880"/>
-            <a:ext cx="11290320" cy="1258200"/>
+            <a:ext cx="11289960" cy="1257840"/>
           </a:xfrm>
           <a:prstGeom prst="rect">
             <a:avLst/>
@@ -4544,7 +4544,7 @@
         <p:spPr>
           <a:xfrm>
             <a:off x="446400" y="457200"/>
-            <a:ext cx="3702600" cy="94320"/>
+            <a:ext cx="3702240" cy="93960"/>
           </a:xfrm>
           <a:prstGeom prst="rect">
             <a:avLst/>
@@ -4585,7 +4585,7 @@
         <p:spPr>
           <a:xfrm>
             <a:off x="8042040" y="453600"/>
-            <a:ext cx="3702600" cy="97920"/>
+            <a:ext cx="3702240" cy="97560"/>
           </a:xfrm>
           <a:prstGeom prst="rect">
             <a:avLst/>
@@ -4626,7 +4626,7 @@
         <p:spPr>
           <a:xfrm>
             <a:off x="4241880" y="457200"/>
-            <a:ext cx="3702600" cy="90720"/>
+            <a:ext cx="3702240" cy="90360"/>
           </a:xfrm>
           <a:prstGeom prst="rect">
             <a:avLst/>
@@ -4667,7 +4667,7 @@
         <p:spPr>
           <a:xfrm>
             <a:off x="446400" y="3085920"/>
-            <a:ext cx="11298240" cy="3337560"/>
+            <a:ext cx="11297880" cy="3337200"/>
           </a:xfrm>
           <a:prstGeom prst="rect">
             <a:avLst/>
@@ -4712,7 +4712,7 @@
         <p:spPr>
           <a:xfrm>
             <a:off x="576000" y="729720"/>
-            <a:ext cx="11028960" cy="987480"/>
+            <a:ext cx="11028600" cy="987120"/>
           </a:xfrm>
           <a:prstGeom prst="rect">
             <a:avLst/>
@@ -4749,7 +4749,7 @@
         <p:spPr>
           <a:xfrm>
             <a:off x="609480" y="1604520"/>
-            <a:ext cx="10972440" cy="3977280"/>
+            <a:ext cx="10972080" cy="3976920"/>
           </a:xfrm>
           <a:prstGeom prst="rect">
             <a:avLst/>
@@ -4760,7 +4760,7 @@
             <a:normAutofit/>
           </a:bodyPr>
           <a:p>
-            <a:pPr marL="432000" indent="-324000">
+            <a:pPr marL="432000" indent="-324000" algn="ctr">
               <a:spcBef>
                 <a:spcPts val="1417"/>
               </a:spcBef>
@@ -4772,17 +4772,17 @@
               <a:buChar char=""/>
             </a:pPr>
             <a:r>
-              <a:rPr b="0" lang="pt-PT" sz="3200" spc="-1" strike="noStrike">
+              <a:rPr b="0" lang="pt-PT" sz="1800" spc="-1" strike="noStrike">
                 <a:latin typeface="Arial"/>
               </a:rPr>
               <a:t>Clique para editar o formato de texto dos tópicos</a:t>
             </a:r>
-            <a:endParaRPr b="0" lang="pt-PT" sz="3200" spc="-1" strike="noStrike">
-              <a:latin typeface="Arial"/>
-            </a:endParaRPr>
-          </a:p>
-          <a:p>
-            <a:pPr lvl="1" marL="864000" indent="-324000">
+            <a:endParaRPr b="0" lang="pt-PT" sz="1800" spc="-1" strike="noStrike">
+              <a:latin typeface="Arial"/>
+            </a:endParaRPr>
+          </a:p>
+          <a:p>
+            <a:pPr lvl="1" marL="864000" indent="-324000" algn="ctr">
               <a:spcBef>
                 <a:spcPts val="1134"/>
               </a:spcBef>
@@ -4794,17 +4794,17 @@
               <a:buChar char=""/>
             </a:pPr>
             <a:r>
-              <a:rPr b="0" lang="pt-PT" sz="2800" spc="-1" strike="noStrike">
+              <a:rPr b="0" lang="pt-PT" sz="1800" spc="-1" strike="noStrike">
                 <a:latin typeface="Arial"/>
               </a:rPr>
               <a:t>Segundo nível de tópicos</a:t>
             </a:r>
-            <a:endParaRPr b="0" lang="pt-PT" sz="2800" spc="-1" strike="noStrike">
-              <a:latin typeface="Arial"/>
-            </a:endParaRPr>
-          </a:p>
-          <a:p>
-            <a:pPr lvl="2" marL="1296000" indent="-288000">
+            <a:endParaRPr b="0" lang="pt-PT" sz="1800" spc="-1" strike="noStrike">
+              <a:latin typeface="Arial"/>
+            </a:endParaRPr>
+          </a:p>
+          <a:p>
+            <a:pPr lvl="2" marL="1296000" indent="-288000" algn="ctr">
               <a:spcBef>
                 <a:spcPts val="850"/>
               </a:spcBef>
@@ -4816,17 +4816,17 @@
               <a:buChar char=""/>
             </a:pPr>
             <a:r>
-              <a:rPr b="0" lang="pt-PT" sz="2400" spc="-1" strike="noStrike">
+              <a:rPr b="0" lang="pt-PT" sz="1800" spc="-1" strike="noStrike">
                 <a:latin typeface="Arial"/>
               </a:rPr>
               <a:t>Terceiro nível de tópicos</a:t>
             </a:r>
-            <a:endParaRPr b="0" lang="pt-PT" sz="2400" spc="-1" strike="noStrike">
-              <a:latin typeface="Arial"/>
-            </a:endParaRPr>
-          </a:p>
-          <a:p>
-            <a:pPr lvl="3" marL="1728000" indent="-216000">
+            <a:endParaRPr b="0" lang="pt-PT" sz="1800" spc="-1" strike="noStrike">
+              <a:latin typeface="Arial"/>
+            </a:endParaRPr>
+          </a:p>
+          <a:p>
+            <a:pPr lvl="3" marL="1728000" indent="-216000" algn="ctr">
               <a:spcBef>
                 <a:spcPts val="567"/>
               </a:spcBef>
@@ -4838,17 +4838,17 @@
               <a:buChar char=""/>
             </a:pPr>
             <a:r>
-              <a:rPr b="0" lang="pt-PT" sz="2000" spc="-1" strike="noStrike">
+              <a:rPr b="0" lang="pt-PT" sz="1800" spc="-1" strike="noStrike">
                 <a:latin typeface="Arial"/>
               </a:rPr>
               <a:t>Quarto nível de tópicos</a:t>
             </a:r>
-            <a:endParaRPr b="0" lang="pt-PT" sz="2000" spc="-1" strike="noStrike">
-              <a:latin typeface="Arial"/>
-            </a:endParaRPr>
-          </a:p>
-          <a:p>
-            <a:pPr lvl="4" marL="2160000" indent="-216000">
+            <a:endParaRPr b="0" lang="pt-PT" sz="1800" spc="-1" strike="noStrike">
+              <a:latin typeface="Arial"/>
+            </a:endParaRPr>
+          </a:p>
+          <a:p>
+            <a:pPr lvl="4" marL="2160000" indent="-216000" algn="ctr">
               <a:spcBef>
                 <a:spcPts val="283"/>
               </a:spcBef>
@@ -4860,17 +4860,17 @@
               <a:buChar char=""/>
             </a:pPr>
             <a:r>
-              <a:rPr b="0" lang="pt-PT" sz="2000" spc="-1" strike="noStrike">
+              <a:rPr b="0" lang="pt-PT" sz="1800" spc="-1" strike="noStrike">
                 <a:latin typeface="Arial"/>
               </a:rPr>
               <a:t>Quinto nível de tópicos</a:t>
             </a:r>
-            <a:endParaRPr b="0" lang="pt-PT" sz="2000" spc="-1" strike="noStrike">
-              <a:latin typeface="Arial"/>
-            </a:endParaRPr>
-          </a:p>
-          <a:p>
-            <a:pPr lvl="5" marL="2592000" indent="-216000">
+            <a:endParaRPr b="0" lang="pt-PT" sz="1800" spc="-1" strike="noStrike">
+              <a:latin typeface="Arial"/>
+            </a:endParaRPr>
+          </a:p>
+          <a:p>
+            <a:pPr lvl="5" marL="2592000" indent="-216000" algn="ctr">
               <a:spcBef>
                 <a:spcPts val="283"/>
               </a:spcBef>
@@ -4882,17 +4882,17 @@
               <a:buChar char=""/>
             </a:pPr>
             <a:r>
-              <a:rPr b="0" lang="pt-PT" sz="2000" spc="-1" strike="noStrike">
+              <a:rPr b="0" lang="pt-PT" sz="1800" spc="-1" strike="noStrike">
                 <a:latin typeface="Arial"/>
               </a:rPr>
               <a:t>Sexto nível de tópicos</a:t>
             </a:r>
-            <a:endParaRPr b="0" lang="pt-PT" sz="2000" spc="-1" strike="noStrike">
-              <a:latin typeface="Arial"/>
-            </a:endParaRPr>
-          </a:p>
-          <a:p>
-            <a:pPr lvl="6" marL="3024000" indent="-216000">
+            <a:endParaRPr b="0" lang="pt-PT" sz="1800" spc="-1" strike="noStrike">
+              <a:latin typeface="Arial"/>
+            </a:endParaRPr>
+          </a:p>
+          <a:p>
+            <a:pPr lvl="6" marL="3024000" indent="-216000" algn="ctr">
               <a:spcBef>
                 <a:spcPts val="283"/>
               </a:spcBef>
@@ -4904,12 +4904,12 @@
               <a:buChar char=""/>
             </a:pPr>
             <a:r>
-              <a:rPr b="0" lang="pt-PT" sz="2000" spc="-1" strike="noStrike">
+              <a:rPr b="0" lang="pt-PT" sz="1800" spc="-1" strike="noStrike">
                 <a:latin typeface="Arial"/>
               </a:rPr>
               <a:t>Sétimo nível de tópicos</a:t>
             </a:r>
-            <a:endParaRPr b="0" lang="pt-PT" sz="2000" spc="-1" strike="noStrike">
+            <a:endParaRPr b="0" lang="pt-PT" sz="1800" spc="-1" strike="noStrike">
               <a:latin typeface="Arial"/>
             </a:endParaRPr>
           </a:p>
@@ -4968,7 +4968,7 @@
         <p:spPr>
           <a:xfrm>
             <a:off x="446400" y="457200"/>
-            <a:ext cx="3702600" cy="94320"/>
+            <a:ext cx="3702240" cy="93960"/>
           </a:xfrm>
           <a:prstGeom prst="rect">
             <a:avLst/>
@@ -5009,7 +5009,7 @@
         <p:spPr>
           <a:xfrm>
             <a:off x="8042040" y="453600"/>
-            <a:ext cx="3702600" cy="97920"/>
+            <a:ext cx="3702240" cy="97560"/>
           </a:xfrm>
           <a:prstGeom prst="rect">
             <a:avLst/>
@@ -5050,7 +5050,7 @@
         <p:spPr>
           <a:xfrm>
             <a:off x="4241880" y="457200"/>
-            <a:ext cx="3702600" cy="90720"/>
+            <a:ext cx="3702240" cy="90360"/>
           </a:xfrm>
           <a:prstGeom prst="rect">
             <a:avLst/>
@@ -5095,7 +5095,7 @@
         <p:spPr>
           <a:xfrm>
             <a:off x="576000" y="729720"/>
-            <a:ext cx="11028960" cy="987480"/>
+            <a:ext cx="11028600" cy="987120"/>
           </a:xfrm>
           <a:prstGeom prst="rect">
             <a:avLst/>
@@ -5344,7 +5344,7 @@
         <p:spPr>
           <a:xfrm>
             <a:off x="581040" y="2394000"/>
-            <a:ext cx="11028960" cy="2146680"/>
+            <a:ext cx="11028600" cy="2146320"/>
           </a:xfrm>
           <a:prstGeom prst="rect">
             <a:avLst/>
@@ -5376,6 +5376,7 @@
                   <a:srgbClr val="404040"/>
                 </a:solidFill>
                 <a:latin typeface="Franklin Gothic Demi"/>
+                <a:ea typeface="DejaVu Sans"/>
               </a:rPr>
               <a:t>Inteligência Artificial</a:t>
             </a:r>
@@ -5394,7 +5395,7 @@
         <p:spPr>
           <a:xfrm>
             <a:off x="581040" y="4541400"/>
-            <a:ext cx="11028960" cy="599760"/>
+            <a:ext cx="11028600" cy="599400"/>
           </a:xfrm>
           <a:prstGeom prst="rect">
             <a:avLst/>
@@ -5432,6 +5433,7 @@
                   <a:srgbClr val="1cade4"/>
                 </a:solidFill>
                 <a:latin typeface="Franklin Gothic Book"/>
+                <a:ea typeface="DejaVu Sans"/>
               </a:rPr>
               <a:t>prediction of football European teams game outcome </a:t>
             </a:r>
@@ -5450,7 +5452,7 @@
         <p:spPr>
           <a:xfrm>
             <a:off x="8959320" y="6423840"/>
-            <a:ext cx="2844000" cy="364320"/>
+            <a:ext cx="2843640" cy="363960"/>
           </a:xfrm>
           <a:prstGeom prst="rect">
             <a:avLst/>
@@ -5479,14 +5481,15 @@
                 <a:spcPts val="601"/>
               </a:spcAft>
             </a:pPr>
-            <a:fld id="{11A26154-0884-46AB-92AC-14BC8972C392}" type="datetime1">
+            <a:fld id="{53B214CF-F5BE-4E75-A59B-3269F328DF4B}" type="datetime1">
               <a:rPr b="0" lang="pt-PT" sz="900" spc="-1" strike="noStrike">
                 <a:solidFill>
                   <a:srgbClr val="404040"/>
                 </a:solidFill>
                 <a:latin typeface="Franklin Gothic Book"/>
+                <a:ea typeface="DejaVu Sans"/>
               </a:rPr>
-              <a:t>04-05-2020</a:t>
+              <a:t>06-05-2020</a:t>
             </a:fld>
             <a:endParaRPr b="0" lang="pt-PT" sz="900" spc="-1" strike="noStrike">
               <a:latin typeface="Arial"/>
@@ -5503,7 +5506,7 @@
         <p:spPr>
           <a:xfrm>
             <a:off x="581040" y="5321160"/>
-            <a:ext cx="11028960" cy="912960"/>
+            <a:ext cx="11028600" cy="912600"/>
           </a:xfrm>
           <a:prstGeom prst="rect">
             <a:avLst/>
@@ -5598,7 +5601,7 @@
         <p:spPr>
           <a:xfrm>
             <a:off x="457200" y="694800"/>
-            <a:ext cx="3254400" cy="1250280"/>
+            <a:ext cx="3254040" cy="1249920"/>
           </a:xfrm>
           <a:prstGeom prst="rect">
             <a:avLst/>
@@ -5654,7 +5657,7 @@
         <p:spPr>
           <a:xfrm>
             <a:off x="0" y="0"/>
-            <a:ext cx="12191400" cy="6857280"/>
+            <a:ext cx="12191040" cy="6856920"/>
           </a:xfrm>
           <a:prstGeom prst="rect">
             <a:avLst/>
@@ -5690,7 +5693,7 @@
         <p:spPr>
           <a:xfrm>
             <a:off x="729000" y="771840"/>
-            <a:ext cx="10741680" cy="580320"/>
+            <a:ext cx="10741320" cy="579960"/>
           </a:xfrm>
           <a:prstGeom prst="rect">
             <a:avLst/>
@@ -5722,6 +5725,7 @@
                   <a:srgbClr val="404040"/>
                 </a:solidFill>
                 <a:latin typeface="Franklin Gothic Demi"/>
+                <a:ea typeface="DejaVu Sans"/>
               </a:rPr>
               <a:t>Inteligência Artificial – trabalho 2</a:t>
             </a:r>
@@ -5740,7 +5744,7 @@
         <p:spPr>
           <a:xfrm>
             <a:off x="728280" y="1415160"/>
-            <a:ext cx="2440800" cy="610920"/>
+            <a:ext cx="2440440" cy="610560"/>
           </a:xfrm>
           <a:prstGeom prst="rect">
             <a:avLst/>
@@ -5778,6 +5782,7 @@
                   <a:srgbClr val="1cade4"/>
                 </a:solidFill>
                 <a:latin typeface="Franklin Gothic Book"/>
+                <a:ea typeface="DejaVu Sans"/>
               </a:rPr>
               <a:t>APRESENTAÇÃO</a:t>
             </a:r>
@@ -5796,7 +5801,7 @@
         <p:spPr>
           <a:xfrm>
             <a:off x="446400" y="457200"/>
-            <a:ext cx="3702600" cy="94320"/>
+            <a:ext cx="3702240" cy="93960"/>
           </a:xfrm>
           <a:prstGeom prst="rect">
             <a:avLst/>
@@ -5837,7 +5842,7 @@
         <p:spPr>
           <a:xfrm>
             <a:off x="4241880" y="457200"/>
-            <a:ext cx="3702600" cy="90720"/>
+            <a:ext cx="3702240" cy="90360"/>
           </a:xfrm>
           <a:prstGeom prst="rect">
             <a:avLst/>
@@ -5878,7 +5883,7 @@
         <p:spPr>
           <a:xfrm>
             <a:off x="8042040" y="453600"/>
-            <a:ext cx="3702600" cy="97920"/>
+            <a:ext cx="3702240" cy="97560"/>
           </a:xfrm>
           <a:prstGeom prst="rect">
             <a:avLst/>
@@ -5919,7 +5924,7 @@
         <p:spPr>
           <a:xfrm>
             <a:off x="727560" y="2007360"/>
-            <a:ext cx="6299640" cy="455400"/>
+            <a:ext cx="8560440" cy="819720"/>
           </a:xfrm>
           <a:prstGeom prst="rect">
             <a:avLst/>
@@ -5963,7 +5968,7 @@
                 <a:latin typeface="Franklin Gothic Book"/>
                 <a:ea typeface="DejaVu Sans"/>
               </a:rPr>
-              <a:t>: </a:t>
+              <a:t>: Previsão do resultado de jogos de futebol das maiores ligas da Europa através da aplicação de diferentes algoritmos de inteligência artificial.</a:t>
             </a:r>
             <a:endParaRPr b="0" lang="pt-PT" sz="1600" spc="-1" strike="noStrike">
               <a:latin typeface="Arial"/>
@@ -5980,7 +5985,7 @@
         <p:spPr>
           <a:xfrm>
             <a:off x="727560" y="3592800"/>
-            <a:ext cx="10771560" cy="455400"/>
+            <a:ext cx="10771200" cy="1549800"/>
           </a:xfrm>
           <a:prstGeom prst="rect">
             <a:avLst/>
@@ -6007,14 +6012,14 @@
               </a:lnSpc>
             </a:pPr>
             <a:r>
-              <a:rPr b="1" lang="pt-PT" sz="1600" spc="-1" strike="noStrike">
+              <a:rPr b="1" i="1" lang="pt-PT" sz="1600" spc="-1" strike="noStrike">
                 <a:solidFill>
                   <a:srgbClr val="000000"/>
                 </a:solidFill>
                 <a:latin typeface="Franklin Gothic Book"/>
                 <a:ea typeface="DejaVu Sans"/>
               </a:rPr>
-              <a:t>Pontuação</a:t>
+              <a:t>Data Set</a:t>
             </a:r>
             <a:r>
               <a:rPr b="0" lang="pt-PT" sz="1600" spc="-1" strike="noStrike">
@@ -6024,7 +6029,48 @@
                 <a:latin typeface="Franklin Gothic Book"/>
                 <a:ea typeface="DejaVu Sans"/>
               </a:rPr>
-              <a:t>: A</a:t>
+              <a:t>: O </a:t>
+            </a:r>
+            <a:r>
+              <a:rPr b="0" i="1" lang="pt-PT" sz="1600" spc="-1" strike="noStrike">
+                <a:solidFill>
+                  <a:srgbClr val="000000"/>
+                </a:solidFill>
+                <a:latin typeface="Franklin Gothic Book"/>
+                <a:ea typeface="DejaVu Sans"/>
+              </a:rPr>
+              <a:t>data set</a:t>
+            </a:r>
+            <a:r>
+              <a:rPr b="0" lang="pt-PT" sz="1600" spc="-1" strike="noStrike">
+                <a:solidFill>
+                  <a:srgbClr val="000000"/>
+                </a:solidFill>
+                <a:latin typeface="Franklin Gothic Book"/>
+                <a:ea typeface="DejaVu Sans"/>
+              </a:rPr>
+              <a:t> utilizado pode ser encontrado em </a:t>
+            </a:r>
+            <a:r>
+              <a:rPr b="0" lang="pt-PT" sz="1600" spc="-1" strike="noStrike">
+                <a:solidFill>
+                  <a:srgbClr val="000000"/>
+                </a:solidFill>
+                <a:latin typeface="Franklin Gothic Book"/>
+                <a:ea typeface="DejaVu Sans"/>
+                <a:hlinkClick r:id="rId1"/>
+              </a:rPr>
+              <a:t>https://www.kaggle.com/hugomathien/soccer</a:t>
+            </a:r>
+            <a:r>
+              <a:rPr b="0" lang="pt-PT" sz="1600" spc="-1" strike="noStrike">
+                <a:solidFill>
+                  <a:srgbClr val="000000"/>
+                </a:solidFill>
+                <a:latin typeface="Franklin Gothic Book"/>
+                <a:ea typeface="DejaVu Sans"/>
+              </a:rPr>
+              <a:t>. Contém uma base de dados com cerca de 25000 jogos das principais ligas europeias entre 2008 e 2016. A informação é complementada com os atributos das equipas e dos jogadores que integraram esses jogos.  </a:t>
             </a:r>
             <a:endParaRPr b="0" lang="pt-PT" sz="1600" spc="-1" strike="noStrike">
               <a:latin typeface="Arial"/>
@@ -6078,7 +6124,7 @@
         <p:spPr>
           <a:xfrm>
             <a:off x="0" y="0"/>
-            <a:ext cx="12191400" cy="6857280"/>
+            <a:ext cx="12191040" cy="6856920"/>
           </a:xfrm>
           <a:prstGeom prst="rect">
             <a:avLst/>
@@ -6114,7 +6160,7 @@
         <p:spPr>
           <a:xfrm>
             <a:off x="729000" y="771840"/>
-            <a:ext cx="10741680" cy="580320"/>
+            <a:ext cx="10741320" cy="579960"/>
           </a:xfrm>
           <a:prstGeom prst="rect">
             <a:avLst/>
@@ -6146,6 +6192,7 @@
                   <a:srgbClr val="404040"/>
                 </a:solidFill>
                 <a:latin typeface="Franklin Gothic Demi"/>
+                <a:ea typeface="DejaVu Sans"/>
               </a:rPr>
               <a:t>Inteligência Artificial – trabalho 1</a:t>
             </a:r>
@@ -6164,7 +6211,7 @@
         <p:spPr>
           <a:xfrm>
             <a:off x="728280" y="1415160"/>
-            <a:ext cx="3294360" cy="610920"/>
+            <a:ext cx="3294000" cy="610560"/>
           </a:xfrm>
           <a:prstGeom prst="rect">
             <a:avLst/>
@@ -6202,6 +6249,7 @@
                   <a:srgbClr val="1cade4"/>
                 </a:solidFill>
                 <a:latin typeface="Franklin Gothic Book"/>
+                <a:ea typeface="DejaVu Sans"/>
               </a:rPr>
               <a:t>DATA SET</a:t>
             </a:r>
@@ -6220,7 +6268,7 @@
         <p:spPr>
           <a:xfrm>
             <a:off x="446400" y="457200"/>
-            <a:ext cx="3702600" cy="94320"/>
+            <a:ext cx="3702240" cy="93960"/>
           </a:xfrm>
           <a:prstGeom prst="rect">
             <a:avLst/>
@@ -6261,7 +6309,7 @@
         <p:spPr>
           <a:xfrm>
             <a:off x="4241880" y="457200"/>
-            <a:ext cx="3702600" cy="90720"/>
+            <a:ext cx="3702240" cy="90360"/>
           </a:xfrm>
           <a:prstGeom prst="rect">
             <a:avLst/>
@@ -6302,7 +6350,7 @@
         <p:spPr>
           <a:xfrm>
             <a:off x="8042040" y="453600"/>
-            <a:ext cx="3702600" cy="97920"/>
+            <a:ext cx="3702240" cy="97560"/>
           </a:xfrm>
           <a:prstGeom prst="rect">
             <a:avLst/>
@@ -6343,7 +6391,7 @@
         <p:spPr>
           <a:xfrm>
             <a:off x="728280" y="3339360"/>
-            <a:ext cx="10743120" cy="455400"/>
+            <a:ext cx="10742760" cy="455040"/>
           </a:xfrm>
           <a:prstGeom prst="rect">
             <a:avLst/>
@@ -6387,17 +6435,7 @@
                 <a:latin typeface="Franklin Gothic Book"/>
                 <a:ea typeface="DejaVu Sans"/>
               </a:rPr>
-              <a:t>: </a:t>
-            </a:r>
-            <a:r>
-              <a:rPr b="0" lang="pt-PT" sz="1600" spc="-1" strike="noStrike">
-                <a:solidFill>
-                  <a:srgbClr val="000000"/>
-                </a:solidFill>
-                <a:latin typeface="Franklin Gothic Book"/>
-                <a:ea typeface="DejaVu Sans"/>
-              </a:rPr>
-              <a:t> </a:t>
+              <a:t>:  </a:t>
             </a:r>
             <a:endParaRPr b="0" lang="pt-PT" sz="1600" spc="-1" strike="noStrike">
               <a:latin typeface="Arial"/>
@@ -6414,7 +6452,7 @@
         <p:spPr>
           <a:xfrm>
             <a:off x="727560" y="1865520"/>
-            <a:ext cx="10743120" cy="820440"/>
+            <a:ext cx="10742760" cy="820080"/>
           </a:xfrm>
           <a:prstGeom prst="rect">
             <a:avLst/>
@@ -6505,7 +6543,7 @@
         <p:spPr>
           <a:xfrm>
             <a:off x="753120" y="4777200"/>
-            <a:ext cx="10743120" cy="698760"/>
+            <a:ext cx="10742760" cy="698400"/>
           </a:xfrm>
           <a:prstGeom prst="rect">
             <a:avLst/>
@@ -6603,7 +6641,7 @@
         <p:spPr>
           <a:xfrm>
             <a:off x="0" y="0"/>
-            <a:ext cx="12191400" cy="6857280"/>
+            <a:ext cx="12191040" cy="6856920"/>
           </a:xfrm>
           <a:prstGeom prst="rect">
             <a:avLst/>
@@ -6639,7 +6677,7 @@
         <p:spPr>
           <a:xfrm>
             <a:off x="729000" y="771840"/>
-            <a:ext cx="10741680" cy="580320"/>
+            <a:ext cx="10741320" cy="579960"/>
           </a:xfrm>
           <a:prstGeom prst="rect">
             <a:avLst/>
@@ -6671,6 +6709,7 @@
                   <a:srgbClr val="404040"/>
                 </a:solidFill>
                 <a:latin typeface="Franklin Gothic Demi"/>
+                <a:ea typeface="DejaVu Sans"/>
               </a:rPr>
               <a:t>Inteligência Artificial – trabalho 2</a:t>
             </a:r>
@@ -6689,7 +6728,7 @@
         <p:spPr>
           <a:xfrm>
             <a:off x="748440" y="1409400"/>
-            <a:ext cx="8943480" cy="610920"/>
+            <a:ext cx="8943120" cy="610560"/>
           </a:xfrm>
           <a:prstGeom prst="rect">
             <a:avLst/>
@@ -6727,6 +6766,7 @@
                   <a:srgbClr val="1cade4"/>
                 </a:solidFill>
                 <a:latin typeface="Franklin Gothic Book"/>
+                <a:ea typeface="DejaVu Sans"/>
               </a:rPr>
               <a:t>ALGORITMOS </a:t>
             </a:r>
@@ -6745,7 +6785,7 @@
         <p:spPr>
           <a:xfrm>
             <a:off x="446400" y="457200"/>
-            <a:ext cx="3702600" cy="94320"/>
+            <a:ext cx="3702240" cy="93960"/>
           </a:xfrm>
           <a:prstGeom prst="rect">
             <a:avLst/>
@@ -6786,7 +6826,7 @@
         <p:spPr>
           <a:xfrm>
             <a:off x="4241880" y="457200"/>
-            <a:ext cx="3702600" cy="90720"/>
+            <a:ext cx="3702240" cy="90360"/>
           </a:xfrm>
           <a:prstGeom prst="rect">
             <a:avLst/>
@@ -6827,7 +6867,7 @@
         <p:spPr>
           <a:xfrm>
             <a:off x="8042040" y="453600"/>
-            <a:ext cx="3702600" cy="97920"/>
+            <a:ext cx="3702240" cy="97560"/>
           </a:xfrm>
           <a:prstGeom prst="rect">
             <a:avLst/>
@@ -6868,7 +6908,7 @@
         <p:spPr>
           <a:xfrm>
             <a:off x="748440" y="2077560"/>
-            <a:ext cx="4746600" cy="942120"/>
+            <a:ext cx="4746240" cy="941760"/>
           </a:xfrm>
           <a:prstGeom prst="rect">
             <a:avLst/>
@@ -6952,7 +6992,7 @@
         <p:spPr>
           <a:xfrm>
             <a:off x="6126480" y="2077920"/>
-            <a:ext cx="5001120" cy="942120"/>
+            <a:ext cx="5000760" cy="941760"/>
           </a:xfrm>
           <a:prstGeom prst="rect">
             <a:avLst/>
@@ -7070,7 +7110,7 @@
         <p:spPr>
           <a:xfrm>
             <a:off x="0" y="0"/>
-            <a:ext cx="12191400" cy="6857280"/>
+            <a:ext cx="12191040" cy="6856920"/>
           </a:xfrm>
           <a:prstGeom prst="rect">
             <a:avLst/>
@@ -7106,7 +7146,7 @@
         <p:spPr>
           <a:xfrm>
             <a:off x="729000" y="771840"/>
-            <a:ext cx="10741680" cy="580320"/>
+            <a:ext cx="10741320" cy="579960"/>
           </a:xfrm>
           <a:prstGeom prst="rect">
             <a:avLst/>
@@ -7138,6 +7178,7 @@
                   <a:srgbClr val="404040"/>
                 </a:solidFill>
                 <a:latin typeface="Franklin Gothic Demi"/>
+                <a:ea typeface="DejaVu Sans"/>
               </a:rPr>
               <a:t>Inteligência Artificial – trabalho 2</a:t>
             </a:r>
@@ -7156,7 +7197,7 @@
         <p:spPr>
           <a:xfrm>
             <a:off x="748440" y="1409400"/>
-            <a:ext cx="8943480" cy="610920"/>
+            <a:ext cx="8943120" cy="610560"/>
           </a:xfrm>
           <a:prstGeom prst="rect">
             <a:avLst/>
@@ -7194,6 +7235,7 @@
                   <a:srgbClr val="1cade4"/>
                 </a:solidFill>
                 <a:latin typeface="Franklin Gothic Book"/>
+                <a:ea typeface="DejaVu Sans"/>
               </a:rPr>
               <a:t>TRABALHOS RELACIONADOS</a:t>
             </a:r>
@@ -7212,7 +7254,7 @@
         <p:spPr>
           <a:xfrm>
             <a:off x="446400" y="457200"/>
-            <a:ext cx="3702600" cy="94320"/>
+            <a:ext cx="3702240" cy="93960"/>
           </a:xfrm>
           <a:prstGeom prst="rect">
             <a:avLst/>
@@ -7253,7 +7295,7 @@
         <p:spPr>
           <a:xfrm>
             <a:off x="4241880" y="457200"/>
-            <a:ext cx="3702600" cy="90720"/>
+            <a:ext cx="3702240" cy="90360"/>
           </a:xfrm>
           <a:prstGeom prst="rect">
             <a:avLst/>
@@ -7294,7 +7336,7 @@
         <p:spPr>
           <a:xfrm>
             <a:off x="8042040" y="453600"/>
-            <a:ext cx="3702600" cy="97920"/>
+            <a:ext cx="3702240" cy="97560"/>
           </a:xfrm>
           <a:prstGeom prst="rect">
             <a:avLst/>
@@ -7365,7 +7407,7 @@
         <p:spPr>
           <a:xfrm>
             <a:off x="581040" y="814320"/>
-            <a:ext cx="11029320" cy="499680"/>
+            <a:ext cx="11028960" cy="499320"/>
           </a:xfrm>
           <a:prstGeom prst="rect">
             <a:avLst/>
@@ -7397,6 +7439,7 @@
                   <a:srgbClr val="404040"/>
                 </a:solidFill>
                 <a:latin typeface="Franklin Gothic Demi"/>
+                <a:ea typeface="DejaVu Sans"/>
               </a:rPr>
               <a:t>Inteligência Artificial – trabalho 1</a:t>
             </a:r>
@@ -7415,7 +7458,7 @@
         <p:spPr>
           <a:xfrm>
             <a:off x="581040" y="1653480"/>
-            <a:ext cx="2875320" cy="333360"/>
+            <a:ext cx="2874960" cy="333000"/>
           </a:xfrm>
           <a:prstGeom prst="rect">
             <a:avLst/>
@@ -7466,7 +7509,7 @@
         <p:spPr>
           <a:xfrm>
             <a:off x="1916640" y="2943720"/>
-            <a:ext cx="7502400" cy="912600"/>
+            <a:ext cx="7502040" cy="912600"/>
           </a:xfrm>
           <a:prstGeom prst="rect">
             <a:avLst/>
@@ -7487,7 +7530,7 @@
             <a:spAutoFit/>
           </a:bodyPr>
           <a:p>
-            <a:pPr marL="285840" indent="-285120">
+            <a:pPr marL="285840" indent="-284760">
               <a:lnSpc>
                 <a:spcPct val="150000"/>
               </a:lnSpc>
@@ -7522,7 +7565,7 @@
             </a:endParaRPr>
           </a:p>
           <a:p>
-            <a:pPr marL="285840" indent="-285120">
+            <a:pPr marL="285840" indent="-284760">
               <a:lnSpc>
                 <a:spcPct val="150000"/>
               </a:lnSpc>

--- a/Assigment2/Checkpoint1_trabalho2.pptx
+++ b/Assigment2/Checkpoint1_trabalho2.pptx
@@ -1,26 +1,120 @@
 
 <file path=ppt/presentation.xml><?xml version="1.0" encoding="utf-8"?>
-<p:presentation xmlns:a="http://schemas.openxmlformats.org/drawingml/2006/main" xmlns:p="http://schemas.openxmlformats.org/presentationml/2006/main" xmlns:r="http://schemas.openxmlformats.org/officeDocument/2006/relationships" xmlns:p14="http://schemas.microsoft.com/office/powerpoint/2010/main" xmlns:p15="http://schemas.microsoft.com/office/powerpoint/2012/main" xmlns:mc="http://schemas.openxmlformats.org/markup-compatibility/2006">
+<p:presentation xmlns:a="http://schemas.openxmlformats.org/drawingml/2006/main" xmlns:r="http://schemas.openxmlformats.org/officeDocument/2006/relationships" xmlns:p="http://schemas.openxmlformats.org/presentationml/2006/main">
   <p:sldMasterIdLst>
-    <p:sldMasterId id="2147483648" r:id="rId2"/>
-    <p:sldMasterId id="2147483661" r:id="rId3"/>
-    <p:sldMasterId id="2147483674" r:id="rId4"/>
+    <p:sldMasterId id="2147483648" r:id="rId1"/>
+    <p:sldMasterId id="2147483674" r:id="rId2"/>
   </p:sldMasterIdLst>
   <p:sldIdLst>
-    <p:sldId id="256" r:id="rId5"/>
-    <p:sldId id="257" r:id="rId6"/>
-    <p:sldId id="258" r:id="rId7"/>
-    <p:sldId id="259" r:id="rId8"/>
-    <p:sldId id="260" r:id="rId9"/>
-    <p:sldId id="261" r:id="rId10"/>
+    <p:sldId id="256" r:id="rId3"/>
+    <p:sldId id="257" r:id="rId4"/>
+    <p:sldId id="258" r:id="rId5"/>
+    <p:sldId id="259" r:id="rId6"/>
+    <p:sldId id="260" r:id="rId7"/>
+    <p:sldId id="261" r:id="rId8"/>
   </p:sldIdLst>
   <p:sldSz cx="12192000" cy="6858000"/>
-  <p:notesSz cx="7559675" cy="10691812"/>
+  <p:notesSz cx="7559675" cy="10691813"/>
+  <p:defaultTextStyle>
+    <a:defPPr>
+      <a:defRPr lang="pt-PT"/>
+    </a:defPPr>
+    <a:lvl1pPr marL="0" algn="l" defTabSz="914400" rtl="0" eaLnBrk="1" latinLnBrk="0" hangingPunct="1">
+      <a:defRPr sz="1800" kern="1200">
+        <a:solidFill>
+          <a:schemeClr val="tx1"/>
+        </a:solidFill>
+        <a:latin typeface="+mn-lt"/>
+        <a:ea typeface="+mn-ea"/>
+        <a:cs typeface="+mn-cs"/>
+      </a:defRPr>
+    </a:lvl1pPr>
+    <a:lvl2pPr marL="457200" algn="l" defTabSz="914400" rtl="0" eaLnBrk="1" latinLnBrk="0" hangingPunct="1">
+      <a:defRPr sz="1800" kern="1200">
+        <a:solidFill>
+          <a:schemeClr val="tx1"/>
+        </a:solidFill>
+        <a:latin typeface="+mn-lt"/>
+        <a:ea typeface="+mn-ea"/>
+        <a:cs typeface="+mn-cs"/>
+      </a:defRPr>
+    </a:lvl2pPr>
+    <a:lvl3pPr marL="914400" algn="l" defTabSz="914400" rtl="0" eaLnBrk="1" latinLnBrk="0" hangingPunct="1">
+      <a:defRPr sz="1800" kern="1200">
+        <a:solidFill>
+          <a:schemeClr val="tx1"/>
+        </a:solidFill>
+        <a:latin typeface="+mn-lt"/>
+        <a:ea typeface="+mn-ea"/>
+        <a:cs typeface="+mn-cs"/>
+      </a:defRPr>
+    </a:lvl3pPr>
+    <a:lvl4pPr marL="1371600" algn="l" defTabSz="914400" rtl="0" eaLnBrk="1" latinLnBrk="0" hangingPunct="1">
+      <a:defRPr sz="1800" kern="1200">
+        <a:solidFill>
+          <a:schemeClr val="tx1"/>
+        </a:solidFill>
+        <a:latin typeface="+mn-lt"/>
+        <a:ea typeface="+mn-ea"/>
+        <a:cs typeface="+mn-cs"/>
+      </a:defRPr>
+    </a:lvl4pPr>
+    <a:lvl5pPr marL="1828800" algn="l" defTabSz="914400" rtl="0" eaLnBrk="1" latinLnBrk="0" hangingPunct="1">
+      <a:defRPr sz="1800" kern="1200">
+        <a:solidFill>
+          <a:schemeClr val="tx1"/>
+        </a:solidFill>
+        <a:latin typeface="+mn-lt"/>
+        <a:ea typeface="+mn-ea"/>
+        <a:cs typeface="+mn-cs"/>
+      </a:defRPr>
+    </a:lvl5pPr>
+    <a:lvl6pPr marL="2286000" algn="l" defTabSz="914400" rtl="0" eaLnBrk="1" latinLnBrk="0" hangingPunct="1">
+      <a:defRPr sz="1800" kern="1200">
+        <a:solidFill>
+          <a:schemeClr val="tx1"/>
+        </a:solidFill>
+        <a:latin typeface="+mn-lt"/>
+        <a:ea typeface="+mn-ea"/>
+        <a:cs typeface="+mn-cs"/>
+      </a:defRPr>
+    </a:lvl6pPr>
+    <a:lvl7pPr marL="2743200" algn="l" defTabSz="914400" rtl="0" eaLnBrk="1" latinLnBrk="0" hangingPunct="1">
+      <a:defRPr sz="1800" kern="1200">
+        <a:solidFill>
+          <a:schemeClr val="tx1"/>
+        </a:solidFill>
+        <a:latin typeface="+mn-lt"/>
+        <a:ea typeface="+mn-ea"/>
+        <a:cs typeface="+mn-cs"/>
+      </a:defRPr>
+    </a:lvl7pPr>
+    <a:lvl8pPr marL="3200400" algn="l" defTabSz="914400" rtl="0" eaLnBrk="1" latinLnBrk="0" hangingPunct="1">
+      <a:defRPr sz="1800" kern="1200">
+        <a:solidFill>
+          <a:schemeClr val="tx1"/>
+        </a:solidFill>
+        <a:latin typeface="+mn-lt"/>
+        <a:ea typeface="+mn-ea"/>
+        <a:cs typeface="+mn-cs"/>
+      </a:defRPr>
+    </a:lvl8pPr>
+    <a:lvl9pPr marL="3657600" algn="l" defTabSz="914400" rtl="0" eaLnBrk="1" latinLnBrk="0" hangingPunct="1">
+      <a:defRPr sz="1800" kern="1200">
+        <a:solidFill>
+          <a:schemeClr val="tx1"/>
+        </a:solidFill>
+        <a:latin typeface="+mn-lt"/>
+        <a:ea typeface="+mn-ea"/>
+        <a:cs typeface="+mn-cs"/>
+      </a:defRPr>
+    </a:lvl9pPr>
+  </p:defaultTextStyle>
 </p:presentation>
 </file>
 
 <file path=ppt/slideLayouts/slideLayout1.xml><?xml version="1.0" encoding="utf-8"?>
-<p:sldLayout xmlns:a="http://schemas.openxmlformats.org/drawingml/2006/main" xmlns:p="http://schemas.openxmlformats.org/presentationml/2006/main" xmlns:r="http://schemas.openxmlformats.org/officeDocument/2006/relationships" xmlns:p14="http://schemas.microsoft.com/office/powerpoint/2010/main" xmlns:p15="http://schemas.microsoft.com/office/powerpoint/2012/main" xmlns:mc="http://schemas.openxmlformats.org/markup-compatibility/2006" type="blank" preserve="1">
+<p:sldLayout xmlns:a="http://schemas.openxmlformats.org/drawingml/2006/main" xmlns:r="http://schemas.openxmlformats.org/officeDocument/2006/relationships" xmlns:p="http://schemas.openxmlformats.org/presentationml/2006/main" type="blank" preserve="1">
   <p:cSld name="Blank Slide">
     <p:spTree>
       <p:nvGrpSpPr>
@@ -38,11 +132,14 @@
       </p:grpSpPr>
     </p:spTree>
   </p:cSld>
+  <p:clrMapOvr>
+    <a:masterClrMapping/>
+  </p:clrMapOvr>
 </p:sldLayout>
 </file>
 
 <file path=ppt/slideLayouts/slideLayout10.xml><?xml version="1.0" encoding="utf-8"?>
-<p:sldLayout xmlns:a="http://schemas.openxmlformats.org/drawingml/2006/main" xmlns:p="http://schemas.openxmlformats.org/presentationml/2006/main" xmlns:r="http://schemas.openxmlformats.org/officeDocument/2006/relationships" xmlns:p14="http://schemas.microsoft.com/office/powerpoint/2010/main" xmlns:p15="http://schemas.microsoft.com/office/powerpoint/2012/main" xmlns:mc="http://schemas.openxmlformats.org/markup-compatibility/2006" type="objOverTx" preserve="1">
+<p:sldLayout xmlns:a="http://schemas.openxmlformats.org/drawingml/2006/main" xmlns:r="http://schemas.openxmlformats.org/officeDocument/2006/relationships" xmlns:p="http://schemas.openxmlformats.org/presentationml/2006/main" type="objOverTx" preserve="1">
   <p:cSld name="Title, Content over Content">
     <p:spTree>
       <p:nvGrpSpPr>
@@ -78,12 +175,13 @@
           </a:prstGeom>
         </p:spPr>
         <p:txBody>
-          <a:bodyPr lIns="0" rIns="0" tIns="0" bIns="0" anchor="ctr">
+          <a:bodyPr lIns="0" tIns="0" rIns="0" bIns="0" anchor="ctr">
             <a:noAutofit/>
           </a:bodyPr>
+          <a:lstStyle/>
           <a:p>
             <a:pPr algn="ctr"/>
-            <a:endParaRPr b="0" lang="pt-PT" sz="4400" spc="-1" strike="noStrike">
+            <a:endParaRPr lang="pt-PT" sz="4400" b="0" strike="noStrike" spc="-1">
               <a:latin typeface="Arial"/>
             </a:endParaRPr>
           </a:p>
@@ -109,11 +207,12 @@
           </a:prstGeom>
         </p:spPr>
         <p:txBody>
-          <a:bodyPr lIns="0" rIns="0" tIns="0" bIns="0">
+          <a:bodyPr lIns="0" tIns="0" rIns="0" bIns="0">
             <a:normAutofit/>
           </a:bodyPr>
-          <a:p>
-            <a:endParaRPr b="0" lang="pt-PT" sz="3200" spc="-1" strike="noStrike">
+          <a:lstStyle/>
+          <a:p>
+            <a:endParaRPr lang="pt-PT" sz="3200" b="0" strike="noStrike" spc="-1">
               <a:latin typeface="Arial"/>
             </a:endParaRPr>
           </a:p>
@@ -139,11 +238,12 @@
           </a:prstGeom>
         </p:spPr>
         <p:txBody>
-          <a:bodyPr lIns="0" rIns="0" tIns="0" bIns="0">
+          <a:bodyPr lIns="0" tIns="0" rIns="0" bIns="0">
             <a:normAutofit/>
           </a:bodyPr>
-          <a:p>
-            <a:endParaRPr b="0" lang="pt-PT" sz="3200" spc="-1" strike="noStrike">
+          <a:lstStyle/>
+          <a:p>
+            <a:endParaRPr lang="pt-PT" sz="3200" b="0" strike="noStrike" spc="-1">
               <a:latin typeface="Arial"/>
             </a:endParaRPr>
           </a:p>
@@ -151,11 +251,14 @@
       </p:sp>
     </p:spTree>
   </p:cSld>
+  <p:clrMapOvr>
+    <a:masterClrMapping/>
+  </p:clrMapOvr>
 </p:sldLayout>
 </file>
 
 <file path=ppt/slideLayouts/slideLayout11.xml><?xml version="1.0" encoding="utf-8"?>
-<p:sldLayout xmlns:a="http://schemas.openxmlformats.org/drawingml/2006/main" xmlns:p="http://schemas.openxmlformats.org/presentationml/2006/main" xmlns:r="http://schemas.openxmlformats.org/officeDocument/2006/relationships" xmlns:p14="http://schemas.microsoft.com/office/powerpoint/2010/main" xmlns:p15="http://schemas.microsoft.com/office/powerpoint/2012/main" xmlns:mc="http://schemas.openxmlformats.org/markup-compatibility/2006" type="fourObj" preserve="1">
+<p:sldLayout xmlns:a="http://schemas.openxmlformats.org/drawingml/2006/main" xmlns:r="http://schemas.openxmlformats.org/officeDocument/2006/relationships" xmlns:p="http://schemas.openxmlformats.org/presentationml/2006/main" type="fourObj" preserve="1">
   <p:cSld name="Title, 4 Content">
     <p:spTree>
       <p:nvGrpSpPr>
@@ -191,12 +294,13 @@
           </a:prstGeom>
         </p:spPr>
         <p:txBody>
-          <a:bodyPr lIns="0" rIns="0" tIns="0" bIns="0" anchor="ctr">
+          <a:bodyPr lIns="0" tIns="0" rIns="0" bIns="0" anchor="ctr">
             <a:noAutofit/>
           </a:bodyPr>
+          <a:lstStyle/>
           <a:p>
             <a:pPr algn="ctr"/>
-            <a:endParaRPr b="0" lang="pt-PT" sz="4400" spc="-1" strike="noStrike">
+            <a:endParaRPr lang="pt-PT" sz="4400" b="0" strike="noStrike" spc="-1">
               <a:latin typeface="Arial"/>
             </a:endParaRPr>
           </a:p>
@@ -222,11 +326,12 @@
           </a:prstGeom>
         </p:spPr>
         <p:txBody>
-          <a:bodyPr lIns="0" rIns="0" tIns="0" bIns="0">
+          <a:bodyPr lIns="0" tIns="0" rIns="0" bIns="0">
             <a:normAutofit/>
           </a:bodyPr>
-          <a:p>
-            <a:endParaRPr b="0" lang="pt-PT" sz="3200" spc="-1" strike="noStrike">
+          <a:lstStyle/>
+          <a:p>
+            <a:endParaRPr lang="pt-PT" sz="3200" b="0" strike="noStrike" spc="-1">
               <a:latin typeface="Arial"/>
             </a:endParaRPr>
           </a:p>
@@ -252,11 +357,12 @@
           </a:prstGeom>
         </p:spPr>
         <p:txBody>
-          <a:bodyPr lIns="0" rIns="0" tIns="0" bIns="0">
+          <a:bodyPr lIns="0" tIns="0" rIns="0" bIns="0">
             <a:normAutofit/>
           </a:bodyPr>
-          <a:p>
-            <a:endParaRPr b="0" lang="pt-PT" sz="3200" spc="-1" strike="noStrike">
+          <a:lstStyle/>
+          <a:p>
+            <a:endParaRPr lang="pt-PT" sz="3200" b="0" strike="noStrike" spc="-1">
               <a:latin typeface="Arial"/>
             </a:endParaRPr>
           </a:p>
@@ -282,11 +388,12 @@
           </a:prstGeom>
         </p:spPr>
         <p:txBody>
-          <a:bodyPr lIns="0" rIns="0" tIns="0" bIns="0">
+          <a:bodyPr lIns="0" tIns="0" rIns="0" bIns="0">
             <a:normAutofit/>
           </a:bodyPr>
-          <a:p>
-            <a:endParaRPr b="0" lang="pt-PT" sz="3200" spc="-1" strike="noStrike">
+          <a:lstStyle/>
+          <a:p>
+            <a:endParaRPr lang="pt-PT" sz="3200" b="0" strike="noStrike" spc="-1">
               <a:latin typeface="Arial"/>
             </a:endParaRPr>
           </a:p>
@@ -312,11 +419,12 @@
           </a:prstGeom>
         </p:spPr>
         <p:txBody>
-          <a:bodyPr lIns="0" rIns="0" tIns="0" bIns="0">
+          <a:bodyPr lIns="0" tIns="0" rIns="0" bIns="0">
             <a:normAutofit/>
           </a:bodyPr>
-          <a:p>
-            <a:endParaRPr b="0" lang="pt-PT" sz="3200" spc="-1" strike="noStrike">
+          <a:lstStyle/>
+          <a:p>
+            <a:endParaRPr lang="pt-PT" sz="3200" b="0" strike="noStrike" spc="-1">
               <a:latin typeface="Arial"/>
             </a:endParaRPr>
           </a:p>
@@ -324,11 +432,14 @@
       </p:sp>
     </p:spTree>
   </p:cSld>
+  <p:clrMapOvr>
+    <a:masterClrMapping/>
+  </p:clrMapOvr>
 </p:sldLayout>
 </file>
 
 <file path=ppt/slideLayouts/slideLayout12.xml><?xml version="1.0" encoding="utf-8"?>
-<p:sldLayout xmlns:a="http://schemas.openxmlformats.org/drawingml/2006/main" xmlns:p="http://schemas.openxmlformats.org/presentationml/2006/main" xmlns:r="http://schemas.openxmlformats.org/officeDocument/2006/relationships" xmlns:p14="http://schemas.microsoft.com/office/powerpoint/2010/main" xmlns:p15="http://schemas.microsoft.com/office/powerpoint/2012/main" xmlns:mc="http://schemas.openxmlformats.org/markup-compatibility/2006" type="blank" preserve="1">
+<p:sldLayout xmlns:a="http://schemas.openxmlformats.org/drawingml/2006/main" xmlns:r="http://schemas.openxmlformats.org/officeDocument/2006/relationships" xmlns:p="http://schemas.openxmlformats.org/presentationml/2006/main" type="blank" preserve="1">
   <p:cSld name="Title, 6 Content">
     <p:spTree>
       <p:nvGrpSpPr>
@@ -364,12 +475,13 @@
           </a:prstGeom>
         </p:spPr>
         <p:txBody>
-          <a:bodyPr lIns="0" rIns="0" tIns="0" bIns="0" anchor="ctr">
+          <a:bodyPr lIns="0" tIns="0" rIns="0" bIns="0" anchor="ctr">
             <a:noAutofit/>
           </a:bodyPr>
+          <a:lstStyle/>
           <a:p>
             <a:pPr algn="ctr"/>
-            <a:endParaRPr b="0" lang="pt-PT" sz="4400" spc="-1" strike="noStrike">
+            <a:endParaRPr lang="pt-PT" sz="4400" b="0" strike="noStrike" spc="-1">
               <a:latin typeface="Arial"/>
             </a:endParaRPr>
           </a:p>
@@ -395,11 +507,12 @@
           </a:prstGeom>
         </p:spPr>
         <p:txBody>
-          <a:bodyPr lIns="0" rIns="0" tIns="0" bIns="0">
+          <a:bodyPr lIns="0" tIns="0" rIns="0" bIns="0">
             <a:normAutofit/>
           </a:bodyPr>
-          <a:p>
-            <a:endParaRPr b="0" lang="pt-PT" sz="3200" spc="-1" strike="noStrike">
+          <a:lstStyle/>
+          <a:p>
+            <a:endParaRPr lang="pt-PT" sz="3200" b="0" strike="noStrike" spc="-1">
               <a:latin typeface="Arial"/>
             </a:endParaRPr>
           </a:p>
@@ -425,11 +538,12 @@
           </a:prstGeom>
         </p:spPr>
         <p:txBody>
-          <a:bodyPr lIns="0" rIns="0" tIns="0" bIns="0">
+          <a:bodyPr lIns="0" tIns="0" rIns="0" bIns="0">
             <a:normAutofit/>
           </a:bodyPr>
-          <a:p>
-            <a:endParaRPr b="0" lang="pt-PT" sz="3200" spc="-1" strike="noStrike">
+          <a:lstStyle/>
+          <a:p>
+            <a:endParaRPr lang="pt-PT" sz="3200" b="0" strike="noStrike" spc="-1">
               <a:latin typeface="Arial"/>
             </a:endParaRPr>
           </a:p>
@@ -455,11 +569,12 @@
           </a:prstGeom>
         </p:spPr>
         <p:txBody>
-          <a:bodyPr lIns="0" rIns="0" tIns="0" bIns="0">
+          <a:bodyPr lIns="0" tIns="0" rIns="0" bIns="0">
             <a:normAutofit/>
           </a:bodyPr>
-          <a:p>
-            <a:endParaRPr b="0" lang="pt-PT" sz="3200" spc="-1" strike="noStrike">
+          <a:lstStyle/>
+          <a:p>
+            <a:endParaRPr lang="pt-PT" sz="3200" b="0" strike="noStrike" spc="-1">
               <a:latin typeface="Arial"/>
             </a:endParaRPr>
           </a:p>
@@ -485,11 +600,12 @@
           </a:prstGeom>
         </p:spPr>
         <p:txBody>
-          <a:bodyPr lIns="0" rIns="0" tIns="0" bIns="0">
+          <a:bodyPr lIns="0" tIns="0" rIns="0" bIns="0">
             <a:normAutofit/>
           </a:bodyPr>
-          <a:p>
-            <a:endParaRPr b="0" lang="pt-PT" sz="3200" spc="-1" strike="noStrike">
+          <a:lstStyle/>
+          <a:p>
+            <a:endParaRPr lang="pt-PT" sz="3200" b="0" strike="noStrike" spc="-1">
               <a:latin typeface="Arial"/>
             </a:endParaRPr>
           </a:p>
@@ -515,11 +631,12 @@
           </a:prstGeom>
         </p:spPr>
         <p:txBody>
-          <a:bodyPr lIns="0" rIns="0" tIns="0" bIns="0">
+          <a:bodyPr lIns="0" tIns="0" rIns="0" bIns="0">
             <a:normAutofit/>
           </a:bodyPr>
-          <a:p>
-            <a:endParaRPr b="0" lang="pt-PT" sz="3200" spc="-1" strike="noStrike">
+          <a:lstStyle/>
+          <a:p>
+            <a:endParaRPr lang="pt-PT" sz="3200" b="0" strike="noStrike" spc="-1">
               <a:latin typeface="Arial"/>
             </a:endParaRPr>
           </a:p>
@@ -545,11 +662,12 @@
           </a:prstGeom>
         </p:spPr>
         <p:txBody>
-          <a:bodyPr lIns="0" rIns="0" tIns="0" bIns="0">
+          <a:bodyPr lIns="0" tIns="0" rIns="0" bIns="0">
             <a:normAutofit/>
           </a:bodyPr>
-          <a:p>
-            <a:endParaRPr b="0" lang="pt-PT" sz="3200" spc="-1" strike="noStrike">
+          <a:lstStyle/>
+          <a:p>
+            <a:endParaRPr lang="pt-PT" sz="3200" b="0" strike="noStrike" spc="-1">
               <a:latin typeface="Arial"/>
             </a:endParaRPr>
           </a:p>
@@ -557,11 +675,14 @@
       </p:sp>
     </p:spTree>
   </p:cSld>
+  <p:clrMapOvr>
+    <a:masterClrMapping/>
+  </p:clrMapOvr>
 </p:sldLayout>
 </file>
 
 <file path=ppt/slideLayouts/slideLayout13.xml><?xml version="1.0" encoding="utf-8"?>
-<p:sldLayout xmlns:a="http://schemas.openxmlformats.org/drawingml/2006/main" xmlns:p="http://schemas.openxmlformats.org/presentationml/2006/main" xmlns:r="http://schemas.openxmlformats.org/officeDocument/2006/relationships" xmlns:p14="http://schemas.microsoft.com/office/powerpoint/2010/main" xmlns:p15="http://schemas.microsoft.com/office/powerpoint/2012/main" xmlns:mc="http://schemas.openxmlformats.org/markup-compatibility/2006" type="blank" preserve="1">
+<p:sldLayout xmlns:a="http://schemas.openxmlformats.org/drawingml/2006/main" xmlns:r="http://schemas.openxmlformats.org/officeDocument/2006/relationships" xmlns:p="http://schemas.openxmlformats.org/presentationml/2006/main" type="blank" preserve="1">
   <p:cSld name="Blank Slide">
     <p:spTree>
       <p:nvGrpSpPr>
@@ -579,11 +700,14 @@
       </p:grpSpPr>
     </p:spTree>
   </p:cSld>
+  <p:clrMapOvr>
+    <a:masterClrMapping/>
+  </p:clrMapOvr>
 </p:sldLayout>
 </file>
 
 <file path=ppt/slideLayouts/slideLayout14.xml><?xml version="1.0" encoding="utf-8"?>
-<p:sldLayout xmlns:a="http://schemas.openxmlformats.org/drawingml/2006/main" xmlns:p="http://schemas.openxmlformats.org/presentationml/2006/main" xmlns:r="http://schemas.openxmlformats.org/officeDocument/2006/relationships" xmlns:p14="http://schemas.microsoft.com/office/powerpoint/2010/main" xmlns:p15="http://schemas.microsoft.com/office/powerpoint/2012/main" xmlns:mc="http://schemas.openxmlformats.org/markup-compatibility/2006" type="tx" preserve="1">
+<p:sldLayout xmlns:a="http://schemas.openxmlformats.org/drawingml/2006/main" xmlns:r="http://schemas.openxmlformats.org/officeDocument/2006/relationships" xmlns:p="http://schemas.openxmlformats.org/presentationml/2006/main" type="tx" preserve="1">
   <p:cSld name="Title Slide">
     <p:spTree>
       <p:nvGrpSpPr>
@@ -601,7 +725,7 @@
       </p:grpSpPr>
       <p:sp>
         <p:nvSpPr>
-          <p:cNvPr id="48" name="PlaceHolder 1"/>
+          <p:cNvPr id="89" name="PlaceHolder 1"/>
           <p:cNvSpPr>
             <a:spLocks noGrp="1"/>
           </p:cNvSpPr>
@@ -619,20 +743,21 @@
           </a:prstGeom>
         </p:spPr>
         <p:txBody>
-          <a:bodyPr lIns="0" rIns="0" tIns="0" bIns="0" anchor="ctr">
+          <a:bodyPr lIns="0" tIns="0" rIns="0" bIns="0" anchor="ctr">
             <a:noAutofit/>
           </a:bodyPr>
+          <a:lstStyle/>
           <a:p>
             <a:pPr algn="ctr"/>
-            <a:endParaRPr b="0" lang="pt-PT" sz="4400" spc="-1" strike="noStrike">
-              <a:latin typeface="Arial"/>
-            </a:endParaRPr>
-          </a:p>
-        </p:txBody>
-      </p:sp>
-      <p:sp>
-        <p:nvSpPr>
-          <p:cNvPr id="49" name="PlaceHolder 2"/>
+            <a:endParaRPr lang="pt-PT" sz="4400" b="0" strike="noStrike" spc="-1">
+              <a:latin typeface="Arial"/>
+            </a:endParaRPr>
+          </a:p>
+        </p:txBody>
+      </p:sp>
+      <p:sp>
+        <p:nvSpPr>
+          <p:cNvPr id="90" name="PlaceHolder 2"/>
           <p:cNvSpPr>
             <a:spLocks noGrp="1"/>
           </p:cNvSpPr>
@@ -650,12 +775,13 @@
           </a:prstGeom>
         </p:spPr>
         <p:txBody>
-          <a:bodyPr lIns="0" rIns="0" tIns="0" bIns="0" anchor="ctr">
+          <a:bodyPr lIns="0" tIns="0" rIns="0" bIns="0" anchor="ctr">
             <a:noAutofit/>
           </a:bodyPr>
+          <a:lstStyle/>
           <a:p>
             <a:pPr algn="ctr"/>
-            <a:endParaRPr b="0" lang="pt-PT" sz="3200" spc="-1" strike="noStrike">
+            <a:endParaRPr lang="pt-PT" sz="3200" b="0" strike="noStrike" spc="-1">
               <a:latin typeface="Arial"/>
             </a:endParaRPr>
           </a:p>
@@ -663,11 +789,14 @@
       </p:sp>
     </p:spTree>
   </p:cSld>
+  <p:clrMapOvr>
+    <a:masterClrMapping/>
+  </p:clrMapOvr>
 </p:sldLayout>
 </file>
 
 <file path=ppt/slideLayouts/slideLayout15.xml><?xml version="1.0" encoding="utf-8"?>
-<p:sldLayout xmlns:a="http://schemas.openxmlformats.org/drawingml/2006/main" xmlns:p="http://schemas.openxmlformats.org/presentationml/2006/main" xmlns:r="http://schemas.openxmlformats.org/officeDocument/2006/relationships" xmlns:p14="http://schemas.microsoft.com/office/powerpoint/2010/main" xmlns:p15="http://schemas.microsoft.com/office/powerpoint/2012/main" xmlns:mc="http://schemas.openxmlformats.org/markup-compatibility/2006" type="obj" preserve="1">
+<p:sldLayout xmlns:a="http://schemas.openxmlformats.org/drawingml/2006/main" xmlns:r="http://schemas.openxmlformats.org/officeDocument/2006/relationships" xmlns:p="http://schemas.openxmlformats.org/presentationml/2006/main" type="obj" preserve="1">
   <p:cSld name="Title, Content">
     <p:spTree>
       <p:nvGrpSpPr>
@@ -685,7 +814,7 @@
       </p:grpSpPr>
       <p:sp>
         <p:nvSpPr>
-          <p:cNvPr id="50" name="PlaceHolder 1"/>
+          <p:cNvPr id="91" name="PlaceHolder 1"/>
           <p:cNvSpPr>
             <a:spLocks noGrp="1"/>
           </p:cNvSpPr>
@@ -703,20 +832,21 @@
           </a:prstGeom>
         </p:spPr>
         <p:txBody>
-          <a:bodyPr lIns="0" rIns="0" tIns="0" bIns="0" anchor="ctr">
+          <a:bodyPr lIns="0" tIns="0" rIns="0" bIns="0" anchor="ctr">
             <a:noAutofit/>
           </a:bodyPr>
+          <a:lstStyle/>
           <a:p>
             <a:pPr algn="ctr"/>
-            <a:endParaRPr b="0" lang="pt-PT" sz="4400" spc="-1" strike="noStrike">
-              <a:latin typeface="Arial"/>
-            </a:endParaRPr>
-          </a:p>
-        </p:txBody>
-      </p:sp>
-      <p:sp>
-        <p:nvSpPr>
-          <p:cNvPr id="51" name="PlaceHolder 2"/>
+            <a:endParaRPr lang="pt-PT" sz="4400" b="0" strike="noStrike" spc="-1">
+              <a:latin typeface="Arial"/>
+            </a:endParaRPr>
+          </a:p>
+        </p:txBody>
+      </p:sp>
+      <p:sp>
+        <p:nvSpPr>
+          <p:cNvPr id="92" name="PlaceHolder 2"/>
           <p:cNvSpPr>
             <a:spLocks noGrp="1"/>
           </p:cNvSpPr>
@@ -734,11 +864,12 @@
           </a:prstGeom>
         </p:spPr>
         <p:txBody>
-          <a:bodyPr lIns="0" rIns="0" tIns="0" bIns="0">
+          <a:bodyPr lIns="0" tIns="0" rIns="0" bIns="0">
             <a:normAutofit/>
           </a:bodyPr>
-          <a:p>
-            <a:endParaRPr b="0" lang="pt-PT" sz="3200" spc="-1" strike="noStrike">
+          <a:lstStyle/>
+          <a:p>
+            <a:endParaRPr lang="pt-PT" sz="3200" b="0" strike="noStrike" spc="-1">
               <a:latin typeface="Arial"/>
             </a:endParaRPr>
           </a:p>
@@ -746,11 +877,14 @@
       </p:sp>
     </p:spTree>
   </p:cSld>
+  <p:clrMapOvr>
+    <a:masterClrMapping/>
+  </p:clrMapOvr>
 </p:sldLayout>
 </file>
 
 <file path=ppt/slideLayouts/slideLayout16.xml><?xml version="1.0" encoding="utf-8"?>
-<p:sldLayout xmlns:a="http://schemas.openxmlformats.org/drawingml/2006/main" xmlns:p="http://schemas.openxmlformats.org/presentationml/2006/main" xmlns:r="http://schemas.openxmlformats.org/officeDocument/2006/relationships" xmlns:p14="http://schemas.microsoft.com/office/powerpoint/2010/main" xmlns:p15="http://schemas.microsoft.com/office/powerpoint/2012/main" xmlns:mc="http://schemas.openxmlformats.org/markup-compatibility/2006" type="twoObj" preserve="1">
+<p:sldLayout xmlns:a="http://schemas.openxmlformats.org/drawingml/2006/main" xmlns:r="http://schemas.openxmlformats.org/officeDocument/2006/relationships" xmlns:p="http://schemas.openxmlformats.org/presentationml/2006/main" type="twoObj" preserve="1">
   <p:cSld name="Title, 2 Content">
     <p:spTree>
       <p:nvGrpSpPr>
@@ -768,7 +902,7 @@
       </p:grpSpPr>
       <p:sp>
         <p:nvSpPr>
-          <p:cNvPr id="52" name="PlaceHolder 1"/>
+          <p:cNvPr id="93" name="PlaceHolder 1"/>
           <p:cNvSpPr>
             <a:spLocks noGrp="1"/>
           </p:cNvSpPr>
@@ -786,20 +920,21 @@
           </a:prstGeom>
         </p:spPr>
         <p:txBody>
-          <a:bodyPr lIns="0" rIns="0" tIns="0" bIns="0" anchor="ctr">
+          <a:bodyPr lIns="0" tIns="0" rIns="0" bIns="0" anchor="ctr">
             <a:noAutofit/>
           </a:bodyPr>
+          <a:lstStyle/>
           <a:p>
             <a:pPr algn="ctr"/>
-            <a:endParaRPr b="0" lang="pt-PT" sz="4400" spc="-1" strike="noStrike">
-              <a:latin typeface="Arial"/>
-            </a:endParaRPr>
-          </a:p>
-        </p:txBody>
-      </p:sp>
-      <p:sp>
-        <p:nvSpPr>
-          <p:cNvPr id="53" name="PlaceHolder 2"/>
+            <a:endParaRPr lang="pt-PT" sz="4400" b="0" strike="noStrike" spc="-1">
+              <a:latin typeface="Arial"/>
+            </a:endParaRPr>
+          </a:p>
+        </p:txBody>
+      </p:sp>
+      <p:sp>
+        <p:nvSpPr>
+          <p:cNvPr id="94" name="PlaceHolder 2"/>
           <p:cNvSpPr>
             <a:spLocks noGrp="1"/>
           </p:cNvSpPr>
@@ -817,19 +952,20 @@
           </a:prstGeom>
         </p:spPr>
         <p:txBody>
-          <a:bodyPr lIns="0" rIns="0" tIns="0" bIns="0">
+          <a:bodyPr lIns="0" tIns="0" rIns="0" bIns="0">
             <a:normAutofit/>
           </a:bodyPr>
-          <a:p>
-            <a:endParaRPr b="0" lang="pt-PT" sz="3200" spc="-1" strike="noStrike">
-              <a:latin typeface="Arial"/>
-            </a:endParaRPr>
-          </a:p>
-        </p:txBody>
-      </p:sp>
-      <p:sp>
-        <p:nvSpPr>
-          <p:cNvPr id="54" name="PlaceHolder 3"/>
+          <a:lstStyle/>
+          <a:p>
+            <a:endParaRPr lang="pt-PT" sz="3200" b="0" strike="noStrike" spc="-1">
+              <a:latin typeface="Arial"/>
+            </a:endParaRPr>
+          </a:p>
+        </p:txBody>
+      </p:sp>
+      <p:sp>
+        <p:nvSpPr>
+          <p:cNvPr id="95" name="PlaceHolder 3"/>
           <p:cNvSpPr>
             <a:spLocks noGrp="1"/>
           </p:cNvSpPr>
@@ -847,11 +983,12 @@
           </a:prstGeom>
         </p:spPr>
         <p:txBody>
-          <a:bodyPr lIns="0" rIns="0" tIns="0" bIns="0">
+          <a:bodyPr lIns="0" tIns="0" rIns="0" bIns="0">
             <a:normAutofit/>
           </a:bodyPr>
-          <a:p>
-            <a:endParaRPr b="0" lang="pt-PT" sz="3200" spc="-1" strike="noStrike">
+          <a:lstStyle/>
+          <a:p>
+            <a:endParaRPr lang="pt-PT" sz="3200" b="0" strike="noStrike" spc="-1">
               <a:latin typeface="Arial"/>
             </a:endParaRPr>
           </a:p>
@@ -859,11 +996,14 @@
       </p:sp>
     </p:spTree>
   </p:cSld>
+  <p:clrMapOvr>
+    <a:masterClrMapping/>
+  </p:clrMapOvr>
 </p:sldLayout>
 </file>
 
 <file path=ppt/slideLayouts/slideLayout17.xml><?xml version="1.0" encoding="utf-8"?>
-<p:sldLayout xmlns:a="http://schemas.openxmlformats.org/drawingml/2006/main" xmlns:p="http://schemas.openxmlformats.org/presentationml/2006/main" xmlns:r="http://schemas.openxmlformats.org/officeDocument/2006/relationships" xmlns:p14="http://schemas.microsoft.com/office/powerpoint/2010/main" xmlns:p15="http://schemas.microsoft.com/office/powerpoint/2012/main" xmlns:mc="http://schemas.openxmlformats.org/markup-compatibility/2006" type="titleOnly" preserve="1">
+<p:sldLayout xmlns:a="http://schemas.openxmlformats.org/drawingml/2006/main" xmlns:r="http://schemas.openxmlformats.org/officeDocument/2006/relationships" xmlns:p="http://schemas.openxmlformats.org/presentationml/2006/main" type="titleOnly" preserve="1">
   <p:cSld name="Title Only">
     <p:spTree>
       <p:nvGrpSpPr>
@@ -881,7 +1021,7 @@
       </p:grpSpPr>
       <p:sp>
         <p:nvSpPr>
-          <p:cNvPr id="55" name="PlaceHolder 1"/>
+          <p:cNvPr id="96" name="PlaceHolder 1"/>
           <p:cNvSpPr>
             <a:spLocks noGrp="1"/>
           </p:cNvSpPr>
@@ -899,12 +1039,13 @@
           </a:prstGeom>
         </p:spPr>
         <p:txBody>
-          <a:bodyPr lIns="0" rIns="0" tIns="0" bIns="0" anchor="ctr">
+          <a:bodyPr lIns="0" tIns="0" rIns="0" bIns="0" anchor="ctr">
             <a:noAutofit/>
           </a:bodyPr>
+          <a:lstStyle/>
           <a:p>
             <a:pPr algn="ctr"/>
-            <a:endParaRPr b="0" lang="pt-PT" sz="4400" spc="-1" strike="noStrike">
+            <a:endParaRPr lang="pt-PT" sz="4400" b="0" strike="noStrike" spc="-1">
               <a:latin typeface="Arial"/>
             </a:endParaRPr>
           </a:p>
@@ -912,11 +1053,14 @@
       </p:sp>
     </p:spTree>
   </p:cSld>
+  <p:clrMapOvr>
+    <a:masterClrMapping/>
+  </p:clrMapOvr>
 </p:sldLayout>
 </file>
 
 <file path=ppt/slideLayouts/slideLayout18.xml><?xml version="1.0" encoding="utf-8"?>
-<p:sldLayout xmlns:a="http://schemas.openxmlformats.org/drawingml/2006/main" xmlns:p="http://schemas.openxmlformats.org/presentationml/2006/main" xmlns:r="http://schemas.openxmlformats.org/officeDocument/2006/relationships" xmlns:p14="http://schemas.microsoft.com/office/powerpoint/2010/main" xmlns:p15="http://schemas.microsoft.com/office/powerpoint/2012/main" xmlns:mc="http://schemas.openxmlformats.org/markup-compatibility/2006" type="objOnly" preserve="1">
+<p:sldLayout xmlns:a="http://schemas.openxmlformats.org/drawingml/2006/main" xmlns:r="http://schemas.openxmlformats.org/officeDocument/2006/relationships" xmlns:p="http://schemas.openxmlformats.org/presentationml/2006/main" type="objOnly" preserve="1">
   <p:cSld name="Centered Text">
     <p:spTree>
       <p:nvGrpSpPr>
@@ -934,7 +1078,7 @@
       </p:grpSpPr>
       <p:sp>
         <p:nvSpPr>
-          <p:cNvPr id="56" name="PlaceHolder 1"/>
+          <p:cNvPr id="97" name="PlaceHolder 1"/>
           <p:cNvSpPr>
             <a:spLocks noGrp="1"/>
           </p:cNvSpPr>
@@ -952,12 +1096,13 @@
           </a:prstGeom>
         </p:spPr>
         <p:txBody>
-          <a:bodyPr lIns="0" rIns="0" tIns="0" bIns="0" anchor="ctr">
+          <a:bodyPr lIns="0" tIns="0" rIns="0" bIns="0" anchor="ctr">
             <a:noAutofit/>
           </a:bodyPr>
+          <a:lstStyle/>
           <a:p>
             <a:pPr algn="ctr"/>
-            <a:endParaRPr b="0" lang="pt-PT" sz="3200" spc="-1" strike="noStrike">
+            <a:endParaRPr lang="pt-PT" sz="3200" b="0" strike="noStrike" spc="-1">
               <a:latin typeface="Arial"/>
             </a:endParaRPr>
           </a:p>
@@ -965,11 +1110,14 @@
       </p:sp>
     </p:spTree>
   </p:cSld>
+  <p:clrMapOvr>
+    <a:masterClrMapping/>
+  </p:clrMapOvr>
 </p:sldLayout>
 </file>
 
 <file path=ppt/slideLayouts/slideLayout19.xml><?xml version="1.0" encoding="utf-8"?>
-<p:sldLayout xmlns:a="http://schemas.openxmlformats.org/drawingml/2006/main" xmlns:p="http://schemas.openxmlformats.org/presentationml/2006/main" xmlns:r="http://schemas.openxmlformats.org/officeDocument/2006/relationships" xmlns:p14="http://schemas.microsoft.com/office/powerpoint/2010/main" xmlns:p15="http://schemas.microsoft.com/office/powerpoint/2012/main" xmlns:mc="http://schemas.openxmlformats.org/markup-compatibility/2006" type="twoObjAndObj" preserve="1">
+<p:sldLayout xmlns:a="http://schemas.openxmlformats.org/drawingml/2006/main" xmlns:r="http://schemas.openxmlformats.org/officeDocument/2006/relationships" xmlns:p="http://schemas.openxmlformats.org/presentationml/2006/main" type="twoObjAndObj" preserve="1">
   <p:cSld name="Title, 2 Content and Content">
     <p:spTree>
       <p:nvGrpSpPr>
@@ -987,7 +1135,7 @@
       </p:grpSpPr>
       <p:sp>
         <p:nvSpPr>
-          <p:cNvPr id="57" name="PlaceHolder 1"/>
+          <p:cNvPr id="98" name="PlaceHolder 1"/>
           <p:cNvSpPr>
             <a:spLocks noGrp="1"/>
           </p:cNvSpPr>
@@ -1005,20 +1153,21 @@
           </a:prstGeom>
         </p:spPr>
         <p:txBody>
-          <a:bodyPr lIns="0" rIns="0" tIns="0" bIns="0" anchor="ctr">
+          <a:bodyPr lIns="0" tIns="0" rIns="0" bIns="0" anchor="ctr">
             <a:noAutofit/>
           </a:bodyPr>
+          <a:lstStyle/>
           <a:p>
             <a:pPr algn="ctr"/>
-            <a:endParaRPr b="0" lang="pt-PT" sz="4400" spc="-1" strike="noStrike">
-              <a:latin typeface="Arial"/>
-            </a:endParaRPr>
-          </a:p>
-        </p:txBody>
-      </p:sp>
-      <p:sp>
-        <p:nvSpPr>
-          <p:cNvPr id="58" name="PlaceHolder 2"/>
+            <a:endParaRPr lang="pt-PT" sz="4400" b="0" strike="noStrike" spc="-1">
+              <a:latin typeface="Arial"/>
+            </a:endParaRPr>
+          </a:p>
+        </p:txBody>
+      </p:sp>
+      <p:sp>
+        <p:nvSpPr>
+          <p:cNvPr id="99" name="PlaceHolder 2"/>
           <p:cNvSpPr>
             <a:spLocks noGrp="1"/>
           </p:cNvSpPr>
@@ -1036,19 +1185,20 @@
           </a:prstGeom>
         </p:spPr>
         <p:txBody>
-          <a:bodyPr lIns="0" rIns="0" tIns="0" bIns="0">
+          <a:bodyPr lIns="0" tIns="0" rIns="0" bIns="0">
             <a:normAutofit/>
           </a:bodyPr>
-          <a:p>
-            <a:endParaRPr b="0" lang="pt-PT" sz="3200" spc="-1" strike="noStrike">
-              <a:latin typeface="Arial"/>
-            </a:endParaRPr>
-          </a:p>
-        </p:txBody>
-      </p:sp>
-      <p:sp>
-        <p:nvSpPr>
-          <p:cNvPr id="59" name="PlaceHolder 3"/>
+          <a:lstStyle/>
+          <a:p>
+            <a:endParaRPr lang="pt-PT" sz="3200" b="0" strike="noStrike" spc="-1">
+              <a:latin typeface="Arial"/>
+            </a:endParaRPr>
+          </a:p>
+        </p:txBody>
+      </p:sp>
+      <p:sp>
+        <p:nvSpPr>
+          <p:cNvPr id="100" name="PlaceHolder 3"/>
           <p:cNvSpPr>
             <a:spLocks noGrp="1"/>
           </p:cNvSpPr>
@@ -1066,19 +1216,20 @@
           </a:prstGeom>
         </p:spPr>
         <p:txBody>
-          <a:bodyPr lIns="0" rIns="0" tIns="0" bIns="0">
+          <a:bodyPr lIns="0" tIns="0" rIns="0" bIns="0">
             <a:normAutofit/>
           </a:bodyPr>
-          <a:p>
-            <a:endParaRPr b="0" lang="pt-PT" sz="3200" spc="-1" strike="noStrike">
-              <a:latin typeface="Arial"/>
-            </a:endParaRPr>
-          </a:p>
-        </p:txBody>
-      </p:sp>
-      <p:sp>
-        <p:nvSpPr>
-          <p:cNvPr id="60" name="PlaceHolder 4"/>
+          <a:lstStyle/>
+          <a:p>
+            <a:endParaRPr lang="pt-PT" sz="3200" b="0" strike="noStrike" spc="-1">
+              <a:latin typeface="Arial"/>
+            </a:endParaRPr>
+          </a:p>
+        </p:txBody>
+      </p:sp>
+      <p:sp>
+        <p:nvSpPr>
+          <p:cNvPr id="101" name="PlaceHolder 4"/>
           <p:cNvSpPr>
             <a:spLocks noGrp="1"/>
           </p:cNvSpPr>
@@ -1096,11 +1247,12 @@
           </a:prstGeom>
         </p:spPr>
         <p:txBody>
-          <a:bodyPr lIns="0" rIns="0" tIns="0" bIns="0">
+          <a:bodyPr lIns="0" tIns="0" rIns="0" bIns="0">
             <a:normAutofit/>
           </a:bodyPr>
-          <a:p>
-            <a:endParaRPr b="0" lang="pt-PT" sz="3200" spc="-1" strike="noStrike">
+          <a:lstStyle/>
+          <a:p>
+            <a:endParaRPr lang="pt-PT" sz="3200" b="0" strike="noStrike" spc="-1">
               <a:latin typeface="Arial"/>
             </a:endParaRPr>
           </a:p>
@@ -1108,11 +1260,14 @@
       </p:sp>
     </p:spTree>
   </p:cSld>
+  <p:clrMapOvr>
+    <a:masterClrMapping/>
+  </p:clrMapOvr>
 </p:sldLayout>
 </file>
 
 <file path=ppt/slideLayouts/slideLayout2.xml><?xml version="1.0" encoding="utf-8"?>
-<p:sldLayout xmlns:a="http://schemas.openxmlformats.org/drawingml/2006/main" xmlns:p="http://schemas.openxmlformats.org/presentationml/2006/main" xmlns:r="http://schemas.openxmlformats.org/officeDocument/2006/relationships" xmlns:p14="http://schemas.microsoft.com/office/powerpoint/2010/main" xmlns:p15="http://schemas.microsoft.com/office/powerpoint/2012/main" xmlns:mc="http://schemas.openxmlformats.org/markup-compatibility/2006" type="tx" preserve="1">
+<p:sldLayout xmlns:a="http://schemas.openxmlformats.org/drawingml/2006/main" xmlns:r="http://schemas.openxmlformats.org/officeDocument/2006/relationships" xmlns:p="http://schemas.openxmlformats.org/presentationml/2006/main" type="tx" preserve="1">
   <p:cSld name="Title Slide">
     <p:spTree>
       <p:nvGrpSpPr>
@@ -1148,12 +1303,13 @@
           </a:prstGeom>
         </p:spPr>
         <p:txBody>
-          <a:bodyPr lIns="0" rIns="0" tIns="0" bIns="0" anchor="ctr">
+          <a:bodyPr lIns="0" tIns="0" rIns="0" bIns="0" anchor="ctr">
             <a:noAutofit/>
           </a:bodyPr>
+          <a:lstStyle/>
           <a:p>
             <a:pPr algn="ctr"/>
-            <a:endParaRPr b="0" lang="pt-PT" sz="4400" spc="-1" strike="noStrike">
+            <a:endParaRPr lang="pt-PT" sz="4400" b="0" strike="noStrike" spc="-1">
               <a:latin typeface="Arial"/>
             </a:endParaRPr>
           </a:p>
@@ -1179,12 +1335,13 @@
           </a:prstGeom>
         </p:spPr>
         <p:txBody>
-          <a:bodyPr lIns="0" rIns="0" tIns="0" bIns="0" anchor="ctr">
+          <a:bodyPr lIns="0" tIns="0" rIns="0" bIns="0" anchor="ctr">
             <a:noAutofit/>
           </a:bodyPr>
+          <a:lstStyle/>
           <a:p>
             <a:pPr algn="ctr"/>
-            <a:endParaRPr b="0" lang="pt-PT" sz="3200" spc="-1" strike="noStrike">
+            <a:endParaRPr lang="pt-PT" sz="3200" b="0" strike="noStrike" spc="-1">
               <a:latin typeface="Arial"/>
             </a:endParaRPr>
           </a:p>
@@ -1192,11 +1349,14 @@
       </p:sp>
     </p:spTree>
   </p:cSld>
+  <p:clrMapOvr>
+    <a:masterClrMapping/>
+  </p:clrMapOvr>
 </p:sldLayout>
 </file>
 
 <file path=ppt/slideLayouts/slideLayout20.xml><?xml version="1.0" encoding="utf-8"?>
-<p:sldLayout xmlns:a="http://schemas.openxmlformats.org/drawingml/2006/main" xmlns:p="http://schemas.openxmlformats.org/presentationml/2006/main" xmlns:r="http://schemas.openxmlformats.org/officeDocument/2006/relationships" xmlns:p14="http://schemas.microsoft.com/office/powerpoint/2010/main" xmlns:p15="http://schemas.microsoft.com/office/powerpoint/2012/main" xmlns:mc="http://schemas.openxmlformats.org/markup-compatibility/2006" type="objAndTwoObj" preserve="1">
+<p:sldLayout xmlns:a="http://schemas.openxmlformats.org/drawingml/2006/main" xmlns:r="http://schemas.openxmlformats.org/officeDocument/2006/relationships" xmlns:p="http://schemas.openxmlformats.org/presentationml/2006/main" type="objAndTwoObj" preserve="1">
   <p:cSld name="Title Content and 2 Content">
     <p:spTree>
       <p:nvGrpSpPr>
@@ -1214,7 +1374,7 @@
       </p:grpSpPr>
       <p:sp>
         <p:nvSpPr>
-          <p:cNvPr id="61" name="PlaceHolder 1"/>
+          <p:cNvPr id="102" name="PlaceHolder 1"/>
           <p:cNvSpPr>
             <a:spLocks noGrp="1"/>
           </p:cNvSpPr>
@@ -1232,20 +1392,21 @@
           </a:prstGeom>
         </p:spPr>
         <p:txBody>
-          <a:bodyPr lIns="0" rIns="0" tIns="0" bIns="0" anchor="ctr">
+          <a:bodyPr lIns="0" tIns="0" rIns="0" bIns="0" anchor="ctr">
             <a:noAutofit/>
           </a:bodyPr>
+          <a:lstStyle/>
           <a:p>
             <a:pPr algn="ctr"/>
-            <a:endParaRPr b="0" lang="pt-PT" sz="4400" spc="-1" strike="noStrike">
-              <a:latin typeface="Arial"/>
-            </a:endParaRPr>
-          </a:p>
-        </p:txBody>
-      </p:sp>
-      <p:sp>
-        <p:nvSpPr>
-          <p:cNvPr id="62" name="PlaceHolder 2"/>
+            <a:endParaRPr lang="pt-PT" sz="4400" b="0" strike="noStrike" spc="-1">
+              <a:latin typeface="Arial"/>
+            </a:endParaRPr>
+          </a:p>
+        </p:txBody>
+      </p:sp>
+      <p:sp>
+        <p:nvSpPr>
+          <p:cNvPr id="103" name="PlaceHolder 2"/>
           <p:cNvSpPr>
             <a:spLocks noGrp="1"/>
           </p:cNvSpPr>
@@ -1263,19 +1424,20 @@
           </a:prstGeom>
         </p:spPr>
         <p:txBody>
-          <a:bodyPr lIns="0" rIns="0" tIns="0" bIns="0">
+          <a:bodyPr lIns="0" tIns="0" rIns="0" bIns="0">
             <a:normAutofit/>
           </a:bodyPr>
-          <a:p>
-            <a:endParaRPr b="0" lang="pt-PT" sz="3200" spc="-1" strike="noStrike">
-              <a:latin typeface="Arial"/>
-            </a:endParaRPr>
-          </a:p>
-        </p:txBody>
-      </p:sp>
-      <p:sp>
-        <p:nvSpPr>
-          <p:cNvPr id="63" name="PlaceHolder 3"/>
+          <a:lstStyle/>
+          <a:p>
+            <a:endParaRPr lang="pt-PT" sz="3200" b="0" strike="noStrike" spc="-1">
+              <a:latin typeface="Arial"/>
+            </a:endParaRPr>
+          </a:p>
+        </p:txBody>
+      </p:sp>
+      <p:sp>
+        <p:nvSpPr>
+          <p:cNvPr id="104" name="PlaceHolder 3"/>
           <p:cNvSpPr>
             <a:spLocks noGrp="1"/>
           </p:cNvSpPr>
@@ -1293,19 +1455,20 @@
           </a:prstGeom>
         </p:spPr>
         <p:txBody>
-          <a:bodyPr lIns="0" rIns="0" tIns="0" bIns="0">
+          <a:bodyPr lIns="0" tIns="0" rIns="0" bIns="0">
             <a:normAutofit/>
           </a:bodyPr>
-          <a:p>
-            <a:endParaRPr b="0" lang="pt-PT" sz="3200" spc="-1" strike="noStrike">
-              <a:latin typeface="Arial"/>
-            </a:endParaRPr>
-          </a:p>
-        </p:txBody>
-      </p:sp>
-      <p:sp>
-        <p:nvSpPr>
-          <p:cNvPr id="64" name="PlaceHolder 4"/>
+          <a:lstStyle/>
+          <a:p>
+            <a:endParaRPr lang="pt-PT" sz="3200" b="0" strike="noStrike" spc="-1">
+              <a:latin typeface="Arial"/>
+            </a:endParaRPr>
+          </a:p>
+        </p:txBody>
+      </p:sp>
+      <p:sp>
+        <p:nvSpPr>
+          <p:cNvPr id="105" name="PlaceHolder 4"/>
           <p:cNvSpPr>
             <a:spLocks noGrp="1"/>
           </p:cNvSpPr>
@@ -1323,11 +1486,12 @@
           </a:prstGeom>
         </p:spPr>
         <p:txBody>
-          <a:bodyPr lIns="0" rIns="0" tIns="0" bIns="0">
+          <a:bodyPr lIns="0" tIns="0" rIns="0" bIns="0">
             <a:normAutofit/>
           </a:bodyPr>
-          <a:p>
-            <a:endParaRPr b="0" lang="pt-PT" sz="3200" spc="-1" strike="noStrike">
+          <a:lstStyle/>
+          <a:p>
+            <a:endParaRPr lang="pt-PT" sz="3200" b="0" strike="noStrike" spc="-1">
               <a:latin typeface="Arial"/>
             </a:endParaRPr>
           </a:p>
@@ -1335,11 +1499,14 @@
       </p:sp>
     </p:spTree>
   </p:cSld>
+  <p:clrMapOvr>
+    <a:masterClrMapping/>
+  </p:clrMapOvr>
 </p:sldLayout>
 </file>
 
 <file path=ppt/slideLayouts/slideLayout21.xml><?xml version="1.0" encoding="utf-8"?>
-<p:sldLayout xmlns:a="http://schemas.openxmlformats.org/drawingml/2006/main" xmlns:p="http://schemas.openxmlformats.org/presentationml/2006/main" xmlns:r="http://schemas.openxmlformats.org/officeDocument/2006/relationships" xmlns:p14="http://schemas.microsoft.com/office/powerpoint/2010/main" xmlns:p15="http://schemas.microsoft.com/office/powerpoint/2012/main" xmlns:mc="http://schemas.openxmlformats.org/markup-compatibility/2006" type="twoObjOverTx" preserve="1">
+<p:sldLayout xmlns:a="http://schemas.openxmlformats.org/drawingml/2006/main" xmlns:r="http://schemas.openxmlformats.org/officeDocument/2006/relationships" xmlns:p="http://schemas.openxmlformats.org/presentationml/2006/main" type="twoObjOverTx" preserve="1">
   <p:cSld name="Title, 2 Content over Content">
     <p:spTree>
       <p:nvGrpSpPr>
@@ -1357,7 +1524,7 @@
       </p:grpSpPr>
       <p:sp>
         <p:nvSpPr>
-          <p:cNvPr id="65" name="PlaceHolder 1"/>
+          <p:cNvPr id="106" name="PlaceHolder 1"/>
           <p:cNvSpPr>
             <a:spLocks noGrp="1"/>
           </p:cNvSpPr>
@@ -1375,20 +1542,21 @@
           </a:prstGeom>
         </p:spPr>
         <p:txBody>
-          <a:bodyPr lIns="0" rIns="0" tIns="0" bIns="0" anchor="ctr">
+          <a:bodyPr lIns="0" tIns="0" rIns="0" bIns="0" anchor="ctr">
             <a:noAutofit/>
           </a:bodyPr>
+          <a:lstStyle/>
           <a:p>
             <a:pPr algn="ctr"/>
-            <a:endParaRPr b="0" lang="pt-PT" sz="4400" spc="-1" strike="noStrike">
-              <a:latin typeface="Arial"/>
-            </a:endParaRPr>
-          </a:p>
-        </p:txBody>
-      </p:sp>
-      <p:sp>
-        <p:nvSpPr>
-          <p:cNvPr id="66" name="PlaceHolder 2"/>
+            <a:endParaRPr lang="pt-PT" sz="4400" b="0" strike="noStrike" spc="-1">
+              <a:latin typeface="Arial"/>
+            </a:endParaRPr>
+          </a:p>
+        </p:txBody>
+      </p:sp>
+      <p:sp>
+        <p:nvSpPr>
+          <p:cNvPr id="107" name="PlaceHolder 2"/>
           <p:cNvSpPr>
             <a:spLocks noGrp="1"/>
           </p:cNvSpPr>
@@ -1406,19 +1574,20 @@
           </a:prstGeom>
         </p:spPr>
         <p:txBody>
-          <a:bodyPr lIns="0" rIns="0" tIns="0" bIns="0">
+          <a:bodyPr lIns="0" tIns="0" rIns="0" bIns="0">
             <a:normAutofit/>
           </a:bodyPr>
-          <a:p>
-            <a:endParaRPr b="0" lang="pt-PT" sz="3200" spc="-1" strike="noStrike">
-              <a:latin typeface="Arial"/>
-            </a:endParaRPr>
-          </a:p>
-        </p:txBody>
-      </p:sp>
-      <p:sp>
-        <p:nvSpPr>
-          <p:cNvPr id="67" name="PlaceHolder 3"/>
+          <a:lstStyle/>
+          <a:p>
+            <a:endParaRPr lang="pt-PT" sz="3200" b="0" strike="noStrike" spc="-1">
+              <a:latin typeface="Arial"/>
+            </a:endParaRPr>
+          </a:p>
+        </p:txBody>
+      </p:sp>
+      <p:sp>
+        <p:nvSpPr>
+          <p:cNvPr id="108" name="PlaceHolder 3"/>
           <p:cNvSpPr>
             <a:spLocks noGrp="1"/>
           </p:cNvSpPr>
@@ -1436,19 +1605,20 @@
           </a:prstGeom>
         </p:spPr>
         <p:txBody>
-          <a:bodyPr lIns="0" rIns="0" tIns="0" bIns="0">
+          <a:bodyPr lIns="0" tIns="0" rIns="0" bIns="0">
             <a:normAutofit/>
           </a:bodyPr>
-          <a:p>
-            <a:endParaRPr b="0" lang="pt-PT" sz="3200" spc="-1" strike="noStrike">
-              <a:latin typeface="Arial"/>
-            </a:endParaRPr>
-          </a:p>
-        </p:txBody>
-      </p:sp>
-      <p:sp>
-        <p:nvSpPr>
-          <p:cNvPr id="68" name="PlaceHolder 4"/>
+          <a:lstStyle/>
+          <a:p>
+            <a:endParaRPr lang="pt-PT" sz="3200" b="0" strike="noStrike" spc="-1">
+              <a:latin typeface="Arial"/>
+            </a:endParaRPr>
+          </a:p>
+        </p:txBody>
+      </p:sp>
+      <p:sp>
+        <p:nvSpPr>
+          <p:cNvPr id="109" name="PlaceHolder 4"/>
           <p:cNvSpPr>
             <a:spLocks noGrp="1"/>
           </p:cNvSpPr>
@@ -1466,11 +1636,12 @@
           </a:prstGeom>
         </p:spPr>
         <p:txBody>
-          <a:bodyPr lIns="0" rIns="0" tIns="0" bIns="0">
+          <a:bodyPr lIns="0" tIns="0" rIns="0" bIns="0">
             <a:normAutofit/>
           </a:bodyPr>
-          <a:p>
-            <a:endParaRPr b="0" lang="pt-PT" sz="3200" spc="-1" strike="noStrike">
+          <a:lstStyle/>
+          <a:p>
+            <a:endParaRPr lang="pt-PT" sz="3200" b="0" strike="noStrike" spc="-1">
               <a:latin typeface="Arial"/>
             </a:endParaRPr>
           </a:p>
@@ -1478,11 +1649,14 @@
       </p:sp>
     </p:spTree>
   </p:cSld>
+  <p:clrMapOvr>
+    <a:masterClrMapping/>
+  </p:clrMapOvr>
 </p:sldLayout>
 </file>
 
 <file path=ppt/slideLayouts/slideLayout22.xml><?xml version="1.0" encoding="utf-8"?>
-<p:sldLayout xmlns:a="http://schemas.openxmlformats.org/drawingml/2006/main" xmlns:p="http://schemas.openxmlformats.org/presentationml/2006/main" xmlns:r="http://schemas.openxmlformats.org/officeDocument/2006/relationships" xmlns:p14="http://schemas.microsoft.com/office/powerpoint/2010/main" xmlns:p15="http://schemas.microsoft.com/office/powerpoint/2012/main" xmlns:mc="http://schemas.openxmlformats.org/markup-compatibility/2006" type="objOverTx" preserve="1">
+<p:sldLayout xmlns:a="http://schemas.openxmlformats.org/drawingml/2006/main" xmlns:r="http://schemas.openxmlformats.org/officeDocument/2006/relationships" xmlns:p="http://schemas.openxmlformats.org/presentationml/2006/main" type="objOverTx" preserve="1">
   <p:cSld name="Title, Content over Content">
     <p:spTree>
       <p:nvGrpSpPr>
@@ -1500,7 +1674,7 @@
       </p:grpSpPr>
       <p:sp>
         <p:nvSpPr>
-          <p:cNvPr id="69" name="PlaceHolder 1"/>
+          <p:cNvPr id="110" name="PlaceHolder 1"/>
           <p:cNvSpPr>
             <a:spLocks noGrp="1"/>
           </p:cNvSpPr>
@@ -1518,20 +1692,21 @@
           </a:prstGeom>
         </p:spPr>
         <p:txBody>
-          <a:bodyPr lIns="0" rIns="0" tIns="0" bIns="0" anchor="ctr">
+          <a:bodyPr lIns="0" tIns="0" rIns="0" bIns="0" anchor="ctr">
             <a:noAutofit/>
           </a:bodyPr>
+          <a:lstStyle/>
           <a:p>
             <a:pPr algn="ctr"/>
-            <a:endParaRPr b="0" lang="pt-PT" sz="4400" spc="-1" strike="noStrike">
-              <a:latin typeface="Arial"/>
-            </a:endParaRPr>
-          </a:p>
-        </p:txBody>
-      </p:sp>
-      <p:sp>
-        <p:nvSpPr>
-          <p:cNvPr id="70" name="PlaceHolder 2"/>
+            <a:endParaRPr lang="pt-PT" sz="4400" b="0" strike="noStrike" spc="-1">
+              <a:latin typeface="Arial"/>
+            </a:endParaRPr>
+          </a:p>
+        </p:txBody>
+      </p:sp>
+      <p:sp>
+        <p:nvSpPr>
+          <p:cNvPr id="111" name="PlaceHolder 2"/>
           <p:cNvSpPr>
             <a:spLocks noGrp="1"/>
           </p:cNvSpPr>
@@ -1549,19 +1724,20 @@
           </a:prstGeom>
         </p:spPr>
         <p:txBody>
-          <a:bodyPr lIns="0" rIns="0" tIns="0" bIns="0">
+          <a:bodyPr lIns="0" tIns="0" rIns="0" bIns="0">
             <a:normAutofit/>
           </a:bodyPr>
-          <a:p>
-            <a:endParaRPr b="0" lang="pt-PT" sz="3200" spc="-1" strike="noStrike">
-              <a:latin typeface="Arial"/>
-            </a:endParaRPr>
-          </a:p>
-        </p:txBody>
-      </p:sp>
-      <p:sp>
-        <p:nvSpPr>
-          <p:cNvPr id="71" name="PlaceHolder 3"/>
+          <a:lstStyle/>
+          <a:p>
+            <a:endParaRPr lang="pt-PT" sz="3200" b="0" strike="noStrike" spc="-1">
+              <a:latin typeface="Arial"/>
+            </a:endParaRPr>
+          </a:p>
+        </p:txBody>
+      </p:sp>
+      <p:sp>
+        <p:nvSpPr>
+          <p:cNvPr id="112" name="PlaceHolder 3"/>
           <p:cNvSpPr>
             <a:spLocks noGrp="1"/>
           </p:cNvSpPr>
@@ -1579,11 +1755,12 @@
           </a:prstGeom>
         </p:spPr>
         <p:txBody>
-          <a:bodyPr lIns="0" rIns="0" tIns="0" bIns="0">
+          <a:bodyPr lIns="0" tIns="0" rIns="0" bIns="0">
             <a:normAutofit/>
           </a:bodyPr>
-          <a:p>
-            <a:endParaRPr b="0" lang="pt-PT" sz="3200" spc="-1" strike="noStrike">
+          <a:lstStyle/>
+          <a:p>
+            <a:endParaRPr lang="pt-PT" sz="3200" b="0" strike="noStrike" spc="-1">
               <a:latin typeface="Arial"/>
             </a:endParaRPr>
           </a:p>
@@ -1591,11 +1768,14 @@
       </p:sp>
     </p:spTree>
   </p:cSld>
+  <p:clrMapOvr>
+    <a:masterClrMapping/>
+  </p:clrMapOvr>
 </p:sldLayout>
 </file>
 
 <file path=ppt/slideLayouts/slideLayout23.xml><?xml version="1.0" encoding="utf-8"?>
-<p:sldLayout xmlns:a="http://schemas.openxmlformats.org/drawingml/2006/main" xmlns:p="http://schemas.openxmlformats.org/presentationml/2006/main" xmlns:r="http://schemas.openxmlformats.org/officeDocument/2006/relationships" xmlns:p14="http://schemas.microsoft.com/office/powerpoint/2010/main" xmlns:p15="http://schemas.microsoft.com/office/powerpoint/2012/main" xmlns:mc="http://schemas.openxmlformats.org/markup-compatibility/2006" type="fourObj" preserve="1">
+<p:sldLayout xmlns:a="http://schemas.openxmlformats.org/drawingml/2006/main" xmlns:r="http://schemas.openxmlformats.org/officeDocument/2006/relationships" xmlns:p="http://schemas.openxmlformats.org/presentationml/2006/main" type="fourObj" preserve="1">
   <p:cSld name="Title, 4 Content">
     <p:spTree>
       <p:nvGrpSpPr>
@@ -1613,7 +1793,7 @@
       </p:grpSpPr>
       <p:sp>
         <p:nvSpPr>
-          <p:cNvPr id="72" name="PlaceHolder 1"/>
+          <p:cNvPr id="113" name="PlaceHolder 1"/>
           <p:cNvSpPr>
             <a:spLocks noGrp="1"/>
           </p:cNvSpPr>
@@ -1631,20 +1811,21 @@
           </a:prstGeom>
         </p:spPr>
         <p:txBody>
-          <a:bodyPr lIns="0" rIns="0" tIns="0" bIns="0" anchor="ctr">
+          <a:bodyPr lIns="0" tIns="0" rIns="0" bIns="0" anchor="ctr">
             <a:noAutofit/>
           </a:bodyPr>
+          <a:lstStyle/>
           <a:p>
             <a:pPr algn="ctr"/>
-            <a:endParaRPr b="0" lang="pt-PT" sz="4400" spc="-1" strike="noStrike">
-              <a:latin typeface="Arial"/>
-            </a:endParaRPr>
-          </a:p>
-        </p:txBody>
-      </p:sp>
-      <p:sp>
-        <p:nvSpPr>
-          <p:cNvPr id="73" name="PlaceHolder 2"/>
+            <a:endParaRPr lang="pt-PT" sz="4400" b="0" strike="noStrike" spc="-1">
+              <a:latin typeface="Arial"/>
+            </a:endParaRPr>
+          </a:p>
+        </p:txBody>
+      </p:sp>
+      <p:sp>
+        <p:nvSpPr>
+          <p:cNvPr id="114" name="PlaceHolder 2"/>
           <p:cNvSpPr>
             <a:spLocks noGrp="1"/>
           </p:cNvSpPr>
@@ -1662,19 +1843,20 @@
           </a:prstGeom>
         </p:spPr>
         <p:txBody>
-          <a:bodyPr lIns="0" rIns="0" tIns="0" bIns="0">
+          <a:bodyPr lIns="0" tIns="0" rIns="0" bIns="0">
             <a:normAutofit/>
           </a:bodyPr>
-          <a:p>
-            <a:endParaRPr b="0" lang="pt-PT" sz="3200" spc="-1" strike="noStrike">
-              <a:latin typeface="Arial"/>
-            </a:endParaRPr>
-          </a:p>
-        </p:txBody>
-      </p:sp>
-      <p:sp>
-        <p:nvSpPr>
-          <p:cNvPr id="74" name="PlaceHolder 3"/>
+          <a:lstStyle/>
+          <a:p>
+            <a:endParaRPr lang="pt-PT" sz="3200" b="0" strike="noStrike" spc="-1">
+              <a:latin typeface="Arial"/>
+            </a:endParaRPr>
+          </a:p>
+        </p:txBody>
+      </p:sp>
+      <p:sp>
+        <p:nvSpPr>
+          <p:cNvPr id="115" name="PlaceHolder 3"/>
           <p:cNvSpPr>
             <a:spLocks noGrp="1"/>
           </p:cNvSpPr>
@@ -1692,19 +1874,20 @@
           </a:prstGeom>
         </p:spPr>
         <p:txBody>
-          <a:bodyPr lIns="0" rIns="0" tIns="0" bIns="0">
+          <a:bodyPr lIns="0" tIns="0" rIns="0" bIns="0">
             <a:normAutofit/>
           </a:bodyPr>
-          <a:p>
-            <a:endParaRPr b="0" lang="pt-PT" sz="3200" spc="-1" strike="noStrike">
-              <a:latin typeface="Arial"/>
-            </a:endParaRPr>
-          </a:p>
-        </p:txBody>
-      </p:sp>
-      <p:sp>
-        <p:nvSpPr>
-          <p:cNvPr id="75" name="PlaceHolder 4"/>
+          <a:lstStyle/>
+          <a:p>
+            <a:endParaRPr lang="pt-PT" sz="3200" b="0" strike="noStrike" spc="-1">
+              <a:latin typeface="Arial"/>
+            </a:endParaRPr>
+          </a:p>
+        </p:txBody>
+      </p:sp>
+      <p:sp>
+        <p:nvSpPr>
+          <p:cNvPr id="116" name="PlaceHolder 4"/>
           <p:cNvSpPr>
             <a:spLocks noGrp="1"/>
           </p:cNvSpPr>
@@ -1722,19 +1905,20 @@
           </a:prstGeom>
         </p:spPr>
         <p:txBody>
-          <a:bodyPr lIns="0" rIns="0" tIns="0" bIns="0">
+          <a:bodyPr lIns="0" tIns="0" rIns="0" bIns="0">
             <a:normAutofit/>
           </a:bodyPr>
-          <a:p>
-            <a:endParaRPr b="0" lang="pt-PT" sz="3200" spc="-1" strike="noStrike">
-              <a:latin typeface="Arial"/>
-            </a:endParaRPr>
-          </a:p>
-        </p:txBody>
-      </p:sp>
-      <p:sp>
-        <p:nvSpPr>
-          <p:cNvPr id="76" name="PlaceHolder 5"/>
+          <a:lstStyle/>
+          <a:p>
+            <a:endParaRPr lang="pt-PT" sz="3200" b="0" strike="noStrike" spc="-1">
+              <a:latin typeface="Arial"/>
+            </a:endParaRPr>
+          </a:p>
+        </p:txBody>
+      </p:sp>
+      <p:sp>
+        <p:nvSpPr>
+          <p:cNvPr id="117" name="PlaceHolder 5"/>
           <p:cNvSpPr>
             <a:spLocks noGrp="1"/>
           </p:cNvSpPr>
@@ -1752,11 +1936,12 @@
           </a:prstGeom>
         </p:spPr>
         <p:txBody>
-          <a:bodyPr lIns="0" rIns="0" tIns="0" bIns="0">
+          <a:bodyPr lIns="0" tIns="0" rIns="0" bIns="0">
             <a:normAutofit/>
           </a:bodyPr>
-          <a:p>
-            <a:endParaRPr b="0" lang="pt-PT" sz="3200" spc="-1" strike="noStrike">
+          <a:lstStyle/>
+          <a:p>
+            <a:endParaRPr lang="pt-PT" sz="3200" b="0" strike="noStrike" spc="-1">
               <a:latin typeface="Arial"/>
             </a:endParaRPr>
           </a:p>
@@ -1764,11 +1949,14 @@
       </p:sp>
     </p:spTree>
   </p:cSld>
+  <p:clrMapOvr>
+    <a:masterClrMapping/>
+  </p:clrMapOvr>
 </p:sldLayout>
 </file>
 
 <file path=ppt/slideLayouts/slideLayout24.xml><?xml version="1.0" encoding="utf-8"?>
-<p:sldLayout xmlns:a="http://schemas.openxmlformats.org/drawingml/2006/main" xmlns:p="http://schemas.openxmlformats.org/presentationml/2006/main" xmlns:r="http://schemas.openxmlformats.org/officeDocument/2006/relationships" xmlns:p14="http://schemas.microsoft.com/office/powerpoint/2010/main" xmlns:p15="http://schemas.microsoft.com/office/powerpoint/2012/main" xmlns:mc="http://schemas.openxmlformats.org/markup-compatibility/2006" type="blank" preserve="1">
+<p:sldLayout xmlns:a="http://schemas.openxmlformats.org/drawingml/2006/main" xmlns:r="http://schemas.openxmlformats.org/officeDocument/2006/relationships" xmlns:p="http://schemas.openxmlformats.org/presentationml/2006/main" type="blank" preserve="1">
   <p:cSld name="Title, 6 Content">
     <p:spTree>
       <p:nvGrpSpPr>
@@ -1786,7 +1974,7 @@
       </p:grpSpPr>
       <p:sp>
         <p:nvSpPr>
-          <p:cNvPr id="77" name="PlaceHolder 1"/>
+          <p:cNvPr id="118" name="PlaceHolder 1"/>
           <p:cNvSpPr>
             <a:spLocks noGrp="1"/>
           </p:cNvSpPr>
@@ -1804,20 +1992,21 @@
           </a:prstGeom>
         </p:spPr>
         <p:txBody>
-          <a:bodyPr lIns="0" rIns="0" tIns="0" bIns="0" anchor="ctr">
+          <a:bodyPr lIns="0" tIns="0" rIns="0" bIns="0" anchor="ctr">
             <a:noAutofit/>
           </a:bodyPr>
+          <a:lstStyle/>
           <a:p>
             <a:pPr algn="ctr"/>
-            <a:endParaRPr b="0" lang="pt-PT" sz="4400" spc="-1" strike="noStrike">
-              <a:latin typeface="Arial"/>
-            </a:endParaRPr>
-          </a:p>
-        </p:txBody>
-      </p:sp>
-      <p:sp>
-        <p:nvSpPr>
-          <p:cNvPr id="78" name="PlaceHolder 2"/>
+            <a:endParaRPr lang="pt-PT" sz="4400" b="0" strike="noStrike" spc="-1">
+              <a:latin typeface="Arial"/>
+            </a:endParaRPr>
+          </a:p>
+        </p:txBody>
+      </p:sp>
+      <p:sp>
+        <p:nvSpPr>
+          <p:cNvPr id="119" name="PlaceHolder 2"/>
           <p:cNvSpPr>
             <a:spLocks noGrp="1"/>
           </p:cNvSpPr>
@@ -1835,19 +2024,20 @@
           </a:prstGeom>
         </p:spPr>
         <p:txBody>
-          <a:bodyPr lIns="0" rIns="0" tIns="0" bIns="0">
+          <a:bodyPr lIns="0" tIns="0" rIns="0" bIns="0">
             <a:normAutofit/>
           </a:bodyPr>
-          <a:p>
-            <a:endParaRPr b="0" lang="pt-PT" sz="3200" spc="-1" strike="noStrike">
-              <a:latin typeface="Arial"/>
-            </a:endParaRPr>
-          </a:p>
-        </p:txBody>
-      </p:sp>
-      <p:sp>
-        <p:nvSpPr>
-          <p:cNvPr id="79" name="PlaceHolder 3"/>
+          <a:lstStyle/>
+          <a:p>
+            <a:endParaRPr lang="pt-PT" sz="3200" b="0" strike="noStrike" spc="-1">
+              <a:latin typeface="Arial"/>
+            </a:endParaRPr>
+          </a:p>
+        </p:txBody>
+      </p:sp>
+      <p:sp>
+        <p:nvSpPr>
+          <p:cNvPr id="120" name="PlaceHolder 3"/>
           <p:cNvSpPr>
             <a:spLocks noGrp="1"/>
           </p:cNvSpPr>
@@ -1865,19 +2055,20 @@
           </a:prstGeom>
         </p:spPr>
         <p:txBody>
-          <a:bodyPr lIns="0" rIns="0" tIns="0" bIns="0">
+          <a:bodyPr lIns="0" tIns="0" rIns="0" bIns="0">
             <a:normAutofit/>
           </a:bodyPr>
-          <a:p>
-            <a:endParaRPr b="0" lang="pt-PT" sz="3200" spc="-1" strike="noStrike">
-              <a:latin typeface="Arial"/>
-            </a:endParaRPr>
-          </a:p>
-        </p:txBody>
-      </p:sp>
-      <p:sp>
-        <p:nvSpPr>
-          <p:cNvPr id="80" name="PlaceHolder 4"/>
+          <a:lstStyle/>
+          <a:p>
+            <a:endParaRPr lang="pt-PT" sz="3200" b="0" strike="noStrike" spc="-1">
+              <a:latin typeface="Arial"/>
+            </a:endParaRPr>
+          </a:p>
+        </p:txBody>
+      </p:sp>
+      <p:sp>
+        <p:nvSpPr>
+          <p:cNvPr id="121" name="PlaceHolder 4"/>
           <p:cNvSpPr>
             <a:spLocks noGrp="1"/>
           </p:cNvSpPr>
@@ -1895,19 +2086,20 @@
           </a:prstGeom>
         </p:spPr>
         <p:txBody>
-          <a:bodyPr lIns="0" rIns="0" tIns="0" bIns="0">
+          <a:bodyPr lIns="0" tIns="0" rIns="0" bIns="0">
             <a:normAutofit/>
           </a:bodyPr>
-          <a:p>
-            <a:endParaRPr b="0" lang="pt-PT" sz="3200" spc="-1" strike="noStrike">
-              <a:latin typeface="Arial"/>
-            </a:endParaRPr>
-          </a:p>
-        </p:txBody>
-      </p:sp>
-      <p:sp>
-        <p:nvSpPr>
-          <p:cNvPr id="81" name="PlaceHolder 5"/>
+          <a:lstStyle/>
+          <a:p>
+            <a:endParaRPr lang="pt-PT" sz="3200" b="0" strike="noStrike" spc="-1">
+              <a:latin typeface="Arial"/>
+            </a:endParaRPr>
+          </a:p>
+        </p:txBody>
+      </p:sp>
+      <p:sp>
+        <p:nvSpPr>
+          <p:cNvPr id="122" name="PlaceHolder 5"/>
           <p:cNvSpPr>
             <a:spLocks noGrp="1"/>
           </p:cNvSpPr>
@@ -1925,19 +2117,20 @@
           </a:prstGeom>
         </p:spPr>
         <p:txBody>
-          <a:bodyPr lIns="0" rIns="0" tIns="0" bIns="0">
+          <a:bodyPr lIns="0" tIns="0" rIns="0" bIns="0">
             <a:normAutofit/>
           </a:bodyPr>
-          <a:p>
-            <a:endParaRPr b="0" lang="pt-PT" sz="3200" spc="-1" strike="noStrike">
-              <a:latin typeface="Arial"/>
-            </a:endParaRPr>
-          </a:p>
-        </p:txBody>
-      </p:sp>
-      <p:sp>
-        <p:nvSpPr>
-          <p:cNvPr id="82" name="PlaceHolder 6"/>
+          <a:lstStyle/>
+          <a:p>
+            <a:endParaRPr lang="pt-PT" sz="3200" b="0" strike="noStrike" spc="-1">
+              <a:latin typeface="Arial"/>
+            </a:endParaRPr>
+          </a:p>
+        </p:txBody>
+      </p:sp>
+      <p:sp>
+        <p:nvSpPr>
+          <p:cNvPr id="123" name="PlaceHolder 6"/>
           <p:cNvSpPr>
             <a:spLocks noGrp="1"/>
           </p:cNvSpPr>
@@ -1955,19 +2148,20 @@
           </a:prstGeom>
         </p:spPr>
         <p:txBody>
-          <a:bodyPr lIns="0" rIns="0" tIns="0" bIns="0">
+          <a:bodyPr lIns="0" tIns="0" rIns="0" bIns="0">
             <a:normAutofit/>
           </a:bodyPr>
-          <a:p>
-            <a:endParaRPr b="0" lang="pt-PT" sz="3200" spc="-1" strike="noStrike">
-              <a:latin typeface="Arial"/>
-            </a:endParaRPr>
-          </a:p>
-        </p:txBody>
-      </p:sp>
-      <p:sp>
-        <p:nvSpPr>
-          <p:cNvPr id="83" name="PlaceHolder 7"/>
+          <a:lstStyle/>
+          <a:p>
+            <a:endParaRPr lang="pt-PT" sz="3200" b="0" strike="noStrike" spc="-1">
+              <a:latin typeface="Arial"/>
+            </a:endParaRPr>
+          </a:p>
+        </p:txBody>
+      </p:sp>
+      <p:sp>
+        <p:nvSpPr>
+          <p:cNvPr id="124" name="PlaceHolder 7"/>
           <p:cNvSpPr>
             <a:spLocks noGrp="1"/>
           </p:cNvSpPr>
@@ -1985,11 +2179,12 @@
           </a:prstGeom>
         </p:spPr>
         <p:txBody>
-          <a:bodyPr lIns="0" rIns="0" tIns="0" bIns="0">
+          <a:bodyPr lIns="0" tIns="0" rIns="0" bIns="0">
             <a:normAutofit/>
           </a:bodyPr>
-          <a:p>
-            <a:endParaRPr b="0" lang="pt-PT" sz="3200" spc="-1" strike="noStrike">
+          <a:lstStyle/>
+          <a:p>
+            <a:endParaRPr lang="pt-PT" sz="3200" b="0" strike="noStrike" spc="-1">
               <a:latin typeface="Arial"/>
             </a:endParaRPr>
           </a:p>
@@ -1997,117 +2192,14 @@
       </p:sp>
     </p:spTree>
   </p:cSld>
+  <p:clrMapOvr>
+    <a:masterClrMapping/>
+  </p:clrMapOvr>
 </p:sldLayout>
 </file>
 
-<file path=ppt/slideLayouts/slideLayout25.xml><?xml version="1.0" encoding="utf-8"?>
-<p:sldLayout xmlns:a="http://schemas.openxmlformats.org/drawingml/2006/main" xmlns:p="http://schemas.openxmlformats.org/presentationml/2006/main" xmlns:r="http://schemas.openxmlformats.org/officeDocument/2006/relationships" xmlns:p14="http://schemas.microsoft.com/office/powerpoint/2010/main" xmlns:p15="http://schemas.microsoft.com/office/powerpoint/2012/main" xmlns:mc="http://schemas.openxmlformats.org/markup-compatibility/2006" type="blank" preserve="1">
-  <p:cSld name="Blank Slide">
-    <p:spTree>
-      <p:nvGrpSpPr>
-        <p:cNvPr id="1" name=""/>
-        <p:cNvGrpSpPr/>
-        <p:nvPr/>
-      </p:nvGrpSpPr>
-      <p:grpSpPr>
-        <a:xfrm>
-          <a:off x="0" y="0"/>
-          <a:ext cx="0" cy="0"/>
-          <a:chOff x="0" y="0"/>
-          <a:chExt cx="0" cy="0"/>
-        </a:xfrm>
-      </p:grpSpPr>
-    </p:spTree>
-  </p:cSld>
-</p:sldLayout>
-</file>
-
-<file path=ppt/slideLayouts/slideLayout26.xml><?xml version="1.0" encoding="utf-8"?>
-<p:sldLayout xmlns:a="http://schemas.openxmlformats.org/drawingml/2006/main" xmlns:p="http://schemas.openxmlformats.org/presentationml/2006/main" xmlns:r="http://schemas.openxmlformats.org/officeDocument/2006/relationships" xmlns:p14="http://schemas.microsoft.com/office/powerpoint/2010/main" xmlns:p15="http://schemas.microsoft.com/office/powerpoint/2012/main" xmlns:mc="http://schemas.openxmlformats.org/markup-compatibility/2006" type="tx" preserve="1">
-  <p:cSld name="Title Slide">
-    <p:spTree>
-      <p:nvGrpSpPr>
-        <p:cNvPr id="1" name=""/>
-        <p:cNvGrpSpPr/>
-        <p:nvPr/>
-      </p:nvGrpSpPr>
-      <p:grpSpPr>
-        <a:xfrm>
-          <a:off x="0" y="0"/>
-          <a:ext cx="0" cy="0"/>
-          <a:chOff x="0" y="0"/>
-          <a:chExt cx="0" cy="0"/>
-        </a:xfrm>
-      </p:grpSpPr>
-      <p:sp>
-        <p:nvSpPr>
-          <p:cNvPr id="89" name="PlaceHolder 1"/>
-          <p:cNvSpPr>
-            <a:spLocks noGrp="1"/>
-          </p:cNvSpPr>
-          <p:nvPr>
-            <p:ph type="title"/>
-          </p:nvPr>
-        </p:nvSpPr>
-        <p:spPr>
-          <a:xfrm>
-            <a:off x="576000" y="729720"/>
-            <a:ext cx="11028600" cy="987120"/>
-          </a:xfrm>
-          <a:prstGeom prst="rect">
-            <a:avLst/>
-          </a:prstGeom>
-        </p:spPr>
-        <p:txBody>
-          <a:bodyPr lIns="0" rIns="0" tIns="0" bIns="0" anchor="ctr">
-            <a:noAutofit/>
-          </a:bodyPr>
-          <a:p>
-            <a:pPr algn="ctr"/>
-            <a:endParaRPr b="0" lang="pt-PT" sz="4400" spc="-1" strike="noStrike">
-              <a:latin typeface="Arial"/>
-            </a:endParaRPr>
-          </a:p>
-        </p:txBody>
-      </p:sp>
-      <p:sp>
-        <p:nvSpPr>
-          <p:cNvPr id="90" name="PlaceHolder 2"/>
-          <p:cNvSpPr>
-            <a:spLocks noGrp="1"/>
-          </p:cNvSpPr>
-          <p:nvPr>
-            <p:ph type="subTitle"/>
-          </p:nvPr>
-        </p:nvSpPr>
-        <p:spPr>
-          <a:xfrm>
-            <a:off x="609480" y="1604520"/>
-            <a:ext cx="10972440" cy="3977280"/>
-          </a:xfrm>
-          <a:prstGeom prst="rect">
-            <a:avLst/>
-          </a:prstGeom>
-        </p:spPr>
-        <p:txBody>
-          <a:bodyPr lIns="0" rIns="0" tIns="0" bIns="0" anchor="ctr">
-            <a:noAutofit/>
-          </a:bodyPr>
-          <a:p>
-            <a:pPr algn="ctr"/>
-            <a:endParaRPr b="0" lang="pt-PT" sz="3200" spc="-1" strike="noStrike">
-              <a:latin typeface="Arial"/>
-            </a:endParaRPr>
-          </a:p>
-        </p:txBody>
-      </p:sp>
-    </p:spTree>
-  </p:cSld>
-</p:sldLayout>
-</file>
-
-<file path=ppt/slideLayouts/slideLayout27.xml><?xml version="1.0" encoding="utf-8"?>
-<p:sldLayout xmlns:a="http://schemas.openxmlformats.org/drawingml/2006/main" xmlns:p="http://schemas.openxmlformats.org/presentationml/2006/main" xmlns:r="http://schemas.openxmlformats.org/officeDocument/2006/relationships" xmlns:p14="http://schemas.microsoft.com/office/powerpoint/2010/main" xmlns:p15="http://schemas.microsoft.com/office/powerpoint/2012/main" xmlns:mc="http://schemas.openxmlformats.org/markup-compatibility/2006" type="obj" preserve="1">
+<file path=ppt/slideLayouts/slideLayout3.xml><?xml version="1.0" encoding="utf-8"?>
+<p:sldLayout xmlns:a="http://schemas.openxmlformats.org/drawingml/2006/main" xmlns:r="http://schemas.openxmlformats.org/officeDocument/2006/relationships" xmlns:p="http://schemas.openxmlformats.org/presentationml/2006/main" type="obj" preserve="1">
   <p:cSld name="Title, Content">
     <p:spTree>
       <p:nvGrpSpPr>
@@ -2125,7 +2217,7 @@
       </p:grpSpPr>
       <p:sp>
         <p:nvSpPr>
-          <p:cNvPr id="91" name="PlaceHolder 1"/>
+          <p:cNvPr id="8" name="PlaceHolder 1"/>
           <p:cNvSpPr>
             <a:spLocks noGrp="1"/>
           </p:cNvSpPr>
@@ -2143,20 +2235,21 @@
           </a:prstGeom>
         </p:spPr>
         <p:txBody>
-          <a:bodyPr lIns="0" rIns="0" tIns="0" bIns="0" anchor="ctr">
+          <a:bodyPr lIns="0" tIns="0" rIns="0" bIns="0" anchor="ctr">
             <a:noAutofit/>
           </a:bodyPr>
+          <a:lstStyle/>
           <a:p>
             <a:pPr algn="ctr"/>
-            <a:endParaRPr b="0" lang="pt-PT" sz="4400" spc="-1" strike="noStrike">
-              <a:latin typeface="Arial"/>
-            </a:endParaRPr>
-          </a:p>
-        </p:txBody>
-      </p:sp>
-      <p:sp>
-        <p:nvSpPr>
-          <p:cNvPr id="92" name="PlaceHolder 2"/>
+            <a:endParaRPr lang="pt-PT" sz="4400" b="0" strike="noStrike" spc="-1">
+              <a:latin typeface="Arial"/>
+            </a:endParaRPr>
+          </a:p>
+        </p:txBody>
+      </p:sp>
+      <p:sp>
+        <p:nvSpPr>
+          <p:cNvPr id="9" name="PlaceHolder 2"/>
           <p:cNvSpPr>
             <a:spLocks noGrp="1"/>
           </p:cNvSpPr>
@@ -2174,11 +2267,12 @@
           </a:prstGeom>
         </p:spPr>
         <p:txBody>
-          <a:bodyPr lIns="0" rIns="0" tIns="0" bIns="0">
+          <a:bodyPr lIns="0" tIns="0" rIns="0" bIns="0">
             <a:normAutofit/>
           </a:bodyPr>
-          <a:p>
-            <a:endParaRPr b="0" lang="pt-PT" sz="3200" spc="-1" strike="noStrike">
+          <a:lstStyle/>
+          <a:p>
+            <a:endParaRPr lang="pt-PT" sz="3200" b="0" strike="noStrike" spc="-1">
               <a:latin typeface="Arial"/>
             </a:endParaRPr>
           </a:p>
@@ -2186,11 +2280,14 @@
       </p:sp>
     </p:spTree>
   </p:cSld>
+  <p:clrMapOvr>
+    <a:masterClrMapping/>
+  </p:clrMapOvr>
 </p:sldLayout>
 </file>
 
-<file path=ppt/slideLayouts/slideLayout28.xml><?xml version="1.0" encoding="utf-8"?>
-<p:sldLayout xmlns:a="http://schemas.openxmlformats.org/drawingml/2006/main" xmlns:p="http://schemas.openxmlformats.org/presentationml/2006/main" xmlns:r="http://schemas.openxmlformats.org/officeDocument/2006/relationships" xmlns:p14="http://schemas.microsoft.com/office/powerpoint/2010/main" xmlns:p15="http://schemas.microsoft.com/office/powerpoint/2012/main" xmlns:mc="http://schemas.openxmlformats.org/markup-compatibility/2006" type="twoObj" preserve="1">
+<file path=ppt/slideLayouts/slideLayout4.xml><?xml version="1.0" encoding="utf-8"?>
+<p:sldLayout xmlns:a="http://schemas.openxmlformats.org/drawingml/2006/main" xmlns:r="http://schemas.openxmlformats.org/officeDocument/2006/relationships" xmlns:p="http://schemas.openxmlformats.org/presentationml/2006/main" type="twoObj" preserve="1">
   <p:cSld name="Title, 2 Content">
     <p:spTree>
       <p:nvGrpSpPr>
@@ -2208,7 +2305,7 @@
       </p:grpSpPr>
       <p:sp>
         <p:nvSpPr>
-          <p:cNvPr id="93" name="PlaceHolder 1"/>
+          <p:cNvPr id="10" name="PlaceHolder 1"/>
           <p:cNvSpPr>
             <a:spLocks noGrp="1"/>
           </p:cNvSpPr>
@@ -2226,20 +2323,21 @@
           </a:prstGeom>
         </p:spPr>
         <p:txBody>
-          <a:bodyPr lIns="0" rIns="0" tIns="0" bIns="0" anchor="ctr">
+          <a:bodyPr lIns="0" tIns="0" rIns="0" bIns="0" anchor="ctr">
             <a:noAutofit/>
           </a:bodyPr>
+          <a:lstStyle/>
           <a:p>
             <a:pPr algn="ctr"/>
-            <a:endParaRPr b="0" lang="pt-PT" sz="4400" spc="-1" strike="noStrike">
-              <a:latin typeface="Arial"/>
-            </a:endParaRPr>
-          </a:p>
-        </p:txBody>
-      </p:sp>
-      <p:sp>
-        <p:nvSpPr>
-          <p:cNvPr id="94" name="PlaceHolder 2"/>
+            <a:endParaRPr lang="pt-PT" sz="4400" b="0" strike="noStrike" spc="-1">
+              <a:latin typeface="Arial"/>
+            </a:endParaRPr>
+          </a:p>
+        </p:txBody>
+      </p:sp>
+      <p:sp>
+        <p:nvSpPr>
+          <p:cNvPr id="11" name="PlaceHolder 2"/>
           <p:cNvSpPr>
             <a:spLocks noGrp="1"/>
           </p:cNvSpPr>
@@ -2257,19 +2355,20 @@
           </a:prstGeom>
         </p:spPr>
         <p:txBody>
-          <a:bodyPr lIns="0" rIns="0" tIns="0" bIns="0">
+          <a:bodyPr lIns="0" tIns="0" rIns="0" bIns="0">
             <a:normAutofit/>
           </a:bodyPr>
-          <a:p>
-            <a:endParaRPr b="0" lang="pt-PT" sz="3200" spc="-1" strike="noStrike">
-              <a:latin typeface="Arial"/>
-            </a:endParaRPr>
-          </a:p>
-        </p:txBody>
-      </p:sp>
-      <p:sp>
-        <p:nvSpPr>
-          <p:cNvPr id="95" name="PlaceHolder 3"/>
+          <a:lstStyle/>
+          <a:p>
+            <a:endParaRPr lang="pt-PT" sz="3200" b="0" strike="noStrike" spc="-1">
+              <a:latin typeface="Arial"/>
+            </a:endParaRPr>
+          </a:p>
+        </p:txBody>
+      </p:sp>
+      <p:sp>
+        <p:nvSpPr>
+          <p:cNvPr id="12" name="PlaceHolder 3"/>
           <p:cNvSpPr>
             <a:spLocks noGrp="1"/>
           </p:cNvSpPr>
@@ -2287,11 +2386,12 @@
           </a:prstGeom>
         </p:spPr>
         <p:txBody>
-          <a:bodyPr lIns="0" rIns="0" tIns="0" bIns="0">
+          <a:bodyPr lIns="0" tIns="0" rIns="0" bIns="0">
             <a:normAutofit/>
           </a:bodyPr>
-          <a:p>
-            <a:endParaRPr b="0" lang="pt-PT" sz="3200" spc="-1" strike="noStrike">
+          <a:lstStyle/>
+          <a:p>
+            <a:endParaRPr lang="pt-PT" sz="3200" b="0" strike="noStrike" spc="-1">
               <a:latin typeface="Arial"/>
             </a:endParaRPr>
           </a:p>
@@ -2299,11 +2399,14 @@
       </p:sp>
     </p:spTree>
   </p:cSld>
+  <p:clrMapOvr>
+    <a:masterClrMapping/>
+  </p:clrMapOvr>
 </p:sldLayout>
 </file>
 
-<file path=ppt/slideLayouts/slideLayout29.xml><?xml version="1.0" encoding="utf-8"?>
-<p:sldLayout xmlns:a="http://schemas.openxmlformats.org/drawingml/2006/main" xmlns:p="http://schemas.openxmlformats.org/presentationml/2006/main" xmlns:r="http://schemas.openxmlformats.org/officeDocument/2006/relationships" xmlns:p14="http://schemas.microsoft.com/office/powerpoint/2010/main" xmlns:p15="http://schemas.microsoft.com/office/powerpoint/2012/main" xmlns:mc="http://schemas.openxmlformats.org/markup-compatibility/2006" type="titleOnly" preserve="1">
+<file path=ppt/slideLayouts/slideLayout5.xml><?xml version="1.0" encoding="utf-8"?>
+<p:sldLayout xmlns:a="http://schemas.openxmlformats.org/drawingml/2006/main" xmlns:r="http://schemas.openxmlformats.org/officeDocument/2006/relationships" xmlns:p="http://schemas.openxmlformats.org/presentationml/2006/main" type="titleOnly" preserve="1">
   <p:cSld name="Title Only">
     <p:spTree>
       <p:nvGrpSpPr>
@@ -2321,7 +2424,7 @@
       </p:grpSpPr>
       <p:sp>
         <p:nvSpPr>
-          <p:cNvPr id="96" name="PlaceHolder 1"/>
+          <p:cNvPr id="13" name="PlaceHolder 1"/>
           <p:cNvSpPr>
             <a:spLocks noGrp="1"/>
           </p:cNvSpPr>
@@ -2339,12 +2442,13 @@
           </a:prstGeom>
         </p:spPr>
         <p:txBody>
-          <a:bodyPr lIns="0" rIns="0" tIns="0" bIns="0" anchor="ctr">
+          <a:bodyPr lIns="0" tIns="0" rIns="0" bIns="0" anchor="ctr">
             <a:noAutofit/>
           </a:bodyPr>
+          <a:lstStyle/>
           <a:p>
             <a:pPr algn="ctr"/>
-            <a:endParaRPr b="0" lang="pt-PT" sz="4400" spc="-1" strike="noStrike">
+            <a:endParaRPr lang="pt-PT" sz="4400" b="0" strike="noStrike" spc="-1">
               <a:latin typeface="Arial"/>
             </a:endParaRPr>
           </a:p>
@@ -2352,94 +2456,14 @@
       </p:sp>
     </p:spTree>
   </p:cSld>
+  <p:clrMapOvr>
+    <a:masterClrMapping/>
+  </p:clrMapOvr>
 </p:sldLayout>
 </file>
 
-<file path=ppt/slideLayouts/slideLayout3.xml><?xml version="1.0" encoding="utf-8"?>
-<p:sldLayout xmlns:a="http://schemas.openxmlformats.org/drawingml/2006/main" xmlns:p="http://schemas.openxmlformats.org/presentationml/2006/main" xmlns:r="http://schemas.openxmlformats.org/officeDocument/2006/relationships" xmlns:p14="http://schemas.microsoft.com/office/powerpoint/2010/main" xmlns:p15="http://schemas.microsoft.com/office/powerpoint/2012/main" xmlns:mc="http://schemas.openxmlformats.org/markup-compatibility/2006" type="obj" preserve="1">
-  <p:cSld name="Title, Content">
-    <p:spTree>
-      <p:nvGrpSpPr>
-        <p:cNvPr id="1" name=""/>
-        <p:cNvGrpSpPr/>
-        <p:nvPr/>
-      </p:nvGrpSpPr>
-      <p:grpSpPr>
-        <a:xfrm>
-          <a:off x="0" y="0"/>
-          <a:ext cx="0" cy="0"/>
-          <a:chOff x="0" y="0"/>
-          <a:chExt cx="0" cy="0"/>
-        </a:xfrm>
-      </p:grpSpPr>
-      <p:sp>
-        <p:nvSpPr>
-          <p:cNvPr id="8" name="PlaceHolder 1"/>
-          <p:cNvSpPr>
-            <a:spLocks noGrp="1"/>
-          </p:cNvSpPr>
-          <p:nvPr>
-            <p:ph type="title"/>
-          </p:nvPr>
-        </p:nvSpPr>
-        <p:spPr>
-          <a:xfrm>
-            <a:off x="576000" y="729720"/>
-            <a:ext cx="11028600" cy="987120"/>
-          </a:xfrm>
-          <a:prstGeom prst="rect">
-            <a:avLst/>
-          </a:prstGeom>
-        </p:spPr>
-        <p:txBody>
-          <a:bodyPr lIns="0" rIns="0" tIns="0" bIns="0" anchor="ctr">
-            <a:noAutofit/>
-          </a:bodyPr>
-          <a:p>
-            <a:pPr algn="ctr"/>
-            <a:endParaRPr b="0" lang="pt-PT" sz="4400" spc="-1" strike="noStrike">
-              <a:latin typeface="Arial"/>
-            </a:endParaRPr>
-          </a:p>
-        </p:txBody>
-      </p:sp>
-      <p:sp>
-        <p:nvSpPr>
-          <p:cNvPr id="9" name="PlaceHolder 2"/>
-          <p:cNvSpPr>
-            <a:spLocks noGrp="1"/>
-          </p:cNvSpPr>
-          <p:nvPr>
-            <p:ph type="body"/>
-          </p:nvPr>
-        </p:nvSpPr>
-        <p:spPr>
-          <a:xfrm>
-            <a:off x="609480" y="1604520"/>
-            <a:ext cx="10972440" cy="3977280"/>
-          </a:xfrm>
-          <a:prstGeom prst="rect">
-            <a:avLst/>
-          </a:prstGeom>
-        </p:spPr>
-        <p:txBody>
-          <a:bodyPr lIns="0" rIns="0" tIns="0" bIns="0">
-            <a:normAutofit/>
-          </a:bodyPr>
-          <a:p>
-            <a:endParaRPr b="0" lang="pt-PT" sz="3200" spc="-1" strike="noStrike">
-              <a:latin typeface="Arial"/>
-            </a:endParaRPr>
-          </a:p>
-        </p:txBody>
-      </p:sp>
-    </p:spTree>
-  </p:cSld>
-</p:sldLayout>
-</file>
-
-<file path=ppt/slideLayouts/slideLayout30.xml><?xml version="1.0" encoding="utf-8"?>
-<p:sldLayout xmlns:a="http://schemas.openxmlformats.org/drawingml/2006/main" xmlns:p="http://schemas.openxmlformats.org/presentationml/2006/main" xmlns:r="http://schemas.openxmlformats.org/officeDocument/2006/relationships" xmlns:p14="http://schemas.microsoft.com/office/powerpoint/2010/main" xmlns:p15="http://schemas.microsoft.com/office/powerpoint/2012/main" xmlns:mc="http://schemas.openxmlformats.org/markup-compatibility/2006" type="objOnly" preserve="1">
+<file path=ppt/slideLayouts/slideLayout6.xml><?xml version="1.0" encoding="utf-8"?>
+<p:sldLayout xmlns:a="http://schemas.openxmlformats.org/drawingml/2006/main" xmlns:r="http://schemas.openxmlformats.org/officeDocument/2006/relationships" xmlns:p="http://schemas.openxmlformats.org/presentationml/2006/main" type="objOnly" preserve="1">
   <p:cSld name="Centered Text">
     <p:spTree>
       <p:nvGrpSpPr>
@@ -2457,7 +2481,7 @@
       </p:grpSpPr>
       <p:sp>
         <p:nvSpPr>
-          <p:cNvPr id="97" name="PlaceHolder 1"/>
+          <p:cNvPr id="14" name="PlaceHolder 1"/>
           <p:cNvSpPr>
             <a:spLocks noGrp="1"/>
           </p:cNvSpPr>
@@ -2475,12 +2499,13 @@
           </a:prstGeom>
         </p:spPr>
         <p:txBody>
-          <a:bodyPr lIns="0" rIns="0" tIns="0" bIns="0" anchor="ctr">
+          <a:bodyPr lIns="0" tIns="0" rIns="0" bIns="0" anchor="ctr">
             <a:noAutofit/>
           </a:bodyPr>
+          <a:lstStyle/>
           <a:p>
             <a:pPr algn="ctr"/>
-            <a:endParaRPr b="0" lang="pt-PT" sz="3200" spc="-1" strike="noStrike">
+            <a:endParaRPr lang="pt-PT" sz="3200" b="0" strike="noStrike" spc="-1">
               <a:latin typeface="Arial"/>
             </a:endParaRPr>
           </a:p>
@@ -2488,11 +2513,14 @@
       </p:sp>
     </p:spTree>
   </p:cSld>
+  <p:clrMapOvr>
+    <a:masterClrMapping/>
+  </p:clrMapOvr>
 </p:sldLayout>
 </file>
 
-<file path=ppt/slideLayouts/slideLayout31.xml><?xml version="1.0" encoding="utf-8"?>
-<p:sldLayout xmlns:a="http://schemas.openxmlformats.org/drawingml/2006/main" xmlns:p="http://schemas.openxmlformats.org/presentationml/2006/main" xmlns:r="http://schemas.openxmlformats.org/officeDocument/2006/relationships" xmlns:p14="http://schemas.microsoft.com/office/powerpoint/2010/main" xmlns:p15="http://schemas.microsoft.com/office/powerpoint/2012/main" xmlns:mc="http://schemas.openxmlformats.org/markup-compatibility/2006" type="twoObjAndObj" preserve="1">
+<file path=ppt/slideLayouts/slideLayout7.xml><?xml version="1.0" encoding="utf-8"?>
+<p:sldLayout xmlns:a="http://schemas.openxmlformats.org/drawingml/2006/main" xmlns:r="http://schemas.openxmlformats.org/officeDocument/2006/relationships" xmlns:p="http://schemas.openxmlformats.org/presentationml/2006/main" type="twoObjAndObj" preserve="1">
   <p:cSld name="Title, 2 Content and Content">
     <p:spTree>
       <p:nvGrpSpPr>
@@ -2510,7 +2538,7 @@
       </p:grpSpPr>
       <p:sp>
         <p:nvSpPr>
-          <p:cNvPr id="98" name="PlaceHolder 1"/>
+          <p:cNvPr id="15" name="PlaceHolder 1"/>
           <p:cNvSpPr>
             <a:spLocks noGrp="1"/>
           </p:cNvSpPr>
@@ -2528,20 +2556,21 @@
           </a:prstGeom>
         </p:spPr>
         <p:txBody>
-          <a:bodyPr lIns="0" rIns="0" tIns="0" bIns="0" anchor="ctr">
+          <a:bodyPr lIns="0" tIns="0" rIns="0" bIns="0" anchor="ctr">
             <a:noAutofit/>
           </a:bodyPr>
+          <a:lstStyle/>
           <a:p>
             <a:pPr algn="ctr"/>
-            <a:endParaRPr b="0" lang="pt-PT" sz="4400" spc="-1" strike="noStrike">
-              <a:latin typeface="Arial"/>
-            </a:endParaRPr>
-          </a:p>
-        </p:txBody>
-      </p:sp>
-      <p:sp>
-        <p:nvSpPr>
-          <p:cNvPr id="99" name="PlaceHolder 2"/>
+            <a:endParaRPr lang="pt-PT" sz="4400" b="0" strike="noStrike" spc="-1">
+              <a:latin typeface="Arial"/>
+            </a:endParaRPr>
+          </a:p>
+        </p:txBody>
+      </p:sp>
+      <p:sp>
+        <p:nvSpPr>
+          <p:cNvPr id="16" name="PlaceHolder 2"/>
           <p:cNvSpPr>
             <a:spLocks noGrp="1"/>
           </p:cNvSpPr>
@@ -2559,19 +2588,20 @@
           </a:prstGeom>
         </p:spPr>
         <p:txBody>
-          <a:bodyPr lIns="0" rIns="0" tIns="0" bIns="0">
+          <a:bodyPr lIns="0" tIns="0" rIns="0" bIns="0">
             <a:normAutofit/>
           </a:bodyPr>
-          <a:p>
-            <a:endParaRPr b="0" lang="pt-PT" sz="3200" spc="-1" strike="noStrike">
-              <a:latin typeface="Arial"/>
-            </a:endParaRPr>
-          </a:p>
-        </p:txBody>
-      </p:sp>
-      <p:sp>
-        <p:nvSpPr>
-          <p:cNvPr id="100" name="PlaceHolder 3"/>
+          <a:lstStyle/>
+          <a:p>
+            <a:endParaRPr lang="pt-PT" sz="3200" b="0" strike="noStrike" spc="-1">
+              <a:latin typeface="Arial"/>
+            </a:endParaRPr>
+          </a:p>
+        </p:txBody>
+      </p:sp>
+      <p:sp>
+        <p:nvSpPr>
+          <p:cNvPr id="17" name="PlaceHolder 3"/>
           <p:cNvSpPr>
             <a:spLocks noGrp="1"/>
           </p:cNvSpPr>
@@ -2589,19 +2619,20 @@
           </a:prstGeom>
         </p:spPr>
         <p:txBody>
-          <a:bodyPr lIns="0" rIns="0" tIns="0" bIns="0">
+          <a:bodyPr lIns="0" tIns="0" rIns="0" bIns="0">
             <a:normAutofit/>
           </a:bodyPr>
-          <a:p>
-            <a:endParaRPr b="0" lang="pt-PT" sz="3200" spc="-1" strike="noStrike">
-              <a:latin typeface="Arial"/>
-            </a:endParaRPr>
-          </a:p>
-        </p:txBody>
-      </p:sp>
-      <p:sp>
-        <p:nvSpPr>
-          <p:cNvPr id="101" name="PlaceHolder 4"/>
+          <a:lstStyle/>
+          <a:p>
+            <a:endParaRPr lang="pt-PT" sz="3200" b="0" strike="noStrike" spc="-1">
+              <a:latin typeface="Arial"/>
+            </a:endParaRPr>
+          </a:p>
+        </p:txBody>
+      </p:sp>
+      <p:sp>
+        <p:nvSpPr>
+          <p:cNvPr id="18" name="PlaceHolder 4"/>
           <p:cNvSpPr>
             <a:spLocks noGrp="1"/>
           </p:cNvSpPr>
@@ -2619,11 +2650,12 @@
           </a:prstGeom>
         </p:spPr>
         <p:txBody>
-          <a:bodyPr lIns="0" rIns="0" tIns="0" bIns="0">
+          <a:bodyPr lIns="0" tIns="0" rIns="0" bIns="0">
             <a:normAutofit/>
           </a:bodyPr>
-          <a:p>
-            <a:endParaRPr b="0" lang="pt-PT" sz="3200" spc="-1" strike="noStrike">
+          <a:lstStyle/>
+          <a:p>
+            <a:endParaRPr lang="pt-PT" sz="3200" b="0" strike="noStrike" spc="-1">
               <a:latin typeface="Arial"/>
             </a:endParaRPr>
           </a:p>
@@ -2631,11 +2663,14 @@
       </p:sp>
     </p:spTree>
   </p:cSld>
+  <p:clrMapOvr>
+    <a:masterClrMapping/>
+  </p:clrMapOvr>
 </p:sldLayout>
 </file>
 
-<file path=ppt/slideLayouts/slideLayout32.xml><?xml version="1.0" encoding="utf-8"?>
-<p:sldLayout xmlns:a="http://schemas.openxmlformats.org/drawingml/2006/main" xmlns:p="http://schemas.openxmlformats.org/presentationml/2006/main" xmlns:r="http://schemas.openxmlformats.org/officeDocument/2006/relationships" xmlns:p14="http://schemas.microsoft.com/office/powerpoint/2010/main" xmlns:p15="http://schemas.microsoft.com/office/powerpoint/2012/main" xmlns:mc="http://schemas.openxmlformats.org/markup-compatibility/2006" type="objAndTwoObj" preserve="1">
+<file path=ppt/slideLayouts/slideLayout8.xml><?xml version="1.0" encoding="utf-8"?>
+<p:sldLayout xmlns:a="http://schemas.openxmlformats.org/drawingml/2006/main" xmlns:r="http://schemas.openxmlformats.org/officeDocument/2006/relationships" xmlns:p="http://schemas.openxmlformats.org/presentationml/2006/main" type="objAndTwoObj" preserve="1">
   <p:cSld name="Title Content and 2 Content">
     <p:spTree>
       <p:nvGrpSpPr>
@@ -2653,7 +2688,7 @@
       </p:grpSpPr>
       <p:sp>
         <p:nvSpPr>
-          <p:cNvPr id="102" name="PlaceHolder 1"/>
+          <p:cNvPr id="19" name="PlaceHolder 1"/>
           <p:cNvSpPr>
             <a:spLocks noGrp="1"/>
           </p:cNvSpPr>
@@ -2671,20 +2706,21 @@
           </a:prstGeom>
         </p:spPr>
         <p:txBody>
-          <a:bodyPr lIns="0" rIns="0" tIns="0" bIns="0" anchor="ctr">
+          <a:bodyPr lIns="0" tIns="0" rIns="0" bIns="0" anchor="ctr">
             <a:noAutofit/>
           </a:bodyPr>
+          <a:lstStyle/>
           <a:p>
             <a:pPr algn="ctr"/>
-            <a:endParaRPr b="0" lang="pt-PT" sz="4400" spc="-1" strike="noStrike">
-              <a:latin typeface="Arial"/>
-            </a:endParaRPr>
-          </a:p>
-        </p:txBody>
-      </p:sp>
-      <p:sp>
-        <p:nvSpPr>
-          <p:cNvPr id="103" name="PlaceHolder 2"/>
+            <a:endParaRPr lang="pt-PT" sz="4400" b="0" strike="noStrike" spc="-1">
+              <a:latin typeface="Arial"/>
+            </a:endParaRPr>
+          </a:p>
+        </p:txBody>
+      </p:sp>
+      <p:sp>
+        <p:nvSpPr>
+          <p:cNvPr id="20" name="PlaceHolder 2"/>
           <p:cNvSpPr>
             <a:spLocks noGrp="1"/>
           </p:cNvSpPr>
@@ -2702,19 +2738,20 @@
           </a:prstGeom>
         </p:spPr>
         <p:txBody>
-          <a:bodyPr lIns="0" rIns="0" tIns="0" bIns="0">
+          <a:bodyPr lIns="0" tIns="0" rIns="0" bIns="0">
             <a:normAutofit/>
           </a:bodyPr>
-          <a:p>
-            <a:endParaRPr b="0" lang="pt-PT" sz="3200" spc="-1" strike="noStrike">
-              <a:latin typeface="Arial"/>
-            </a:endParaRPr>
-          </a:p>
-        </p:txBody>
-      </p:sp>
-      <p:sp>
-        <p:nvSpPr>
-          <p:cNvPr id="104" name="PlaceHolder 3"/>
+          <a:lstStyle/>
+          <a:p>
+            <a:endParaRPr lang="pt-PT" sz="3200" b="0" strike="noStrike" spc="-1">
+              <a:latin typeface="Arial"/>
+            </a:endParaRPr>
+          </a:p>
+        </p:txBody>
+      </p:sp>
+      <p:sp>
+        <p:nvSpPr>
+          <p:cNvPr id="21" name="PlaceHolder 3"/>
           <p:cNvSpPr>
             <a:spLocks noGrp="1"/>
           </p:cNvSpPr>
@@ -2732,19 +2769,20 @@
           </a:prstGeom>
         </p:spPr>
         <p:txBody>
-          <a:bodyPr lIns="0" rIns="0" tIns="0" bIns="0">
+          <a:bodyPr lIns="0" tIns="0" rIns="0" bIns="0">
             <a:normAutofit/>
           </a:bodyPr>
-          <a:p>
-            <a:endParaRPr b="0" lang="pt-PT" sz="3200" spc="-1" strike="noStrike">
-              <a:latin typeface="Arial"/>
-            </a:endParaRPr>
-          </a:p>
-        </p:txBody>
-      </p:sp>
-      <p:sp>
-        <p:nvSpPr>
-          <p:cNvPr id="105" name="PlaceHolder 4"/>
+          <a:lstStyle/>
+          <a:p>
+            <a:endParaRPr lang="pt-PT" sz="3200" b="0" strike="noStrike" spc="-1">
+              <a:latin typeface="Arial"/>
+            </a:endParaRPr>
+          </a:p>
+        </p:txBody>
+      </p:sp>
+      <p:sp>
+        <p:nvSpPr>
+          <p:cNvPr id="22" name="PlaceHolder 4"/>
           <p:cNvSpPr>
             <a:spLocks noGrp="1"/>
           </p:cNvSpPr>
@@ -2762,11 +2800,12 @@
           </a:prstGeom>
         </p:spPr>
         <p:txBody>
-          <a:bodyPr lIns="0" rIns="0" tIns="0" bIns="0">
+          <a:bodyPr lIns="0" tIns="0" rIns="0" bIns="0">
             <a:normAutofit/>
           </a:bodyPr>
-          <a:p>
-            <a:endParaRPr b="0" lang="pt-PT" sz="3200" spc="-1" strike="noStrike">
+          <a:lstStyle/>
+          <a:p>
+            <a:endParaRPr lang="pt-PT" sz="3200" b="0" strike="noStrike" spc="-1">
               <a:latin typeface="Arial"/>
             </a:endParaRPr>
           </a:p>
@@ -2774,11 +2813,14 @@
       </p:sp>
     </p:spTree>
   </p:cSld>
+  <p:clrMapOvr>
+    <a:masterClrMapping/>
+  </p:clrMapOvr>
 </p:sldLayout>
 </file>
 
-<file path=ppt/slideLayouts/slideLayout33.xml><?xml version="1.0" encoding="utf-8"?>
-<p:sldLayout xmlns:a="http://schemas.openxmlformats.org/drawingml/2006/main" xmlns:p="http://schemas.openxmlformats.org/presentationml/2006/main" xmlns:r="http://schemas.openxmlformats.org/officeDocument/2006/relationships" xmlns:p14="http://schemas.microsoft.com/office/powerpoint/2010/main" xmlns:p15="http://schemas.microsoft.com/office/powerpoint/2012/main" xmlns:mc="http://schemas.openxmlformats.org/markup-compatibility/2006" type="twoObjOverTx" preserve="1">
+<file path=ppt/slideLayouts/slideLayout9.xml><?xml version="1.0" encoding="utf-8"?>
+<p:sldLayout xmlns:a="http://schemas.openxmlformats.org/drawingml/2006/main" xmlns:r="http://schemas.openxmlformats.org/officeDocument/2006/relationships" xmlns:p="http://schemas.openxmlformats.org/presentationml/2006/main" type="twoObjOverTx" preserve="1">
   <p:cSld name="Title, 2 Content over Content">
     <p:spTree>
       <p:nvGrpSpPr>
@@ -2796,1173 +2838,6 @@
       </p:grpSpPr>
       <p:sp>
         <p:nvSpPr>
-          <p:cNvPr id="106" name="PlaceHolder 1"/>
-          <p:cNvSpPr>
-            <a:spLocks noGrp="1"/>
-          </p:cNvSpPr>
-          <p:nvPr>
-            <p:ph type="title"/>
-          </p:nvPr>
-        </p:nvSpPr>
-        <p:spPr>
-          <a:xfrm>
-            <a:off x="576000" y="729720"/>
-            <a:ext cx="11028600" cy="987120"/>
-          </a:xfrm>
-          <a:prstGeom prst="rect">
-            <a:avLst/>
-          </a:prstGeom>
-        </p:spPr>
-        <p:txBody>
-          <a:bodyPr lIns="0" rIns="0" tIns="0" bIns="0" anchor="ctr">
-            <a:noAutofit/>
-          </a:bodyPr>
-          <a:p>
-            <a:pPr algn="ctr"/>
-            <a:endParaRPr b="0" lang="pt-PT" sz="4400" spc="-1" strike="noStrike">
-              <a:latin typeface="Arial"/>
-            </a:endParaRPr>
-          </a:p>
-        </p:txBody>
-      </p:sp>
-      <p:sp>
-        <p:nvSpPr>
-          <p:cNvPr id="107" name="PlaceHolder 2"/>
-          <p:cNvSpPr>
-            <a:spLocks noGrp="1"/>
-          </p:cNvSpPr>
-          <p:nvPr>
-            <p:ph type="body"/>
-          </p:nvPr>
-        </p:nvSpPr>
-        <p:spPr>
-          <a:xfrm>
-            <a:off x="609480" y="1604520"/>
-            <a:ext cx="5354280" cy="1896840"/>
-          </a:xfrm>
-          <a:prstGeom prst="rect">
-            <a:avLst/>
-          </a:prstGeom>
-        </p:spPr>
-        <p:txBody>
-          <a:bodyPr lIns="0" rIns="0" tIns="0" bIns="0">
-            <a:normAutofit/>
-          </a:bodyPr>
-          <a:p>
-            <a:endParaRPr b="0" lang="pt-PT" sz="3200" spc="-1" strike="noStrike">
-              <a:latin typeface="Arial"/>
-            </a:endParaRPr>
-          </a:p>
-        </p:txBody>
-      </p:sp>
-      <p:sp>
-        <p:nvSpPr>
-          <p:cNvPr id="108" name="PlaceHolder 3"/>
-          <p:cNvSpPr>
-            <a:spLocks noGrp="1"/>
-          </p:cNvSpPr>
-          <p:nvPr>
-            <p:ph type="body"/>
-          </p:nvPr>
-        </p:nvSpPr>
-        <p:spPr>
-          <a:xfrm>
-            <a:off x="6231960" y="1604520"/>
-            <a:ext cx="5354280" cy="1896840"/>
-          </a:xfrm>
-          <a:prstGeom prst="rect">
-            <a:avLst/>
-          </a:prstGeom>
-        </p:spPr>
-        <p:txBody>
-          <a:bodyPr lIns="0" rIns="0" tIns="0" bIns="0">
-            <a:normAutofit/>
-          </a:bodyPr>
-          <a:p>
-            <a:endParaRPr b="0" lang="pt-PT" sz="3200" spc="-1" strike="noStrike">
-              <a:latin typeface="Arial"/>
-            </a:endParaRPr>
-          </a:p>
-        </p:txBody>
-      </p:sp>
-      <p:sp>
-        <p:nvSpPr>
-          <p:cNvPr id="109" name="PlaceHolder 4"/>
-          <p:cNvSpPr>
-            <a:spLocks noGrp="1"/>
-          </p:cNvSpPr>
-          <p:nvPr>
-            <p:ph type="body"/>
-          </p:nvPr>
-        </p:nvSpPr>
-        <p:spPr>
-          <a:xfrm>
-            <a:off x="609480" y="3682080"/>
-            <a:ext cx="10972440" cy="1896840"/>
-          </a:xfrm>
-          <a:prstGeom prst="rect">
-            <a:avLst/>
-          </a:prstGeom>
-        </p:spPr>
-        <p:txBody>
-          <a:bodyPr lIns="0" rIns="0" tIns="0" bIns="0">
-            <a:normAutofit/>
-          </a:bodyPr>
-          <a:p>
-            <a:endParaRPr b="0" lang="pt-PT" sz="3200" spc="-1" strike="noStrike">
-              <a:latin typeface="Arial"/>
-            </a:endParaRPr>
-          </a:p>
-        </p:txBody>
-      </p:sp>
-    </p:spTree>
-  </p:cSld>
-</p:sldLayout>
-</file>
-
-<file path=ppt/slideLayouts/slideLayout34.xml><?xml version="1.0" encoding="utf-8"?>
-<p:sldLayout xmlns:a="http://schemas.openxmlformats.org/drawingml/2006/main" xmlns:p="http://schemas.openxmlformats.org/presentationml/2006/main" xmlns:r="http://schemas.openxmlformats.org/officeDocument/2006/relationships" xmlns:p14="http://schemas.microsoft.com/office/powerpoint/2010/main" xmlns:p15="http://schemas.microsoft.com/office/powerpoint/2012/main" xmlns:mc="http://schemas.openxmlformats.org/markup-compatibility/2006" type="objOverTx" preserve="1">
-  <p:cSld name="Title, Content over Content">
-    <p:spTree>
-      <p:nvGrpSpPr>
-        <p:cNvPr id="1" name=""/>
-        <p:cNvGrpSpPr/>
-        <p:nvPr/>
-      </p:nvGrpSpPr>
-      <p:grpSpPr>
-        <a:xfrm>
-          <a:off x="0" y="0"/>
-          <a:ext cx="0" cy="0"/>
-          <a:chOff x="0" y="0"/>
-          <a:chExt cx="0" cy="0"/>
-        </a:xfrm>
-      </p:grpSpPr>
-      <p:sp>
-        <p:nvSpPr>
-          <p:cNvPr id="110" name="PlaceHolder 1"/>
-          <p:cNvSpPr>
-            <a:spLocks noGrp="1"/>
-          </p:cNvSpPr>
-          <p:nvPr>
-            <p:ph type="title"/>
-          </p:nvPr>
-        </p:nvSpPr>
-        <p:spPr>
-          <a:xfrm>
-            <a:off x="576000" y="729720"/>
-            <a:ext cx="11028600" cy="987120"/>
-          </a:xfrm>
-          <a:prstGeom prst="rect">
-            <a:avLst/>
-          </a:prstGeom>
-        </p:spPr>
-        <p:txBody>
-          <a:bodyPr lIns="0" rIns="0" tIns="0" bIns="0" anchor="ctr">
-            <a:noAutofit/>
-          </a:bodyPr>
-          <a:p>
-            <a:pPr algn="ctr"/>
-            <a:endParaRPr b="0" lang="pt-PT" sz="4400" spc="-1" strike="noStrike">
-              <a:latin typeface="Arial"/>
-            </a:endParaRPr>
-          </a:p>
-        </p:txBody>
-      </p:sp>
-      <p:sp>
-        <p:nvSpPr>
-          <p:cNvPr id="111" name="PlaceHolder 2"/>
-          <p:cNvSpPr>
-            <a:spLocks noGrp="1"/>
-          </p:cNvSpPr>
-          <p:nvPr>
-            <p:ph type="body"/>
-          </p:nvPr>
-        </p:nvSpPr>
-        <p:spPr>
-          <a:xfrm>
-            <a:off x="609480" y="1604520"/>
-            <a:ext cx="10972440" cy="1896840"/>
-          </a:xfrm>
-          <a:prstGeom prst="rect">
-            <a:avLst/>
-          </a:prstGeom>
-        </p:spPr>
-        <p:txBody>
-          <a:bodyPr lIns="0" rIns="0" tIns="0" bIns="0">
-            <a:normAutofit/>
-          </a:bodyPr>
-          <a:p>
-            <a:endParaRPr b="0" lang="pt-PT" sz="3200" spc="-1" strike="noStrike">
-              <a:latin typeface="Arial"/>
-            </a:endParaRPr>
-          </a:p>
-        </p:txBody>
-      </p:sp>
-      <p:sp>
-        <p:nvSpPr>
-          <p:cNvPr id="112" name="PlaceHolder 3"/>
-          <p:cNvSpPr>
-            <a:spLocks noGrp="1"/>
-          </p:cNvSpPr>
-          <p:nvPr>
-            <p:ph type="body"/>
-          </p:nvPr>
-        </p:nvSpPr>
-        <p:spPr>
-          <a:xfrm>
-            <a:off x="609480" y="3682080"/>
-            <a:ext cx="10972440" cy="1896840"/>
-          </a:xfrm>
-          <a:prstGeom prst="rect">
-            <a:avLst/>
-          </a:prstGeom>
-        </p:spPr>
-        <p:txBody>
-          <a:bodyPr lIns="0" rIns="0" tIns="0" bIns="0">
-            <a:normAutofit/>
-          </a:bodyPr>
-          <a:p>
-            <a:endParaRPr b="0" lang="pt-PT" sz="3200" spc="-1" strike="noStrike">
-              <a:latin typeface="Arial"/>
-            </a:endParaRPr>
-          </a:p>
-        </p:txBody>
-      </p:sp>
-    </p:spTree>
-  </p:cSld>
-</p:sldLayout>
-</file>
-
-<file path=ppt/slideLayouts/slideLayout35.xml><?xml version="1.0" encoding="utf-8"?>
-<p:sldLayout xmlns:a="http://schemas.openxmlformats.org/drawingml/2006/main" xmlns:p="http://schemas.openxmlformats.org/presentationml/2006/main" xmlns:r="http://schemas.openxmlformats.org/officeDocument/2006/relationships" xmlns:p14="http://schemas.microsoft.com/office/powerpoint/2010/main" xmlns:p15="http://schemas.microsoft.com/office/powerpoint/2012/main" xmlns:mc="http://schemas.openxmlformats.org/markup-compatibility/2006" type="fourObj" preserve="1">
-  <p:cSld name="Title, 4 Content">
-    <p:spTree>
-      <p:nvGrpSpPr>
-        <p:cNvPr id="1" name=""/>
-        <p:cNvGrpSpPr/>
-        <p:nvPr/>
-      </p:nvGrpSpPr>
-      <p:grpSpPr>
-        <a:xfrm>
-          <a:off x="0" y="0"/>
-          <a:ext cx="0" cy="0"/>
-          <a:chOff x="0" y="0"/>
-          <a:chExt cx="0" cy="0"/>
-        </a:xfrm>
-      </p:grpSpPr>
-      <p:sp>
-        <p:nvSpPr>
-          <p:cNvPr id="113" name="PlaceHolder 1"/>
-          <p:cNvSpPr>
-            <a:spLocks noGrp="1"/>
-          </p:cNvSpPr>
-          <p:nvPr>
-            <p:ph type="title"/>
-          </p:nvPr>
-        </p:nvSpPr>
-        <p:spPr>
-          <a:xfrm>
-            <a:off x="576000" y="729720"/>
-            <a:ext cx="11028600" cy="987120"/>
-          </a:xfrm>
-          <a:prstGeom prst="rect">
-            <a:avLst/>
-          </a:prstGeom>
-        </p:spPr>
-        <p:txBody>
-          <a:bodyPr lIns="0" rIns="0" tIns="0" bIns="0" anchor="ctr">
-            <a:noAutofit/>
-          </a:bodyPr>
-          <a:p>
-            <a:pPr algn="ctr"/>
-            <a:endParaRPr b="0" lang="pt-PT" sz="4400" spc="-1" strike="noStrike">
-              <a:latin typeface="Arial"/>
-            </a:endParaRPr>
-          </a:p>
-        </p:txBody>
-      </p:sp>
-      <p:sp>
-        <p:nvSpPr>
-          <p:cNvPr id="114" name="PlaceHolder 2"/>
-          <p:cNvSpPr>
-            <a:spLocks noGrp="1"/>
-          </p:cNvSpPr>
-          <p:nvPr>
-            <p:ph type="body"/>
-          </p:nvPr>
-        </p:nvSpPr>
-        <p:spPr>
-          <a:xfrm>
-            <a:off x="609480" y="1604520"/>
-            <a:ext cx="5354280" cy="1896840"/>
-          </a:xfrm>
-          <a:prstGeom prst="rect">
-            <a:avLst/>
-          </a:prstGeom>
-        </p:spPr>
-        <p:txBody>
-          <a:bodyPr lIns="0" rIns="0" tIns="0" bIns="0">
-            <a:normAutofit/>
-          </a:bodyPr>
-          <a:p>
-            <a:endParaRPr b="0" lang="pt-PT" sz="3200" spc="-1" strike="noStrike">
-              <a:latin typeface="Arial"/>
-            </a:endParaRPr>
-          </a:p>
-        </p:txBody>
-      </p:sp>
-      <p:sp>
-        <p:nvSpPr>
-          <p:cNvPr id="115" name="PlaceHolder 3"/>
-          <p:cNvSpPr>
-            <a:spLocks noGrp="1"/>
-          </p:cNvSpPr>
-          <p:nvPr>
-            <p:ph type="body"/>
-          </p:nvPr>
-        </p:nvSpPr>
-        <p:spPr>
-          <a:xfrm>
-            <a:off x="6231960" y="1604520"/>
-            <a:ext cx="5354280" cy="1896840"/>
-          </a:xfrm>
-          <a:prstGeom prst="rect">
-            <a:avLst/>
-          </a:prstGeom>
-        </p:spPr>
-        <p:txBody>
-          <a:bodyPr lIns="0" rIns="0" tIns="0" bIns="0">
-            <a:normAutofit/>
-          </a:bodyPr>
-          <a:p>
-            <a:endParaRPr b="0" lang="pt-PT" sz="3200" spc="-1" strike="noStrike">
-              <a:latin typeface="Arial"/>
-            </a:endParaRPr>
-          </a:p>
-        </p:txBody>
-      </p:sp>
-      <p:sp>
-        <p:nvSpPr>
-          <p:cNvPr id="116" name="PlaceHolder 4"/>
-          <p:cNvSpPr>
-            <a:spLocks noGrp="1"/>
-          </p:cNvSpPr>
-          <p:nvPr>
-            <p:ph type="body"/>
-          </p:nvPr>
-        </p:nvSpPr>
-        <p:spPr>
-          <a:xfrm>
-            <a:off x="609480" y="3682080"/>
-            <a:ext cx="5354280" cy="1896840"/>
-          </a:xfrm>
-          <a:prstGeom prst="rect">
-            <a:avLst/>
-          </a:prstGeom>
-        </p:spPr>
-        <p:txBody>
-          <a:bodyPr lIns="0" rIns="0" tIns="0" bIns="0">
-            <a:normAutofit/>
-          </a:bodyPr>
-          <a:p>
-            <a:endParaRPr b="0" lang="pt-PT" sz="3200" spc="-1" strike="noStrike">
-              <a:latin typeface="Arial"/>
-            </a:endParaRPr>
-          </a:p>
-        </p:txBody>
-      </p:sp>
-      <p:sp>
-        <p:nvSpPr>
-          <p:cNvPr id="117" name="PlaceHolder 5"/>
-          <p:cNvSpPr>
-            <a:spLocks noGrp="1"/>
-          </p:cNvSpPr>
-          <p:nvPr>
-            <p:ph type="body"/>
-          </p:nvPr>
-        </p:nvSpPr>
-        <p:spPr>
-          <a:xfrm>
-            <a:off x="6231960" y="3682080"/>
-            <a:ext cx="5354280" cy="1896840"/>
-          </a:xfrm>
-          <a:prstGeom prst="rect">
-            <a:avLst/>
-          </a:prstGeom>
-        </p:spPr>
-        <p:txBody>
-          <a:bodyPr lIns="0" rIns="0" tIns="0" bIns="0">
-            <a:normAutofit/>
-          </a:bodyPr>
-          <a:p>
-            <a:endParaRPr b="0" lang="pt-PT" sz="3200" spc="-1" strike="noStrike">
-              <a:latin typeface="Arial"/>
-            </a:endParaRPr>
-          </a:p>
-        </p:txBody>
-      </p:sp>
-    </p:spTree>
-  </p:cSld>
-</p:sldLayout>
-</file>
-
-<file path=ppt/slideLayouts/slideLayout36.xml><?xml version="1.0" encoding="utf-8"?>
-<p:sldLayout xmlns:a="http://schemas.openxmlformats.org/drawingml/2006/main" xmlns:p="http://schemas.openxmlformats.org/presentationml/2006/main" xmlns:r="http://schemas.openxmlformats.org/officeDocument/2006/relationships" xmlns:p14="http://schemas.microsoft.com/office/powerpoint/2010/main" xmlns:p15="http://schemas.microsoft.com/office/powerpoint/2012/main" xmlns:mc="http://schemas.openxmlformats.org/markup-compatibility/2006" type="blank" preserve="1">
-  <p:cSld name="Title, 6 Content">
-    <p:spTree>
-      <p:nvGrpSpPr>
-        <p:cNvPr id="1" name=""/>
-        <p:cNvGrpSpPr/>
-        <p:nvPr/>
-      </p:nvGrpSpPr>
-      <p:grpSpPr>
-        <a:xfrm>
-          <a:off x="0" y="0"/>
-          <a:ext cx="0" cy="0"/>
-          <a:chOff x="0" y="0"/>
-          <a:chExt cx="0" cy="0"/>
-        </a:xfrm>
-      </p:grpSpPr>
-      <p:sp>
-        <p:nvSpPr>
-          <p:cNvPr id="118" name="PlaceHolder 1"/>
-          <p:cNvSpPr>
-            <a:spLocks noGrp="1"/>
-          </p:cNvSpPr>
-          <p:nvPr>
-            <p:ph type="title"/>
-          </p:nvPr>
-        </p:nvSpPr>
-        <p:spPr>
-          <a:xfrm>
-            <a:off x="576000" y="729720"/>
-            <a:ext cx="11028600" cy="987120"/>
-          </a:xfrm>
-          <a:prstGeom prst="rect">
-            <a:avLst/>
-          </a:prstGeom>
-        </p:spPr>
-        <p:txBody>
-          <a:bodyPr lIns="0" rIns="0" tIns="0" bIns="0" anchor="ctr">
-            <a:noAutofit/>
-          </a:bodyPr>
-          <a:p>
-            <a:pPr algn="ctr"/>
-            <a:endParaRPr b="0" lang="pt-PT" sz="4400" spc="-1" strike="noStrike">
-              <a:latin typeface="Arial"/>
-            </a:endParaRPr>
-          </a:p>
-        </p:txBody>
-      </p:sp>
-      <p:sp>
-        <p:nvSpPr>
-          <p:cNvPr id="119" name="PlaceHolder 2"/>
-          <p:cNvSpPr>
-            <a:spLocks noGrp="1"/>
-          </p:cNvSpPr>
-          <p:nvPr>
-            <p:ph type="body"/>
-          </p:nvPr>
-        </p:nvSpPr>
-        <p:spPr>
-          <a:xfrm>
-            <a:off x="609480" y="1604520"/>
-            <a:ext cx="3533040" cy="1896840"/>
-          </a:xfrm>
-          <a:prstGeom prst="rect">
-            <a:avLst/>
-          </a:prstGeom>
-        </p:spPr>
-        <p:txBody>
-          <a:bodyPr lIns="0" rIns="0" tIns="0" bIns="0">
-            <a:normAutofit/>
-          </a:bodyPr>
-          <a:p>
-            <a:endParaRPr b="0" lang="pt-PT" sz="3200" spc="-1" strike="noStrike">
-              <a:latin typeface="Arial"/>
-            </a:endParaRPr>
-          </a:p>
-        </p:txBody>
-      </p:sp>
-      <p:sp>
-        <p:nvSpPr>
-          <p:cNvPr id="120" name="PlaceHolder 3"/>
-          <p:cNvSpPr>
-            <a:spLocks noGrp="1"/>
-          </p:cNvSpPr>
-          <p:nvPr>
-            <p:ph type="body"/>
-          </p:nvPr>
-        </p:nvSpPr>
-        <p:spPr>
-          <a:xfrm>
-            <a:off x="4319640" y="1604520"/>
-            <a:ext cx="3533040" cy="1896840"/>
-          </a:xfrm>
-          <a:prstGeom prst="rect">
-            <a:avLst/>
-          </a:prstGeom>
-        </p:spPr>
-        <p:txBody>
-          <a:bodyPr lIns="0" rIns="0" tIns="0" bIns="0">
-            <a:normAutofit/>
-          </a:bodyPr>
-          <a:p>
-            <a:endParaRPr b="0" lang="pt-PT" sz="3200" spc="-1" strike="noStrike">
-              <a:latin typeface="Arial"/>
-            </a:endParaRPr>
-          </a:p>
-        </p:txBody>
-      </p:sp>
-      <p:sp>
-        <p:nvSpPr>
-          <p:cNvPr id="121" name="PlaceHolder 4"/>
-          <p:cNvSpPr>
-            <a:spLocks noGrp="1"/>
-          </p:cNvSpPr>
-          <p:nvPr>
-            <p:ph type="body"/>
-          </p:nvPr>
-        </p:nvSpPr>
-        <p:spPr>
-          <a:xfrm>
-            <a:off x="8029800" y="1604520"/>
-            <a:ext cx="3533040" cy="1896840"/>
-          </a:xfrm>
-          <a:prstGeom prst="rect">
-            <a:avLst/>
-          </a:prstGeom>
-        </p:spPr>
-        <p:txBody>
-          <a:bodyPr lIns="0" rIns="0" tIns="0" bIns="0">
-            <a:normAutofit/>
-          </a:bodyPr>
-          <a:p>
-            <a:endParaRPr b="0" lang="pt-PT" sz="3200" spc="-1" strike="noStrike">
-              <a:latin typeface="Arial"/>
-            </a:endParaRPr>
-          </a:p>
-        </p:txBody>
-      </p:sp>
-      <p:sp>
-        <p:nvSpPr>
-          <p:cNvPr id="122" name="PlaceHolder 5"/>
-          <p:cNvSpPr>
-            <a:spLocks noGrp="1"/>
-          </p:cNvSpPr>
-          <p:nvPr>
-            <p:ph type="body"/>
-          </p:nvPr>
-        </p:nvSpPr>
-        <p:spPr>
-          <a:xfrm>
-            <a:off x="609480" y="3682080"/>
-            <a:ext cx="3533040" cy="1896840"/>
-          </a:xfrm>
-          <a:prstGeom prst="rect">
-            <a:avLst/>
-          </a:prstGeom>
-        </p:spPr>
-        <p:txBody>
-          <a:bodyPr lIns="0" rIns="0" tIns="0" bIns="0">
-            <a:normAutofit/>
-          </a:bodyPr>
-          <a:p>
-            <a:endParaRPr b="0" lang="pt-PT" sz="3200" spc="-1" strike="noStrike">
-              <a:latin typeface="Arial"/>
-            </a:endParaRPr>
-          </a:p>
-        </p:txBody>
-      </p:sp>
-      <p:sp>
-        <p:nvSpPr>
-          <p:cNvPr id="123" name="PlaceHolder 6"/>
-          <p:cNvSpPr>
-            <a:spLocks noGrp="1"/>
-          </p:cNvSpPr>
-          <p:nvPr>
-            <p:ph type="body"/>
-          </p:nvPr>
-        </p:nvSpPr>
-        <p:spPr>
-          <a:xfrm>
-            <a:off x="4319640" y="3682080"/>
-            <a:ext cx="3533040" cy="1896840"/>
-          </a:xfrm>
-          <a:prstGeom prst="rect">
-            <a:avLst/>
-          </a:prstGeom>
-        </p:spPr>
-        <p:txBody>
-          <a:bodyPr lIns="0" rIns="0" tIns="0" bIns="0">
-            <a:normAutofit/>
-          </a:bodyPr>
-          <a:p>
-            <a:endParaRPr b="0" lang="pt-PT" sz="3200" spc="-1" strike="noStrike">
-              <a:latin typeface="Arial"/>
-            </a:endParaRPr>
-          </a:p>
-        </p:txBody>
-      </p:sp>
-      <p:sp>
-        <p:nvSpPr>
-          <p:cNvPr id="124" name="PlaceHolder 7"/>
-          <p:cNvSpPr>
-            <a:spLocks noGrp="1"/>
-          </p:cNvSpPr>
-          <p:nvPr>
-            <p:ph type="body"/>
-          </p:nvPr>
-        </p:nvSpPr>
-        <p:spPr>
-          <a:xfrm>
-            <a:off x="8029800" y="3682080"/>
-            <a:ext cx="3533040" cy="1896840"/>
-          </a:xfrm>
-          <a:prstGeom prst="rect">
-            <a:avLst/>
-          </a:prstGeom>
-        </p:spPr>
-        <p:txBody>
-          <a:bodyPr lIns="0" rIns="0" tIns="0" bIns="0">
-            <a:normAutofit/>
-          </a:bodyPr>
-          <a:p>
-            <a:endParaRPr b="0" lang="pt-PT" sz="3200" spc="-1" strike="noStrike">
-              <a:latin typeface="Arial"/>
-            </a:endParaRPr>
-          </a:p>
-        </p:txBody>
-      </p:sp>
-    </p:spTree>
-  </p:cSld>
-</p:sldLayout>
-</file>
-
-<file path=ppt/slideLayouts/slideLayout4.xml><?xml version="1.0" encoding="utf-8"?>
-<p:sldLayout xmlns:a="http://schemas.openxmlformats.org/drawingml/2006/main" xmlns:p="http://schemas.openxmlformats.org/presentationml/2006/main" xmlns:r="http://schemas.openxmlformats.org/officeDocument/2006/relationships" xmlns:p14="http://schemas.microsoft.com/office/powerpoint/2010/main" xmlns:p15="http://schemas.microsoft.com/office/powerpoint/2012/main" xmlns:mc="http://schemas.openxmlformats.org/markup-compatibility/2006" type="twoObj" preserve="1">
-  <p:cSld name="Title, 2 Content">
-    <p:spTree>
-      <p:nvGrpSpPr>
-        <p:cNvPr id="1" name=""/>
-        <p:cNvGrpSpPr/>
-        <p:nvPr/>
-      </p:nvGrpSpPr>
-      <p:grpSpPr>
-        <a:xfrm>
-          <a:off x="0" y="0"/>
-          <a:ext cx="0" cy="0"/>
-          <a:chOff x="0" y="0"/>
-          <a:chExt cx="0" cy="0"/>
-        </a:xfrm>
-      </p:grpSpPr>
-      <p:sp>
-        <p:nvSpPr>
-          <p:cNvPr id="10" name="PlaceHolder 1"/>
-          <p:cNvSpPr>
-            <a:spLocks noGrp="1"/>
-          </p:cNvSpPr>
-          <p:nvPr>
-            <p:ph type="title"/>
-          </p:nvPr>
-        </p:nvSpPr>
-        <p:spPr>
-          <a:xfrm>
-            <a:off x="576000" y="729720"/>
-            <a:ext cx="11028600" cy="987120"/>
-          </a:xfrm>
-          <a:prstGeom prst="rect">
-            <a:avLst/>
-          </a:prstGeom>
-        </p:spPr>
-        <p:txBody>
-          <a:bodyPr lIns="0" rIns="0" tIns="0" bIns="0" anchor="ctr">
-            <a:noAutofit/>
-          </a:bodyPr>
-          <a:p>
-            <a:pPr algn="ctr"/>
-            <a:endParaRPr b="0" lang="pt-PT" sz="4400" spc="-1" strike="noStrike">
-              <a:latin typeface="Arial"/>
-            </a:endParaRPr>
-          </a:p>
-        </p:txBody>
-      </p:sp>
-      <p:sp>
-        <p:nvSpPr>
-          <p:cNvPr id="11" name="PlaceHolder 2"/>
-          <p:cNvSpPr>
-            <a:spLocks noGrp="1"/>
-          </p:cNvSpPr>
-          <p:nvPr>
-            <p:ph type="body"/>
-          </p:nvPr>
-        </p:nvSpPr>
-        <p:spPr>
-          <a:xfrm>
-            <a:off x="609480" y="1604520"/>
-            <a:ext cx="5354280" cy="3977280"/>
-          </a:xfrm>
-          <a:prstGeom prst="rect">
-            <a:avLst/>
-          </a:prstGeom>
-        </p:spPr>
-        <p:txBody>
-          <a:bodyPr lIns="0" rIns="0" tIns="0" bIns="0">
-            <a:normAutofit/>
-          </a:bodyPr>
-          <a:p>
-            <a:endParaRPr b="0" lang="pt-PT" sz="3200" spc="-1" strike="noStrike">
-              <a:latin typeface="Arial"/>
-            </a:endParaRPr>
-          </a:p>
-        </p:txBody>
-      </p:sp>
-      <p:sp>
-        <p:nvSpPr>
-          <p:cNvPr id="12" name="PlaceHolder 3"/>
-          <p:cNvSpPr>
-            <a:spLocks noGrp="1"/>
-          </p:cNvSpPr>
-          <p:nvPr>
-            <p:ph type="body"/>
-          </p:nvPr>
-        </p:nvSpPr>
-        <p:spPr>
-          <a:xfrm>
-            <a:off x="6231960" y="1604520"/>
-            <a:ext cx="5354280" cy="3977280"/>
-          </a:xfrm>
-          <a:prstGeom prst="rect">
-            <a:avLst/>
-          </a:prstGeom>
-        </p:spPr>
-        <p:txBody>
-          <a:bodyPr lIns="0" rIns="0" tIns="0" bIns="0">
-            <a:normAutofit/>
-          </a:bodyPr>
-          <a:p>
-            <a:endParaRPr b="0" lang="pt-PT" sz="3200" spc="-1" strike="noStrike">
-              <a:latin typeface="Arial"/>
-            </a:endParaRPr>
-          </a:p>
-        </p:txBody>
-      </p:sp>
-    </p:spTree>
-  </p:cSld>
-</p:sldLayout>
-</file>
-
-<file path=ppt/slideLayouts/slideLayout5.xml><?xml version="1.0" encoding="utf-8"?>
-<p:sldLayout xmlns:a="http://schemas.openxmlformats.org/drawingml/2006/main" xmlns:p="http://schemas.openxmlformats.org/presentationml/2006/main" xmlns:r="http://schemas.openxmlformats.org/officeDocument/2006/relationships" xmlns:p14="http://schemas.microsoft.com/office/powerpoint/2010/main" xmlns:p15="http://schemas.microsoft.com/office/powerpoint/2012/main" xmlns:mc="http://schemas.openxmlformats.org/markup-compatibility/2006" type="titleOnly" preserve="1">
-  <p:cSld name="Title Only">
-    <p:spTree>
-      <p:nvGrpSpPr>
-        <p:cNvPr id="1" name=""/>
-        <p:cNvGrpSpPr/>
-        <p:nvPr/>
-      </p:nvGrpSpPr>
-      <p:grpSpPr>
-        <a:xfrm>
-          <a:off x="0" y="0"/>
-          <a:ext cx="0" cy="0"/>
-          <a:chOff x="0" y="0"/>
-          <a:chExt cx="0" cy="0"/>
-        </a:xfrm>
-      </p:grpSpPr>
-      <p:sp>
-        <p:nvSpPr>
-          <p:cNvPr id="13" name="PlaceHolder 1"/>
-          <p:cNvSpPr>
-            <a:spLocks noGrp="1"/>
-          </p:cNvSpPr>
-          <p:nvPr>
-            <p:ph type="title"/>
-          </p:nvPr>
-        </p:nvSpPr>
-        <p:spPr>
-          <a:xfrm>
-            <a:off x="576000" y="729720"/>
-            <a:ext cx="11028600" cy="987120"/>
-          </a:xfrm>
-          <a:prstGeom prst="rect">
-            <a:avLst/>
-          </a:prstGeom>
-        </p:spPr>
-        <p:txBody>
-          <a:bodyPr lIns="0" rIns="0" tIns="0" bIns="0" anchor="ctr">
-            <a:noAutofit/>
-          </a:bodyPr>
-          <a:p>
-            <a:pPr algn="ctr"/>
-            <a:endParaRPr b="0" lang="pt-PT" sz="4400" spc="-1" strike="noStrike">
-              <a:latin typeface="Arial"/>
-            </a:endParaRPr>
-          </a:p>
-        </p:txBody>
-      </p:sp>
-    </p:spTree>
-  </p:cSld>
-</p:sldLayout>
-</file>
-
-<file path=ppt/slideLayouts/slideLayout6.xml><?xml version="1.0" encoding="utf-8"?>
-<p:sldLayout xmlns:a="http://schemas.openxmlformats.org/drawingml/2006/main" xmlns:p="http://schemas.openxmlformats.org/presentationml/2006/main" xmlns:r="http://schemas.openxmlformats.org/officeDocument/2006/relationships" xmlns:p14="http://schemas.microsoft.com/office/powerpoint/2010/main" xmlns:p15="http://schemas.microsoft.com/office/powerpoint/2012/main" xmlns:mc="http://schemas.openxmlformats.org/markup-compatibility/2006" type="objOnly" preserve="1">
-  <p:cSld name="Centered Text">
-    <p:spTree>
-      <p:nvGrpSpPr>
-        <p:cNvPr id="1" name=""/>
-        <p:cNvGrpSpPr/>
-        <p:nvPr/>
-      </p:nvGrpSpPr>
-      <p:grpSpPr>
-        <a:xfrm>
-          <a:off x="0" y="0"/>
-          <a:ext cx="0" cy="0"/>
-          <a:chOff x="0" y="0"/>
-          <a:chExt cx="0" cy="0"/>
-        </a:xfrm>
-      </p:grpSpPr>
-      <p:sp>
-        <p:nvSpPr>
-          <p:cNvPr id="14" name="PlaceHolder 1"/>
-          <p:cNvSpPr>
-            <a:spLocks noGrp="1"/>
-          </p:cNvSpPr>
-          <p:nvPr>
-            <p:ph type="subTitle"/>
-          </p:nvPr>
-        </p:nvSpPr>
-        <p:spPr>
-          <a:xfrm>
-            <a:off x="576000" y="729720"/>
-            <a:ext cx="11028600" cy="4577040"/>
-          </a:xfrm>
-          <a:prstGeom prst="rect">
-            <a:avLst/>
-          </a:prstGeom>
-        </p:spPr>
-        <p:txBody>
-          <a:bodyPr lIns="0" rIns="0" tIns="0" bIns="0" anchor="ctr">
-            <a:noAutofit/>
-          </a:bodyPr>
-          <a:p>
-            <a:pPr algn="ctr"/>
-            <a:endParaRPr b="0" lang="pt-PT" sz="3200" spc="-1" strike="noStrike">
-              <a:latin typeface="Arial"/>
-            </a:endParaRPr>
-          </a:p>
-        </p:txBody>
-      </p:sp>
-    </p:spTree>
-  </p:cSld>
-</p:sldLayout>
-</file>
-
-<file path=ppt/slideLayouts/slideLayout7.xml><?xml version="1.0" encoding="utf-8"?>
-<p:sldLayout xmlns:a="http://schemas.openxmlformats.org/drawingml/2006/main" xmlns:p="http://schemas.openxmlformats.org/presentationml/2006/main" xmlns:r="http://schemas.openxmlformats.org/officeDocument/2006/relationships" xmlns:p14="http://schemas.microsoft.com/office/powerpoint/2010/main" xmlns:p15="http://schemas.microsoft.com/office/powerpoint/2012/main" xmlns:mc="http://schemas.openxmlformats.org/markup-compatibility/2006" type="twoObjAndObj" preserve="1">
-  <p:cSld name="Title, 2 Content and Content">
-    <p:spTree>
-      <p:nvGrpSpPr>
-        <p:cNvPr id="1" name=""/>
-        <p:cNvGrpSpPr/>
-        <p:nvPr/>
-      </p:nvGrpSpPr>
-      <p:grpSpPr>
-        <a:xfrm>
-          <a:off x="0" y="0"/>
-          <a:ext cx="0" cy="0"/>
-          <a:chOff x="0" y="0"/>
-          <a:chExt cx="0" cy="0"/>
-        </a:xfrm>
-      </p:grpSpPr>
-      <p:sp>
-        <p:nvSpPr>
-          <p:cNvPr id="15" name="PlaceHolder 1"/>
-          <p:cNvSpPr>
-            <a:spLocks noGrp="1"/>
-          </p:cNvSpPr>
-          <p:nvPr>
-            <p:ph type="title"/>
-          </p:nvPr>
-        </p:nvSpPr>
-        <p:spPr>
-          <a:xfrm>
-            <a:off x="576000" y="729720"/>
-            <a:ext cx="11028600" cy="987120"/>
-          </a:xfrm>
-          <a:prstGeom prst="rect">
-            <a:avLst/>
-          </a:prstGeom>
-        </p:spPr>
-        <p:txBody>
-          <a:bodyPr lIns="0" rIns="0" tIns="0" bIns="0" anchor="ctr">
-            <a:noAutofit/>
-          </a:bodyPr>
-          <a:p>
-            <a:pPr algn="ctr"/>
-            <a:endParaRPr b="0" lang="pt-PT" sz="4400" spc="-1" strike="noStrike">
-              <a:latin typeface="Arial"/>
-            </a:endParaRPr>
-          </a:p>
-        </p:txBody>
-      </p:sp>
-      <p:sp>
-        <p:nvSpPr>
-          <p:cNvPr id="16" name="PlaceHolder 2"/>
-          <p:cNvSpPr>
-            <a:spLocks noGrp="1"/>
-          </p:cNvSpPr>
-          <p:nvPr>
-            <p:ph type="body"/>
-          </p:nvPr>
-        </p:nvSpPr>
-        <p:spPr>
-          <a:xfrm>
-            <a:off x="609480" y="1604520"/>
-            <a:ext cx="5354280" cy="1896840"/>
-          </a:xfrm>
-          <a:prstGeom prst="rect">
-            <a:avLst/>
-          </a:prstGeom>
-        </p:spPr>
-        <p:txBody>
-          <a:bodyPr lIns="0" rIns="0" tIns="0" bIns="0">
-            <a:normAutofit/>
-          </a:bodyPr>
-          <a:p>
-            <a:endParaRPr b="0" lang="pt-PT" sz="3200" spc="-1" strike="noStrike">
-              <a:latin typeface="Arial"/>
-            </a:endParaRPr>
-          </a:p>
-        </p:txBody>
-      </p:sp>
-      <p:sp>
-        <p:nvSpPr>
-          <p:cNvPr id="17" name="PlaceHolder 3"/>
-          <p:cNvSpPr>
-            <a:spLocks noGrp="1"/>
-          </p:cNvSpPr>
-          <p:nvPr>
-            <p:ph type="body"/>
-          </p:nvPr>
-        </p:nvSpPr>
-        <p:spPr>
-          <a:xfrm>
-            <a:off x="6231960" y="1604520"/>
-            <a:ext cx="5354280" cy="3977280"/>
-          </a:xfrm>
-          <a:prstGeom prst="rect">
-            <a:avLst/>
-          </a:prstGeom>
-        </p:spPr>
-        <p:txBody>
-          <a:bodyPr lIns="0" rIns="0" tIns="0" bIns="0">
-            <a:normAutofit/>
-          </a:bodyPr>
-          <a:p>
-            <a:endParaRPr b="0" lang="pt-PT" sz="3200" spc="-1" strike="noStrike">
-              <a:latin typeface="Arial"/>
-            </a:endParaRPr>
-          </a:p>
-        </p:txBody>
-      </p:sp>
-      <p:sp>
-        <p:nvSpPr>
-          <p:cNvPr id="18" name="PlaceHolder 4"/>
-          <p:cNvSpPr>
-            <a:spLocks noGrp="1"/>
-          </p:cNvSpPr>
-          <p:nvPr>
-            <p:ph type="body"/>
-          </p:nvPr>
-        </p:nvSpPr>
-        <p:spPr>
-          <a:xfrm>
-            <a:off x="609480" y="3682080"/>
-            <a:ext cx="5354280" cy="1896840"/>
-          </a:xfrm>
-          <a:prstGeom prst="rect">
-            <a:avLst/>
-          </a:prstGeom>
-        </p:spPr>
-        <p:txBody>
-          <a:bodyPr lIns="0" rIns="0" tIns="0" bIns="0">
-            <a:normAutofit/>
-          </a:bodyPr>
-          <a:p>
-            <a:endParaRPr b="0" lang="pt-PT" sz="3200" spc="-1" strike="noStrike">
-              <a:latin typeface="Arial"/>
-            </a:endParaRPr>
-          </a:p>
-        </p:txBody>
-      </p:sp>
-    </p:spTree>
-  </p:cSld>
-</p:sldLayout>
-</file>
-
-<file path=ppt/slideLayouts/slideLayout8.xml><?xml version="1.0" encoding="utf-8"?>
-<p:sldLayout xmlns:a="http://schemas.openxmlformats.org/drawingml/2006/main" xmlns:p="http://schemas.openxmlformats.org/presentationml/2006/main" xmlns:r="http://schemas.openxmlformats.org/officeDocument/2006/relationships" xmlns:p14="http://schemas.microsoft.com/office/powerpoint/2010/main" xmlns:p15="http://schemas.microsoft.com/office/powerpoint/2012/main" xmlns:mc="http://schemas.openxmlformats.org/markup-compatibility/2006" type="objAndTwoObj" preserve="1">
-  <p:cSld name="Title Content and 2 Content">
-    <p:spTree>
-      <p:nvGrpSpPr>
-        <p:cNvPr id="1" name=""/>
-        <p:cNvGrpSpPr/>
-        <p:nvPr/>
-      </p:nvGrpSpPr>
-      <p:grpSpPr>
-        <a:xfrm>
-          <a:off x="0" y="0"/>
-          <a:ext cx="0" cy="0"/>
-          <a:chOff x="0" y="0"/>
-          <a:chExt cx="0" cy="0"/>
-        </a:xfrm>
-      </p:grpSpPr>
-      <p:sp>
-        <p:nvSpPr>
-          <p:cNvPr id="19" name="PlaceHolder 1"/>
-          <p:cNvSpPr>
-            <a:spLocks noGrp="1"/>
-          </p:cNvSpPr>
-          <p:nvPr>
-            <p:ph type="title"/>
-          </p:nvPr>
-        </p:nvSpPr>
-        <p:spPr>
-          <a:xfrm>
-            <a:off x="576000" y="729720"/>
-            <a:ext cx="11028600" cy="987120"/>
-          </a:xfrm>
-          <a:prstGeom prst="rect">
-            <a:avLst/>
-          </a:prstGeom>
-        </p:spPr>
-        <p:txBody>
-          <a:bodyPr lIns="0" rIns="0" tIns="0" bIns="0" anchor="ctr">
-            <a:noAutofit/>
-          </a:bodyPr>
-          <a:p>
-            <a:pPr algn="ctr"/>
-            <a:endParaRPr b="0" lang="pt-PT" sz="4400" spc="-1" strike="noStrike">
-              <a:latin typeface="Arial"/>
-            </a:endParaRPr>
-          </a:p>
-        </p:txBody>
-      </p:sp>
-      <p:sp>
-        <p:nvSpPr>
-          <p:cNvPr id="20" name="PlaceHolder 2"/>
-          <p:cNvSpPr>
-            <a:spLocks noGrp="1"/>
-          </p:cNvSpPr>
-          <p:nvPr>
-            <p:ph type="body"/>
-          </p:nvPr>
-        </p:nvSpPr>
-        <p:spPr>
-          <a:xfrm>
-            <a:off x="609480" y="1604520"/>
-            <a:ext cx="5354280" cy="3977280"/>
-          </a:xfrm>
-          <a:prstGeom prst="rect">
-            <a:avLst/>
-          </a:prstGeom>
-        </p:spPr>
-        <p:txBody>
-          <a:bodyPr lIns="0" rIns="0" tIns="0" bIns="0">
-            <a:normAutofit/>
-          </a:bodyPr>
-          <a:p>
-            <a:endParaRPr b="0" lang="pt-PT" sz="3200" spc="-1" strike="noStrike">
-              <a:latin typeface="Arial"/>
-            </a:endParaRPr>
-          </a:p>
-        </p:txBody>
-      </p:sp>
-      <p:sp>
-        <p:nvSpPr>
-          <p:cNvPr id="21" name="PlaceHolder 3"/>
-          <p:cNvSpPr>
-            <a:spLocks noGrp="1"/>
-          </p:cNvSpPr>
-          <p:nvPr>
-            <p:ph type="body"/>
-          </p:nvPr>
-        </p:nvSpPr>
-        <p:spPr>
-          <a:xfrm>
-            <a:off x="6231960" y="1604520"/>
-            <a:ext cx="5354280" cy="1896840"/>
-          </a:xfrm>
-          <a:prstGeom prst="rect">
-            <a:avLst/>
-          </a:prstGeom>
-        </p:spPr>
-        <p:txBody>
-          <a:bodyPr lIns="0" rIns="0" tIns="0" bIns="0">
-            <a:normAutofit/>
-          </a:bodyPr>
-          <a:p>
-            <a:endParaRPr b="0" lang="pt-PT" sz="3200" spc="-1" strike="noStrike">
-              <a:latin typeface="Arial"/>
-            </a:endParaRPr>
-          </a:p>
-        </p:txBody>
-      </p:sp>
-      <p:sp>
-        <p:nvSpPr>
-          <p:cNvPr id="22" name="PlaceHolder 4"/>
-          <p:cNvSpPr>
-            <a:spLocks noGrp="1"/>
-          </p:cNvSpPr>
-          <p:nvPr>
-            <p:ph type="body"/>
-          </p:nvPr>
-        </p:nvSpPr>
-        <p:spPr>
-          <a:xfrm>
-            <a:off x="6231960" y="3682080"/>
-            <a:ext cx="5354280" cy="1896840"/>
-          </a:xfrm>
-          <a:prstGeom prst="rect">
-            <a:avLst/>
-          </a:prstGeom>
-        </p:spPr>
-        <p:txBody>
-          <a:bodyPr lIns="0" rIns="0" tIns="0" bIns="0">
-            <a:normAutofit/>
-          </a:bodyPr>
-          <a:p>
-            <a:endParaRPr b="0" lang="pt-PT" sz="3200" spc="-1" strike="noStrike">
-              <a:latin typeface="Arial"/>
-            </a:endParaRPr>
-          </a:p>
-        </p:txBody>
-      </p:sp>
-    </p:spTree>
-  </p:cSld>
-</p:sldLayout>
-</file>
-
-<file path=ppt/slideLayouts/slideLayout9.xml><?xml version="1.0" encoding="utf-8"?>
-<p:sldLayout xmlns:a="http://schemas.openxmlformats.org/drawingml/2006/main" xmlns:p="http://schemas.openxmlformats.org/presentationml/2006/main" xmlns:r="http://schemas.openxmlformats.org/officeDocument/2006/relationships" xmlns:p14="http://schemas.microsoft.com/office/powerpoint/2010/main" xmlns:p15="http://schemas.microsoft.com/office/powerpoint/2012/main" xmlns:mc="http://schemas.openxmlformats.org/markup-compatibility/2006" type="twoObjOverTx" preserve="1">
-  <p:cSld name="Title, 2 Content over Content">
-    <p:spTree>
-      <p:nvGrpSpPr>
-        <p:cNvPr id="1" name=""/>
-        <p:cNvGrpSpPr/>
-        <p:nvPr/>
-      </p:nvGrpSpPr>
-      <p:grpSpPr>
-        <a:xfrm>
-          <a:off x="0" y="0"/>
-          <a:ext cx="0" cy="0"/>
-          <a:chOff x="0" y="0"/>
-          <a:chExt cx="0" cy="0"/>
-        </a:xfrm>
-      </p:grpSpPr>
-      <p:sp>
-        <p:nvSpPr>
           <p:cNvPr id="23" name="PlaceHolder 1"/>
           <p:cNvSpPr>
             <a:spLocks noGrp="1"/>
@@ -3981,12 +2856,13 @@
           </a:prstGeom>
         </p:spPr>
         <p:txBody>
-          <a:bodyPr lIns="0" rIns="0" tIns="0" bIns="0" anchor="ctr">
+          <a:bodyPr lIns="0" tIns="0" rIns="0" bIns="0" anchor="ctr">
             <a:noAutofit/>
           </a:bodyPr>
+          <a:lstStyle/>
           <a:p>
             <a:pPr algn="ctr"/>
-            <a:endParaRPr b="0" lang="pt-PT" sz="4400" spc="-1" strike="noStrike">
+            <a:endParaRPr lang="pt-PT" sz="4400" b="0" strike="noStrike" spc="-1">
               <a:latin typeface="Arial"/>
             </a:endParaRPr>
           </a:p>
@@ -4012,11 +2888,12 @@
           </a:prstGeom>
         </p:spPr>
         <p:txBody>
-          <a:bodyPr lIns="0" rIns="0" tIns="0" bIns="0">
+          <a:bodyPr lIns="0" tIns="0" rIns="0" bIns="0">
             <a:normAutofit/>
           </a:bodyPr>
-          <a:p>
-            <a:endParaRPr b="0" lang="pt-PT" sz="3200" spc="-1" strike="noStrike">
+          <a:lstStyle/>
+          <a:p>
+            <a:endParaRPr lang="pt-PT" sz="3200" b="0" strike="noStrike" spc="-1">
               <a:latin typeface="Arial"/>
             </a:endParaRPr>
           </a:p>
@@ -4042,11 +2919,12 @@
           </a:prstGeom>
         </p:spPr>
         <p:txBody>
-          <a:bodyPr lIns="0" rIns="0" tIns="0" bIns="0">
+          <a:bodyPr lIns="0" tIns="0" rIns="0" bIns="0">
             <a:normAutofit/>
           </a:bodyPr>
-          <a:p>
-            <a:endParaRPr b="0" lang="pt-PT" sz="3200" spc="-1" strike="noStrike">
+          <a:lstStyle/>
+          <a:p>
+            <a:endParaRPr lang="pt-PT" sz="3200" b="0" strike="noStrike" spc="-1">
               <a:latin typeface="Arial"/>
             </a:endParaRPr>
           </a:p>
@@ -4072,11 +2950,12 @@
           </a:prstGeom>
         </p:spPr>
         <p:txBody>
-          <a:bodyPr lIns="0" rIns="0" tIns="0" bIns="0">
+          <a:bodyPr lIns="0" tIns="0" rIns="0" bIns="0">
             <a:normAutofit/>
           </a:bodyPr>
-          <a:p>
-            <a:endParaRPr b="0" lang="pt-PT" sz="3200" spc="-1" strike="noStrike">
+          <a:lstStyle/>
+          <a:p>
+            <a:endParaRPr lang="pt-PT" sz="3200" b="0" strike="noStrike" spc="-1">
               <a:latin typeface="Arial"/>
             </a:endParaRPr>
           </a:p>
@@ -4084,17 +2963,21 @@
       </p:sp>
     </p:spTree>
   </p:cSld>
+  <p:clrMapOvr>
+    <a:masterClrMapping/>
+  </p:clrMapOvr>
 </p:sldLayout>
 </file>
 
 <file path=ppt/slideMasters/slideMaster1.xml><?xml version="1.0" encoding="utf-8"?>
-<p:sldMaster xmlns:a="http://schemas.openxmlformats.org/drawingml/2006/main" xmlns:p="http://schemas.openxmlformats.org/presentationml/2006/main" xmlns:r="http://schemas.openxmlformats.org/officeDocument/2006/relationships" xmlns:p14="http://schemas.microsoft.com/office/powerpoint/2010/main" xmlns:p15="http://schemas.microsoft.com/office/powerpoint/2012/main" xmlns:mc="http://schemas.openxmlformats.org/markup-compatibility/2006">
+<p:sldMaster xmlns:a="http://schemas.openxmlformats.org/drawingml/2006/main" xmlns:r="http://schemas.openxmlformats.org/officeDocument/2006/relationships" xmlns:p="http://schemas.openxmlformats.org/presentationml/2006/main">
   <p:cSld>
     <p:bg>
       <p:bgPr>
         <a:solidFill>
-          <a:srgbClr val="ffffff"/>
+          <a:srgbClr val="FFFFFF"/>
         </a:solidFill>
+        <a:effectLst/>
       </p:bgPr>
     </p:bg>
     <p:spTree>
@@ -4113,7 +2996,7 @@
       </p:grpSpPr>
       <p:sp>
         <p:nvSpPr>
-          <p:cNvPr id="0" name="CustomShape 1"/>
+          <p:cNvPr id="6" name="CustomShape 1"/>
           <p:cNvSpPr/>
           <p:nvPr/>
         </p:nvSpPr>
@@ -4132,7 +3015,7 @@
             <a:noFill/>
           </a:ln>
           <a:effectLst>
-            <a:outerShdw blurRad="38100" dir="5400000" dist="25560" rotWithShape="0">
+            <a:outerShdw blurRad="38100" dist="25560" dir="5400000" rotWithShape="0">
               <a:srgbClr val="000000">
                 <a:alpha val="55000"/>
               </a:srgbClr>
@@ -4154,7 +3037,7 @@
       </p:sp>
       <p:sp>
         <p:nvSpPr>
-          <p:cNvPr id="1" name="CustomShape 2"/>
+          <p:cNvPr id="7" name="CustomShape 2"/>
           <p:cNvSpPr/>
           <p:nvPr/>
         </p:nvSpPr>
@@ -4167,13 +3050,13 @@
             <a:avLst/>
           </a:prstGeom>
           <a:solidFill>
-            <a:srgbClr val="969fa7"/>
+            <a:srgbClr val="969FA7"/>
           </a:solidFill>
           <a:ln>
             <a:noFill/>
           </a:ln>
           <a:effectLst>
-            <a:outerShdw blurRad="38100" dir="5400000" dist="25560" rotWithShape="0">
+            <a:outerShdw blurRad="38100" dist="25560" dir="5400000" rotWithShape="0">
               <a:srgbClr val="000000">
                 <a:alpha val="55000"/>
               </a:srgbClr>
@@ -4214,7 +3097,7 @@
             <a:noFill/>
           </a:ln>
           <a:effectLst>
-            <a:outerShdw blurRad="38100" dir="5400000" dist="25560" rotWithShape="0">
+            <a:outerShdw blurRad="38100" dist="25560" dir="5400000" rotWithShape="0">
               <a:srgbClr val="000000">
                 <a:alpha val="55000"/>
               </a:srgbClr>
@@ -4255,7 +3138,7 @@
             <a:noFill/>
           </a:ln>
           <a:effectLst>
-            <a:outerShdw blurRad="38100" dir="5400000" dist="25560" rotWithShape="0">
+            <a:outerShdw blurRad="38100" dist="25560" dir="5400000" rotWithShape="0">
               <a:srgbClr val="000000">
                 <a:alpha val="55000"/>
               </a:srgbClr>
@@ -4295,20 +3178,18 @@
           </a:prstGeom>
         </p:spPr>
         <p:txBody>
-          <a:bodyPr lIns="0" rIns="0" tIns="0" bIns="0" anchor="ctr">
+          <a:bodyPr lIns="0" tIns="0" rIns="0" bIns="0" anchor="ctr">
             <a:noAutofit/>
           </a:bodyPr>
+          <a:lstStyle/>
           <a:p>
             <a:pPr algn="ctr"/>
             <a:r>
-              <a:rPr b="0" lang="pt-PT" sz="4400" spc="-1" strike="noStrike">
+              <a:rPr lang="pt-PT" sz="4400" b="0" strike="noStrike" spc="-1">
                 <a:latin typeface="Arial"/>
               </a:rPr>
               <a:t>Clique para editar o formato do título</a:t>
             </a:r>
-            <a:endParaRPr b="0" lang="pt-PT" sz="4400" spc="-1" strike="noStrike">
-              <a:latin typeface="Arial"/>
-            </a:endParaRPr>
           </a:p>
         </p:txBody>
       </p:sp>
@@ -4332,9 +3213,10 @@
           </a:prstGeom>
         </p:spPr>
         <p:txBody>
-          <a:bodyPr lIns="0" rIns="0" tIns="0" bIns="0">
+          <a:bodyPr lIns="0" tIns="0" rIns="0" bIns="0">
             <a:normAutofit/>
           </a:bodyPr>
+          <a:lstStyle/>
           <a:p>
             <a:pPr marL="432000" indent="-324000">
               <a:spcBef>
@@ -4348,17 +3230,14 @@
               <a:buChar char=""/>
             </a:pPr>
             <a:r>
-              <a:rPr b="0" lang="pt-PT" sz="3200" spc="-1" strike="noStrike">
+              <a:rPr lang="pt-PT" sz="3200" b="0" strike="noStrike" spc="-1">
                 <a:latin typeface="Arial"/>
               </a:rPr>
               <a:t>Clique para editar o formato de texto dos tópicos</a:t>
             </a:r>
-            <a:endParaRPr b="0" lang="pt-PT" sz="3200" spc="-1" strike="noStrike">
-              <a:latin typeface="Arial"/>
-            </a:endParaRPr>
-          </a:p>
-          <a:p>
-            <a:pPr lvl="1" marL="864000" indent="-324000">
+          </a:p>
+          <a:p>
+            <a:pPr marL="864000" lvl="1" indent="-324000">
               <a:spcBef>
                 <a:spcPts val="1134"/>
               </a:spcBef>
@@ -4370,17 +3249,14 @@
               <a:buChar char=""/>
             </a:pPr>
             <a:r>
-              <a:rPr b="0" lang="pt-PT" sz="2800" spc="-1" strike="noStrike">
+              <a:rPr lang="pt-PT" sz="2800" b="0" strike="noStrike" spc="-1">
                 <a:latin typeface="Arial"/>
               </a:rPr>
               <a:t>Segundo nível de tópicos</a:t>
             </a:r>
-            <a:endParaRPr b="0" lang="pt-PT" sz="2800" spc="-1" strike="noStrike">
-              <a:latin typeface="Arial"/>
-            </a:endParaRPr>
-          </a:p>
-          <a:p>
-            <a:pPr lvl="2" marL="1296000" indent="-288000">
+          </a:p>
+          <a:p>
+            <a:pPr marL="1296000" lvl="2" indent="-288000">
               <a:spcBef>
                 <a:spcPts val="850"/>
               </a:spcBef>
@@ -4392,17 +3268,14 @@
               <a:buChar char=""/>
             </a:pPr>
             <a:r>
-              <a:rPr b="0" lang="pt-PT" sz="2400" spc="-1" strike="noStrike">
+              <a:rPr lang="pt-PT" sz="2400" b="0" strike="noStrike" spc="-1">
                 <a:latin typeface="Arial"/>
               </a:rPr>
               <a:t>Terceiro nível de tópicos</a:t>
             </a:r>
-            <a:endParaRPr b="0" lang="pt-PT" sz="2400" spc="-1" strike="noStrike">
-              <a:latin typeface="Arial"/>
-            </a:endParaRPr>
-          </a:p>
-          <a:p>
-            <a:pPr lvl="3" marL="1728000" indent="-216000">
+          </a:p>
+          <a:p>
+            <a:pPr marL="1728000" lvl="3" indent="-216000">
               <a:spcBef>
                 <a:spcPts val="567"/>
               </a:spcBef>
@@ -4414,17 +3287,14 @@
               <a:buChar char=""/>
             </a:pPr>
             <a:r>
-              <a:rPr b="0" lang="pt-PT" sz="2000" spc="-1" strike="noStrike">
+              <a:rPr lang="pt-PT" sz="2000" b="0" strike="noStrike" spc="-1">
                 <a:latin typeface="Arial"/>
               </a:rPr>
               <a:t>Quarto nível de tópicos</a:t>
             </a:r>
-            <a:endParaRPr b="0" lang="pt-PT" sz="2000" spc="-1" strike="noStrike">
-              <a:latin typeface="Arial"/>
-            </a:endParaRPr>
-          </a:p>
-          <a:p>
-            <a:pPr lvl="4" marL="2160000" indent="-216000">
+          </a:p>
+          <a:p>
+            <a:pPr marL="2160000" lvl="4" indent="-216000">
               <a:spcBef>
                 <a:spcPts val="283"/>
               </a:spcBef>
@@ -4436,17 +3306,14 @@
               <a:buChar char=""/>
             </a:pPr>
             <a:r>
-              <a:rPr b="0" lang="pt-PT" sz="2000" spc="-1" strike="noStrike">
+              <a:rPr lang="pt-PT" sz="2000" b="0" strike="noStrike" spc="-1">
                 <a:latin typeface="Arial"/>
               </a:rPr>
               <a:t>Quinto nível de tópicos</a:t>
             </a:r>
-            <a:endParaRPr b="0" lang="pt-PT" sz="2000" spc="-1" strike="noStrike">
-              <a:latin typeface="Arial"/>
-            </a:endParaRPr>
-          </a:p>
-          <a:p>
-            <a:pPr lvl="5" marL="2592000" indent="-216000">
+          </a:p>
+          <a:p>
+            <a:pPr marL="2592000" lvl="5" indent="-216000">
               <a:spcBef>
                 <a:spcPts val="283"/>
               </a:spcBef>
@@ -4458,17 +3325,14 @@
               <a:buChar char=""/>
             </a:pPr>
             <a:r>
-              <a:rPr b="0" lang="pt-PT" sz="2000" spc="-1" strike="noStrike">
+              <a:rPr lang="pt-PT" sz="2000" b="0" strike="noStrike" spc="-1">
                 <a:latin typeface="Arial"/>
               </a:rPr>
               <a:t>Sexto nível de tópicos</a:t>
             </a:r>
-            <a:endParaRPr b="0" lang="pt-PT" sz="2000" spc="-1" strike="noStrike">
-              <a:latin typeface="Arial"/>
-            </a:endParaRPr>
-          </a:p>
-          <a:p>
-            <a:pPr lvl="6" marL="3024000" indent="-216000">
+          </a:p>
+          <a:p>
+            <a:pPr marL="3024000" lvl="6" indent="-216000">
               <a:spcBef>
                 <a:spcPts val="283"/>
               </a:spcBef>
@@ -4480,45 +3344,323 @@
               <a:buChar char=""/>
             </a:pPr>
             <a:r>
-              <a:rPr b="0" lang="pt-PT" sz="2000" spc="-1" strike="noStrike">
+              <a:rPr lang="pt-PT" sz="2000" b="0" strike="noStrike" spc="-1">
                 <a:latin typeface="Arial"/>
               </a:rPr>
               <a:t>Sétimo nível de tópicos</a:t>
             </a:r>
-            <a:endParaRPr b="0" lang="pt-PT" sz="2000" spc="-1" strike="noStrike">
-              <a:latin typeface="Arial"/>
-            </a:endParaRPr>
           </a:p>
         </p:txBody>
       </p:sp>
     </p:spTree>
   </p:cSld>
-  <p:clrMap bg1="lt1" bg2="lt2" tx1="dk1" tx2="dk2" accent1="accent1" accent2="accent2" accent3="accent3" accent4="accent4" accent5="accent5" accent6="accent6" hlink="hlink" folHlink="folHlink"/>
+  <p:clrMap bg1="lt1" tx1="dk1" bg2="lt2" tx2="dk2" accent1="accent1" accent2="accent2" accent3="accent3" accent4="accent4" accent5="accent5" accent6="accent6" hlink="hlink" folHlink="folHlink"/>
   <p:sldLayoutIdLst>
-    <p:sldLayoutId id="2147483649" r:id="rId2"/>
-    <p:sldLayoutId id="2147483650" r:id="rId3"/>
-    <p:sldLayoutId id="2147483651" r:id="rId4"/>
-    <p:sldLayoutId id="2147483652" r:id="rId5"/>
-    <p:sldLayoutId id="2147483653" r:id="rId6"/>
-    <p:sldLayoutId id="2147483654" r:id="rId7"/>
-    <p:sldLayoutId id="2147483655" r:id="rId8"/>
-    <p:sldLayoutId id="2147483656" r:id="rId9"/>
-    <p:sldLayoutId id="2147483657" r:id="rId10"/>
-    <p:sldLayoutId id="2147483658" r:id="rId11"/>
-    <p:sldLayoutId id="2147483659" r:id="rId12"/>
-    <p:sldLayoutId id="2147483660" r:id="rId13"/>
+    <p:sldLayoutId id="2147483649" r:id="rId1"/>
+    <p:sldLayoutId id="2147483650" r:id="rId2"/>
+    <p:sldLayoutId id="2147483651" r:id="rId3"/>
+    <p:sldLayoutId id="2147483652" r:id="rId4"/>
+    <p:sldLayoutId id="2147483653" r:id="rId5"/>
+    <p:sldLayoutId id="2147483654" r:id="rId6"/>
+    <p:sldLayoutId id="2147483655" r:id="rId7"/>
+    <p:sldLayoutId id="2147483656" r:id="rId8"/>
+    <p:sldLayoutId id="2147483657" r:id="rId9"/>
+    <p:sldLayoutId id="2147483658" r:id="rId10"/>
+    <p:sldLayoutId id="2147483659" r:id="rId11"/>
+    <p:sldLayoutId id="2147483660" r:id="rId12"/>
   </p:sldLayoutIdLst>
+  <p:txStyles>
+    <p:titleStyle>
+      <a:lvl1pPr algn="l" defTabSz="914400" rtl="0" eaLnBrk="1" latinLnBrk="0" hangingPunct="1">
+        <a:lnSpc>
+          <a:spcPct val="90000"/>
+        </a:lnSpc>
+        <a:spcBef>
+          <a:spcPct val="0"/>
+        </a:spcBef>
+        <a:buNone/>
+        <a:defRPr sz="4400" kern="1200">
+          <a:solidFill>
+            <a:schemeClr val="tx1"/>
+          </a:solidFill>
+          <a:latin typeface="+mj-lt"/>
+          <a:ea typeface="+mj-ea"/>
+          <a:cs typeface="+mj-cs"/>
+        </a:defRPr>
+      </a:lvl1pPr>
+    </p:titleStyle>
+    <p:bodyStyle>
+      <a:lvl1pPr marL="228600" indent="-228600" algn="l" defTabSz="914400" rtl="0" eaLnBrk="1" latinLnBrk="0" hangingPunct="1">
+        <a:lnSpc>
+          <a:spcPct val="90000"/>
+        </a:lnSpc>
+        <a:spcBef>
+          <a:spcPts val="1000"/>
+        </a:spcBef>
+        <a:buFont typeface="Arial" panose="020B0604020202020204" pitchFamily="34" charset="0"/>
+        <a:buChar char="•"/>
+        <a:defRPr sz="2800" kern="1200">
+          <a:solidFill>
+            <a:schemeClr val="tx1"/>
+          </a:solidFill>
+          <a:latin typeface="+mn-lt"/>
+          <a:ea typeface="+mn-ea"/>
+          <a:cs typeface="+mn-cs"/>
+        </a:defRPr>
+      </a:lvl1pPr>
+      <a:lvl2pPr marL="685800" indent="-228600" algn="l" defTabSz="914400" rtl="0" eaLnBrk="1" latinLnBrk="0" hangingPunct="1">
+        <a:lnSpc>
+          <a:spcPct val="90000"/>
+        </a:lnSpc>
+        <a:spcBef>
+          <a:spcPts val="500"/>
+        </a:spcBef>
+        <a:buFont typeface="Arial" panose="020B0604020202020204" pitchFamily="34" charset="0"/>
+        <a:buChar char="•"/>
+        <a:defRPr sz="2400" kern="1200">
+          <a:solidFill>
+            <a:schemeClr val="tx1"/>
+          </a:solidFill>
+          <a:latin typeface="+mn-lt"/>
+          <a:ea typeface="+mn-ea"/>
+          <a:cs typeface="+mn-cs"/>
+        </a:defRPr>
+      </a:lvl2pPr>
+      <a:lvl3pPr marL="1143000" indent="-228600" algn="l" defTabSz="914400" rtl="0" eaLnBrk="1" latinLnBrk="0" hangingPunct="1">
+        <a:lnSpc>
+          <a:spcPct val="90000"/>
+        </a:lnSpc>
+        <a:spcBef>
+          <a:spcPts val="500"/>
+        </a:spcBef>
+        <a:buFont typeface="Arial" panose="020B0604020202020204" pitchFamily="34" charset="0"/>
+        <a:buChar char="•"/>
+        <a:defRPr sz="2000" kern="1200">
+          <a:solidFill>
+            <a:schemeClr val="tx1"/>
+          </a:solidFill>
+          <a:latin typeface="+mn-lt"/>
+          <a:ea typeface="+mn-ea"/>
+          <a:cs typeface="+mn-cs"/>
+        </a:defRPr>
+      </a:lvl3pPr>
+      <a:lvl4pPr marL="1600200" indent="-228600" algn="l" defTabSz="914400" rtl="0" eaLnBrk="1" latinLnBrk="0" hangingPunct="1">
+        <a:lnSpc>
+          <a:spcPct val="90000"/>
+        </a:lnSpc>
+        <a:spcBef>
+          <a:spcPts val="500"/>
+        </a:spcBef>
+        <a:buFont typeface="Arial" panose="020B0604020202020204" pitchFamily="34" charset="0"/>
+        <a:buChar char="•"/>
+        <a:defRPr sz="1800" kern="1200">
+          <a:solidFill>
+            <a:schemeClr val="tx1"/>
+          </a:solidFill>
+          <a:latin typeface="+mn-lt"/>
+          <a:ea typeface="+mn-ea"/>
+          <a:cs typeface="+mn-cs"/>
+        </a:defRPr>
+      </a:lvl4pPr>
+      <a:lvl5pPr marL="2057400" indent="-228600" algn="l" defTabSz="914400" rtl="0" eaLnBrk="1" latinLnBrk="0" hangingPunct="1">
+        <a:lnSpc>
+          <a:spcPct val="90000"/>
+        </a:lnSpc>
+        <a:spcBef>
+          <a:spcPts val="500"/>
+        </a:spcBef>
+        <a:buFont typeface="Arial" panose="020B0604020202020204" pitchFamily="34" charset="0"/>
+        <a:buChar char="•"/>
+        <a:defRPr sz="1800" kern="1200">
+          <a:solidFill>
+            <a:schemeClr val="tx1"/>
+          </a:solidFill>
+          <a:latin typeface="+mn-lt"/>
+          <a:ea typeface="+mn-ea"/>
+          <a:cs typeface="+mn-cs"/>
+        </a:defRPr>
+      </a:lvl5pPr>
+      <a:lvl6pPr marL="2514600" indent="-228600" algn="l" defTabSz="914400" rtl="0" eaLnBrk="1" latinLnBrk="0" hangingPunct="1">
+        <a:lnSpc>
+          <a:spcPct val="90000"/>
+        </a:lnSpc>
+        <a:spcBef>
+          <a:spcPts val="500"/>
+        </a:spcBef>
+        <a:buFont typeface="Arial" panose="020B0604020202020204" pitchFamily="34" charset="0"/>
+        <a:buChar char="•"/>
+        <a:defRPr sz="1800" kern="1200">
+          <a:solidFill>
+            <a:schemeClr val="tx1"/>
+          </a:solidFill>
+          <a:latin typeface="+mn-lt"/>
+          <a:ea typeface="+mn-ea"/>
+          <a:cs typeface="+mn-cs"/>
+        </a:defRPr>
+      </a:lvl6pPr>
+      <a:lvl7pPr marL="2971800" indent="-228600" algn="l" defTabSz="914400" rtl="0" eaLnBrk="1" latinLnBrk="0" hangingPunct="1">
+        <a:lnSpc>
+          <a:spcPct val="90000"/>
+        </a:lnSpc>
+        <a:spcBef>
+          <a:spcPts val="500"/>
+        </a:spcBef>
+        <a:buFont typeface="Arial" panose="020B0604020202020204" pitchFamily="34" charset="0"/>
+        <a:buChar char="•"/>
+        <a:defRPr sz="1800" kern="1200">
+          <a:solidFill>
+            <a:schemeClr val="tx1"/>
+          </a:solidFill>
+          <a:latin typeface="+mn-lt"/>
+          <a:ea typeface="+mn-ea"/>
+          <a:cs typeface="+mn-cs"/>
+        </a:defRPr>
+      </a:lvl7pPr>
+      <a:lvl8pPr marL="3429000" indent="-228600" algn="l" defTabSz="914400" rtl="0" eaLnBrk="1" latinLnBrk="0" hangingPunct="1">
+        <a:lnSpc>
+          <a:spcPct val="90000"/>
+        </a:lnSpc>
+        <a:spcBef>
+          <a:spcPts val="500"/>
+        </a:spcBef>
+        <a:buFont typeface="Arial" panose="020B0604020202020204" pitchFamily="34" charset="0"/>
+        <a:buChar char="•"/>
+        <a:defRPr sz="1800" kern="1200">
+          <a:solidFill>
+            <a:schemeClr val="tx1"/>
+          </a:solidFill>
+          <a:latin typeface="+mn-lt"/>
+          <a:ea typeface="+mn-ea"/>
+          <a:cs typeface="+mn-cs"/>
+        </a:defRPr>
+      </a:lvl8pPr>
+      <a:lvl9pPr marL="3886200" indent="-228600" algn="l" defTabSz="914400" rtl="0" eaLnBrk="1" latinLnBrk="0" hangingPunct="1">
+        <a:lnSpc>
+          <a:spcPct val="90000"/>
+        </a:lnSpc>
+        <a:spcBef>
+          <a:spcPts val="500"/>
+        </a:spcBef>
+        <a:buFont typeface="Arial" panose="020B0604020202020204" pitchFamily="34" charset="0"/>
+        <a:buChar char="•"/>
+        <a:defRPr sz="1800" kern="1200">
+          <a:solidFill>
+            <a:schemeClr val="tx1"/>
+          </a:solidFill>
+          <a:latin typeface="+mn-lt"/>
+          <a:ea typeface="+mn-ea"/>
+          <a:cs typeface="+mn-cs"/>
+        </a:defRPr>
+      </a:lvl9pPr>
+    </p:bodyStyle>
+    <p:otherStyle>
+      <a:defPPr>
+        <a:defRPr lang="pt-PT"/>
+      </a:defPPr>
+      <a:lvl1pPr marL="0" algn="l" defTabSz="914400" rtl="0" eaLnBrk="1" latinLnBrk="0" hangingPunct="1">
+        <a:defRPr sz="1800" kern="1200">
+          <a:solidFill>
+            <a:schemeClr val="tx1"/>
+          </a:solidFill>
+          <a:latin typeface="+mn-lt"/>
+          <a:ea typeface="+mn-ea"/>
+          <a:cs typeface="+mn-cs"/>
+        </a:defRPr>
+      </a:lvl1pPr>
+      <a:lvl2pPr marL="457200" algn="l" defTabSz="914400" rtl="0" eaLnBrk="1" latinLnBrk="0" hangingPunct="1">
+        <a:defRPr sz="1800" kern="1200">
+          <a:solidFill>
+            <a:schemeClr val="tx1"/>
+          </a:solidFill>
+          <a:latin typeface="+mn-lt"/>
+          <a:ea typeface="+mn-ea"/>
+          <a:cs typeface="+mn-cs"/>
+        </a:defRPr>
+      </a:lvl2pPr>
+      <a:lvl3pPr marL="914400" algn="l" defTabSz="914400" rtl="0" eaLnBrk="1" latinLnBrk="0" hangingPunct="1">
+        <a:defRPr sz="1800" kern="1200">
+          <a:solidFill>
+            <a:schemeClr val="tx1"/>
+          </a:solidFill>
+          <a:latin typeface="+mn-lt"/>
+          <a:ea typeface="+mn-ea"/>
+          <a:cs typeface="+mn-cs"/>
+        </a:defRPr>
+      </a:lvl3pPr>
+      <a:lvl4pPr marL="1371600" algn="l" defTabSz="914400" rtl="0" eaLnBrk="1" latinLnBrk="0" hangingPunct="1">
+        <a:defRPr sz="1800" kern="1200">
+          <a:solidFill>
+            <a:schemeClr val="tx1"/>
+          </a:solidFill>
+          <a:latin typeface="+mn-lt"/>
+          <a:ea typeface="+mn-ea"/>
+          <a:cs typeface="+mn-cs"/>
+        </a:defRPr>
+      </a:lvl4pPr>
+      <a:lvl5pPr marL="1828800" algn="l" defTabSz="914400" rtl="0" eaLnBrk="1" latinLnBrk="0" hangingPunct="1">
+        <a:defRPr sz="1800" kern="1200">
+          <a:solidFill>
+            <a:schemeClr val="tx1"/>
+          </a:solidFill>
+          <a:latin typeface="+mn-lt"/>
+          <a:ea typeface="+mn-ea"/>
+          <a:cs typeface="+mn-cs"/>
+        </a:defRPr>
+      </a:lvl5pPr>
+      <a:lvl6pPr marL="2286000" algn="l" defTabSz="914400" rtl="0" eaLnBrk="1" latinLnBrk="0" hangingPunct="1">
+        <a:defRPr sz="1800" kern="1200">
+          <a:solidFill>
+            <a:schemeClr val="tx1"/>
+          </a:solidFill>
+          <a:latin typeface="+mn-lt"/>
+          <a:ea typeface="+mn-ea"/>
+          <a:cs typeface="+mn-cs"/>
+        </a:defRPr>
+      </a:lvl6pPr>
+      <a:lvl7pPr marL="2743200" algn="l" defTabSz="914400" rtl="0" eaLnBrk="1" latinLnBrk="0" hangingPunct="1">
+        <a:defRPr sz="1800" kern="1200">
+          <a:solidFill>
+            <a:schemeClr val="tx1"/>
+          </a:solidFill>
+          <a:latin typeface="+mn-lt"/>
+          <a:ea typeface="+mn-ea"/>
+          <a:cs typeface="+mn-cs"/>
+        </a:defRPr>
+      </a:lvl7pPr>
+      <a:lvl8pPr marL="3200400" algn="l" defTabSz="914400" rtl="0" eaLnBrk="1" latinLnBrk="0" hangingPunct="1">
+        <a:defRPr sz="1800" kern="1200">
+          <a:solidFill>
+            <a:schemeClr val="tx1"/>
+          </a:solidFill>
+          <a:latin typeface="+mn-lt"/>
+          <a:ea typeface="+mn-ea"/>
+          <a:cs typeface="+mn-cs"/>
+        </a:defRPr>
+      </a:lvl8pPr>
+      <a:lvl9pPr marL="3657600" algn="l" defTabSz="914400" rtl="0" eaLnBrk="1" latinLnBrk="0" hangingPunct="1">
+        <a:defRPr sz="1800" kern="1200">
+          <a:solidFill>
+            <a:schemeClr val="tx1"/>
+          </a:solidFill>
+          <a:latin typeface="+mn-lt"/>
+          <a:ea typeface="+mn-ea"/>
+          <a:cs typeface="+mn-cs"/>
+        </a:defRPr>
+      </a:lvl9pPr>
+    </p:otherStyle>
+  </p:txStyles>
 </p:sldMaster>
 </file>
 
 <file path=ppt/slideMasters/slideMaster2.xml><?xml version="1.0" encoding="utf-8"?>
-<p:sldMaster xmlns:a="http://schemas.openxmlformats.org/drawingml/2006/main" xmlns:p="http://schemas.openxmlformats.org/presentationml/2006/main" xmlns:r="http://schemas.openxmlformats.org/officeDocument/2006/relationships" xmlns:p14="http://schemas.microsoft.com/office/powerpoint/2010/main" xmlns:p15="http://schemas.microsoft.com/office/powerpoint/2012/main" xmlns:mc="http://schemas.openxmlformats.org/markup-compatibility/2006">
+<p:sldMaster xmlns:a="http://schemas.openxmlformats.org/drawingml/2006/main" xmlns:r="http://schemas.openxmlformats.org/officeDocument/2006/relationships" xmlns:p="http://schemas.openxmlformats.org/presentationml/2006/main">
   <p:cSld>
     <p:bg>
       <p:bgPr>
         <a:solidFill>
-          <a:srgbClr val="ffffff"/>
+          <a:srgbClr val="FFFFFF"/>
         </a:solidFill>
+        <a:effectLst/>
       </p:bgPr>
     </p:bg>
     <p:spTree>
@@ -4537,7 +3679,7 @@
       </p:grpSpPr>
       <p:sp>
         <p:nvSpPr>
-          <p:cNvPr id="42" name="CustomShape 1"/>
+          <p:cNvPr id="84" name="CustomShape 1"/>
           <p:cNvSpPr/>
           <p:nvPr/>
         </p:nvSpPr>
@@ -4556,7 +3698,7 @@
             <a:noFill/>
           </a:ln>
           <a:effectLst>
-            <a:outerShdw blurRad="38100" dir="5400000" dist="25560" rotWithShape="0">
+            <a:outerShdw blurRad="38100" dist="25560" dir="5400000" rotWithShape="0">
               <a:srgbClr val="000000">
                 <a:alpha val="55000"/>
               </a:srgbClr>
@@ -4578,7 +3720,7 @@
       </p:sp>
       <p:sp>
         <p:nvSpPr>
-          <p:cNvPr id="43" name="CustomShape 2"/>
+          <p:cNvPr id="85" name="CustomShape 2"/>
           <p:cNvSpPr/>
           <p:nvPr/>
         </p:nvSpPr>
@@ -4591,13 +3733,13 @@
             <a:avLst/>
           </a:prstGeom>
           <a:solidFill>
-            <a:srgbClr val="969fa7"/>
+            <a:srgbClr val="969FA7"/>
           </a:solidFill>
           <a:ln>
             <a:noFill/>
           </a:ln>
           <a:effectLst>
-            <a:outerShdw blurRad="38100" dir="5400000" dist="25560" rotWithShape="0">
+            <a:outerShdw blurRad="38100" dist="25560" dir="5400000" rotWithShape="0">
               <a:srgbClr val="000000">
                 <a:alpha val="55000"/>
               </a:srgbClr>
@@ -4619,7 +3761,7 @@
       </p:sp>
       <p:sp>
         <p:nvSpPr>
-          <p:cNvPr id="44" name="CustomShape 3"/>
+          <p:cNvPr id="86" name="CustomShape 3"/>
           <p:cNvSpPr/>
           <p:nvPr/>
         </p:nvSpPr>
@@ -4638,7 +3780,7 @@
             <a:noFill/>
           </a:ln>
           <a:effectLst>
-            <a:outerShdw blurRad="38100" dir="5400000" dist="25560" rotWithShape="0">
+            <a:outerShdw blurRad="38100" dist="25560" dir="5400000" rotWithShape="0">
               <a:srgbClr val="000000">
                 <a:alpha val="55000"/>
               </a:srgbClr>
@@ -4660,48 +3802,7 @@
       </p:sp>
       <p:sp>
         <p:nvSpPr>
-          <p:cNvPr id="45" name="CustomShape 4"/>
-          <p:cNvSpPr/>
-          <p:nvPr/>
-        </p:nvSpPr>
-        <p:spPr>
-          <a:xfrm>
-            <a:off x="446400" y="3085920"/>
-            <a:ext cx="11297880" cy="3337200"/>
-          </a:xfrm>
-          <a:prstGeom prst="rect">
-            <a:avLst/>
-          </a:prstGeom>
-          <a:solidFill>
-            <a:srgbClr val="465359"/>
-          </a:solidFill>
-          <a:ln>
-            <a:noFill/>
-          </a:ln>
-          <a:effectLst>
-            <a:outerShdw blurRad="38100" dir="5400000" dist="25560" rotWithShape="0">
-              <a:srgbClr val="000000">
-                <a:alpha val="55000"/>
-              </a:srgbClr>
-            </a:outerShdw>
-          </a:effectLst>
-        </p:spPr>
-        <p:style>
-          <a:lnRef idx="1">
-            <a:schemeClr val="accent1"/>
-          </a:lnRef>
-          <a:fillRef idx="3">
-            <a:schemeClr val="accent1"/>
-          </a:fillRef>
-          <a:effectRef idx="2">
-            <a:schemeClr val="accent1"/>
-          </a:effectRef>
-          <a:fontRef idx="minor"/>
-        </p:style>
-      </p:sp>
-      <p:sp>
-        <p:nvSpPr>
-          <p:cNvPr id="46" name="PlaceHolder 5"/>
+          <p:cNvPr id="87" name="PlaceHolder 4"/>
           <p:cNvSpPr>
             <a:spLocks noGrp="1"/>
           </p:cNvSpPr>
@@ -4719,26 +3820,24 @@
           </a:prstGeom>
         </p:spPr>
         <p:txBody>
-          <a:bodyPr lIns="0" rIns="0" tIns="0" bIns="0" anchor="ctr">
+          <a:bodyPr lIns="0" tIns="0" rIns="0" bIns="0" anchor="ctr">
             <a:noAutofit/>
           </a:bodyPr>
+          <a:lstStyle/>
           <a:p>
             <a:pPr algn="ctr"/>
             <a:r>
-              <a:rPr b="0" lang="pt-PT" sz="1800" spc="-1" strike="noStrike">
+              <a:rPr lang="pt-PT" sz="1800" b="0" strike="noStrike" spc="-1">
                 <a:latin typeface="Arial"/>
               </a:rPr>
               <a:t>Clique para editar o formato do título</a:t>
             </a:r>
-            <a:endParaRPr b="0" lang="pt-PT" sz="1800" spc="-1" strike="noStrike">
-              <a:latin typeface="Arial"/>
-            </a:endParaRPr>
-          </a:p>
-        </p:txBody>
-      </p:sp>
-      <p:sp>
-        <p:nvSpPr>
-          <p:cNvPr id="47" name="PlaceHolder 6"/>
+          </a:p>
+        </p:txBody>
+      </p:sp>
+      <p:sp>
+        <p:nvSpPr>
+          <p:cNvPr id="88" name="PlaceHolder 5"/>
           <p:cNvSpPr>
             <a:spLocks noGrp="1"/>
           </p:cNvSpPr>
@@ -4749,18 +3848,19 @@
         <p:spPr>
           <a:xfrm>
             <a:off x="609480" y="1604520"/>
-            <a:ext cx="10972080" cy="3976920"/>
-          </a:xfrm>
-          <a:prstGeom prst="rect">
-            <a:avLst/>
-          </a:prstGeom>
-        </p:spPr>
-        <p:txBody>
-          <a:bodyPr lIns="0" rIns="0" tIns="0" bIns="0">
+            <a:ext cx="10972440" cy="3977280"/>
+          </a:xfrm>
+          <a:prstGeom prst="rect">
+            <a:avLst/>
+          </a:prstGeom>
+        </p:spPr>
+        <p:txBody>
+          <a:bodyPr lIns="0" tIns="0" rIns="0" bIns="0">
             <a:normAutofit/>
           </a:bodyPr>
-          <a:p>
-            <a:pPr marL="432000" indent="-324000" algn="ctr">
+          <a:lstStyle/>
+          <a:p>
+            <a:pPr marL="432000" indent="-324000">
               <a:spcBef>
                 <a:spcPts val="1417"/>
               </a:spcBef>
@@ -4772,17 +3872,14 @@
               <a:buChar char=""/>
             </a:pPr>
             <a:r>
-              <a:rPr b="0" lang="pt-PT" sz="1800" spc="-1" strike="noStrike">
+              <a:rPr lang="pt-PT" sz="3200" b="0" strike="noStrike" spc="-1">
                 <a:latin typeface="Arial"/>
               </a:rPr>
               <a:t>Clique para editar o formato de texto dos tópicos</a:t>
             </a:r>
-            <a:endParaRPr b="0" lang="pt-PT" sz="1800" spc="-1" strike="noStrike">
-              <a:latin typeface="Arial"/>
-            </a:endParaRPr>
-          </a:p>
-          <a:p>
-            <a:pPr lvl="1" marL="864000" indent="-324000" algn="ctr">
+          </a:p>
+          <a:p>
+            <a:pPr marL="864000" lvl="1" indent="-324000">
               <a:spcBef>
                 <a:spcPts val="1134"/>
               </a:spcBef>
@@ -4794,17 +3891,14 @@
               <a:buChar char=""/>
             </a:pPr>
             <a:r>
-              <a:rPr b="0" lang="pt-PT" sz="1800" spc="-1" strike="noStrike">
+              <a:rPr lang="pt-PT" sz="2800" b="0" strike="noStrike" spc="-1">
                 <a:latin typeface="Arial"/>
               </a:rPr>
               <a:t>Segundo nível de tópicos</a:t>
             </a:r>
-            <a:endParaRPr b="0" lang="pt-PT" sz="1800" spc="-1" strike="noStrike">
-              <a:latin typeface="Arial"/>
-            </a:endParaRPr>
-          </a:p>
-          <a:p>
-            <a:pPr lvl="2" marL="1296000" indent="-288000" algn="ctr">
+          </a:p>
+          <a:p>
+            <a:pPr marL="1296000" lvl="2" indent="-288000">
               <a:spcBef>
                 <a:spcPts val="850"/>
               </a:spcBef>
@@ -4816,17 +3910,14 @@
               <a:buChar char=""/>
             </a:pPr>
             <a:r>
-              <a:rPr b="0" lang="pt-PT" sz="1800" spc="-1" strike="noStrike">
+              <a:rPr lang="pt-PT" sz="2400" b="0" strike="noStrike" spc="-1">
                 <a:latin typeface="Arial"/>
               </a:rPr>
               <a:t>Terceiro nível de tópicos</a:t>
             </a:r>
-            <a:endParaRPr b="0" lang="pt-PT" sz="1800" spc="-1" strike="noStrike">
-              <a:latin typeface="Arial"/>
-            </a:endParaRPr>
-          </a:p>
-          <a:p>
-            <a:pPr lvl="3" marL="1728000" indent="-216000" algn="ctr">
+          </a:p>
+          <a:p>
+            <a:pPr marL="1728000" lvl="3" indent="-216000">
               <a:spcBef>
                 <a:spcPts val="567"/>
               </a:spcBef>
@@ -4838,17 +3929,14 @@
               <a:buChar char=""/>
             </a:pPr>
             <a:r>
-              <a:rPr b="0" lang="pt-PT" sz="1800" spc="-1" strike="noStrike">
+              <a:rPr lang="pt-PT" sz="2000" b="0" strike="noStrike" spc="-1">
                 <a:latin typeface="Arial"/>
               </a:rPr>
               <a:t>Quarto nível de tópicos</a:t>
             </a:r>
-            <a:endParaRPr b="0" lang="pt-PT" sz="1800" spc="-1" strike="noStrike">
-              <a:latin typeface="Arial"/>
-            </a:endParaRPr>
-          </a:p>
-          <a:p>
-            <a:pPr lvl="4" marL="2160000" indent="-216000" algn="ctr">
+          </a:p>
+          <a:p>
+            <a:pPr marL="2160000" lvl="4" indent="-216000">
               <a:spcBef>
                 <a:spcPts val="283"/>
               </a:spcBef>
@@ -4860,17 +3948,14 @@
               <a:buChar char=""/>
             </a:pPr>
             <a:r>
-              <a:rPr b="0" lang="pt-PT" sz="1800" spc="-1" strike="noStrike">
+              <a:rPr lang="pt-PT" sz="2000" b="0" strike="noStrike" spc="-1">
                 <a:latin typeface="Arial"/>
               </a:rPr>
               <a:t>Quinto nível de tópicos</a:t>
             </a:r>
-            <a:endParaRPr b="0" lang="pt-PT" sz="1800" spc="-1" strike="noStrike">
-              <a:latin typeface="Arial"/>
-            </a:endParaRPr>
-          </a:p>
-          <a:p>
-            <a:pPr lvl="5" marL="2592000" indent="-216000" algn="ctr">
+          </a:p>
+          <a:p>
+            <a:pPr marL="2592000" lvl="5" indent="-216000">
               <a:spcBef>
                 <a:spcPts val="283"/>
               </a:spcBef>
@@ -4882,17 +3967,14 @@
               <a:buChar char=""/>
             </a:pPr>
             <a:r>
-              <a:rPr b="0" lang="pt-PT" sz="1800" spc="-1" strike="noStrike">
+              <a:rPr lang="pt-PT" sz="2000" b="0" strike="noStrike" spc="-1">
                 <a:latin typeface="Arial"/>
               </a:rPr>
               <a:t>Sexto nível de tópicos</a:t>
             </a:r>
-            <a:endParaRPr b="0" lang="pt-PT" sz="1800" spc="-1" strike="noStrike">
-              <a:latin typeface="Arial"/>
-            </a:endParaRPr>
-          </a:p>
-          <a:p>
-            <a:pPr lvl="6" marL="3024000" indent="-216000" algn="ctr">
+          </a:p>
+          <a:p>
+            <a:pPr marL="3024000" lvl="6" indent="-216000">
               <a:spcBef>
                 <a:spcPts val="283"/>
               </a:spcBef>
@@ -4904,45 +3986,660 @@
               <a:buChar char=""/>
             </a:pPr>
             <a:r>
-              <a:rPr b="0" lang="pt-PT" sz="1800" spc="-1" strike="noStrike">
+              <a:rPr lang="pt-PT" sz="2000" b="0" strike="noStrike" spc="-1">
                 <a:latin typeface="Arial"/>
               </a:rPr>
               <a:t>Sétimo nível de tópicos</a:t>
             </a:r>
-            <a:endParaRPr b="0" lang="pt-PT" sz="1800" spc="-1" strike="noStrike">
-              <a:latin typeface="Arial"/>
-            </a:endParaRPr>
           </a:p>
         </p:txBody>
       </p:sp>
     </p:spTree>
   </p:cSld>
-  <p:clrMap bg1="lt1" bg2="lt2" tx1="dk1" tx2="dk2" accent1="accent1" accent2="accent2" accent3="accent3" accent4="accent4" accent5="accent5" accent6="accent6" hlink="hlink" folHlink="folHlink"/>
+  <p:clrMap bg1="lt1" tx1="dk1" bg2="lt2" tx2="dk2" accent1="accent1" accent2="accent2" accent3="accent3" accent4="accent4" accent5="accent5" accent6="accent6" hlink="hlink" folHlink="folHlink"/>
   <p:sldLayoutIdLst>
-    <p:sldLayoutId id="2147483662" r:id="rId2"/>
-    <p:sldLayoutId id="2147483663" r:id="rId3"/>
-    <p:sldLayoutId id="2147483664" r:id="rId4"/>
-    <p:sldLayoutId id="2147483665" r:id="rId5"/>
-    <p:sldLayoutId id="2147483666" r:id="rId6"/>
-    <p:sldLayoutId id="2147483667" r:id="rId7"/>
-    <p:sldLayoutId id="2147483668" r:id="rId8"/>
-    <p:sldLayoutId id="2147483669" r:id="rId9"/>
-    <p:sldLayoutId id="2147483670" r:id="rId10"/>
-    <p:sldLayoutId id="2147483671" r:id="rId11"/>
-    <p:sldLayoutId id="2147483672" r:id="rId12"/>
-    <p:sldLayoutId id="2147483673" r:id="rId13"/>
+    <p:sldLayoutId id="2147483675" r:id="rId1"/>
+    <p:sldLayoutId id="2147483676" r:id="rId2"/>
+    <p:sldLayoutId id="2147483677" r:id="rId3"/>
+    <p:sldLayoutId id="2147483678" r:id="rId4"/>
+    <p:sldLayoutId id="2147483679" r:id="rId5"/>
+    <p:sldLayoutId id="2147483680" r:id="rId6"/>
+    <p:sldLayoutId id="2147483681" r:id="rId7"/>
+    <p:sldLayoutId id="2147483682" r:id="rId8"/>
+    <p:sldLayoutId id="2147483683" r:id="rId9"/>
+    <p:sldLayoutId id="2147483684" r:id="rId10"/>
+    <p:sldLayoutId id="2147483685" r:id="rId11"/>
+    <p:sldLayoutId id="2147483686" r:id="rId12"/>
   </p:sldLayoutIdLst>
+  <p:txStyles>
+    <p:titleStyle>
+      <a:lvl1pPr algn="l" defTabSz="914400" rtl="0" eaLnBrk="1" latinLnBrk="0" hangingPunct="1">
+        <a:lnSpc>
+          <a:spcPct val="90000"/>
+        </a:lnSpc>
+        <a:spcBef>
+          <a:spcPct val="0"/>
+        </a:spcBef>
+        <a:buNone/>
+        <a:defRPr sz="4400" kern="1200">
+          <a:solidFill>
+            <a:schemeClr val="tx1"/>
+          </a:solidFill>
+          <a:latin typeface="+mj-lt"/>
+          <a:ea typeface="+mj-ea"/>
+          <a:cs typeface="+mj-cs"/>
+        </a:defRPr>
+      </a:lvl1pPr>
+    </p:titleStyle>
+    <p:bodyStyle>
+      <a:lvl1pPr marL="228600" indent="-228600" algn="l" defTabSz="914400" rtl="0" eaLnBrk="1" latinLnBrk="0" hangingPunct="1">
+        <a:lnSpc>
+          <a:spcPct val="90000"/>
+        </a:lnSpc>
+        <a:spcBef>
+          <a:spcPts val="1000"/>
+        </a:spcBef>
+        <a:buFont typeface="Arial" panose="020B0604020202020204" pitchFamily="34" charset="0"/>
+        <a:buChar char="•"/>
+        <a:defRPr sz="2800" kern="1200">
+          <a:solidFill>
+            <a:schemeClr val="tx1"/>
+          </a:solidFill>
+          <a:latin typeface="+mn-lt"/>
+          <a:ea typeface="+mn-ea"/>
+          <a:cs typeface="+mn-cs"/>
+        </a:defRPr>
+      </a:lvl1pPr>
+      <a:lvl2pPr marL="685800" indent="-228600" algn="l" defTabSz="914400" rtl="0" eaLnBrk="1" latinLnBrk="0" hangingPunct="1">
+        <a:lnSpc>
+          <a:spcPct val="90000"/>
+        </a:lnSpc>
+        <a:spcBef>
+          <a:spcPts val="500"/>
+        </a:spcBef>
+        <a:buFont typeface="Arial" panose="020B0604020202020204" pitchFamily="34" charset="0"/>
+        <a:buChar char="•"/>
+        <a:defRPr sz="2400" kern="1200">
+          <a:solidFill>
+            <a:schemeClr val="tx1"/>
+          </a:solidFill>
+          <a:latin typeface="+mn-lt"/>
+          <a:ea typeface="+mn-ea"/>
+          <a:cs typeface="+mn-cs"/>
+        </a:defRPr>
+      </a:lvl2pPr>
+      <a:lvl3pPr marL="1143000" indent="-228600" algn="l" defTabSz="914400" rtl="0" eaLnBrk="1" latinLnBrk="0" hangingPunct="1">
+        <a:lnSpc>
+          <a:spcPct val="90000"/>
+        </a:lnSpc>
+        <a:spcBef>
+          <a:spcPts val="500"/>
+        </a:spcBef>
+        <a:buFont typeface="Arial" panose="020B0604020202020204" pitchFamily="34" charset="0"/>
+        <a:buChar char="•"/>
+        <a:defRPr sz="2000" kern="1200">
+          <a:solidFill>
+            <a:schemeClr val="tx1"/>
+          </a:solidFill>
+          <a:latin typeface="+mn-lt"/>
+          <a:ea typeface="+mn-ea"/>
+          <a:cs typeface="+mn-cs"/>
+        </a:defRPr>
+      </a:lvl3pPr>
+      <a:lvl4pPr marL="1600200" indent="-228600" algn="l" defTabSz="914400" rtl="0" eaLnBrk="1" latinLnBrk="0" hangingPunct="1">
+        <a:lnSpc>
+          <a:spcPct val="90000"/>
+        </a:lnSpc>
+        <a:spcBef>
+          <a:spcPts val="500"/>
+        </a:spcBef>
+        <a:buFont typeface="Arial" panose="020B0604020202020204" pitchFamily="34" charset="0"/>
+        <a:buChar char="•"/>
+        <a:defRPr sz="1800" kern="1200">
+          <a:solidFill>
+            <a:schemeClr val="tx1"/>
+          </a:solidFill>
+          <a:latin typeface="+mn-lt"/>
+          <a:ea typeface="+mn-ea"/>
+          <a:cs typeface="+mn-cs"/>
+        </a:defRPr>
+      </a:lvl4pPr>
+      <a:lvl5pPr marL="2057400" indent="-228600" algn="l" defTabSz="914400" rtl="0" eaLnBrk="1" latinLnBrk="0" hangingPunct="1">
+        <a:lnSpc>
+          <a:spcPct val="90000"/>
+        </a:lnSpc>
+        <a:spcBef>
+          <a:spcPts val="500"/>
+        </a:spcBef>
+        <a:buFont typeface="Arial" panose="020B0604020202020204" pitchFamily="34" charset="0"/>
+        <a:buChar char="•"/>
+        <a:defRPr sz="1800" kern="1200">
+          <a:solidFill>
+            <a:schemeClr val="tx1"/>
+          </a:solidFill>
+          <a:latin typeface="+mn-lt"/>
+          <a:ea typeface="+mn-ea"/>
+          <a:cs typeface="+mn-cs"/>
+        </a:defRPr>
+      </a:lvl5pPr>
+      <a:lvl6pPr marL="2514600" indent="-228600" algn="l" defTabSz="914400" rtl="0" eaLnBrk="1" latinLnBrk="0" hangingPunct="1">
+        <a:lnSpc>
+          <a:spcPct val="90000"/>
+        </a:lnSpc>
+        <a:spcBef>
+          <a:spcPts val="500"/>
+        </a:spcBef>
+        <a:buFont typeface="Arial" panose="020B0604020202020204" pitchFamily="34" charset="0"/>
+        <a:buChar char="•"/>
+        <a:defRPr sz="1800" kern="1200">
+          <a:solidFill>
+            <a:schemeClr val="tx1"/>
+          </a:solidFill>
+          <a:latin typeface="+mn-lt"/>
+          <a:ea typeface="+mn-ea"/>
+          <a:cs typeface="+mn-cs"/>
+        </a:defRPr>
+      </a:lvl6pPr>
+      <a:lvl7pPr marL="2971800" indent="-228600" algn="l" defTabSz="914400" rtl="0" eaLnBrk="1" latinLnBrk="0" hangingPunct="1">
+        <a:lnSpc>
+          <a:spcPct val="90000"/>
+        </a:lnSpc>
+        <a:spcBef>
+          <a:spcPts val="500"/>
+        </a:spcBef>
+        <a:buFont typeface="Arial" panose="020B0604020202020204" pitchFamily="34" charset="0"/>
+        <a:buChar char="•"/>
+        <a:defRPr sz="1800" kern="1200">
+          <a:solidFill>
+            <a:schemeClr val="tx1"/>
+          </a:solidFill>
+          <a:latin typeface="+mn-lt"/>
+          <a:ea typeface="+mn-ea"/>
+          <a:cs typeface="+mn-cs"/>
+        </a:defRPr>
+      </a:lvl7pPr>
+      <a:lvl8pPr marL="3429000" indent="-228600" algn="l" defTabSz="914400" rtl="0" eaLnBrk="1" latinLnBrk="0" hangingPunct="1">
+        <a:lnSpc>
+          <a:spcPct val="90000"/>
+        </a:lnSpc>
+        <a:spcBef>
+          <a:spcPts val="500"/>
+        </a:spcBef>
+        <a:buFont typeface="Arial" panose="020B0604020202020204" pitchFamily="34" charset="0"/>
+        <a:buChar char="•"/>
+        <a:defRPr sz="1800" kern="1200">
+          <a:solidFill>
+            <a:schemeClr val="tx1"/>
+          </a:solidFill>
+          <a:latin typeface="+mn-lt"/>
+          <a:ea typeface="+mn-ea"/>
+          <a:cs typeface="+mn-cs"/>
+        </a:defRPr>
+      </a:lvl8pPr>
+      <a:lvl9pPr marL="3886200" indent="-228600" algn="l" defTabSz="914400" rtl="0" eaLnBrk="1" latinLnBrk="0" hangingPunct="1">
+        <a:lnSpc>
+          <a:spcPct val="90000"/>
+        </a:lnSpc>
+        <a:spcBef>
+          <a:spcPts val="500"/>
+        </a:spcBef>
+        <a:buFont typeface="Arial" panose="020B0604020202020204" pitchFamily="34" charset="0"/>
+        <a:buChar char="•"/>
+        <a:defRPr sz="1800" kern="1200">
+          <a:solidFill>
+            <a:schemeClr val="tx1"/>
+          </a:solidFill>
+          <a:latin typeface="+mn-lt"/>
+          <a:ea typeface="+mn-ea"/>
+          <a:cs typeface="+mn-cs"/>
+        </a:defRPr>
+      </a:lvl9pPr>
+    </p:bodyStyle>
+    <p:otherStyle>
+      <a:defPPr>
+        <a:defRPr lang="pt-PT"/>
+      </a:defPPr>
+      <a:lvl1pPr marL="0" algn="l" defTabSz="914400" rtl="0" eaLnBrk="1" latinLnBrk="0" hangingPunct="1">
+        <a:defRPr sz="1800" kern="1200">
+          <a:solidFill>
+            <a:schemeClr val="tx1"/>
+          </a:solidFill>
+          <a:latin typeface="+mn-lt"/>
+          <a:ea typeface="+mn-ea"/>
+          <a:cs typeface="+mn-cs"/>
+        </a:defRPr>
+      </a:lvl1pPr>
+      <a:lvl2pPr marL="457200" algn="l" defTabSz="914400" rtl="0" eaLnBrk="1" latinLnBrk="0" hangingPunct="1">
+        <a:defRPr sz="1800" kern="1200">
+          <a:solidFill>
+            <a:schemeClr val="tx1"/>
+          </a:solidFill>
+          <a:latin typeface="+mn-lt"/>
+          <a:ea typeface="+mn-ea"/>
+          <a:cs typeface="+mn-cs"/>
+        </a:defRPr>
+      </a:lvl2pPr>
+      <a:lvl3pPr marL="914400" algn="l" defTabSz="914400" rtl="0" eaLnBrk="1" latinLnBrk="0" hangingPunct="1">
+        <a:defRPr sz="1800" kern="1200">
+          <a:solidFill>
+            <a:schemeClr val="tx1"/>
+          </a:solidFill>
+          <a:latin typeface="+mn-lt"/>
+          <a:ea typeface="+mn-ea"/>
+          <a:cs typeface="+mn-cs"/>
+        </a:defRPr>
+      </a:lvl3pPr>
+      <a:lvl4pPr marL="1371600" algn="l" defTabSz="914400" rtl="0" eaLnBrk="1" latinLnBrk="0" hangingPunct="1">
+        <a:defRPr sz="1800" kern="1200">
+          <a:solidFill>
+            <a:schemeClr val="tx1"/>
+          </a:solidFill>
+          <a:latin typeface="+mn-lt"/>
+          <a:ea typeface="+mn-ea"/>
+          <a:cs typeface="+mn-cs"/>
+        </a:defRPr>
+      </a:lvl4pPr>
+      <a:lvl5pPr marL="1828800" algn="l" defTabSz="914400" rtl="0" eaLnBrk="1" latinLnBrk="0" hangingPunct="1">
+        <a:defRPr sz="1800" kern="1200">
+          <a:solidFill>
+            <a:schemeClr val="tx1"/>
+          </a:solidFill>
+          <a:latin typeface="+mn-lt"/>
+          <a:ea typeface="+mn-ea"/>
+          <a:cs typeface="+mn-cs"/>
+        </a:defRPr>
+      </a:lvl5pPr>
+      <a:lvl6pPr marL="2286000" algn="l" defTabSz="914400" rtl="0" eaLnBrk="1" latinLnBrk="0" hangingPunct="1">
+        <a:defRPr sz="1800" kern="1200">
+          <a:solidFill>
+            <a:schemeClr val="tx1"/>
+          </a:solidFill>
+          <a:latin typeface="+mn-lt"/>
+          <a:ea typeface="+mn-ea"/>
+          <a:cs typeface="+mn-cs"/>
+        </a:defRPr>
+      </a:lvl6pPr>
+      <a:lvl7pPr marL="2743200" algn="l" defTabSz="914400" rtl="0" eaLnBrk="1" latinLnBrk="0" hangingPunct="1">
+        <a:defRPr sz="1800" kern="1200">
+          <a:solidFill>
+            <a:schemeClr val="tx1"/>
+          </a:solidFill>
+          <a:latin typeface="+mn-lt"/>
+          <a:ea typeface="+mn-ea"/>
+          <a:cs typeface="+mn-cs"/>
+        </a:defRPr>
+      </a:lvl7pPr>
+      <a:lvl8pPr marL="3200400" algn="l" defTabSz="914400" rtl="0" eaLnBrk="1" latinLnBrk="0" hangingPunct="1">
+        <a:defRPr sz="1800" kern="1200">
+          <a:solidFill>
+            <a:schemeClr val="tx1"/>
+          </a:solidFill>
+          <a:latin typeface="+mn-lt"/>
+          <a:ea typeface="+mn-ea"/>
+          <a:cs typeface="+mn-cs"/>
+        </a:defRPr>
+      </a:lvl8pPr>
+      <a:lvl9pPr marL="3657600" algn="l" defTabSz="914400" rtl="0" eaLnBrk="1" latinLnBrk="0" hangingPunct="1">
+        <a:defRPr sz="1800" kern="1200">
+          <a:solidFill>
+            <a:schemeClr val="tx1"/>
+          </a:solidFill>
+          <a:latin typeface="+mn-lt"/>
+          <a:ea typeface="+mn-ea"/>
+          <a:cs typeface="+mn-cs"/>
+        </a:defRPr>
+      </a:lvl9pPr>
+    </p:otherStyle>
+  </p:txStyles>
 </p:sldMaster>
 </file>
 
-<file path=ppt/slideMasters/slideMaster3.xml><?xml version="1.0" encoding="utf-8"?>
-<p:sldMaster xmlns:a="http://schemas.openxmlformats.org/drawingml/2006/main" xmlns:p="http://schemas.openxmlformats.org/presentationml/2006/main" xmlns:r="http://schemas.openxmlformats.org/officeDocument/2006/relationships" xmlns:p14="http://schemas.microsoft.com/office/powerpoint/2010/main" xmlns:p15="http://schemas.microsoft.com/office/powerpoint/2012/main" xmlns:mc="http://schemas.openxmlformats.org/markup-compatibility/2006">
+<file path=ppt/slides/slide1.xml><?xml version="1.0" encoding="utf-8"?>
+<p:sld xmlns:a="http://schemas.openxmlformats.org/drawingml/2006/main" xmlns:r="http://schemas.openxmlformats.org/officeDocument/2006/relationships" xmlns:p="http://schemas.openxmlformats.org/presentationml/2006/main">
+  <p:cSld>
+    <p:spTree>
+      <p:nvGrpSpPr>
+        <p:cNvPr id="1" name=""/>
+        <p:cNvGrpSpPr/>
+        <p:nvPr/>
+      </p:nvGrpSpPr>
+      <p:grpSpPr>
+        <a:xfrm>
+          <a:off x="0" y="0"/>
+          <a:ext cx="0" cy="0"/>
+          <a:chOff x="0" y="0"/>
+          <a:chExt cx="0" cy="0"/>
+        </a:xfrm>
+      </p:grpSpPr>
+      <p:sp>
+        <p:nvSpPr>
+          <p:cNvPr id="125" name="CustomShape 1"/>
+          <p:cNvSpPr/>
+          <p:nvPr/>
+        </p:nvSpPr>
+        <p:spPr>
+          <a:xfrm>
+            <a:off x="581040" y="2394000"/>
+            <a:ext cx="11028600" cy="2146320"/>
+          </a:xfrm>
+          <a:prstGeom prst="rect">
+            <a:avLst/>
+          </a:prstGeom>
+          <a:noFill/>
+          <a:ln>
+            <a:noFill/>
+          </a:ln>
+        </p:spPr>
+        <p:style>
+          <a:lnRef idx="0">
+            <a:scrgbClr r="0" g="0" b="0"/>
+          </a:lnRef>
+          <a:fillRef idx="0">
+            <a:scrgbClr r="0" g="0" b="0"/>
+          </a:fillRef>
+          <a:effectRef idx="0">
+            <a:scrgbClr r="0" g="0" b="0"/>
+          </a:effectRef>
+          <a:fontRef idx="minor"/>
+        </p:style>
+        <p:txBody>
+          <a:bodyPr lIns="90000" tIns="45000" rIns="90000" bIns="45000" anchor="b">
+            <a:normAutofit/>
+          </a:bodyPr>
+          <a:lstStyle/>
+          <a:p>
+            <a:pPr>
+              <a:lnSpc>
+                <a:spcPct val="100000"/>
+              </a:lnSpc>
+            </a:pPr>
+            <a:r>
+              <a:rPr lang="pt-PT" sz="3600" b="0" strike="noStrike" cap="all" spc="-1">
+                <a:solidFill>
+                  <a:srgbClr val="404040"/>
+                </a:solidFill>
+                <a:latin typeface="Franklin Gothic Demi"/>
+                <a:ea typeface="DejaVu Sans"/>
+              </a:rPr>
+              <a:t>Inteligência Artificial</a:t>
+            </a:r>
+            <a:endParaRPr lang="pt-PT" sz="3600" b="0" strike="noStrike" spc="-1">
+              <a:latin typeface="Arial"/>
+            </a:endParaRPr>
+          </a:p>
+        </p:txBody>
+      </p:sp>
+      <p:sp>
+        <p:nvSpPr>
+          <p:cNvPr id="126" name="CustomShape 2"/>
+          <p:cNvSpPr/>
+          <p:nvPr/>
+        </p:nvSpPr>
+        <p:spPr>
+          <a:xfrm>
+            <a:off x="581040" y="4541400"/>
+            <a:ext cx="11028600" cy="599400"/>
+          </a:xfrm>
+          <a:prstGeom prst="rect">
+            <a:avLst/>
+          </a:prstGeom>
+          <a:noFill/>
+          <a:ln>
+            <a:noFill/>
+          </a:ln>
+        </p:spPr>
+        <p:style>
+          <a:lnRef idx="0">
+            <a:scrgbClr r="0" g="0" b="0"/>
+          </a:lnRef>
+          <a:fillRef idx="0">
+            <a:scrgbClr r="0" g="0" b="0"/>
+          </a:fillRef>
+          <a:effectRef idx="0">
+            <a:scrgbClr r="0" g="0" b="0"/>
+          </a:effectRef>
+          <a:fontRef idx="minor"/>
+        </p:style>
+        <p:txBody>
+          <a:bodyPr lIns="90000" tIns="45000" rIns="90000" bIns="45000">
+            <a:normAutofit/>
+          </a:bodyPr>
+          <a:lstStyle/>
+          <a:p>
+            <a:pPr>
+              <a:lnSpc>
+                <a:spcPct val="110000"/>
+              </a:lnSpc>
+              <a:spcBef>
+                <a:spcPts val="360"/>
+              </a:spcBef>
+              <a:spcAft>
+                <a:spcPts val="601"/>
+              </a:spcAft>
+            </a:pPr>
+            <a:r>
+              <a:rPr lang="pt-PT" sz="1800" b="0" strike="noStrike" cap="all" spc="-1">
+                <a:solidFill>
+                  <a:srgbClr val="1CADE4"/>
+                </a:solidFill>
+                <a:latin typeface="Franklin Gothic Book"/>
+                <a:ea typeface="DejaVu Sans"/>
+              </a:rPr>
+              <a:t>prediction of football European teams game outcome </a:t>
+            </a:r>
+            <a:endParaRPr lang="pt-PT" sz="1800" b="0" strike="noStrike" spc="-1">
+              <a:latin typeface="Arial"/>
+            </a:endParaRPr>
+          </a:p>
+        </p:txBody>
+      </p:sp>
+      <p:sp>
+        <p:nvSpPr>
+          <p:cNvPr id="127" name="CustomShape 3"/>
+          <p:cNvSpPr/>
+          <p:nvPr/>
+        </p:nvSpPr>
+        <p:spPr>
+          <a:xfrm>
+            <a:off x="8959320" y="6423840"/>
+            <a:ext cx="2843640" cy="363960"/>
+          </a:xfrm>
+          <a:prstGeom prst="rect">
+            <a:avLst/>
+          </a:prstGeom>
+          <a:noFill/>
+          <a:ln>
+            <a:noFill/>
+          </a:ln>
+        </p:spPr>
+        <p:style>
+          <a:lnRef idx="0">
+            <a:scrgbClr r="0" g="0" b="0"/>
+          </a:lnRef>
+          <a:fillRef idx="0">
+            <a:scrgbClr r="0" g="0" b="0"/>
+          </a:fillRef>
+          <a:effectRef idx="0">
+            <a:scrgbClr r="0" g="0" b="0"/>
+          </a:effectRef>
+          <a:fontRef idx="minor"/>
+        </p:style>
+        <p:txBody>
+          <a:bodyPr lIns="90000" tIns="45000" rIns="90000" bIns="45000" anchor="ctr">
+            <a:normAutofit/>
+          </a:bodyPr>
+          <a:lstStyle/>
+          <a:p>
+            <a:pPr algn="r">
+              <a:lnSpc>
+                <a:spcPct val="100000"/>
+              </a:lnSpc>
+              <a:spcAft>
+                <a:spcPts val="601"/>
+              </a:spcAft>
+            </a:pPr>
+            <a:fld id="{53B214CF-F5BE-4E75-A59B-3269F328DF4B}" type="datetime1">
+              <a:rPr lang="pt-PT" sz="900" b="0" strike="noStrike" spc="-1">
+                <a:solidFill>
+                  <a:srgbClr val="404040"/>
+                </a:solidFill>
+                <a:latin typeface="Franklin Gothic Book"/>
+                <a:ea typeface="DejaVu Sans"/>
+              </a:rPr>
+              <a:t>07/05/2020</a:t>
+            </a:fld>
+            <a:endParaRPr lang="pt-PT" sz="900" b="0" strike="noStrike" spc="-1">
+              <a:latin typeface="Arial"/>
+            </a:endParaRPr>
+          </a:p>
+        </p:txBody>
+      </p:sp>
+      <p:sp>
+        <p:nvSpPr>
+          <p:cNvPr id="128" name="CustomShape 4"/>
+          <p:cNvSpPr/>
+          <p:nvPr/>
+        </p:nvSpPr>
+        <p:spPr>
+          <a:xfrm>
+            <a:off x="581040" y="5321160"/>
+            <a:ext cx="11028600" cy="912600"/>
+          </a:xfrm>
+          <a:prstGeom prst="rect">
+            <a:avLst/>
+          </a:prstGeom>
+          <a:noFill/>
+          <a:ln>
+            <a:noFill/>
+          </a:ln>
+        </p:spPr>
+        <p:style>
+          <a:lnRef idx="0">
+            <a:scrgbClr r="0" g="0" b="0"/>
+          </a:lnRef>
+          <a:fillRef idx="0">
+            <a:scrgbClr r="0" g="0" b="0"/>
+          </a:fillRef>
+          <a:effectRef idx="0">
+            <a:scrgbClr r="0" g="0" b="0"/>
+          </a:effectRef>
+          <a:fontRef idx="minor"/>
+        </p:style>
+        <p:txBody>
+          <a:bodyPr lIns="90000" tIns="45000" rIns="90000" bIns="45000">
+            <a:spAutoFit/>
+          </a:bodyPr>
+          <a:lstStyle/>
+          <a:p>
+            <a:pPr algn="r">
+              <a:lnSpc>
+                <a:spcPct val="100000"/>
+              </a:lnSpc>
+            </a:pPr>
+            <a:r>
+              <a:rPr lang="pt-PT" sz="1800" b="0" strike="noStrike" spc="-1">
+                <a:solidFill>
+                  <a:srgbClr val="FFFFFF"/>
+                </a:solidFill>
+                <a:latin typeface="Franklin Gothic Book"/>
+                <a:ea typeface="DejaVu Sans"/>
+              </a:rPr>
+              <a:t>Cláudia Mamede – 201604832@fe.up.pt</a:t>
+            </a:r>
+            <a:endParaRPr lang="pt-PT" sz="1800" b="0" strike="noStrike" spc="-1">
+              <a:latin typeface="Arial"/>
+            </a:endParaRPr>
+          </a:p>
+          <a:p>
+            <a:pPr algn="r">
+              <a:lnSpc>
+                <a:spcPct val="100000"/>
+              </a:lnSpc>
+            </a:pPr>
+            <a:r>
+              <a:rPr lang="pt-PT" sz="1800" b="0" strike="noStrike" spc="-1">
+                <a:solidFill>
+                  <a:srgbClr val="FFFFFF"/>
+                </a:solidFill>
+                <a:latin typeface="Franklin Gothic Book"/>
+                <a:ea typeface="DejaVu Sans"/>
+              </a:rPr>
+              <a:t>João Macedo - 201704464@fe.up.pt</a:t>
+            </a:r>
+            <a:endParaRPr lang="pt-PT" sz="1800" b="0" strike="noStrike" spc="-1">
+              <a:latin typeface="Arial"/>
+            </a:endParaRPr>
+          </a:p>
+          <a:p>
+            <a:pPr algn="r">
+              <a:lnSpc>
+                <a:spcPct val="100000"/>
+              </a:lnSpc>
+            </a:pPr>
+            <a:r>
+              <a:rPr lang="pt-PT" sz="1800" b="0" strike="noStrike" spc="-1">
+                <a:solidFill>
+                  <a:srgbClr val="FFFFFF"/>
+                </a:solidFill>
+                <a:latin typeface="Franklin Gothic Book"/>
+                <a:ea typeface="DejaVu Sans"/>
+              </a:rPr>
+              <a:t>Raúl Viana -  up201208089@fe.up.pt</a:t>
+            </a:r>
+            <a:endParaRPr lang="pt-PT" sz="1800" b="0" strike="noStrike" spc="-1">
+              <a:latin typeface="Arial"/>
+            </a:endParaRPr>
+          </a:p>
+        </p:txBody>
+      </p:sp>
+      <p:pic>
+        <p:nvPicPr>
+          <p:cNvPr id="129" name="Picture 2" descr="Resultado de imagem para feup"/>
+          <p:cNvPicPr/>
+          <p:nvPr/>
+        </p:nvPicPr>
+        <p:blipFill>
+          <a:blip r:embed="rId2"/>
+          <a:stretch/>
+        </p:blipFill>
+        <p:spPr>
+          <a:xfrm>
+            <a:off x="457200" y="694800"/>
+            <a:ext cx="3254040" cy="1249920"/>
+          </a:xfrm>
+          <a:prstGeom prst="rect">
+            <a:avLst/>
+          </a:prstGeom>
+          <a:ln>
+            <a:noFill/>
+          </a:ln>
+        </p:spPr>
+      </p:pic>
+    </p:spTree>
+  </p:cSld>
+  <p:clrMapOvr>
+    <a:masterClrMapping/>
+  </p:clrMapOvr>
+  <mc:AlternateContent xmlns:mc="http://schemas.openxmlformats.org/markup-compatibility/2006" xmlns:p14="http://schemas.microsoft.com/office/powerpoint/2010/main">
+    <mc:Choice Requires="p14">
+      <p:transition spd="slow" p14:dur="2000"/>
+    </mc:Choice>
+    <mc:Fallback xmlns:p15="http://schemas.microsoft.com/office/powerpoint/2012/main" xmlns="">
+      <p:transition spd="slow"/>
+    </mc:Fallback>
+  </mc:AlternateContent>
+</p:sld>
+</file>
+
+<file path=ppt/slides/slide2.xml><?xml version="1.0" encoding="utf-8"?>
+<p:sld xmlns:a="http://schemas.openxmlformats.org/drawingml/2006/main" xmlns:r="http://schemas.openxmlformats.org/officeDocument/2006/relationships" xmlns:p="http://schemas.openxmlformats.org/presentationml/2006/main">
   <p:cSld>
     <p:bg>
       <p:bgPr>
         <a:solidFill>
-          <a:srgbClr val="ffffff"/>
+          <a:srgbClr val="FFFFFF"/>
         </a:solidFill>
+        <a:effectLst/>
       </p:bgPr>
     </p:bg>
     <p:spTree>
@@ -4961,7 +4658,129 @@
       </p:grpSpPr>
       <p:sp>
         <p:nvSpPr>
-          <p:cNvPr id="84" name="CustomShape 1"/>
+          <p:cNvPr id="131" name="CustomShape 2"/>
+          <p:cNvSpPr/>
+          <p:nvPr/>
+        </p:nvSpPr>
+        <p:spPr>
+          <a:xfrm>
+            <a:off x="729000" y="771840"/>
+            <a:ext cx="10741320" cy="579960"/>
+          </a:xfrm>
+          <a:prstGeom prst="rect">
+            <a:avLst/>
+          </a:prstGeom>
+          <a:noFill/>
+          <a:ln>
+            <a:noFill/>
+          </a:ln>
+        </p:spPr>
+        <p:style>
+          <a:lnRef idx="0">
+            <a:scrgbClr r="0" g="0" b="0"/>
+          </a:lnRef>
+          <a:fillRef idx="0">
+            <a:scrgbClr r="0" g="0" b="0"/>
+          </a:fillRef>
+          <a:effectRef idx="0">
+            <a:scrgbClr r="0" g="0" b="0"/>
+          </a:effectRef>
+          <a:fontRef idx="minor"/>
+        </p:style>
+        <p:txBody>
+          <a:bodyPr lIns="90000" tIns="45000" rIns="90000" bIns="45000" anchor="b">
+            <a:noAutofit/>
+          </a:bodyPr>
+          <a:lstStyle/>
+          <a:p>
+            <a:pPr algn="ctr">
+              <a:lnSpc>
+                <a:spcPct val="100000"/>
+              </a:lnSpc>
+            </a:pPr>
+            <a:r>
+              <a:rPr lang="pt-PT" sz="2800" b="0" strike="noStrike" cap="all" spc="-1">
+                <a:solidFill>
+                  <a:srgbClr val="404040"/>
+                </a:solidFill>
+                <a:latin typeface="Franklin Gothic Demi"/>
+                <a:ea typeface="DejaVu Sans"/>
+              </a:rPr>
+              <a:t>Inteligência Artificial – trabalho 2</a:t>
+            </a:r>
+            <a:endParaRPr lang="pt-PT" sz="2800" b="0" strike="noStrike" spc="-1">
+              <a:latin typeface="Arial"/>
+            </a:endParaRPr>
+          </a:p>
+        </p:txBody>
+      </p:sp>
+      <p:sp>
+        <p:nvSpPr>
+          <p:cNvPr id="132" name="CustomShape 3"/>
+          <p:cNvSpPr/>
+          <p:nvPr/>
+        </p:nvSpPr>
+        <p:spPr>
+          <a:xfrm>
+            <a:off x="728280" y="1415160"/>
+            <a:ext cx="5913152" cy="610560"/>
+          </a:xfrm>
+          <a:prstGeom prst="rect">
+            <a:avLst/>
+          </a:prstGeom>
+          <a:noFill/>
+          <a:ln>
+            <a:noFill/>
+          </a:ln>
+        </p:spPr>
+        <p:style>
+          <a:lnRef idx="0">
+            <a:scrgbClr r="0" g="0" b="0"/>
+          </a:lnRef>
+          <a:fillRef idx="0">
+            <a:scrgbClr r="0" g="0" b="0"/>
+          </a:fillRef>
+          <a:effectRef idx="0">
+            <a:scrgbClr r="0" g="0" b="0"/>
+          </a:effectRef>
+          <a:fontRef idx="minor"/>
+        </p:style>
+        <p:txBody>
+          <a:bodyPr lIns="90000" tIns="45000" rIns="90000" bIns="45000">
+            <a:normAutofit/>
+          </a:bodyPr>
+          <a:lstStyle/>
+          <a:p>
+            <a:pPr>
+              <a:lnSpc>
+                <a:spcPct val="110000"/>
+              </a:lnSpc>
+              <a:spcBef>
+                <a:spcPts val="400"/>
+              </a:spcBef>
+              <a:spcAft>
+                <a:spcPts val="601"/>
+              </a:spcAft>
+            </a:pPr>
+            <a:r>
+              <a:rPr lang="pt-PT" sz="2000" b="1" strike="noStrike" spc="-1" dirty="0" smtClean="0">
+                <a:solidFill>
+                  <a:srgbClr val="1CADE4"/>
+                </a:solidFill>
+                <a:latin typeface="Franklin Gothic Book"/>
+                <a:ea typeface="DejaVu Sans"/>
+              </a:rPr>
+              <a:t>Aprendizagem supervisionada - Classificação</a:t>
+            </a:r>
+            <a:endParaRPr lang="pt-PT" sz="2000" b="0" strike="noStrike" spc="-1" dirty="0">
+              <a:latin typeface="Arial"/>
+            </a:endParaRPr>
+          </a:p>
+        </p:txBody>
+      </p:sp>
+      <p:sp>
+        <p:nvSpPr>
+          <p:cNvPr id="133" name="CustomShape 4"/>
           <p:cNvSpPr/>
           <p:nvPr/>
         </p:nvSpPr>
@@ -4980,7 +4799,7 @@
             <a:noFill/>
           </a:ln>
           <a:effectLst>
-            <a:outerShdw blurRad="38100" dir="5400000" dist="25560" rotWithShape="0">
+            <a:outerShdw blurRad="38100" dist="25560" dir="5400000" rotWithShape="0">
               <a:srgbClr val="000000">
                 <a:alpha val="55000"/>
               </a:srgbClr>
@@ -5002,26 +4821,26 @@
       </p:sp>
       <p:sp>
         <p:nvSpPr>
-          <p:cNvPr id="85" name="CustomShape 2"/>
+          <p:cNvPr id="134" name="CustomShape 5"/>
           <p:cNvSpPr/>
           <p:nvPr/>
         </p:nvSpPr>
         <p:spPr>
           <a:xfrm>
-            <a:off x="8042040" y="453600"/>
-            <a:ext cx="3702240" cy="97560"/>
+            <a:off x="4241880" y="457200"/>
+            <a:ext cx="3702240" cy="90360"/>
           </a:xfrm>
           <a:prstGeom prst="rect">
             <a:avLst/>
           </a:prstGeom>
           <a:solidFill>
-            <a:srgbClr val="969fa7"/>
+            <a:schemeClr val="accent1"/>
           </a:solidFill>
           <a:ln>
             <a:noFill/>
           </a:ln>
           <a:effectLst>
-            <a:outerShdw blurRad="38100" dir="5400000" dist="25560" rotWithShape="0">
+            <a:outerShdw blurRad="38100" dist="25560" dir="5400000" rotWithShape="0">
               <a:srgbClr val="000000">
                 <a:alpha val="55000"/>
               </a:srgbClr>
@@ -5043,26 +4862,26 @@
       </p:sp>
       <p:sp>
         <p:nvSpPr>
-          <p:cNvPr id="86" name="CustomShape 3"/>
+          <p:cNvPr id="135" name="CustomShape 6"/>
           <p:cNvSpPr/>
           <p:nvPr/>
         </p:nvSpPr>
         <p:spPr>
           <a:xfrm>
-            <a:off x="4241880" y="457200"/>
-            <a:ext cx="3702240" cy="90360"/>
+            <a:off x="8042040" y="453600"/>
+            <a:ext cx="3702240" cy="97560"/>
           </a:xfrm>
           <a:prstGeom prst="rect">
             <a:avLst/>
           </a:prstGeom>
           <a:solidFill>
-            <a:schemeClr val="accent1"/>
+            <a:srgbClr val="969FA7"/>
           </a:solidFill>
           <a:ln>
             <a:noFill/>
           </a:ln>
           <a:effectLst>
-            <a:outerShdw blurRad="38100" dir="5400000" dist="25560" rotWithShape="0">
+            <a:outerShdw blurRad="38100" dist="25560" dir="5400000" rotWithShape="0">
               <a:srgbClr val="000000">
                 <a:alpha val="55000"/>
               </a:srgbClr>
@@ -5084,267 +4903,14 @@
       </p:sp>
       <p:sp>
         <p:nvSpPr>
-          <p:cNvPr id="87" name="PlaceHolder 4"/>
-          <p:cNvSpPr>
-            <a:spLocks noGrp="1"/>
-          </p:cNvSpPr>
-          <p:nvPr>
-            <p:ph type="title"/>
-          </p:nvPr>
-        </p:nvSpPr>
-        <p:spPr>
-          <a:xfrm>
-            <a:off x="576000" y="729720"/>
-            <a:ext cx="11028600" cy="987120"/>
-          </a:xfrm>
-          <a:prstGeom prst="rect">
-            <a:avLst/>
-          </a:prstGeom>
-        </p:spPr>
-        <p:txBody>
-          <a:bodyPr lIns="0" rIns="0" tIns="0" bIns="0" anchor="ctr">
-            <a:noAutofit/>
-          </a:bodyPr>
-          <a:p>
-            <a:pPr algn="ctr"/>
-            <a:r>
-              <a:rPr b="0" lang="pt-PT" sz="1800" spc="-1" strike="noStrike">
-                <a:latin typeface="Arial"/>
-              </a:rPr>
-              <a:t>Clique para editar o formato do título</a:t>
-            </a:r>
-            <a:endParaRPr b="0" lang="pt-PT" sz="1800" spc="-1" strike="noStrike">
-              <a:latin typeface="Arial"/>
-            </a:endParaRPr>
-          </a:p>
-        </p:txBody>
-      </p:sp>
-      <p:sp>
-        <p:nvSpPr>
-          <p:cNvPr id="88" name="PlaceHolder 5"/>
-          <p:cNvSpPr>
-            <a:spLocks noGrp="1"/>
-          </p:cNvSpPr>
-          <p:nvPr>
-            <p:ph type="body"/>
-          </p:nvPr>
-        </p:nvSpPr>
-        <p:spPr>
-          <a:xfrm>
-            <a:off x="609480" y="1604520"/>
-            <a:ext cx="10972440" cy="3977280"/>
-          </a:xfrm>
-          <a:prstGeom prst="rect">
-            <a:avLst/>
-          </a:prstGeom>
-        </p:spPr>
-        <p:txBody>
-          <a:bodyPr lIns="0" rIns="0" tIns="0" bIns="0">
-            <a:normAutofit/>
-          </a:bodyPr>
-          <a:p>
-            <a:pPr marL="432000" indent="-324000">
-              <a:spcBef>
-                <a:spcPts val="1417"/>
-              </a:spcBef>
-              <a:buClr>
-                <a:srgbClr val="000000"/>
-              </a:buClr>
-              <a:buSzPct val="45000"/>
-              <a:buFont typeface="Wingdings" charset="2"/>
-              <a:buChar char=""/>
-            </a:pPr>
-            <a:r>
-              <a:rPr b="0" lang="pt-PT" sz="3200" spc="-1" strike="noStrike">
-                <a:latin typeface="Arial"/>
-              </a:rPr>
-              <a:t>Clique para editar o formato de texto dos tópicos</a:t>
-            </a:r>
-            <a:endParaRPr b="0" lang="pt-PT" sz="3200" spc="-1" strike="noStrike">
-              <a:latin typeface="Arial"/>
-            </a:endParaRPr>
-          </a:p>
-          <a:p>
-            <a:pPr lvl="1" marL="864000" indent="-324000">
-              <a:spcBef>
-                <a:spcPts val="1134"/>
-              </a:spcBef>
-              <a:buClr>
-                <a:srgbClr val="000000"/>
-              </a:buClr>
-              <a:buSzPct val="75000"/>
-              <a:buFont typeface="Symbol" charset="2"/>
-              <a:buChar char=""/>
-            </a:pPr>
-            <a:r>
-              <a:rPr b="0" lang="pt-PT" sz="2800" spc="-1" strike="noStrike">
-                <a:latin typeface="Arial"/>
-              </a:rPr>
-              <a:t>Segundo nível de tópicos</a:t>
-            </a:r>
-            <a:endParaRPr b="0" lang="pt-PT" sz="2800" spc="-1" strike="noStrike">
-              <a:latin typeface="Arial"/>
-            </a:endParaRPr>
-          </a:p>
-          <a:p>
-            <a:pPr lvl="2" marL="1296000" indent="-288000">
-              <a:spcBef>
-                <a:spcPts val="850"/>
-              </a:spcBef>
-              <a:buClr>
-                <a:srgbClr val="000000"/>
-              </a:buClr>
-              <a:buSzPct val="45000"/>
-              <a:buFont typeface="Wingdings" charset="2"/>
-              <a:buChar char=""/>
-            </a:pPr>
-            <a:r>
-              <a:rPr b="0" lang="pt-PT" sz="2400" spc="-1" strike="noStrike">
-                <a:latin typeface="Arial"/>
-              </a:rPr>
-              <a:t>Terceiro nível de tópicos</a:t>
-            </a:r>
-            <a:endParaRPr b="0" lang="pt-PT" sz="2400" spc="-1" strike="noStrike">
-              <a:latin typeface="Arial"/>
-            </a:endParaRPr>
-          </a:p>
-          <a:p>
-            <a:pPr lvl="3" marL="1728000" indent="-216000">
-              <a:spcBef>
-                <a:spcPts val="567"/>
-              </a:spcBef>
-              <a:buClr>
-                <a:srgbClr val="000000"/>
-              </a:buClr>
-              <a:buSzPct val="75000"/>
-              <a:buFont typeface="Symbol" charset="2"/>
-              <a:buChar char=""/>
-            </a:pPr>
-            <a:r>
-              <a:rPr b="0" lang="pt-PT" sz="2000" spc="-1" strike="noStrike">
-                <a:latin typeface="Arial"/>
-              </a:rPr>
-              <a:t>Quarto nível de tópicos</a:t>
-            </a:r>
-            <a:endParaRPr b="0" lang="pt-PT" sz="2000" spc="-1" strike="noStrike">
-              <a:latin typeface="Arial"/>
-            </a:endParaRPr>
-          </a:p>
-          <a:p>
-            <a:pPr lvl="4" marL="2160000" indent="-216000">
-              <a:spcBef>
-                <a:spcPts val="283"/>
-              </a:spcBef>
-              <a:buClr>
-                <a:srgbClr val="000000"/>
-              </a:buClr>
-              <a:buSzPct val="45000"/>
-              <a:buFont typeface="Wingdings" charset="2"/>
-              <a:buChar char=""/>
-            </a:pPr>
-            <a:r>
-              <a:rPr b="0" lang="pt-PT" sz="2000" spc="-1" strike="noStrike">
-                <a:latin typeface="Arial"/>
-              </a:rPr>
-              <a:t>Quinto nível de tópicos</a:t>
-            </a:r>
-            <a:endParaRPr b="0" lang="pt-PT" sz="2000" spc="-1" strike="noStrike">
-              <a:latin typeface="Arial"/>
-            </a:endParaRPr>
-          </a:p>
-          <a:p>
-            <a:pPr lvl="5" marL="2592000" indent="-216000">
-              <a:spcBef>
-                <a:spcPts val="283"/>
-              </a:spcBef>
-              <a:buClr>
-                <a:srgbClr val="000000"/>
-              </a:buClr>
-              <a:buSzPct val="45000"/>
-              <a:buFont typeface="Wingdings" charset="2"/>
-              <a:buChar char=""/>
-            </a:pPr>
-            <a:r>
-              <a:rPr b="0" lang="pt-PT" sz="2000" spc="-1" strike="noStrike">
-                <a:latin typeface="Arial"/>
-              </a:rPr>
-              <a:t>Sexto nível de tópicos</a:t>
-            </a:r>
-            <a:endParaRPr b="0" lang="pt-PT" sz="2000" spc="-1" strike="noStrike">
-              <a:latin typeface="Arial"/>
-            </a:endParaRPr>
-          </a:p>
-          <a:p>
-            <a:pPr lvl="6" marL="3024000" indent="-216000">
-              <a:spcBef>
-                <a:spcPts val="283"/>
-              </a:spcBef>
-              <a:buClr>
-                <a:srgbClr val="000000"/>
-              </a:buClr>
-              <a:buSzPct val="45000"/>
-              <a:buFont typeface="Wingdings" charset="2"/>
-              <a:buChar char=""/>
-            </a:pPr>
-            <a:r>
-              <a:rPr b="0" lang="pt-PT" sz="2000" spc="-1" strike="noStrike">
-                <a:latin typeface="Arial"/>
-              </a:rPr>
-              <a:t>Sétimo nível de tópicos</a:t>
-            </a:r>
-            <a:endParaRPr b="0" lang="pt-PT" sz="2000" spc="-1" strike="noStrike">
-              <a:latin typeface="Arial"/>
-            </a:endParaRPr>
-          </a:p>
-        </p:txBody>
-      </p:sp>
-    </p:spTree>
-  </p:cSld>
-  <p:clrMap bg1="lt1" bg2="lt2" tx1="dk1" tx2="dk2" accent1="accent1" accent2="accent2" accent3="accent3" accent4="accent4" accent5="accent5" accent6="accent6" hlink="hlink" folHlink="folHlink"/>
-  <p:sldLayoutIdLst>
-    <p:sldLayoutId id="2147483675" r:id="rId2"/>
-    <p:sldLayoutId id="2147483676" r:id="rId3"/>
-    <p:sldLayoutId id="2147483677" r:id="rId4"/>
-    <p:sldLayoutId id="2147483678" r:id="rId5"/>
-    <p:sldLayoutId id="2147483679" r:id="rId6"/>
-    <p:sldLayoutId id="2147483680" r:id="rId7"/>
-    <p:sldLayoutId id="2147483681" r:id="rId8"/>
-    <p:sldLayoutId id="2147483682" r:id="rId9"/>
-    <p:sldLayoutId id="2147483683" r:id="rId10"/>
-    <p:sldLayoutId id="2147483684" r:id="rId11"/>
-    <p:sldLayoutId id="2147483685" r:id="rId12"/>
-    <p:sldLayoutId id="2147483686" r:id="rId13"/>
-  </p:sldLayoutIdLst>
-</p:sldMaster>
-</file>
-
-<file path=ppt/slides/slide1.xml><?xml version="1.0" encoding="utf-8"?>
-<p:sld xmlns:a="http://schemas.openxmlformats.org/drawingml/2006/main" xmlns:p="http://schemas.openxmlformats.org/presentationml/2006/main" xmlns:r="http://schemas.openxmlformats.org/officeDocument/2006/relationships" xmlns:p14="http://schemas.microsoft.com/office/powerpoint/2010/main" xmlns:p15="http://schemas.microsoft.com/office/powerpoint/2012/main" xmlns:mc="http://schemas.openxmlformats.org/markup-compatibility/2006">
-  <p:cSld>
-    <p:spTree>
-      <p:nvGrpSpPr>
-        <p:cNvPr id="1" name=""/>
-        <p:cNvGrpSpPr/>
-        <p:nvPr/>
-      </p:nvGrpSpPr>
-      <p:grpSpPr>
-        <a:xfrm>
-          <a:off x="0" y="0"/>
-          <a:ext cx="0" cy="0"/>
-          <a:chOff x="0" y="0"/>
-          <a:chExt cx="0" cy="0"/>
-        </a:xfrm>
-      </p:grpSpPr>
-      <p:sp>
-        <p:nvSpPr>
-          <p:cNvPr id="125" name="CustomShape 1"/>
+          <p:cNvPr id="136" name="CustomShape 7"/>
           <p:cNvSpPr/>
           <p:nvPr/>
         </p:nvSpPr>
         <p:spPr>
           <a:xfrm>
-            <a:off x="581040" y="2394000"/>
-            <a:ext cx="11028600" cy="2146320"/>
+            <a:off x="728280" y="1720440"/>
+            <a:ext cx="10771200" cy="1937538"/>
           </a:xfrm>
           <a:prstGeom prst="rect">
             <a:avLst/>
@@ -5355,47 +4921,215 @@
           </a:ln>
         </p:spPr>
         <p:style>
-          <a:lnRef idx="0"/>
-          <a:fillRef idx="0"/>
-          <a:effectRef idx="0"/>
+          <a:lnRef idx="0">
+            <a:scrgbClr r="0" g="0" b="0"/>
+          </a:lnRef>
+          <a:fillRef idx="0">
+            <a:scrgbClr r="0" g="0" b="0"/>
+          </a:fillRef>
+          <a:effectRef idx="0">
+            <a:scrgbClr r="0" g="0" b="0"/>
+          </a:effectRef>
           <a:fontRef idx="minor"/>
         </p:style>
         <p:txBody>
-          <a:bodyPr lIns="90000" rIns="90000" tIns="45000" bIns="45000" anchor="b">
-            <a:normAutofit/>
-          </a:bodyPr>
-          <a:p>
-            <a:pPr>
+          <a:bodyPr wrap="square" lIns="90000" tIns="45000" rIns="90000" bIns="45000">
+            <a:spAutoFit/>
+          </a:bodyPr>
+          <a:lstStyle/>
+          <a:p>
+            <a:pPr algn="just">
               <a:lnSpc>
-                <a:spcPct val="100000"/>
+                <a:spcPct val="150000"/>
               </a:lnSpc>
             </a:pPr>
             <a:r>
-              <a:rPr b="0" lang="pt-PT" sz="3600" spc="-1" strike="noStrike" cap="all">
-                <a:solidFill>
-                  <a:srgbClr val="404040"/>
-                </a:solidFill>
-                <a:latin typeface="Franklin Gothic Demi"/>
+              <a:rPr lang="pt-PT" sz="1600" b="1" strike="noStrike" spc="-1" dirty="0" smtClean="0">
+                <a:solidFill>
+                  <a:srgbClr val="000000"/>
+                </a:solidFill>
+                <a:latin typeface="Franklin Gothic Book"/>
                 <a:ea typeface="DejaVu Sans"/>
               </a:rPr>
-              <a:t>Inteligência Artificial</a:t>
-            </a:r>
-            <a:endParaRPr b="0" lang="pt-PT" sz="3600" spc="-1" strike="noStrike">
-              <a:latin typeface="Arial"/>
-            </a:endParaRPr>
-          </a:p>
-        </p:txBody>
-      </p:sp>
-      <p:sp>
-        <p:nvSpPr>
-          <p:cNvPr id="126" name="CustomShape 2"/>
+              <a:t>Aprendizagem Supervisionada </a:t>
+            </a:r>
+            <a:r>
+              <a:rPr lang="pt-PT" sz="1600" b="0" strike="noStrike" spc="-1" dirty="0" smtClean="0">
+                <a:solidFill>
+                  <a:srgbClr val="000000"/>
+                </a:solidFill>
+                <a:latin typeface="Franklin Gothic Book"/>
+                <a:ea typeface="DejaVu Sans"/>
+              </a:rPr>
+              <a:t>consiste em, partindo de um conjunto de dados previamente “rotulado”, encontrar uma função capaz de mapear esses </a:t>
+            </a:r>
+            <a:r>
+              <a:rPr lang="pt-PT" sz="1600" b="0" i="1" strike="noStrike" spc="-1" dirty="0" smtClean="0">
+                <a:solidFill>
+                  <a:srgbClr val="000000"/>
+                </a:solidFill>
+                <a:latin typeface="Franklin Gothic Book"/>
+                <a:ea typeface="DejaVu Sans"/>
+              </a:rPr>
+              <a:t>inputs </a:t>
+            </a:r>
+            <a:r>
+              <a:rPr lang="pt-PT" sz="1600" b="0" strike="noStrike" spc="-1" dirty="0" smtClean="0">
+                <a:solidFill>
+                  <a:srgbClr val="000000"/>
+                </a:solidFill>
+                <a:latin typeface="Franklin Gothic Book"/>
+                <a:ea typeface="DejaVu Sans"/>
+              </a:rPr>
+              <a:t>para </a:t>
+            </a:r>
+            <a:r>
+              <a:rPr lang="pt-PT" sz="1600" b="0" i="1" strike="noStrike" spc="-1" dirty="0" smtClean="0">
+                <a:solidFill>
+                  <a:srgbClr val="000000"/>
+                </a:solidFill>
+                <a:latin typeface="Franklin Gothic Book"/>
+                <a:ea typeface="DejaVu Sans"/>
+              </a:rPr>
+              <a:t>outputs </a:t>
+            </a:r>
+            <a:r>
+              <a:rPr lang="pt-PT" sz="1600" b="0" strike="noStrike" spc="-1" dirty="0" smtClean="0">
+                <a:solidFill>
+                  <a:srgbClr val="000000"/>
+                </a:solidFill>
+                <a:latin typeface="Franklin Gothic Book"/>
+                <a:ea typeface="DejaVu Sans"/>
+              </a:rPr>
+              <a:t>Esta previsão dos </a:t>
+            </a:r>
+            <a:r>
+              <a:rPr lang="pt-PT" sz="1600" b="0" i="1" strike="noStrike" spc="-1" dirty="0" smtClean="0">
+                <a:solidFill>
+                  <a:srgbClr val="000000"/>
+                </a:solidFill>
+                <a:latin typeface="Franklin Gothic Book"/>
+                <a:ea typeface="DejaVu Sans"/>
+              </a:rPr>
+              <a:t>outputs </a:t>
+            </a:r>
+            <a:r>
+              <a:rPr lang="pt-PT" sz="1600" b="0" strike="noStrike" spc="-1" dirty="0" smtClean="0">
+                <a:solidFill>
+                  <a:srgbClr val="000000"/>
+                </a:solidFill>
+                <a:latin typeface="Franklin Gothic Book"/>
+                <a:ea typeface="DejaVu Sans"/>
+              </a:rPr>
+              <a:t>pode ser obtida de duas maneiras:</a:t>
+            </a:r>
+            <a:r>
+              <a:rPr lang="pt-PT" sz="1600" spc="-1" dirty="0" smtClean="0">
+                <a:solidFill>
+                  <a:srgbClr val="000000"/>
+                </a:solidFill>
+                <a:latin typeface="Franklin Gothic Book"/>
+                <a:ea typeface="DejaVu Sans"/>
+              </a:rPr>
+              <a:t> Regressão (estimam-se valores reais, não discretos) e </a:t>
+            </a:r>
+            <a:r>
+              <a:rPr lang="pt-PT" sz="1600" b="1" strike="noStrike" spc="-1" dirty="0" smtClean="0">
+                <a:solidFill>
+                  <a:srgbClr val="000000"/>
+                </a:solidFill>
+                <a:latin typeface="Franklin Gothic Book"/>
+                <a:ea typeface="DejaVu Sans"/>
+              </a:rPr>
+              <a:t>Classificação</a:t>
+            </a:r>
+            <a:r>
+              <a:rPr lang="pt-PT" sz="1600" b="0" strike="noStrike" spc="-1" dirty="0" smtClean="0">
+                <a:solidFill>
+                  <a:srgbClr val="000000"/>
+                </a:solidFill>
+                <a:latin typeface="Franklin Gothic Book"/>
+                <a:ea typeface="DejaVu Sans"/>
+              </a:rPr>
+              <a:t> (estimas feitas com um conjunto finito de </a:t>
+            </a:r>
+            <a:r>
+              <a:rPr lang="pt-PT" sz="1600" b="0" i="1" strike="noStrike" spc="-1" dirty="0" err="1" smtClean="0">
+                <a:solidFill>
+                  <a:srgbClr val="000000"/>
+                </a:solidFill>
+                <a:latin typeface="Franklin Gothic Book"/>
+                <a:ea typeface="DejaVu Sans"/>
+              </a:rPr>
+              <a:t>labels</a:t>
+            </a:r>
+            <a:r>
+              <a:rPr lang="pt-PT" sz="1600" b="0" i="1" strike="noStrike" spc="-1" dirty="0" smtClean="0">
+                <a:solidFill>
+                  <a:srgbClr val="000000"/>
+                </a:solidFill>
+                <a:latin typeface="Franklin Gothic Book"/>
+                <a:ea typeface="DejaVu Sans"/>
+              </a:rPr>
+              <a:t>; </a:t>
+            </a:r>
+            <a:r>
+              <a:rPr lang="pt-PT" sz="1600" spc="-1" dirty="0" smtClean="0">
+                <a:solidFill>
+                  <a:srgbClr val="000000"/>
+                </a:solidFill>
+                <a:latin typeface="Franklin Gothic Book"/>
+                <a:ea typeface="DejaVu Sans"/>
+              </a:rPr>
+              <a:t>a solução é um valor discreto e corresponde a uma categoria em que o </a:t>
+            </a:r>
+            <a:r>
+              <a:rPr lang="pt-PT" sz="1600" i="1" spc="-1" dirty="0" smtClean="0">
+                <a:solidFill>
+                  <a:srgbClr val="000000"/>
+                </a:solidFill>
+                <a:latin typeface="Franklin Gothic Book"/>
+                <a:ea typeface="DejaVu Sans"/>
+              </a:rPr>
+              <a:t>input </a:t>
+            </a:r>
+            <a:r>
+              <a:rPr lang="pt-PT" sz="1600" spc="-1" dirty="0" smtClean="0">
+                <a:solidFill>
+                  <a:srgbClr val="000000"/>
+                </a:solidFill>
+                <a:latin typeface="Franklin Gothic Book"/>
+                <a:ea typeface="DejaVu Sans"/>
+              </a:rPr>
+              <a:t>se insere). </a:t>
+            </a:r>
+          </a:p>
+          <a:p>
+            <a:pPr algn="just">
+              <a:lnSpc>
+                <a:spcPct val="150000"/>
+              </a:lnSpc>
+            </a:pPr>
+            <a:endParaRPr lang="pt-PT" sz="1600" b="0" strike="noStrike" spc="-1" dirty="0" smtClean="0">
+              <a:solidFill>
+                <a:srgbClr val="000000"/>
+              </a:solidFill>
+              <a:latin typeface="Franklin Gothic Book"/>
+              <a:ea typeface="DejaVu Sans"/>
+            </a:endParaRPr>
+          </a:p>
+        </p:txBody>
+      </p:sp>
+      <p:sp>
+        <p:nvSpPr>
+          <p:cNvPr id="10" name="CustomShape 7"/>
           <p:cNvSpPr/>
           <p:nvPr/>
         </p:nvSpPr>
         <p:spPr>
           <a:xfrm>
-            <a:off x="581040" y="4541400"/>
-            <a:ext cx="11028600" cy="599400"/>
+            <a:off x="742500" y="3430181"/>
+            <a:ext cx="10742760" cy="455594"/>
           </a:xfrm>
           <a:prstGeom prst="rect">
             <a:avLst/>
@@ -5406,232 +5140,66 @@
           </a:ln>
         </p:spPr>
         <p:style>
-          <a:lnRef idx="0"/>
-          <a:fillRef idx="0"/>
-          <a:effectRef idx="0"/>
+          <a:lnRef idx="0">
+            <a:scrgbClr r="0" g="0" b="0"/>
+          </a:lnRef>
+          <a:fillRef idx="0">
+            <a:scrgbClr r="0" g="0" b="0"/>
+          </a:fillRef>
+          <a:effectRef idx="0">
+            <a:scrgbClr r="0" g="0" b="0"/>
+          </a:effectRef>
           <a:fontRef idx="minor"/>
         </p:style>
         <p:txBody>
-          <a:bodyPr lIns="90000" rIns="90000" tIns="45000" bIns="45000">
-            <a:normAutofit/>
-          </a:bodyPr>
-          <a:p>
-            <a:pPr>
+          <a:bodyPr lIns="90000" tIns="45000" rIns="90000" bIns="45000">
+            <a:spAutoFit/>
+          </a:bodyPr>
+          <a:lstStyle/>
+          <a:p>
+            <a:pPr algn="just">
               <a:lnSpc>
-                <a:spcPct val="110000"/>
-              </a:lnSpc>
-              <a:spcBef>
-                <a:spcPts val="360"/>
-              </a:spcBef>
-              <a:spcAft>
-                <a:spcPts val="601"/>
-              </a:spcAft>
-            </a:pPr>
-            <a:r>
-              <a:rPr b="0" lang="pt-PT" sz="1800" spc="-1" strike="noStrike" cap="all">
-                <a:solidFill>
-                  <a:srgbClr val="1cade4"/>
-                </a:solidFill>
-                <a:latin typeface="Franklin Gothic Book"/>
-                <a:ea typeface="DejaVu Sans"/>
-              </a:rPr>
-              <a:t>prediction of football European teams game outcome </a:t>
-            </a:r>
-            <a:endParaRPr b="0" lang="pt-PT" sz="1800" spc="-1" strike="noStrike">
-              <a:latin typeface="Arial"/>
-            </a:endParaRPr>
-          </a:p>
-        </p:txBody>
-      </p:sp>
-      <p:sp>
-        <p:nvSpPr>
-          <p:cNvPr id="127" name="CustomShape 3"/>
-          <p:cNvSpPr/>
-          <p:nvPr/>
-        </p:nvSpPr>
-        <p:spPr>
-          <a:xfrm>
-            <a:off x="8959320" y="6423840"/>
-            <a:ext cx="2843640" cy="363960"/>
-          </a:xfrm>
-          <a:prstGeom prst="rect">
-            <a:avLst/>
-          </a:prstGeom>
-          <a:noFill/>
-          <a:ln>
-            <a:noFill/>
-          </a:ln>
-        </p:spPr>
-        <p:style>
-          <a:lnRef idx="0"/>
-          <a:fillRef idx="0"/>
-          <a:effectRef idx="0"/>
-          <a:fontRef idx="minor"/>
-        </p:style>
-        <p:txBody>
-          <a:bodyPr lIns="90000" rIns="90000" tIns="45000" bIns="45000" anchor="ctr">
-            <a:normAutofit/>
-          </a:bodyPr>
-          <a:p>
-            <a:pPr algn="r">
-              <a:lnSpc>
-                <a:spcPct val="100000"/>
-              </a:lnSpc>
-              <a:spcAft>
-                <a:spcPts val="601"/>
-              </a:spcAft>
-            </a:pPr>
-            <a:fld id="{53B214CF-F5BE-4E75-A59B-3269F328DF4B}" type="datetime1">
-              <a:rPr b="0" lang="pt-PT" sz="900" spc="-1" strike="noStrike">
-                <a:solidFill>
-                  <a:srgbClr val="404040"/>
-                </a:solidFill>
-                <a:latin typeface="Franklin Gothic Book"/>
-                <a:ea typeface="DejaVu Sans"/>
-              </a:rPr>
-              <a:t>06-05-2020</a:t>
-            </a:fld>
-            <a:endParaRPr b="0" lang="pt-PT" sz="900" spc="-1" strike="noStrike">
-              <a:latin typeface="Arial"/>
-            </a:endParaRPr>
-          </a:p>
-        </p:txBody>
-      </p:sp>
-      <p:sp>
-        <p:nvSpPr>
-          <p:cNvPr id="128" name="CustomShape 4"/>
-          <p:cNvSpPr/>
-          <p:nvPr/>
-        </p:nvSpPr>
-        <p:spPr>
-          <a:xfrm>
-            <a:off x="581040" y="5321160"/>
-            <a:ext cx="11028600" cy="912600"/>
-          </a:xfrm>
-          <a:prstGeom prst="rect">
-            <a:avLst/>
-          </a:prstGeom>
-          <a:noFill/>
-          <a:ln>
-            <a:noFill/>
-          </a:ln>
-        </p:spPr>
-        <p:style>
-          <a:lnRef idx="0"/>
-          <a:fillRef idx="0"/>
-          <a:effectRef idx="0"/>
-          <a:fontRef idx="minor"/>
-        </p:style>
-        <p:txBody>
-          <a:bodyPr lIns="90000" rIns="90000" tIns="45000" bIns="45000">
-            <a:spAutoFit/>
-          </a:bodyPr>
-          <a:p>
-            <a:pPr algn="r">
-              <a:lnSpc>
-                <a:spcPct val="100000"/>
+                <a:spcPct val="150000"/>
               </a:lnSpc>
             </a:pPr>
             <a:r>
-              <a:rPr b="0" lang="pt-PT" sz="1800" spc="-1" strike="noStrike">
-                <a:solidFill>
-                  <a:srgbClr val="ffffff"/>
+              <a:rPr lang="pt-PT" b="1" strike="noStrike" spc="-1" dirty="0" smtClean="0">
+                <a:solidFill>
+                  <a:srgbClr val="000000"/>
                 </a:solidFill>
                 <a:latin typeface="Franklin Gothic Book"/>
                 <a:ea typeface="DejaVu Sans"/>
               </a:rPr>
-              <a:t>Cláudia Mamede – 201604832@fe.up.pt</a:t>
-            </a:r>
-            <a:endParaRPr b="0" lang="pt-PT" sz="1800" spc="-1" strike="noStrike">
-              <a:latin typeface="Arial"/>
-            </a:endParaRPr>
-          </a:p>
-          <a:p>
-            <a:pPr algn="r">
-              <a:lnSpc>
-                <a:spcPct val="100000"/>
-              </a:lnSpc>
-            </a:pPr>
-            <a:r>
-              <a:rPr b="0" lang="pt-PT" sz="1800" spc="-1" strike="noStrike">
-                <a:solidFill>
-                  <a:srgbClr val="ffffff"/>
-                </a:solidFill>
-                <a:latin typeface="Franklin Gothic Book"/>
-                <a:ea typeface="DejaVu Sans"/>
-              </a:rPr>
-              <a:t>João Macedo - 201704464@fe.up.pt</a:t>
-            </a:r>
-            <a:endParaRPr b="0" lang="pt-PT" sz="1800" spc="-1" strike="noStrike">
-              <a:latin typeface="Arial"/>
-            </a:endParaRPr>
-          </a:p>
-          <a:p>
-            <a:pPr algn="r">
-              <a:lnSpc>
-                <a:spcPct val="100000"/>
-              </a:lnSpc>
-            </a:pPr>
-            <a:r>
-              <a:rPr b="0" lang="pt-PT" sz="1800" spc="-1" strike="noStrike">
-                <a:solidFill>
-                  <a:srgbClr val="ffffff"/>
-                </a:solidFill>
-                <a:latin typeface="Franklin Gothic Book"/>
-                <a:ea typeface="DejaVu Sans"/>
-              </a:rPr>
-              <a:t>Raúl Viana -  up201208089@fe.up.pt</a:t>
-            </a:r>
-            <a:endParaRPr b="0" lang="pt-PT" sz="1800" spc="-1" strike="noStrike">
-              <a:latin typeface="Arial"/>
-            </a:endParaRPr>
-          </a:p>
-        </p:txBody>
-      </p:sp>
-      <p:pic>
-        <p:nvPicPr>
-          <p:cNvPr id="129" name="Picture 2" descr="Resultado de imagem para feup"/>
-          <p:cNvPicPr/>
-          <p:nvPr/>
-        </p:nvPicPr>
-        <p:blipFill>
-          <a:blip r:embed="rId1"/>
-          <a:stretch/>
-        </p:blipFill>
-        <p:spPr>
-          <a:xfrm>
-            <a:off x="457200" y="694800"/>
-            <a:ext cx="3254040" cy="1249920"/>
-          </a:xfrm>
-          <a:prstGeom prst="rect">
-            <a:avLst/>
-          </a:prstGeom>
-          <a:ln>
-            <a:noFill/>
-          </a:ln>
-        </p:spPr>
-      </p:pic>
+              <a:t>Especificação do trabalho</a:t>
+            </a:r>
+          </a:p>
+        </p:txBody>
+      </p:sp>
     </p:spTree>
   </p:cSld>
-  <mc:AlternateContent>
+  <p:clrMapOvr>
+    <a:masterClrMapping/>
+  </p:clrMapOvr>
+  <mc:AlternateContent xmlns:mc="http://schemas.openxmlformats.org/markup-compatibility/2006" xmlns:p14="http://schemas.microsoft.com/office/powerpoint/2010/main">
     <mc:Choice Requires="p14">
       <p:transition spd="slow" p14:dur="2000"/>
     </mc:Choice>
-    <mc:Fallback>
+    <mc:Fallback xmlns:p15="http://schemas.microsoft.com/office/powerpoint/2012/main" xmlns="">
       <p:transition spd="slow"/>
     </mc:Fallback>
   </mc:AlternateContent>
 </p:sld>
 </file>
 
-<file path=ppt/slides/slide2.xml><?xml version="1.0" encoding="utf-8"?>
-<p:sld xmlns:a="http://schemas.openxmlformats.org/drawingml/2006/main" xmlns:p="http://schemas.openxmlformats.org/presentationml/2006/main" xmlns:r="http://schemas.openxmlformats.org/officeDocument/2006/relationships" xmlns:p14="http://schemas.microsoft.com/office/powerpoint/2010/main" xmlns:p15="http://schemas.microsoft.com/office/powerpoint/2012/main" xmlns:mc="http://schemas.openxmlformats.org/markup-compatibility/2006">
+<file path=ppt/slides/slide3.xml><?xml version="1.0" encoding="utf-8"?>
+<p:sld xmlns:a="http://schemas.openxmlformats.org/drawingml/2006/main" xmlns:r="http://schemas.openxmlformats.org/officeDocument/2006/relationships" xmlns:p="http://schemas.openxmlformats.org/presentationml/2006/main">
   <p:cSld>
     <p:bg>
       <p:bgPr>
         <a:solidFill>
-          <a:srgbClr val="ffffff"/>
+          <a:srgbClr val="FFFFFF"/>
         </a:solidFill>
+        <a:effectLst/>
       </p:bgPr>
     </p:bg>
     <p:spTree>
@@ -5650,43 +5218,7 @@
       </p:grpSpPr>
       <p:sp>
         <p:nvSpPr>
-          <p:cNvPr id="130" name="CustomShape 1"/>
-          <p:cNvSpPr/>
-          <p:nvPr/>
-        </p:nvSpPr>
-        <p:spPr>
-          <a:xfrm>
-            <a:off x="0" y="0"/>
-            <a:ext cx="12191040" cy="6856920"/>
-          </a:xfrm>
-          <a:prstGeom prst="rect">
-            <a:avLst/>
-          </a:prstGeom>
-          <a:solidFill>
-            <a:schemeClr val="bg1"/>
-          </a:solidFill>
-          <a:ln>
-            <a:noFill/>
-          </a:ln>
-        </p:spPr>
-        <p:style>
-          <a:lnRef idx="2">
-            <a:schemeClr val="accent1">
-              <a:shade val="50000"/>
-            </a:schemeClr>
-          </a:lnRef>
-          <a:fillRef idx="1">
-            <a:schemeClr val="accent1"/>
-          </a:fillRef>
-          <a:effectRef idx="0">
-            <a:schemeClr val="accent1"/>
-          </a:effectRef>
-          <a:fontRef idx="minor"/>
-        </p:style>
-      </p:sp>
-      <p:sp>
-        <p:nvSpPr>
-          <p:cNvPr id="131" name="CustomShape 2"/>
+          <p:cNvPr id="139" name="CustomShape 2"/>
           <p:cNvSpPr/>
           <p:nvPr/>
         </p:nvSpPr>
@@ -5704,15 +5236,22 @@
           </a:ln>
         </p:spPr>
         <p:style>
-          <a:lnRef idx="0"/>
-          <a:fillRef idx="0"/>
-          <a:effectRef idx="0"/>
+          <a:lnRef idx="0">
+            <a:scrgbClr r="0" g="0" b="0"/>
+          </a:lnRef>
+          <a:fillRef idx="0">
+            <a:scrgbClr r="0" g="0" b="0"/>
+          </a:fillRef>
+          <a:effectRef idx="0">
+            <a:scrgbClr r="0" g="0" b="0"/>
+          </a:effectRef>
           <a:fontRef idx="minor"/>
         </p:style>
         <p:txBody>
-          <a:bodyPr lIns="90000" rIns="90000" tIns="45000" bIns="45000" anchor="b">
+          <a:bodyPr lIns="90000" tIns="45000" rIns="90000" bIns="45000" anchor="b">
             <a:noAutofit/>
           </a:bodyPr>
+          <a:lstStyle/>
           <a:p>
             <a:pPr algn="ctr">
               <a:lnSpc>
@@ -5720,31 +5259,31 @@
               </a:lnSpc>
             </a:pPr>
             <a:r>
-              <a:rPr b="0" lang="pt-PT" sz="2800" spc="-1" strike="noStrike" cap="all">
+              <a:rPr lang="pt-PT" sz="2800" b="0" strike="noStrike" cap="all" spc="-1">
                 <a:solidFill>
                   <a:srgbClr val="404040"/>
                 </a:solidFill>
                 <a:latin typeface="Franklin Gothic Demi"/>
                 <a:ea typeface="DejaVu Sans"/>
               </a:rPr>
-              <a:t>Inteligência Artificial – trabalho 2</a:t>
-            </a:r>
-            <a:endParaRPr b="0" lang="pt-PT" sz="2800" spc="-1" strike="noStrike">
-              <a:latin typeface="Arial"/>
-            </a:endParaRPr>
-          </a:p>
-        </p:txBody>
-      </p:sp>
-      <p:sp>
-        <p:nvSpPr>
-          <p:cNvPr id="132" name="CustomShape 3"/>
+              <a:t>Inteligência Artificial – trabalho 1</a:t>
+            </a:r>
+            <a:endParaRPr lang="pt-PT" sz="2800" b="0" strike="noStrike" spc="-1">
+              <a:latin typeface="Arial"/>
+            </a:endParaRPr>
+          </a:p>
+        </p:txBody>
+      </p:sp>
+      <p:sp>
+        <p:nvSpPr>
+          <p:cNvPr id="140" name="CustomShape 3"/>
           <p:cNvSpPr/>
           <p:nvPr/>
         </p:nvSpPr>
         <p:spPr>
           <a:xfrm>
-            <a:off x="728280" y="1415160"/>
-            <a:ext cx="2440440" cy="610560"/>
+            <a:off x="728280" y="1370916"/>
+            <a:ext cx="3294000" cy="610560"/>
           </a:xfrm>
           <a:prstGeom prst="rect">
             <a:avLst/>
@@ -5755,15 +5294,22 @@
           </a:ln>
         </p:spPr>
         <p:style>
-          <a:lnRef idx="0"/>
-          <a:fillRef idx="0"/>
-          <a:effectRef idx="0"/>
+          <a:lnRef idx="0">
+            <a:scrgbClr r="0" g="0" b="0"/>
+          </a:lnRef>
+          <a:fillRef idx="0">
+            <a:scrgbClr r="0" g="0" b="0"/>
+          </a:fillRef>
+          <a:effectRef idx="0">
+            <a:scrgbClr r="0" g="0" b="0"/>
+          </a:effectRef>
           <a:fontRef idx="minor"/>
         </p:style>
         <p:txBody>
-          <a:bodyPr lIns="90000" rIns="90000" tIns="45000" bIns="45000">
-            <a:normAutofit fontScale="70000"/>
-          </a:bodyPr>
+          <a:bodyPr lIns="90000" tIns="45000" rIns="90000" bIns="45000">
+            <a:normAutofit/>
+          </a:bodyPr>
+          <a:lstStyle/>
           <a:p>
             <a:pPr>
               <a:lnSpc>
@@ -5777,24 +5323,24 @@
               </a:spcAft>
             </a:pPr>
             <a:r>
-              <a:rPr b="1" lang="pt-PT" sz="2000" spc="-1" strike="noStrike">
-                <a:solidFill>
-                  <a:srgbClr val="1cade4"/>
+              <a:rPr lang="pt-PT" sz="2000" b="1" strike="noStrike" spc="-1" dirty="0">
+                <a:solidFill>
+                  <a:srgbClr val="1CADE4"/>
                 </a:solidFill>
                 <a:latin typeface="Franklin Gothic Book"/>
                 <a:ea typeface="DejaVu Sans"/>
               </a:rPr>
-              <a:t>APRESENTAÇÃO</a:t>
-            </a:r>
-            <a:endParaRPr b="0" lang="pt-PT" sz="2000" spc="-1" strike="noStrike">
-              <a:latin typeface="Arial"/>
-            </a:endParaRPr>
-          </a:p>
-        </p:txBody>
-      </p:sp>
-      <p:sp>
-        <p:nvSpPr>
-          <p:cNvPr id="133" name="CustomShape 4"/>
+              <a:t>DATA SET</a:t>
+            </a:r>
+            <a:endParaRPr lang="pt-PT" sz="2000" b="0" strike="noStrike" spc="-1" dirty="0">
+              <a:latin typeface="Arial"/>
+            </a:endParaRPr>
+          </a:p>
+        </p:txBody>
+      </p:sp>
+      <p:sp>
+        <p:nvSpPr>
+          <p:cNvPr id="141" name="CustomShape 4"/>
           <p:cNvSpPr/>
           <p:nvPr/>
         </p:nvSpPr>
@@ -5813,7 +5359,7 @@
             <a:noFill/>
           </a:ln>
           <a:effectLst>
-            <a:outerShdw blurRad="38100" dir="5400000" dist="25560" rotWithShape="0">
+            <a:outerShdw blurRad="38100" dist="25560" dir="5400000" rotWithShape="0">
               <a:srgbClr val="000000">
                 <a:alpha val="55000"/>
               </a:srgbClr>
@@ -5835,7 +5381,7 @@
       </p:sp>
       <p:sp>
         <p:nvSpPr>
-          <p:cNvPr id="134" name="CustomShape 5"/>
+          <p:cNvPr id="142" name="CustomShape 5"/>
           <p:cNvSpPr/>
           <p:nvPr/>
         </p:nvSpPr>
@@ -5854,7 +5400,7 @@
             <a:noFill/>
           </a:ln>
           <a:effectLst>
-            <a:outerShdw blurRad="38100" dir="5400000" dist="25560" rotWithShape="0">
+            <a:outerShdw blurRad="38100" dist="25560" dir="5400000" rotWithShape="0">
               <a:srgbClr val="000000">
                 <a:alpha val="55000"/>
               </a:srgbClr>
@@ -5876,7 +5422,7 @@
       </p:sp>
       <p:sp>
         <p:nvSpPr>
-          <p:cNvPr id="135" name="CustomShape 6"/>
+          <p:cNvPr id="143" name="CustomShape 6"/>
           <p:cNvSpPr/>
           <p:nvPr/>
         </p:nvSpPr>
@@ -5889,13 +5435,13 @@
             <a:avLst/>
           </a:prstGeom>
           <a:solidFill>
-            <a:srgbClr val="969fa7"/>
+            <a:srgbClr val="969FA7"/>
           </a:solidFill>
           <a:ln>
             <a:noFill/>
           </a:ln>
           <a:effectLst>
-            <a:outerShdw blurRad="38100" dir="5400000" dist="25560" rotWithShape="0">
+            <a:outerShdw blurRad="38100" dist="25560" dir="5400000" rotWithShape="0">
               <a:srgbClr val="000000">
                 <a:alpha val="55000"/>
               </a:srgbClr>
@@ -5917,14 +5463,14 @@
       </p:sp>
       <p:sp>
         <p:nvSpPr>
-          <p:cNvPr id="136" name="CustomShape 7"/>
+          <p:cNvPr id="144" name="CustomShape 7"/>
           <p:cNvSpPr/>
           <p:nvPr/>
         </p:nvSpPr>
         <p:spPr>
           <a:xfrm>
-            <a:off x="727560" y="2007360"/>
-            <a:ext cx="8560440" cy="819720"/>
+            <a:off x="728280" y="2553406"/>
+            <a:ext cx="10742760" cy="455594"/>
           </a:xfrm>
           <a:prstGeom prst="rect">
             <a:avLst/>
@@ -5935,15 +5481,22 @@
           </a:ln>
         </p:spPr>
         <p:style>
-          <a:lnRef idx="0"/>
-          <a:fillRef idx="0"/>
-          <a:effectRef idx="0"/>
+          <a:lnRef idx="0">
+            <a:scrgbClr r="0" g="0" b="0"/>
+          </a:lnRef>
+          <a:fillRef idx="0">
+            <a:scrgbClr r="0" g="0" b="0"/>
+          </a:fillRef>
+          <a:effectRef idx="0">
+            <a:scrgbClr r="0" g="0" b="0"/>
+          </a:effectRef>
           <a:fontRef idx="minor"/>
         </p:style>
         <p:txBody>
-          <a:bodyPr lIns="90000" rIns="90000" tIns="45000" bIns="45000">
+          <a:bodyPr lIns="90000" tIns="45000" rIns="90000" bIns="45000">
             <a:spAutoFit/>
           </a:bodyPr>
+          <a:lstStyle/>
           <a:p>
             <a:pPr algn="just">
               <a:lnSpc>
@@ -5951,41 +5504,28 @@
               </a:lnSpc>
             </a:pPr>
             <a:r>
-              <a:rPr b="1" lang="pt-PT" sz="1600" spc="-1" strike="noStrike">
+              <a:rPr lang="pt-PT" b="1" strike="noStrike" spc="-1" dirty="0" smtClean="0">
                 <a:solidFill>
                   <a:srgbClr val="000000"/>
                 </a:solidFill>
                 <a:latin typeface="Franklin Gothic Book"/>
                 <a:ea typeface="DejaVu Sans"/>
               </a:rPr>
-              <a:t>Objetivo</a:t>
-            </a:r>
-            <a:r>
-              <a:rPr b="0" lang="pt-PT" sz="1600" spc="-1" strike="noStrike">
-                <a:solidFill>
-                  <a:srgbClr val="000000"/>
-                </a:solidFill>
-                <a:latin typeface="Franklin Gothic Book"/>
-                <a:ea typeface="DejaVu Sans"/>
-              </a:rPr>
-              <a:t>: Previsão do resultado de jogos de futebol das maiores ligas da Europa através da aplicação de diferentes algoritmos de inteligência artificial.</a:t>
-            </a:r>
-            <a:endParaRPr b="0" lang="pt-PT" sz="1600" spc="-1" strike="noStrike">
-              <a:latin typeface="Arial"/>
-            </a:endParaRPr>
-          </a:p>
-        </p:txBody>
-      </p:sp>
-      <p:sp>
-        <p:nvSpPr>
-          <p:cNvPr id="137" name="CustomShape 8"/>
+              <a:t>Pré processamento</a:t>
+            </a:r>
+          </a:p>
+        </p:txBody>
+      </p:sp>
+      <p:sp>
+        <p:nvSpPr>
+          <p:cNvPr id="145" name="CustomShape 8"/>
           <p:cNvSpPr/>
           <p:nvPr/>
         </p:nvSpPr>
         <p:spPr>
           <a:xfrm>
-            <a:off x="727560" y="3592800"/>
-            <a:ext cx="10771200" cy="1549800"/>
+            <a:off x="727560" y="1865520"/>
+            <a:ext cx="10742760" cy="829543"/>
           </a:xfrm>
           <a:prstGeom prst="rect">
             <a:avLst/>
@@ -5996,15 +5536,22 @@
           </a:ln>
         </p:spPr>
         <p:style>
-          <a:lnRef idx="0"/>
-          <a:fillRef idx="0"/>
-          <a:effectRef idx="0"/>
+          <a:lnRef idx="0">
+            <a:scrgbClr r="0" g="0" b="0"/>
+          </a:lnRef>
+          <a:fillRef idx="0">
+            <a:scrgbClr r="0" g="0" b="0"/>
+          </a:fillRef>
+          <a:effectRef idx="0">
+            <a:scrgbClr r="0" g="0" b="0"/>
+          </a:effectRef>
           <a:fontRef idx="minor"/>
         </p:style>
         <p:txBody>
-          <a:bodyPr lIns="90000" rIns="90000" tIns="45000" bIns="45000">
+          <a:bodyPr lIns="90000" tIns="45000" rIns="90000" bIns="45000">
             <a:spAutoFit/>
           </a:bodyPr>
+          <a:lstStyle/>
           <a:p>
             <a:pPr algn="just">
               <a:lnSpc>
@@ -6012,93 +5559,575 @@
               </a:lnSpc>
             </a:pPr>
             <a:r>
-              <a:rPr b="1" i="1" lang="pt-PT" sz="1600" spc="-1" strike="noStrike">
+              <a:rPr lang="pt-PT" sz="1600" b="1" strike="noStrike" spc="-1" dirty="0" smtClean="0">
                 <a:solidFill>
                   <a:srgbClr val="000000"/>
                 </a:solidFill>
                 <a:latin typeface="Franklin Gothic Book"/>
                 <a:ea typeface="DejaVu Sans"/>
               </a:rPr>
-              <a:t>Data Set</a:t>
-            </a:r>
-            <a:r>
-              <a:rPr b="0" lang="pt-PT" sz="1600" spc="-1" strike="noStrike">
+              <a:t> </a:t>
+            </a:r>
+            <a:r>
+              <a:rPr lang="pt-PT" sz="1600" b="0" i="1" strike="noStrike" spc="-1" dirty="0" smtClean="0">
                 <a:solidFill>
                   <a:srgbClr val="000000"/>
                 </a:solidFill>
                 <a:latin typeface="Franklin Gothic Book"/>
                 <a:ea typeface="DejaVu Sans"/>
               </a:rPr>
-              <a:t>: O </a:t>
-            </a:r>
-            <a:r>
-              <a:rPr b="0" i="1" lang="pt-PT" sz="1600" spc="-1" strike="noStrike">
+              <a:t> </a:t>
+            </a:r>
+            <a:r>
+              <a:rPr lang="pt-PT" sz="1600" b="0" strike="noStrike" spc="-1" dirty="0" smtClean="0">
                 <a:solidFill>
                   <a:srgbClr val="000000"/>
                 </a:solidFill>
                 <a:latin typeface="Franklin Gothic Book"/>
                 <a:ea typeface="DejaVu Sans"/>
               </a:rPr>
+              <a:t> </a:t>
+            </a:r>
+            <a:endParaRPr lang="pt-PT" sz="1600" b="0" strike="noStrike" spc="-1" dirty="0">
+              <a:latin typeface="Arial"/>
+            </a:endParaRPr>
+          </a:p>
+          <a:p>
+            <a:pPr algn="just">
+              <a:lnSpc>
+                <a:spcPct val="150000"/>
+              </a:lnSpc>
+            </a:pPr>
+            <a:r>
+              <a:rPr lang="pt-PT" sz="1600" b="0" strike="noStrike" spc="-1" dirty="0">
+                <a:solidFill>
+                  <a:srgbClr val="000000"/>
+                </a:solidFill>
+                <a:latin typeface="Franklin Gothic Book"/>
+                <a:ea typeface="DejaVu Sans"/>
+              </a:rPr>
+              <a:t> </a:t>
+            </a:r>
+            <a:endParaRPr lang="pt-PT" sz="1600" b="0" strike="noStrike" spc="-1" dirty="0">
+              <a:latin typeface="Arial"/>
+            </a:endParaRPr>
+          </a:p>
+        </p:txBody>
+      </p:sp>
+      <p:sp>
+        <p:nvSpPr>
+          <p:cNvPr id="2" name="Retângulo 1"/>
+          <p:cNvSpPr/>
+          <p:nvPr/>
+        </p:nvSpPr>
+        <p:spPr>
+          <a:xfrm>
+            <a:off x="727560" y="1727625"/>
+            <a:ext cx="11016720" cy="830997"/>
+          </a:xfrm>
+          <a:prstGeom prst="rect">
+            <a:avLst/>
+          </a:prstGeom>
+        </p:spPr>
+        <p:txBody>
+          <a:bodyPr wrap="square">
+            <a:spAutoFit/>
+          </a:bodyPr>
+          <a:lstStyle/>
+          <a:p>
+            <a:pPr algn="just"/>
+            <a:r>
+              <a:rPr lang="pt-PT" sz="1600" spc="-1" dirty="0">
+                <a:solidFill>
+                  <a:srgbClr val="000000"/>
+                </a:solidFill>
+                <a:latin typeface="Franklin Gothic Book"/>
+              </a:rPr>
+              <a:t>O </a:t>
+            </a:r>
+            <a:r>
+              <a:rPr lang="pt-PT" sz="1600" i="1" spc="-1" dirty="0">
+                <a:solidFill>
+                  <a:srgbClr val="000000"/>
+                </a:solidFill>
+                <a:latin typeface="Franklin Gothic Book"/>
+              </a:rPr>
               <a:t>data set</a:t>
             </a:r>
             <a:r>
-              <a:rPr b="0" lang="pt-PT" sz="1600" spc="-1" strike="noStrike">
-                <a:solidFill>
-                  <a:srgbClr val="000000"/>
-                </a:solidFill>
-                <a:latin typeface="Franklin Gothic Book"/>
-                <a:ea typeface="DejaVu Sans"/>
+              <a:rPr lang="pt-PT" sz="1600" spc="-1" dirty="0">
+                <a:solidFill>
+                  <a:srgbClr val="000000"/>
+                </a:solidFill>
+                <a:latin typeface="Franklin Gothic Book"/>
               </a:rPr>
               <a:t> utilizado pode ser encontrado em </a:t>
             </a:r>
             <a:r>
-              <a:rPr b="0" lang="pt-PT" sz="1600" spc="-1" strike="noStrike">
-                <a:solidFill>
-                  <a:srgbClr val="000000"/>
-                </a:solidFill>
-                <a:latin typeface="Franklin Gothic Book"/>
-                <a:ea typeface="DejaVu Sans"/>
-                <a:hlinkClick r:id="rId1"/>
+              <a:rPr lang="pt-PT" sz="1600" spc="-1" dirty="0">
+                <a:solidFill>
+                  <a:srgbClr val="000000"/>
+                </a:solidFill>
+                <a:latin typeface="Franklin Gothic Book"/>
+                <a:hlinkClick r:id="rId2"/>
               </a:rPr>
               <a:t>https://www.kaggle.com/hugomathien/soccer</a:t>
             </a:r>
             <a:r>
-              <a:rPr b="0" lang="pt-PT" sz="1600" spc="-1" strike="noStrike">
-                <a:solidFill>
-                  <a:srgbClr val="000000"/>
-                </a:solidFill>
-                <a:latin typeface="Franklin Gothic Book"/>
-                <a:ea typeface="DejaVu Sans"/>
+              <a:rPr lang="pt-PT" sz="1600" spc="-1" dirty="0">
+                <a:solidFill>
+                  <a:srgbClr val="000000"/>
+                </a:solidFill>
+                <a:latin typeface="Franklin Gothic Book"/>
               </a:rPr>
               <a:t>. Contém uma base de dados com cerca de 25000 jogos das principais ligas europeias entre 2008 e 2016. A informação é complementada com os atributos das equipas e dos jogadores que integraram esses jogos.  </a:t>
             </a:r>
-            <a:endParaRPr b="0" lang="pt-PT" sz="1600" spc="-1" strike="noStrike">
-              <a:latin typeface="Arial"/>
+          </a:p>
+        </p:txBody>
+      </p:sp>
+      <p:sp>
+        <p:nvSpPr>
+          <p:cNvPr id="3" name="Retângulo 2"/>
+          <p:cNvSpPr/>
+          <p:nvPr/>
+        </p:nvSpPr>
+        <p:spPr>
+          <a:xfrm>
+            <a:off x="727560" y="2978691"/>
+            <a:ext cx="10991160" cy="4124206"/>
+          </a:xfrm>
+          <a:prstGeom prst="rect">
+            <a:avLst/>
+          </a:prstGeom>
+        </p:spPr>
+        <p:txBody>
+          <a:bodyPr wrap="square">
+            <a:spAutoFit/>
+          </a:bodyPr>
+          <a:lstStyle/>
+          <a:p>
+            <a:pPr algn="just"/>
+            <a:r>
+              <a:rPr lang="pt-PT" sz="1600" spc="-1" dirty="0" smtClean="0">
+                <a:solidFill>
+                  <a:srgbClr val="000000"/>
+                </a:solidFill>
+                <a:latin typeface="Franklin Gothic Book"/>
+              </a:rPr>
+              <a:t>Existem 3 tipos de dados (numéricos, categóricos e ordinais), no entanto, os modelos de aprendizagem trabalham com variáveis numéricas logo é necessário converter dados categóricos e ordinais. Neste caso, a variável de classe foi transformada numa variável </a:t>
+            </a:r>
+            <a:r>
+              <a:rPr lang="pt-PT" sz="1600" spc="-1" dirty="0" smtClean="0">
+                <a:solidFill>
+                  <a:srgbClr val="000000"/>
+                </a:solidFill>
+                <a:latin typeface="Franklin Gothic Book"/>
+              </a:rPr>
+              <a:t>numérica (</a:t>
+            </a:r>
+            <a:r>
+              <a:rPr lang="pt-PT" sz="1600" spc="-1" dirty="0" err="1" smtClean="0">
+                <a:solidFill>
+                  <a:srgbClr val="000000"/>
+                </a:solidFill>
+                <a:latin typeface="Franklin Gothic Book"/>
+              </a:rPr>
+              <a:t>HomeWin</a:t>
+            </a:r>
+            <a:r>
+              <a:rPr lang="pt-PT" sz="1600" spc="-1" dirty="0" smtClean="0">
+                <a:solidFill>
+                  <a:srgbClr val="000000"/>
+                </a:solidFill>
+                <a:latin typeface="Franklin Gothic Book"/>
+              </a:rPr>
+              <a:t> = 1; </a:t>
+            </a:r>
+            <a:r>
+              <a:rPr lang="pt-PT" sz="1600" spc="-1" dirty="0" err="1" smtClean="0">
+                <a:solidFill>
+                  <a:srgbClr val="000000"/>
+                </a:solidFill>
+                <a:latin typeface="Franklin Gothic Book"/>
+              </a:rPr>
+              <a:t>Draw</a:t>
+            </a:r>
+            <a:r>
+              <a:rPr lang="pt-PT" sz="1600" spc="-1" dirty="0" smtClean="0">
+                <a:solidFill>
+                  <a:srgbClr val="000000"/>
+                </a:solidFill>
+                <a:latin typeface="Franklin Gothic Book"/>
+              </a:rPr>
+              <a:t> = 0 ; </a:t>
+            </a:r>
+            <a:r>
+              <a:rPr lang="pt-PT" sz="1600" spc="-1" dirty="0" err="1" smtClean="0">
+                <a:solidFill>
+                  <a:srgbClr val="000000"/>
+                </a:solidFill>
+                <a:latin typeface="Franklin Gothic Book"/>
+              </a:rPr>
+              <a:t>AwayWin</a:t>
+            </a:r>
+            <a:r>
+              <a:rPr lang="pt-PT" sz="1600" spc="-1" dirty="0" smtClean="0">
+                <a:solidFill>
+                  <a:srgbClr val="000000"/>
+                </a:solidFill>
+                <a:latin typeface="Franklin Gothic Book"/>
+              </a:rPr>
+              <a:t> = -1). </a:t>
+            </a:r>
+          </a:p>
+          <a:p>
+            <a:pPr algn="just"/>
+            <a:endParaRPr lang="pt-PT" spc="-1" dirty="0" smtClean="0">
+              <a:solidFill>
+                <a:srgbClr val="000000"/>
+              </a:solidFill>
+              <a:latin typeface="Franklin Gothic Book"/>
+            </a:endParaRPr>
+          </a:p>
+          <a:p>
+            <a:pPr algn="just"/>
+            <a:r>
+              <a:rPr lang="pt-PT" sz="1600" spc="-1" dirty="0" smtClean="0">
+                <a:solidFill>
+                  <a:srgbClr val="000000"/>
+                </a:solidFill>
+                <a:latin typeface="Franklin Gothic Book"/>
+              </a:rPr>
+              <a:t>Ao longo da análise dos dados verificou-se que existiam </a:t>
+            </a:r>
+            <a:r>
+              <a:rPr lang="pt-PT" sz="1600" b="1" spc="-1" dirty="0" smtClean="0">
+                <a:solidFill>
+                  <a:srgbClr val="000000"/>
+                </a:solidFill>
+                <a:latin typeface="Franklin Gothic Book"/>
+              </a:rPr>
+              <a:t>inúmeros atributos irrelevantes </a:t>
+            </a:r>
+            <a:r>
+              <a:rPr lang="pt-PT" sz="1600" spc="-1" dirty="0" smtClean="0">
+                <a:solidFill>
+                  <a:srgbClr val="000000"/>
+                </a:solidFill>
+                <a:latin typeface="Franklin Gothic Book"/>
+              </a:rPr>
+              <a:t>para o problema de classificação em questão, pelo que estes foram </a:t>
+            </a:r>
+            <a:r>
+              <a:rPr lang="pt-PT" sz="1600" b="1" spc="-1" dirty="0" smtClean="0">
+                <a:solidFill>
+                  <a:srgbClr val="000000"/>
+                </a:solidFill>
+                <a:latin typeface="Franklin Gothic Book"/>
+              </a:rPr>
+              <a:t>removidos</a:t>
+            </a:r>
+            <a:r>
+              <a:rPr lang="pt-PT" sz="1600" spc="-1" dirty="0" smtClean="0">
+                <a:solidFill>
+                  <a:srgbClr val="000000"/>
+                </a:solidFill>
+                <a:latin typeface="Franklin Gothic Book"/>
+              </a:rPr>
+              <a:t> (por exemplo: </a:t>
+            </a:r>
+            <a:r>
+              <a:rPr lang="pt-PT" sz="1600" i="1" spc="-1" dirty="0" err="1" smtClean="0">
+                <a:solidFill>
+                  <a:srgbClr val="000000"/>
+                </a:solidFill>
+                <a:latin typeface="Franklin Gothic Book"/>
+              </a:rPr>
+              <a:t>season</a:t>
+            </a:r>
+            <a:r>
+              <a:rPr lang="pt-PT" sz="1600" i="1" spc="-1" dirty="0" smtClean="0">
+                <a:solidFill>
+                  <a:srgbClr val="000000"/>
+                </a:solidFill>
+                <a:latin typeface="Franklin Gothic Book"/>
+              </a:rPr>
+              <a:t>, country, …</a:t>
+            </a:r>
+            <a:r>
+              <a:rPr lang="pt-PT" sz="1600" spc="-1" dirty="0" smtClean="0">
+                <a:solidFill>
+                  <a:srgbClr val="000000"/>
+                </a:solidFill>
+                <a:latin typeface="Franklin Gothic Book"/>
+              </a:rPr>
+              <a:t>)</a:t>
+            </a:r>
+            <a:r>
+              <a:rPr lang="pt-PT" spc="-1" dirty="0" smtClean="0">
+                <a:solidFill>
+                  <a:srgbClr val="000000"/>
+                </a:solidFill>
+                <a:latin typeface="Franklin Gothic Book"/>
+              </a:rPr>
+              <a:t>. </a:t>
+            </a:r>
+            <a:r>
+              <a:rPr lang="pt-PT" sz="1600" spc="-1" dirty="0" smtClean="0">
+                <a:solidFill>
+                  <a:srgbClr val="000000"/>
+                </a:solidFill>
+                <a:latin typeface="Franklin Gothic Book"/>
+              </a:rPr>
+              <a:t>Posteriormente, procedemos à </a:t>
+            </a:r>
+            <a:r>
+              <a:rPr lang="pt-PT" sz="1600" b="1" spc="-1" dirty="0" smtClean="0">
+                <a:solidFill>
+                  <a:srgbClr val="000000"/>
+                </a:solidFill>
+                <a:latin typeface="Franklin Gothic Book"/>
+              </a:rPr>
+              <a:t>agregação de alguns atributos</a:t>
+            </a:r>
+            <a:r>
+              <a:rPr lang="pt-PT" sz="1600" spc="-1" dirty="0" smtClean="0">
+                <a:solidFill>
+                  <a:srgbClr val="000000"/>
+                </a:solidFill>
+                <a:latin typeface="Franklin Gothic Book"/>
+              </a:rPr>
+              <a:t>: definiram-se os atributos </a:t>
+            </a:r>
+            <a:r>
+              <a:rPr lang="pt-PT" sz="1600" i="1" spc="-1" dirty="0" err="1" smtClean="0">
+                <a:solidFill>
+                  <a:srgbClr val="000000"/>
+                </a:solidFill>
+                <a:latin typeface="Franklin Gothic Book"/>
+              </a:rPr>
+              <a:t>overall_rating_home</a:t>
+            </a:r>
+            <a:r>
+              <a:rPr lang="pt-PT" sz="1600" i="1" spc="-1" dirty="0" smtClean="0">
+                <a:solidFill>
+                  <a:srgbClr val="000000"/>
+                </a:solidFill>
+                <a:latin typeface="Franklin Gothic Book"/>
+              </a:rPr>
+              <a:t>,</a:t>
+            </a:r>
+            <a:r>
+              <a:rPr lang="pt-PT" sz="1600" spc="-1" dirty="0" smtClean="0">
+                <a:solidFill>
+                  <a:srgbClr val="000000"/>
+                </a:solidFill>
+                <a:latin typeface="Franklin Gothic Book"/>
+              </a:rPr>
+              <a:t> </a:t>
+            </a:r>
+            <a:r>
+              <a:rPr lang="pt-PT" sz="1600" i="1" spc="-1" dirty="0" err="1" smtClean="0">
+                <a:solidFill>
+                  <a:srgbClr val="000000"/>
+                </a:solidFill>
+                <a:latin typeface="Franklin Gothic Book"/>
+              </a:rPr>
+              <a:t>overall_rating_away</a:t>
+            </a:r>
+            <a:r>
+              <a:rPr lang="pt-PT" sz="1600" i="1" spc="-1" dirty="0" smtClean="0">
+                <a:solidFill>
+                  <a:srgbClr val="000000"/>
+                </a:solidFill>
+                <a:latin typeface="Franklin Gothic Book"/>
+              </a:rPr>
+              <a:t>, </a:t>
+            </a:r>
+            <a:r>
+              <a:rPr lang="pt-PT" sz="1600" spc="-1" dirty="0" smtClean="0">
+                <a:solidFill>
+                  <a:srgbClr val="000000"/>
+                </a:solidFill>
+                <a:latin typeface="Franklin Gothic Book"/>
+              </a:rPr>
+              <a:t>entre outros, que condensam a informação relativa aos jogadores de cada equipa (reduzimos o número de colunas ). </a:t>
+            </a:r>
+          </a:p>
+          <a:p>
+            <a:pPr algn="just"/>
+            <a:endParaRPr lang="pt-PT" sz="1600" spc="-1" dirty="0" smtClean="0">
+              <a:solidFill>
+                <a:srgbClr val="000000"/>
+              </a:solidFill>
+              <a:latin typeface="Franklin Gothic Book"/>
+            </a:endParaRPr>
+          </a:p>
+          <a:p>
+            <a:pPr algn="just"/>
+            <a:r>
+              <a:rPr lang="pt-PT" sz="1600" spc="-1" dirty="0" smtClean="0">
+                <a:solidFill>
+                  <a:srgbClr val="000000"/>
+                </a:solidFill>
+                <a:latin typeface="Franklin Gothic Book"/>
+              </a:rPr>
+              <a:t>Encontraram-se também algumas entradas na base de dados com </a:t>
+            </a:r>
+            <a:r>
+              <a:rPr lang="pt-PT" sz="1600" b="1" i="1" spc="-1" dirty="0" err="1" smtClean="0">
+                <a:solidFill>
+                  <a:srgbClr val="000000"/>
+                </a:solidFill>
+                <a:latin typeface="Franklin Gothic Book"/>
+              </a:rPr>
+              <a:t>missing</a:t>
+            </a:r>
+            <a:r>
+              <a:rPr lang="pt-PT" sz="1600" b="1" i="1" spc="-1" dirty="0" smtClean="0">
+                <a:solidFill>
+                  <a:srgbClr val="000000"/>
+                </a:solidFill>
+                <a:latin typeface="Franklin Gothic Book"/>
+              </a:rPr>
+              <a:t> </a:t>
+            </a:r>
+            <a:r>
+              <a:rPr lang="pt-PT" sz="1600" b="1" i="1" spc="-1" dirty="0" err="1" smtClean="0">
+                <a:solidFill>
+                  <a:srgbClr val="000000"/>
+                </a:solidFill>
+                <a:latin typeface="Franklin Gothic Book"/>
+              </a:rPr>
+              <a:t>values</a:t>
+            </a:r>
+            <a:r>
+              <a:rPr lang="pt-PT" sz="1600" b="1" i="1" spc="-1" dirty="0" smtClean="0">
+                <a:solidFill>
+                  <a:srgbClr val="000000"/>
+                </a:solidFill>
+                <a:latin typeface="Franklin Gothic Book"/>
+              </a:rPr>
+              <a:t> </a:t>
+            </a:r>
+            <a:r>
+              <a:rPr lang="pt-PT" sz="1600" b="1" spc="-1" dirty="0" smtClean="0">
+                <a:solidFill>
+                  <a:srgbClr val="000000"/>
+                </a:solidFill>
+                <a:latin typeface="Franklin Gothic Book"/>
+              </a:rPr>
+              <a:t>em atributos bastante importantes </a:t>
+            </a:r>
+            <a:r>
+              <a:rPr lang="pt-PT" sz="1600" spc="-1" dirty="0" smtClean="0">
+                <a:solidFill>
+                  <a:srgbClr val="000000"/>
+                </a:solidFill>
+                <a:latin typeface="Franklin Gothic Book"/>
+              </a:rPr>
+              <a:t>(relativos aos jogadores e identificação das próprias equipas) o que </a:t>
+            </a:r>
+            <a:r>
+              <a:rPr lang="pt-PT" sz="1600" b="1" spc="-1" dirty="0" smtClean="0">
+                <a:solidFill>
+                  <a:srgbClr val="000000"/>
+                </a:solidFill>
+                <a:latin typeface="Franklin Gothic Book"/>
+              </a:rPr>
+              <a:t>impossibilitou a utilização dessas mesmas entradas</a:t>
+            </a:r>
+            <a:r>
+              <a:rPr lang="pt-PT" sz="1600" spc="-1" dirty="0" smtClean="0">
+                <a:solidFill>
+                  <a:srgbClr val="000000"/>
+                </a:solidFill>
+                <a:latin typeface="Franklin Gothic Book"/>
+              </a:rPr>
+              <a:t>. Poderia ter-se utilizado, por exemplo, uma estratégia como a substituição dos valores de </a:t>
+            </a:r>
+            <a:r>
+              <a:rPr lang="pt-PT" sz="1600" i="1" spc="-1" dirty="0" err="1" smtClean="0">
+                <a:solidFill>
+                  <a:srgbClr val="000000"/>
+                </a:solidFill>
+                <a:latin typeface="Franklin Gothic Book"/>
+              </a:rPr>
+              <a:t>overall</a:t>
+            </a:r>
+            <a:r>
+              <a:rPr lang="pt-PT" sz="1600" i="1" spc="-1" dirty="0" smtClean="0">
+                <a:solidFill>
+                  <a:srgbClr val="000000"/>
+                </a:solidFill>
+                <a:latin typeface="Franklin Gothic Book"/>
+              </a:rPr>
+              <a:t> </a:t>
+            </a:r>
+            <a:r>
+              <a:rPr lang="pt-PT" sz="1600" spc="-1" dirty="0" smtClean="0">
+                <a:solidFill>
+                  <a:srgbClr val="000000"/>
+                </a:solidFill>
+                <a:latin typeface="Franklin Gothic Book"/>
+              </a:rPr>
+              <a:t>por médias obtidas em outros jogos, contudo, não tendo a identificação das equipas isso torna-se impossível.</a:t>
+            </a:r>
+          </a:p>
+          <a:p>
+            <a:pPr algn="just"/>
+            <a:endParaRPr lang="pt-PT" sz="1600" spc="-1" dirty="0">
+              <a:solidFill>
+                <a:srgbClr val="000000"/>
+              </a:solidFill>
+              <a:latin typeface="Franklin Gothic Book"/>
+            </a:endParaRPr>
+          </a:p>
+          <a:p>
+            <a:pPr algn="just"/>
+            <a:endParaRPr lang="pt-PT" sz="1600" spc="-1" dirty="0">
+              <a:solidFill>
+                <a:srgbClr val="000000"/>
+              </a:solidFill>
+              <a:latin typeface="Franklin Gothic Book"/>
+            </a:endParaRPr>
+          </a:p>
+          <a:p>
+            <a:pPr algn="just"/>
+            <a:endParaRPr lang="pt-PT" spc="-1" dirty="0">
+              <a:solidFill>
+                <a:srgbClr val="000000"/>
+              </a:solidFill>
+              <a:latin typeface="Franklin Gothic Book"/>
             </a:endParaRPr>
           </a:p>
         </p:txBody>
       </p:sp>
     </p:spTree>
   </p:cSld>
-  <mc:AlternateContent>
+  <p:clrMapOvr>
+    <a:masterClrMapping/>
+  </p:clrMapOvr>
+  <mc:AlternateContent xmlns:mc="http://schemas.openxmlformats.org/markup-compatibility/2006" xmlns:p14="http://schemas.microsoft.com/office/powerpoint/2010/main">
     <mc:Choice Requires="p14">
       <p:transition spd="slow" p14:dur="2000"/>
     </mc:Choice>
-    <mc:Fallback>
+    <mc:Fallback xmlns:p15="http://schemas.microsoft.com/office/powerpoint/2012/main" xmlns="">
       <p:transition spd="slow"/>
     </mc:Fallback>
   </mc:AlternateContent>
 </p:sld>
 </file>
 
-<file path=ppt/slides/slide3.xml><?xml version="1.0" encoding="utf-8"?>
-<p:sld xmlns:a="http://schemas.openxmlformats.org/drawingml/2006/main" xmlns:p="http://schemas.openxmlformats.org/presentationml/2006/main" xmlns:r="http://schemas.openxmlformats.org/officeDocument/2006/relationships" xmlns:p14="http://schemas.microsoft.com/office/powerpoint/2010/main" xmlns:p15="http://schemas.microsoft.com/office/powerpoint/2012/main" xmlns:mc="http://schemas.openxmlformats.org/markup-compatibility/2006">
+<file path=ppt/slides/slide4.xml><?xml version="1.0" encoding="utf-8"?>
+<p:sld xmlns:a="http://schemas.openxmlformats.org/drawingml/2006/main" xmlns:r="http://schemas.openxmlformats.org/officeDocument/2006/relationships" xmlns:p="http://schemas.openxmlformats.org/presentationml/2006/main">
   <p:cSld>
     <p:bg>
       <p:bgPr>
         <a:solidFill>
-          <a:srgbClr val="ffffff"/>
+          <a:srgbClr val="FFFFFF"/>
         </a:solidFill>
+        <a:effectLst/>
       </p:bgPr>
     </p:bg>
     <p:spTree>
@@ -6117,43 +6146,7 @@
       </p:grpSpPr>
       <p:sp>
         <p:nvSpPr>
-          <p:cNvPr id="138" name="CustomShape 1"/>
-          <p:cNvSpPr/>
-          <p:nvPr/>
-        </p:nvSpPr>
-        <p:spPr>
-          <a:xfrm>
-            <a:off x="0" y="0"/>
-            <a:ext cx="12191040" cy="6856920"/>
-          </a:xfrm>
-          <a:prstGeom prst="rect">
-            <a:avLst/>
-          </a:prstGeom>
-          <a:solidFill>
-            <a:schemeClr val="bg1"/>
-          </a:solidFill>
-          <a:ln>
-            <a:noFill/>
-          </a:ln>
-        </p:spPr>
-        <p:style>
-          <a:lnRef idx="2">
-            <a:schemeClr val="accent1">
-              <a:shade val="50000"/>
-            </a:schemeClr>
-          </a:lnRef>
-          <a:fillRef idx="1">
-            <a:schemeClr val="accent1"/>
-          </a:fillRef>
-          <a:effectRef idx="0">
-            <a:schemeClr val="accent1"/>
-          </a:effectRef>
-          <a:fontRef idx="minor"/>
-        </p:style>
-      </p:sp>
-      <p:sp>
-        <p:nvSpPr>
-          <p:cNvPr id="139" name="CustomShape 2"/>
+          <p:cNvPr id="148" name="CustomShape 2"/>
           <p:cNvSpPr/>
           <p:nvPr/>
         </p:nvSpPr>
@@ -6171,15 +6164,22 @@
           </a:ln>
         </p:spPr>
         <p:style>
-          <a:lnRef idx="0"/>
-          <a:fillRef idx="0"/>
-          <a:effectRef idx="0"/>
+          <a:lnRef idx="0">
+            <a:scrgbClr r="0" g="0" b="0"/>
+          </a:lnRef>
+          <a:fillRef idx="0">
+            <a:scrgbClr r="0" g="0" b="0"/>
+          </a:fillRef>
+          <a:effectRef idx="0">
+            <a:scrgbClr r="0" g="0" b="0"/>
+          </a:effectRef>
           <a:fontRef idx="minor"/>
         </p:style>
         <p:txBody>
-          <a:bodyPr lIns="90000" rIns="90000" tIns="45000" bIns="45000" anchor="b">
+          <a:bodyPr lIns="90000" tIns="45000" rIns="90000" bIns="45000" anchor="b">
             <a:noAutofit/>
           </a:bodyPr>
+          <a:lstStyle/>
           <a:p>
             <a:pPr algn="ctr">
               <a:lnSpc>
@@ -6187,81 +6187,24 @@
               </a:lnSpc>
             </a:pPr>
             <a:r>
-              <a:rPr b="0" lang="pt-PT" sz="2800" spc="-1" strike="noStrike" cap="all">
+              <a:rPr lang="pt-PT" sz="2800" b="0" strike="noStrike" cap="all" spc="-1" dirty="0">
                 <a:solidFill>
                   <a:srgbClr val="404040"/>
                 </a:solidFill>
                 <a:latin typeface="Franklin Gothic Demi"/>
                 <a:ea typeface="DejaVu Sans"/>
               </a:rPr>
-              <a:t>Inteligência Artificial – trabalho 1</a:t>
-            </a:r>
-            <a:endParaRPr b="0" lang="pt-PT" sz="2800" spc="-1" strike="noStrike">
-              <a:latin typeface="Arial"/>
-            </a:endParaRPr>
-          </a:p>
-        </p:txBody>
-      </p:sp>
-      <p:sp>
-        <p:nvSpPr>
-          <p:cNvPr id="140" name="CustomShape 3"/>
-          <p:cNvSpPr/>
-          <p:nvPr/>
-        </p:nvSpPr>
-        <p:spPr>
-          <a:xfrm>
-            <a:off x="728280" y="1415160"/>
-            <a:ext cx="3294000" cy="610560"/>
-          </a:xfrm>
-          <a:prstGeom prst="rect">
-            <a:avLst/>
-          </a:prstGeom>
-          <a:noFill/>
-          <a:ln>
-            <a:noFill/>
-          </a:ln>
-        </p:spPr>
-        <p:style>
-          <a:lnRef idx="0"/>
-          <a:fillRef idx="0"/>
-          <a:effectRef idx="0"/>
-          <a:fontRef idx="minor"/>
-        </p:style>
-        <p:txBody>
-          <a:bodyPr lIns="90000" rIns="90000" tIns="45000" bIns="45000">
-            <a:normAutofit/>
-          </a:bodyPr>
-          <a:p>
-            <a:pPr>
-              <a:lnSpc>
-                <a:spcPct val="110000"/>
-              </a:lnSpc>
-              <a:spcBef>
-                <a:spcPts val="400"/>
-              </a:spcBef>
-              <a:spcAft>
-                <a:spcPts val="601"/>
-              </a:spcAft>
-            </a:pPr>
-            <a:r>
-              <a:rPr b="1" lang="pt-PT" sz="2000" spc="-1" strike="noStrike">
-                <a:solidFill>
-                  <a:srgbClr val="1cade4"/>
-                </a:solidFill>
-                <a:latin typeface="Franklin Gothic Book"/>
-                <a:ea typeface="DejaVu Sans"/>
-              </a:rPr>
-              <a:t>DATA SET</a:t>
-            </a:r>
-            <a:endParaRPr b="0" lang="pt-PT" sz="2000" spc="-1" strike="noStrike">
-              <a:latin typeface="Arial"/>
-            </a:endParaRPr>
-          </a:p>
-        </p:txBody>
-      </p:sp>
-      <p:sp>
-        <p:nvSpPr>
-          <p:cNvPr id="141" name="CustomShape 4"/>
+              <a:t>Inteligência Artificial – trabalho 2</a:t>
+            </a:r>
+            <a:endParaRPr lang="pt-PT" sz="2800" b="0" strike="noStrike" spc="-1" dirty="0">
+              <a:latin typeface="Arial"/>
+            </a:endParaRPr>
+          </a:p>
+        </p:txBody>
+      </p:sp>
+      <p:sp>
+        <p:nvSpPr>
+          <p:cNvPr id="150" name="CustomShape 4"/>
           <p:cNvSpPr/>
           <p:nvPr/>
         </p:nvSpPr>
@@ -6280,7 +6223,7 @@
             <a:noFill/>
           </a:ln>
           <a:effectLst>
-            <a:outerShdw blurRad="38100" dir="5400000" dist="25560" rotWithShape="0">
+            <a:outerShdw blurRad="38100" dist="25560" dir="5400000" rotWithShape="0">
               <a:srgbClr val="000000">
                 <a:alpha val="55000"/>
               </a:srgbClr>
@@ -6302,7 +6245,7 @@
       </p:sp>
       <p:sp>
         <p:nvSpPr>
-          <p:cNvPr id="142" name="CustomShape 5"/>
+          <p:cNvPr id="151" name="CustomShape 5"/>
           <p:cNvSpPr/>
           <p:nvPr/>
         </p:nvSpPr>
@@ -6321,7 +6264,7 @@
             <a:noFill/>
           </a:ln>
           <a:effectLst>
-            <a:outerShdw blurRad="38100" dir="5400000" dist="25560" rotWithShape="0">
+            <a:outerShdw blurRad="38100" dist="25560" dir="5400000" rotWithShape="0">
               <a:srgbClr val="000000">
                 <a:alpha val="55000"/>
               </a:srgbClr>
@@ -6343,7 +6286,7 @@
       </p:sp>
       <p:sp>
         <p:nvSpPr>
-          <p:cNvPr id="143" name="CustomShape 6"/>
+          <p:cNvPr id="152" name="CustomShape 6"/>
           <p:cNvSpPr/>
           <p:nvPr/>
         </p:nvSpPr>
@@ -6356,13 +6299,13 @@
             <a:avLst/>
           </a:prstGeom>
           <a:solidFill>
-            <a:srgbClr val="969fa7"/>
+            <a:srgbClr val="969FA7"/>
           </a:solidFill>
           <a:ln>
             <a:noFill/>
           </a:ln>
           <a:effectLst>
-            <a:outerShdw blurRad="38100" dir="5400000" dist="25560" rotWithShape="0">
+            <a:outerShdw blurRad="38100" dist="25560" dir="5400000" rotWithShape="0">
               <a:srgbClr val="000000">
                 <a:alpha val="55000"/>
               </a:srgbClr>
@@ -6384,14 +6327,14 @@
       </p:sp>
       <p:sp>
         <p:nvSpPr>
-          <p:cNvPr id="144" name="CustomShape 7"/>
+          <p:cNvPr id="10" name="CustomShape 3"/>
           <p:cNvSpPr/>
           <p:nvPr/>
         </p:nvSpPr>
         <p:spPr>
           <a:xfrm>
-            <a:off x="728280" y="3339360"/>
-            <a:ext cx="10742760" cy="455040"/>
+            <a:off x="728280" y="1415160"/>
+            <a:ext cx="3788302" cy="610560"/>
           </a:xfrm>
           <a:prstGeom prst="rect">
             <a:avLst/>
@@ -6402,15 +6345,213 @@
           </a:ln>
         </p:spPr>
         <p:style>
-          <a:lnRef idx="0"/>
-          <a:fillRef idx="0"/>
-          <a:effectRef idx="0"/>
+          <a:lnRef idx="0">
+            <a:scrgbClr r="0" g="0" b="0"/>
+          </a:lnRef>
+          <a:fillRef idx="0">
+            <a:scrgbClr r="0" g="0" b="0"/>
+          </a:fillRef>
+          <a:effectRef idx="0">
+            <a:scrgbClr r="0" g="0" b="0"/>
+          </a:effectRef>
           <a:fontRef idx="minor"/>
         </p:style>
         <p:txBody>
-          <a:bodyPr lIns="90000" rIns="90000" tIns="45000" bIns="45000">
+          <a:bodyPr lIns="90000" tIns="45000" rIns="90000" bIns="45000">
+            <a:normAutofit/>
+          </a:bodyPr>
+          <a:lstStyle/>
+          <a:p>
+            <a:pPr>
+              <a:lnSpc>
+                <a:spcPct val="110000"/>
+              </a:lnSpc>
+              <a:spcBef>
+                <a:spcPts val="400"/>
+              </a:spcBef>
+              <a:spcAft>
+                <a:spcPts val="601"/>
+              </a:spcAft>
+            </a:pPr>
+            <a:r>
+              <a:rPr lang="pt-PT" sz="2000" b="1" strike="noStrike" spc="-1" dirty="0" smtClean="0">
+                <a:solidFill>
+                  <a:srgbClr val="1CADE4"/>
+                </a:solidFill>
+                <a:latin typeface="Franklin Gothic Book"/>
+                <a:ea typeface="DejaVu Sans"/>
+              </a:rPr>
+              <a:t>MODELOS DE APRENDIZAGEM</a:t>
+            </a:r>
+            <a:endParaRPr lang="pt-PT" sz="2000" b="0" strike="noStrike" spc="-1" dirty="0">
+              <a:latin typeface="Arial"/>
+            </a:endParaRPr>
+          </a:p>
+        </p:txBody>
+      </p:sp>
+      <p:sp>
+        <p:nvSpPr>
+          <p:cNvPr id="11" name="Retângulo 10"/>
+          <p:cNvSpPr/>
+          <p:nvPr/>
+        </p:nvSpPr>
+        <p:spPr>
+          <a:xfrm>
+            <a:off x="727560" y="1771869"/>
+            <a:ext cx="11016720" cy="830997"/>
+          </a:xfrm>
+          <a:prstGeom prst="rect">
+            <a:avLst/>
+          </a:prstGeom>
+        </p:spPr>
+        <p:txBody>
+          <a:bodyPr wrap="square">
             <a:spAutoFit/>
           </a:bodyPr>
+          <a:lstStyle/>
+          <a:p>
+            <a:pPr algn="just"/>
+            <a:r>
+              <a:rPr lang="pt-PT" sz="1600" dirty="0" smtClean="0">
+                <a:latin typeface="Franklin Gothic Book" panose="020B0503020102020204" pitchFamily="34" charset="0"/>
+              </a:rPr>
+              <a:t>Um modelo procura prever as classes de novos exemplos através do conjunto de treino com indivíduos previamente classificados. </a:t>
+            </a:r>
+            <a:r>
+              <a:rPr lang="pt-PT" sz="1600" spc="-1" dirty="0" smtClean="0">
+                <a:solidFill>
+                  <a:srgbClr val="000000"/>
+                </a:solidFill>
+                <a:latin typeface="Franklin Gothic Book" panose="020B0503020102020204" pitchFamily="34" charset="0"/>
+              </a:rPr>
+              <a:t>Para escolher o conjunto de treino e conjunto de teste, irá optar-se por um </a:t>
+            </a:r>
+            <a:r>
+              <a:rPr lang="pt-PT" sz="1600" i="1" spc="-1" dirty="0" err="1" smtClean="0">
+                <a:solidFill>
+                  <a:srgbClr val="000000"/>
+                </a:solidFill>
+                <a:latin typeface="Franklin Gothic Book" panose="020B0503020102020204" pitchFamily="34" charset="0"/>
+              </a:rPr>
+              <a:t>random</a:t>
+            </a:r>
+            <a:r>
+              <a:rPr lang="pt-PT" sz="1600" i="1" spc="-1" dirty="0" smtClean="0">
+                <a:solidFill>
+                  <a:srgbClr val="000000"/>
+                </a:solidFill>
+                <a:latin typeface="Franklin Gothic Book" panose="020B0503020102020204" pitchFamily="34" charset="0"/>
+              </a:rPr>
+              <a:t> </a:t>
+            </a:r>
+            <a:r>
+              <a:rPr lang="pt-PT" sz="1600" i="1" spc="-1" dirty="0" err="1" smtClean="0">
+                <a:solidFill>
+                  <a:srgbClr val="000000"/>
+                </a:solidFill>
+                <a:latin typeface="Franklin Gothic Book" panose="020B0503020102020204" pitchFamily="34" charset="0"/>
+              </a:rPr>
+              <a:t>split</a:t>
+            </a:r>
+            <a:r>
+              <a:rPr lang="pt-PT" sz="1600" i="1" spc="-1" dirty="0" smtClean="0">
+                <a:solidFill>
+                  <a:srgbClr val="000000"/>
+                </a:solidFill>
+                <a:latin typeface="Franklin Gothic Book" panose="020B0503020102020204" pitchFamily="34" charset="0"/>
+              </a:rPr>
+              <a:t> </a:t>
+            </a:r>
+            <a:r>
+              <a:rPr lang="pt-PT" sz="1600" spc="-1" dirty="0" smtClean="0">
+                <a:solidFill>
+                  <a:srgbClr val="000000"/>
+                </a:solidFill>
+                <a:latin typeface="Franklin Gothic Book" panose="020B0503020102020204" pitchFamily="34" charset="0"/>
+              </a:rPr>
+              <a:t>de 70/30%.</a:t>
+            </a:r>
+            <a:r>
+              <a:rPr lang="pt-PT" sz="1600" i="1" spc="-1" dirty="0" smtClean="0">
+                <a:solidFill>
+                  <a:srgbClr val="000000"/>
+                </a:solidFill>
+                <a:latin typeface="Franklin Gothic Book" panose="020B0503020102020204" pitchFamily="34" charset="0"/>
+              </a:rPr>
+              <a:t>  </a:t>
+            </a:r>
+            <a:endParaRPr lang="pt-PT" sz="1600" spc="-1" dirty="0" smtClean="0">
+              <a:solidFill>
+                <a:srgbClr val="000000"/>
+              </a:solidFill>
+              <a:latin typeface="Franklin Gothic Book" panose="020B0503020102020204" pitchFamily="34" charset="0"/>
+            </a:endParaRPr>
+          </a:p>
+          <a:p>
+            <a:pPr algn="just"/>
+            <a:r>
+              <a:rPr lang="pt-PT" sz="1600" spc="-1" dirty="0" smtClean="0">
+                <a:solidFill>
+                  <a:srgbClr val="000000"/>
+                </a:solidFill>
+                <a:latin typeface="Franklin Gothic Book" panose="020B0503020102020204" pitchFamily="34" charset="0"/>
+              </a:rPr>
+              <a:t>Os modelos escolhidos são: árvore de decisão</a:t>
+            </a:r>
+            <a:r>
+              <a:rPr lang="pt-PT" sz="1600" spc="-1" dirty="0" smtClean="0">
+                <a:solidFill>
+                  <a:srgbClr val="000000"/>
+                </a:solidFill>
+                <a:latin typeface="Franklin Gothic Book"/>
+              </a:rPr>
+              <a:t>, // Continuar</a:t>
+            </a:r>
+            <a:endParaRPr lang="pt-PT" sz="1600" spc="-1" dirty="0">
+              <a:solidFill>
+                <a:srgbClr val="000000"/>
+              </a:solidFill>
+              <a:latin typeface="Franklin Gothic Book"/>
+            </a:endParaRPr>
+          </a:p>
+        </p:txBody>
+      </p:sp>
+      <p:sp>
+        <p:nvSpPr>
+          <p:cNvPr id="12" name="CustomShape 7"/>
+          <p:cNvSpPr/>
+          <p:nvPr/>
+        </p:nvSpPr>
+        <p:spPr>
+          <a:xfrm>
+            <a:off x="721620" y="2659252"/>
+            <a:ext cx="10742760" cy="455594"/>
+          </a:xfrm>
+          <a:prstGeom prst="rect">
+            <a:avLst/>
+          </a:prstGeom>
+          <a:noFill/>
+          <a:ln>
+            <a:noFill/>
+          </a:ln>
+        </p:spPr>
+        <p:style>
+          <a:lnRef idx="0">
+            <a:scrgbClr r="0" g="0" b="0"/>
+          </a:lnRef>
+          <a:fillRef idx="0">
+            <a:scrgbClr r="0" g="0" b="0"/>
+          </a:fillRef>
+          <a:effectRef idx="0">
+            <a:scrgbClr r="0" g="0" b="0"/>
+          </a:effectRef>
+          <a:fontRef idx="minor"/>
+        </p:style>
+        <p:txBody>
+          <a:bodyPr lIns="90000" tIns="45000" rIns="90000" bIns="45000">
+            <a:spAutoFit/>
+          </a:bodyPr>
+          <a:lstStyle/>
           <a:p>
             <a:pPr algn="just">
               <a:lnSpc>
@@ -6418,204 +6559,188 @@
               </a:lnSpc>
             </a:pPr>
             <a:r>
-              <a:rPr b="1" lang="pt-PT" sz="1600" spc="-1" strike="noStrike">
+              <a:rPr lang="pt-PT" b="1" strike="noStrike" spc="-1" dirty="0" smtClean="0">
                 <a:solidFill>
                   <a:srgbClr val="000000"/>
                 </a:solidFill>
                 <a:latin typeface="Franklin Gothic Book"/>
                 <a:ea typeface="DejaVu Sans"/>
               </a:rPr>
-              <a:t>Restrições</a:t>
-            </a:r>
-            <a:r>
-              <a:rPr b="0" lang="pt-PT" sz="1600" spc="-1" strike="noStrike">
-                <a:solidFill>
-                  <a:srgbClr val="000000"/>
-                </a:solidFill>
-                <a:latin typeface="Franklin Gothic Book"/>
-                <a:ea typeface="DejaVu Sans"/>
-              </a:rPr>
-              <a:t>:  </a:t>
-            </a:r>
-            <a:endParaRPr b="0" lang="pt-PT" sz="1600" spc="-1" strike="noStrike">
-              <a:latin typeface="Arial"/>
-            </a:endParaRPr>
-          </a:p>
-        </p:txBody>
-      </p:sp>
-      <p:sp>
-        <p:nvSpPr>
-          <p:cNvPr id="145" name="CustomShape 8"/>
+              <a:t>Árvore de decisão</a:t>
+            </a:r>
+          </a:p>
+        </p:txBody>
+      </p:sp>
+      <p:sp>
+        <p:nvSpPr>
+          <p:cNvPr id="13" name="Retângulo 12"/>
           <p:cNvSpPr/>
           <p:nvPr/>
         </p:nvSpPr>
         <p:spPr>
           <a:xfrm>
-            <a:off x="727560" y="1865520"/>
-            <a:ext cx="10742760" cy="820080"/>
-          </a:xfrm>
-          <a:prstGeom prst="rect">
-            <a:avLst/>
-          </a:prstGeom>
-          <a:noFill/>
-          <a:ln>
-            <a:noFill/>
-          </a:ln>
-        </p:spPr>
-        <p:style>
-          <a:lnRef idx="0"/>
-          <a:fillRef idx="0"/>
-          <a:effectRef idx="0"/>
-          <a:fontRef idx="minor"/>
-        </p:style>
-        <p:txBody>
-          <a:bodyPr lIns="90000" rIns="90000" tIns="45000" bIns="45000">
+            <a:off x="721620" y="3114846"/>
+            <a:ext cx="11016720" cy="2062103"/>
+          </a:xfrm>
+          <a:prstGeom prst="rect">
+            <a:avLst/>
+          </a:prstGeom>
+        </p:spPr>
+        <p:txBody>
+          <a:bodyPr wrap="square">
             <a:spAutoFit/>
           </a:bodyPr>
-          <a:p>
-            <a:pPr algn="just">
-              <a:lnSpc>
-                <a:spcPct val="150000"/>
-              </a:lnSpc>
-            </a:pPr>
-            <a:r>
-              <a:rPr b="1" lang="pt-PT" sz="1600" spc="-1" strike="noStrike">
-                <a:solidFill>
-                  <a:srgbClr val="000000"/>
-                </a:solidFill>
-                <a:latin typeface="Franklin Gothic Book"/>
-                <a:ea typeface="DejaVu Sans"/>
-              </a:rPr>
-              <a:t>Representação da solução: </a:t>
-            </a:r>
-            <a:r>
-              <a:rPr b="0" i="1" lang="pt-PT" sz="1600" spc="-1" strike="noStrike">
-                <a:solidFill>
-                  <a:srgbClr val="000000"/>
-                </a:solidFill>
-                <a:latin typeface="Franklin Gothic Book"/>
-                <a:ea typeface="DejaVu Sans"/>
+          <a:lstStyle/>
+          <a:p>
+            <a:pPr algn="just"/>
+            <a:r>
+              <a:rPr lang="pt-PT" sz="1600" spc="-1" dirty="0" smtClean="0">
+                <a:solidFill>
+                  <a:srgbClr val="000000"/>
+                </a:solidFill>
+                <a:latin typeface="Franklin Gothic Book"/>
+              </a:rPr>
+              <a:t>As árvores de decisão têm como objetivo dividir um conjunto de dados em subconjuntos cada vez mais pequenos, construindo assim uma árvore com nós de decisão e folhas a representar uma classificação. Existem vários algoritmos para construir a árvore, contudo, e considerando que nem todos os nossos dados de entrada têm valores discretos, optou-se pelo </a:t>
+            </a:r>
+            <a:r>
+              <a:rPr lang="pt-PT" sz="1600" b="1" spc="-1" dirty="0" smtClean="0">
+                <a:solidFill>
+                  <a:srgbClr val="000000"/>
+                </a:solidFill>
+                <a:latin typeface="Franklin Gothic Book"/>
+              </a:rPr>
+              <a:t>C4.5.</a:t>
+            </a:r>
+          </a:p>
+          <a:p>
+            <a:pPr algn="just"/>
+            <a:endParaRPr lang="pt-PT" sz="1600" b="1" spc="-1" dirty="0" smtClean="0">
+              <a:solidFill>
+                <a:srgbClr val="000000"/>
+              </a:solidFill>
+              <a:latin typeface="Franklin Gothic Book"/>
+            </a:endParaRPr>
+          </a:p>
+          <a:p>
+            <a:pPr algn="just"/>
+            <a:r>
+              <a:rPr lang="pt-PT" sz="1600" spc="-1" dirty="0" smtClean="0">
+                <a:solidFill>
+                  <a:srgbClr val="000000"/>
+                </a:solidFill>
+                <a:latin typeface="Franklin Gothic Book"/>
+              </a:rPr>
+              <a:t>Para avaliar a ordem pela qual cada atributo aparece na árvore irá avaliar-se o </a:t>
+            </a:r>
+            <a:r>
+              <a:rPr lang="pt-PT" sz="1600" b="1" spc="-1" dirty="0" smtClean="0">
+                <a:solidFill>
+                  <a:srgbClr val="000000"/>
+                </a:solidFill>
+                <a:latin typeface="Franklin Gothic Book"/>
+              </a:rPr>
+              <a:t>ganho de informação </a:t>
+            </a:r>
+            <a:r>
+              <a:rPr lang="pt-PT" sz="1600" spc="-1" dirty="0" smtClean="0">
+                <a:solidFill>
+                  <a:srgbClr val="000000"/>
+                </a:solidFill>
+                <a:latin typeface="Franklin Gothic Book"/>
+              </a:rPr>
+              <a:t>obtido com esse atributo e, </a:t>
+            </a:r>
+            <a:r>
+              <a:rPr lang="pt-PT" sz="1600" b="1" spc="-1" dirty="0" smtClean="0">
+                <a:solidFill>
+                  <a:srgbClr val="000000"/>
+                </a:solidFill>
+                <a:latin typeface="Franklin Gothic Book"/>
+              </a:rPr>
+              <a:t>quanto maior for o ganho mais próximo da </a:t>
+            </a:r>
+            <a:r>
+              <a:rPr lang="pt-PT" sz="1600" b="1" i="1" spc="-1" dirty="0" err="1" smtClean="0">
+                <a:solidFill>
+                  <a:srgbClr val="000000"/>
+                </a:solidFill>
+                <a:latin typeface="Franklin Gothic Book"/>
+              </a:rPr>
+              <a:t>root</a:t>
+            </a:r>
+            <a:r>
+              <a:rPr lang="pt-PT" sz="1600" b="1" i="1" spc="-1" dirty="0" smtClean="0">
+                <a:solidFill>
+                  <a:srgbClr val="000000"/>
+                </a:solidFill>
+                <a:latin typeface="Franklin Gothic Book"/>
               </a:rPr>
               <a:t> </a:t>
             </a:r>
             <a:r>
-              <a:rPr b="0" lang="pt-PT" sz="1600" spc="-1" strike="noStrike">
-                <a:solidFill>
-                  <a:srgbClr val="000000"/>
-                </a:solidFill>
-                <a:latin typeface="Franklin Gothic Book"/>
-                <a:ea typeface="DejaVu Sans"/>
-              </a:rPr>
-              <a:t> </a:t>
-            </a:r>
-            <a:endParaRPr b="0" lang="pt-PT" sz="1600" spc="-1" strike="noStrike">
-              <a:latin typeface="Arial"/>
-            </a:endParaRPr>
-          </a:p>
-          <a:p>
-            <a:pPr algn="just">
-              <a:lnSpc>
-                <a:spcPct val="150000"/>
-              </a:lnSpc>
-            </a:pPr>
-            <a:r>
-              <a:rPr b="0" lang="pt-PT" sz="1600" spc="-1" strike="noStrike">
-                <a:solidFill>
-                  <a:srgbClr val="000000"/>
-                </a:solidFill>
-                <a:latin typeface="Franklin Gothic Book"/>
-                <a:ea typeface="DejaVu Sans"/>
-              </a:rPr>
-              <a:t> </a:t>
-            </a:r>
-            <a:endParaRPr b="0" lang="pt-PT" sz="1600" spc="-1" strike="noStrike">
-              <a:latin typeface="Arial"/>
-            </a:endParaRPr>
-          </a:p>
-        </p:txBody>
-      </p:sp>
-      <p:sp>
-        <p:nvSpPr>
-          <p:cNvPr id="146" name="CustomShape 9"/>
-          <p:cNvSpPr/>
-          <p:nvPr/>
-        </p:nvSpPr>
-        <p:spPr>
-          <a:xfrm>
-            <a:off x="753120" y="4777200"/>
-            <a:ext cx="10742760" cy="698400"/>
-          </a:xfrm>
-          <a:prstGeom prst="rect">
-            <a:avLst/>
-          </a:prstGeom>
-          <a:noFill/>
-          <a:ln>
-            <a:noFill/>
-          </a:ln>
-        </p:spPr>
-        <p:style>
-          <a:lnRef idx="0"/>
-          <a:fillRef idx="0"/>
-          <a:effectRef idx="0"/>
-          <a:fontRef idx="minor"/>
-        </p:style>
-        <p:txBody>
-          <a:bodyPr lIns="90000" rIns="90000" tIns="45000" bIns="45000">
-            <a:spAutoFit/>
-          </a:bodyPr>
-          <a:p>
-            <a:pPr algn="just">
-              <a:lnSpc>
-                <a:spcPct val="150000"/>
-              </a:lnSpc>
-            </a:pPr>
-            <a:r>
-              <a:rPr b="1" lang="pt-PT" sz="1600" spc="-1" strike="noStrike">
-                <a:solidFill>
-                  <a:srgbClr val="000000"/>
-                </a:solidFill>
-                <a:latin typeface="Franklin Gothic Book"/>
-                <a:ea typeface="DejaVu Sans"/>
-              </a:rPr>
-              <a:t>Função de avaliação: </a:t>
-            </a:r>
-            <a:endParaRPr b="0" lang="pt-PT" sz="1600" spc="-1" strike="noStrike">
-              <a:latin typeface="Arial"/>
-            </a:endParaRPr>
-          </a:p>
-          <a:p>
-            <a:pPr>
-              <a:lnSpc>
-                <a:spcPct val="100000"/>
-              </a:lnSpc>
-            </a:pPr>
-            <a:endParaRPr b="0" lang="pt-PT" sz="1600" spc="-1" strike="noStrike">
-              <a:latin typeface="Arial"/>
+              <a:rPr lang="pt-PT" sz="1600" b="1" spc="-1" dirty="0" smtClean="0">
+                <a:solidFill>
+                  <a:srgbClr val="000000"/>
+                </a:solidFill>
+                <a:latin typeface="Franklin Gothic Book"/>
+              </a:rPr>
+              <a:t>da árvore esse nó de decisão estará</a:t>
+            </a:r>
+            <a:r>
+              <a:rPr lang="pt-PT" sz="1600" spc="-1" dirty="0" smtClean="0">
+                <a:solidFill>
+                  <a:srgbClr val="000000"/>
+                </a:solidFill>
+                <a:latin typeface="Franklin Gothic Book"/>
+              </a:rPr>
+              <a:t>.</a:t>
+            </a:r>
+          </a:p>
+          <a:p>
+            <a:pPr algn="just"/>
+            <a:endParaRPr lang="pt-PT" sz="1600" spc="-1" dirty="0" smtClean="0">
+              <a:solidFill>
+                <a:srgbClr val="000000"/>
+              </a:solidFill>
+              <a:latin typeface="Franklin Gothic Book"/>
+            </a:endParaRPr>
+          </a:p>
+          <a:p>
+            <a:pPr algn="just"/>
+            <a:endParaRPr lang="pt-PT" sz="1600" spc="-1" dirty="0">
+              <a:solidFill>
+                <a:srgbClr val="000000"/>
+              </a:solidFill>
+              <a:latin typeface="Franklin Gothic Book"/>
             </a:endParaRPr>
           </a:p>
         </p:txBody>
       </p:sp>
     </p:spTree>
   </p:cSld>
-  <mc:AlternateContent>
+  <p:clrMapOvr>
+    <a:masterClrMapping/>
+  </p:clrMapOvr>
+  <mc:AlternateContent xmlns:mc="http://schemas.openxmlformats.org/markup-compatibility/2006" xmlns:p14="http://schemas.microsoft.com/office/powerpoint/2010/main">
     <mc:Choice Requires="p14">
       <p:transition spd="slow" p14:dur="2000"/>
     </mc:Choice>
-    <mc:Fallback>
+    <mc:Fallback xmlns:p15="http://schemas.microsoft.com/office/powerpoint/2012/main" xmlns="">
       <p:transition spd="slow"/>
     </mc:Fallback>
   </mc:AlternateContent>
 </p:sld>
 </file>
 
-<file path=ppt/slides/slide4.xml><?xml version="1.0" encoding="utf-8"?>
-<p:sld xmlns:a="http://schemas.openxmlformats.org/drawingml/2006/main" xmlns:p="http://schemas.openxmlformats.org/presentationml/2006/main" xmlns:r="http://schemas.openxmlformats.org/officeDocument/2006/relationships" xmlns:p14="http://schemas.microsoft.com/office/powerpoint/2010/main" xmlns:p15="http://schemas.microsoft.com/office/powerpoint/2012/main" xmlns:mc="http://schemas.openxmlformats.org/markup-compatibility/2006">
+<file path=ppt/slides/slide5.xml><?xml version="1.0" encoding="utf-8"?>
+<p:sld xmlns:a="http://schemas.openxmlformats.org/drawingml/2006/main" xmlns:r="http://schemas.openxmlformats.org/officeDocument/2006/relationships" xmlns:p="http://schemas.openxmlformats.org/presentationml/2006/main">
   <p:cSld>
     <p:bg>
       <p:bgPr>
         <a:solidFill>
-          <a:srgbClr val="ffffff"/>
+          <a:srgbClr val="FFFFFF"/>
         </a:solidFill>
+        <a:effectLst/>
       </p:bgPr>
     </p:bg>
     <p:spTree>
@@ -6634,43 +6759,7 @@
       </p:grpSpPr>
       <p:sp>
         <p:nvSpPr>
-          <p:cNvPr id="147" name="CustomShape 1"/>
-          <p:cNvSpPr/>
-          <p:nvPr/>
-        </p:nvSpPr>
-        <p:spPr>
-          <a:xfrm>
-            <a:off x="0" y="0"/>
-            <a:ext cx="12191040" cy="6856920"/>
-          </a:xfrm>
-          <a:prstGeom prst="rect">
-            <a:avLst/>
-          </a:prstGeom>
-          <a:solidFill>
-            <a:schemeClr val="bg1"/>
-          </a:solidFill>
-          <a:ln>
-            <a:noFill/>
-          </a:ln>
-        </p:spPr>
-        <p:style>
-          <a:lnRef idx="2">
-            <a:schemeClr val="accent1">
-              <a:shade val="50000"/>
-            </a:schemeClr>
-          </a:lnRef>
-          <a:fillRef idx="1">
-            <a:schemeClr val="accent1"/>
-          </a:fillRef>
-          <a:effectRef idx="0">
-            <a:schemeClr val="accent1"/>
-          </a:effectRef>
-          <a:fontRef idx="minor"/>
-        </p:style>
-      </p:sp>
-      <p:sp>
-        <p:nvSpPr>
-          <p:cNvPr id="148" name="CustomShape 2"/>
+          <p:cNvPr id="156" name="CustomShape 2"/>
           <p:cNvSpPr/>
           <p:nvPr/>
         </p:nvSpPr>
@@ -6688,15 +6777,22 @@
           </a:ln>
         </p:spPr>
         <p:style>
-          <a:lnRef idx="0"/>
-          <a:fillRef idx="0"/>
-          <a:effectRef idx="0"/>
+          <a:lnRef idx="0">
+            <a:scrgbClr r="0" g="0" b="0"/>
+          </a:lnRef>
+          <a:fillRef idx="0">
+            <a:scrgbClr r="0" g="0" b="0"/>
+          </a:fillRef>
+          <a:effectRef idx="0">
+            <a:scrgbClr r="0" g="0" b="0"/>
+          </a:effectRef>
           <a:fontRef idx="minor"/>
         </p:style>
         <p:txBody>
-          <a:bodyPr lIns="90000" rIns="90000" tIns="45000" bIns="45000" anchor="b">
+          <a:bodyPr lIns="90000" tIns="45000" rIns="90000" bIns="45000" anchor="b">
             <a:noAutofit/>
           </a:bodyPr>
+          <a:lstStyle/>
           <a:p>
             <a:pPr algn="ctr">
               <a:lnSpc>
@@ -6704,7 +6800,7 @@
               </a:lnSpc>
             </a:pPr>
             <a:r>
-              <a:rPr b="0" lang="pt-PT" sz="2800" spc="-1" strike="noStrike" cap="all">
+              <a:rPr lang="pt-PT" sz="2800" b="0" strike="noStrike" cap="all" spc="-1">
                 <a:solidFill>
                   <a:srgbClr val="404040"/>
                 </a:solidFill>
@@ -6713,15 +6809,15 @@
               </a:rPr>
               <a:t>Inteligência Artificial – trabalho 2</a:t>
             </a:r>
-            <a:endParaRPr b="0" lang="pt-PT" sz="2800" spc="-1" strike="noStrike">
-              <a:latin typeface="Arial"/>
-            </a:endParaRPr>
-          </a:p>
-        </p:txBody>
-      </p:sp>
-      <p:sp>
-        <p:nvSpPr>
-          <p:cNvPr id="149" name="CustomShape 3"/>
+            <a:endParaRPr lang="pt-PT" sz="2800" b="0" strike="noStrike" spc="-1">
+              <a:latin typeface="Arial"/>
+            </a:endParaRPr>
+          </a:p>
+        </p:txBody>
+      </p:sp>
+      <p:sp>
+        <p:nvSpPr>
+          <p:cNvPr id="157" name="CustomShape 3"/>
           <p:cNvSpPr/>
           <p:nvPr/>
         </p:nvSpPr>
@@ -6739,15 +6835,22 @@
           </a:ln>
         </p:spPr>
         <p:style>
-          <a:lnRef idx="0"/>
-          <a:fillRef idx="0"/>
-          <a:effectRef idx="0"/>
+          <a:lnRef idx="0">
+            <a:scrgbClr r="0" g="0" b="0"/>
+          </a:lnRef>
+          <a:fillRef idx="0">
+            <a:scrgbClr r="0" g="0" b="0"/>
+          </a:fillRef>
+          <a:effectRef idx="0">
+            <a:scrgbClr r="0" g="0" b="0"/>
+          </a:effectRef>
           <a:fontRef idx="minor"/>
         </p:style>
         <p:txBody>
-          <a:bodyPr lIns="90000" rIns="90000" tIns="45000" bIns="45000">
+          <a:bodyPr lIns="90000" tIns="45000" rIns="90000" bIns="45000">
             <a:normAutofit/>
           </a:bodyPr>
+          <a:lstStyle/>
           <a:p>
             <a:pPr>
               <a:lnSpc>
@@ -6761,24 +6864,24 @@
               </a:spcAft>
             </a:pPr>
             <a:r>
-              <a:rPr b="1" lang="pt-PT" sz="2000" spc="-1" strike="noStrike">
-                <a:solidFill>
-                  <a:srgbClr val="1cade4"/>
+              <a:rPr lang="pt-PT" sz="2000" b="1" strike="noStrike" spc="-1">
+                <a:solidFill>
+                  <a:srgbClr val="1CADE4"/>
                 </a:solidFill>
                 <a:latin typeface="Franklin Gothic Book"/>
                 <a:ea typeface="DejaVu Sans"/>
               </a:rPr>
-              <a:t>ALGORITMOS </a:t>
-            </a:r>
-            <a:endParaRPr b="0" lang="pt-PT" sz="2000" spc="-1" strike="noStrike">
-              <a:latin typeface="Arial"/>
-            </a:endParaRPr>
-          </a:p>
-        </p:txBody>
-      </p:sp>
-      <p:sp>
-        <p:nvSpPr>
-          <p:cNvPr id="150" name="CustomShape 4"/>
+              <a:t>TRABALHOS RELACIONADOS</a:t>
+            </a:r>
+            <a:endParaRPr lang="pt-PT" sz="2000" b="0" strike="noStrike" spc="-1">
+              <a:latin typeface="Arial"/>
+            </a:endParaRPr>
+          </a:p>
+        </p:txBody>
+      </p:sp>
+      <p:sp>
+        <p:nvSpPr>
+          <p:cNvPr id="158" name="CustomShape 4"/>
           <p:cNvSpPr/>
           <p:nvPr/>
         </p:nvSpPr>
@@ -6797,7 +6900,7 @@
             <a:noFill/>
           </a:ln>
           <a:effectLst>
-            <a:outerShdw blurRad="38100" dir="5400000" dist="25560" rotWithShape="0">
+            <a:outerShdw blurRad="38100" dist="25560" dir="5400000" rotWithShape="0">
               <a:srgbClr val="000000">
                 <a:alpha val="55000"/>
               </a:srgbClr>
@@ -6819,7 +6922,7 @@
       </p:sp>
       <p:sp>
         <p:nvSpPr>
-          <p:cNvPr id="151" name="CustomShape 5"/>
+          <p:cNvPr id="159" name="CustomShape 5"/>
           <p:cNvSpPr/>
           <p:nvPr/>
         </p:nvSpPr>
@@ -6838,7 +6941,7 @@
             <a:noFill/>
           </a:ln>
           <a:effectLst>
-            <a:outerShdw blurRad="38100" dir="5400000" dist="25560" rotWithShape="0">
+            <a:outerShdw blurRad="38100" dist="25560" dir="5400000" rotWithShape="0">
               <a:srgbClr val="000000">
                 <a:alpha val="55000"/>
               </a:srgbClr>
@@ -6860,7 +6963,7 @@
       </p:sp>
       <p:sp>
         <p:nvSpPr>
-          <p:cNvPr id="152" name="CustomShape 6"/>
+          <p:cNvPr id="160" name="CustomShape 6"/>
           <p:cNvSpPr/>
           <p:nvPr/>
         </p:nvSpPr>
@@ -6873,13 +6976,13 @@
             <a:avLst/>
           </a:prstGeom>
           <a:solidFill>
-            <a:srgbClr val="969fa7"/>
+            <a:srgbClr val="969FA7"/>
           </a:solidFill>
           <a:ln>
             <a:noFill/>
           </a:ln>
           <a:effectLst>
-            <a:outerShdw blurRad="38100" dir="5400000" dist="25560" rotWithShape="0">
+            <a:outerShdw blurRad="38100" dist="25560" dir="5400000" rotWithShape="0">
               <a:srgbClr val="000000">
                 <a:alpha val="55000"/>
               </a:srgbClr>
@@ -6899,482 +7002,16 @@
           <a:fontRef idx="minor"/>
         </p:style>
       </p:sp>
-      <p:sp>
-        <p:nvSpPr>
-          <p:cNvPr id="153" name="CustomShape 7"/>
-          <p:cNvSpPr/>
-          <p:nvPr/>
-        </p:nvSpPr>
-        <p:spPr>
-          <a:xfrm>
-            <a:off x="748440" y="2077560"/>
-            <a:ext cx="4746240" cy="941760"/>
-          </a:xfrm>
-          <a:prstGeom prst="rect">
-            <a:avLst/>
-          </a:prstGeom>
-          <a:noFill/>
-          <a:ln>
-            <a:noFill/>
-          </a:ln>
-        </p:spPr>
-        <p:style>
-          <a:lnRef idx="0"/>
-          <a:fillRef idx="0"/>
-          <a:effectRef idx="0"/>
-          <a:fontRef idx="minor"/>
-        </p:style>
-        <p:txBody>
-          <a:bodyPr lIns="90000" rIns="90000" tIns="45000" bIns="45000">
-            <a:spAutoFit/>
-          </a:bodyPr>
-          <a:p>
-            <a:pPr>
-              <a:lnSpc>
-                <a:spcPct val="100000"/>
-              </a:lnSpc>
-            </a:pPr>
-            <a:r>
-              <a:rPr b="1" lang="pt-PT" sz="1600" spc="-1" strike="noStrike">
-                <a:solidFill>
-                  <a:srgbClr val="000000"/>
-                </a:solidFill>
-                <a:latin typeface="Franklin Gothic Book"/>
-                <a:ea typeface="DejaVu Sans"/>
-              </a:rPr>
-              <a:t>Genetic Algorithms </a:t>
-            </a:r>
-            <a:r>
-              <a:rPr b="0" lang="pt-PT" sz="1600" spc="-1" strike="noStrike">
-                <a:solidFill>
-                  <a:srgbClr val="000000"/>
-                </a:solidFill>
-                <a:latin typeface="Franklin Gothic Book"/>
-                <a:ea typeface="DejaVu Sans"/>
-              </a:rPr>
-              <a:t>(GA)</a:t>
-            </a:r>
-            <a:endParaRPr b="0" lang="pt-PT" sz="1600" spc="-1" strike="noStrike">
-              <a:latin typeface="Arial"/>
-            </a:endParaRPr>
-          </a:p>
-          <a:p>
-            <a:pPr>
-              <a:lnSpc>
-                <a:spcPct val="100000"/>
-              </a:lnSpc>
-            </a:pPr>
-            <a:endParaRPr b="0" lang="pt-PT" sz="1600" spc="-1" strike="noStrike">
-              <a:latin typeface="Arial"/>
-            </a:endParaRPr>
-          </a:p>
-          <a:p>
-            <a:pPr algn="just">
-              <a:lnSpc>
-                <a:spcPct val="150000"/>
-              </a:lnSpc>
-              <a:spcAft>
-                <a:spcPts val="601"/>
-              </a:spcAft>
-            </a:pPr>
-            <a:endParaRPr b="0" lang="pt-PT" sz="1600" spc="-1" strike="noStrike">
-              <a:latin typeface="Arial"/>
-            </a:endParaRPr>
-          </a:p>
-        </p:txBody>
-      </p:sp>
-      <p:sp>
-        <p:nvSpPr>
-          <p:cNvPr id="154" name="CustomShape 8"/>
-          <p:cNvSpPr/>
-          <p:nvPr/>
-        </p:nvSpPr>
-        <p:spPr>
-          <a:xfrm>
-            <a:off x="6126480" y="2077920"/>
-            <a:ext cx="5000760" cy="941760"/>
-          </a:xfrm>
-          <a:prstGeom prst="rect">
-            <a:avLst/>
-          </a:prstGeom>
-          <a:noFill/>
-          <a:ln>
-            <a:noFill/>
-          </a:ln>
-        </p:spPr>
-        <p:style>
-          <a:lnRef idx="0"/>
-          <a:fillRef idx="0"/>
-          <a:effectRef idx="0"/>
-          <a:fontRef idx="minor"/>
-        </p:style>
-        <p:txBody>
-          <a:bodyPr lIns="90000" rIns="90000" tIns="45000" bIns="45000">
-            <a:spAutoFit/>
-          </a:bodyPr>
-          <a:p>
-            <a:pPr algn="just">
-              <a:lnSpc>
-                <a:spcPct val="100000"/>
-              </a:lnSpc>
-            </a:pPr>
-            <a:r>
-              <a:rPr b="1" lang="pt-PT" sz="1600" spc="-1" strike="noStrike">
-                <a:solidFill>
-                  <a:srgbClr val="000000"/>
-                </a:solidFill>
-                <a:latin typeface="Franklin Gothic Book"/>
-                <a:ea typeface="DejaVu Sans"/>
-              </a:rPr>
-              <a:t>Local Search</a:t>
-            </a:r>
-            <a:r>
-              <a:rPr b="0" lang="pt-PT" sz="1600" spc="-1" strike="noStrike">
-                <a:solidFill>
-                  <a:srgbClr val="000000"/>
-                </a:solidFill>
-                <a:latin typeface="Franklin Gothic Book"/>
-                <a:ea typeface="DejaVu Sans"/>
-              </a:rPr>
-              <a:t> (LS)</a:t>
-            </a:r>
-            <a:endParaRPr b="0" lang="pt-PT" sz="1600" spc="-1" strike="noStrike">
-              <a:latin typeface="Arial"/>
-            </a:endParaRPr>
-          </a:p>
-          <a:p>
-            <a:pPr algn="just">
-              <a:lnSpc>
-                <a:spcPct val="100000"/>
-              </a:lnSpc>
-            </a:pPr>
-            <a:endParaRPr b="0" lang="pt-PT" sz="1600" spc="-1" strike="noStrike">
-              <a:latin typeface="Arial"/>
-            </a:endParaRPr>
-          </a:p>
-          <a:p>
-            <a:pPr algn="just">
-              <a:lnSpc>
-                <a:spcPct val="150000"/>
-              </a:lnSpc>
-            </a:pPr>
-            <a:endParaRPr b="0" lang="pt-PT" sz="1600" spc="-1" strike="noStrike">
-              <a:latin typeface="Arial"/>
-            </a:endParaRPr>
-          </a:p>
-        </p:txBody>
-      </p:sp>
     </p:spTree>
   </p:cSld>
-  <mc:AlternateContent>
+  <p:clrMapOvr>
+    <a:masterClrMapping/>
+  </p:clrMapOvr>
+  <mc:AlternateContent xmlns:mc="http://schemas.openxmlformats.org/markup-compatibility/2006" xmlns:p14="http://schemas.microsoft.com/office/powerpoint/2010/main">
     <mc:Choice Requires="p14">
       <p:transition spd="slow" p14:dur="2000"/>
     </mc:Choice>
-    <mc:Fallback>
-      <p:transition spd="slow"/>
-    </mc:Fallback>
-  </mc:AlternateContent>
-</p:sld>
-</file>
-
-<file path=ppt/slides/slide5.xml><?xml version="1.0" encoding="utf-8"?>
-<p:sld xmlns:a="http://schemas.openxmlformats.org/drawingml/2006/main" xmlns:p="http://schemas.openxmlformats.org/presentationml/2006/main" xmlns:r="http://schemas.openxmlformats.org/officeDocument/2006/relationships" xmlns:p14="http://schemas.microsoft.com/office/powerpoint/2010/main" xmlns:p15="http://schemas.microsoft.com/office/powerpoint/2012/main" xmlns:mc="http://schemas.openxmlformats.org/markup-compatibility/2006">
-  <p:cSld>
-    <p:bg>
-      <p:bgPr>
-        <a:solidFill>
-          <a:srgbClr val="ffffff"/>
-        </a:solidFill>
-      </p:bgPr>
-    </p:bg>
-    <p:spTree>
-      <p:nvGrpSpPr>
-        <p:cNvPr id="1" name=""/>
-        <p:cNvGrpSpPr/>
-        <p:nvPr/>
-      </p:nvGrpSpPr>
-      <p:grpSpPr>
-        <a:xfrm>
-          <a:off x="0" y="0"/>
-          <a:ext cx="0" cy="0"/>
-          <a:chOff x="0" y="0"/>
-          <a:chExt cx="0" cy="0"/>
-        </a:xfrm>
-      </p:grpSpPr>
-      <p:sp>
-        <p:nvSpPr>
-          <p:cNvPr id="155" name="CustomShape 1"/>
-          <p:cNvSpPr/>
-          <p:nvPr/>
-        </p:nvSpPr>
-        <p:spPr>
-          <a:xfrm>
-            <a:off x="0" y="0"/>
-            <a:ext cx="12191040" cy="6856920"/>
-          </a:xfrm>
-          <a:prstGeom prst="rect">
-            <a:avLst/>
-          </a:prstGeom>
-          <a:solidFill>
-            <a:schemeClr val="bg1"/>
-          </a:solidFill>
-          <a:ln>
-            <a:noFill/>
-          </a:ln>
-        </p:spPr>
-        <p:style>
-          <a:lnRef idx="2">
-            <a:schemeClr val="accent1">
-              <a:shade val="50000"/>
-            </a:schemeClr>
-          </a:lnRef>
-          <a:fillRef idx="1">
-            <a:schemeClr val="accent1"/>
-          </a:fillRef>
-          <a:effectRef idx="0">
-            <a:schemeClr val="accent1"/>
-          </a:effectRef>
-          <a:fontRef idx="minor"/>
-        </p:style>
-      </p:sp>
-      <p:sp>
-        <p:nvSpPr>
-          <p:cNvPr id="156" name="CustomShape 2"/>
-          <p:cNvSpPr/>
-          <p:nvPr/>
-        </p:nvSpPr>
-        <p:spPr>
-          <a:xfrm>
-            <a:off x="729000" y="771840"/>
-            <a:ext cx="10741320" cy="579960"/>
-          </a:xfrm>
-          <a:prstGeom prst="rect">
-            <a:avLst/>
-          </a:prstGeom>
-          <a:noFill/>
-          <a:ln>
-            <a:noFill/>
-          </a:ln>
-        </p:spPr>
-        <p:style>
-          <a:lnRef idx="0"/>
-          <a:fillRef idx="0"/>
-          <a:effectRef idx="0"/>
-          <a:fontRef idx="minor"/>
-        </p:style>
-        <p:txBody>
-          <a:bodyPr lIns="90000" rIns="90000" tIns="45000" bIns="45000" anchor="b">
-            <a:noAutofit/>
-          </a:bodyPr>
-          <a:p>
-            <a:pPr algn="ctr">
-              <a:lnSpc>
-                <a:spcPct val="100000"/>
-              </a:lnSpc>
-            </a:pPr>
-            <a:r>
-              <a:rPr b="0" lang="pt-PT" sz="2800" spc="-1" strike="noStrike" cap="all">
-                <a:solidFill>
-                  <a:srgbClr val="404040"/>
-                </a:solidFill>
-                <a:latin typeface="Franklin Gothic Demi"/>
-                <a:ea typeface="DejaVu Sans"/>
-              </a:rPr>
-              <a:t>Inteligência Artificial – trabalho 2</a:t>
-            </a:r>
-            <a:endParaRPr b="0" lang="pt-PT" sz="2800" spc="-1" strike="noStrike">
-              <a:latin typeface="Arial"/>
-            </a:endParaRPr>
-          </a:p>
-        </p:txBody>
-      </p:sp>
-      <p:sp>
-        <p:nvSpPr>
-          <p:cNvPr id="157" name="CustomShape 3"/>
-          <p:cNvSpPr/>
-          <p:nvPr/>
-        </p:nvSpPr>
-        <p:spPr>
-          <a:xfrm>
-            <a:off x="748440" y="1409400"/>
-            <a:ext cx="8943120" cy="610560"/>
-          </a:xfrm>
-          <a:prstGeom prst="rect">
-            <a:avLst/>
-          </a:prstGeom>
-          <a:noFill/>
-          <a:ln>
-            <a:noFill/>
-          </a:ln>
-        </p:spPr>
-        <p:style>
-          <a:lnRef idx="0"/>
-          <a:fillRef idx="0"/>
-          <a:effectRef idx="0"/>
-          <a:fontRef idx="minor"/>
-        </p:style>
-        <p:txBody>
-          <a:bodyPr lIns="90000" rIns="90000" tIns="45000" bIns="45000">
-            <a:normAutofit/>
-          </a:bodyPr>
-          <a:p>
-            <a:pPr>
-              <a:lnSpc>
-                <a:spcPct val="110000"/>
-              </a:lnSpc>
-              <a:spcBef>
-                <a:spcPts val="400"/>
-              </a:spcBef>
-              <a:spcAft>
-                <a:spcPts val="601"/>
-              </a:spcAft>
-            </a:pPr>
-            <a:r>
-              <a:rPr b="1" lang="pt-PT" sz="2000" spc="-1" strike="noStrike">
-                <a:solidFill>
-                  <a:srgbClr val="1cade4"/>
-                </a:solidFill>
-                <a:latin typeface="Franklin Gothic Book"/>
-                <a:ea typeface="DejaVu Sans"/>
-              </a:rPr>
-              <a:t>TRABALHOS RELACIONADOS</a:t>
-            </a:r>
-            <a:endParaRPr b="0" lang="pt-PT" sz="2000" spc="-1" strike="noStrike">
-              <a:latin typeface="Arial"/>
-            </a:endParaRPr>
-          </a:p>
-        </p:txBody>
-      </p:sp>
-      <p:sp>
-        <p:nvSpPr>
-          <p:cNvPr id="158" name="CustomShape 4"/>
-          <p:cNvSpPr/>
-          <p:nvPr/>
-        </p:nvSpPr>
-        <p:spPr>
-          <a:xfrm>
-            <a:off x="446400" y="457200"/>
-            <a:ext cx="3702240" cy="93960"/>
-          </a:xfrm>
-          <a:prstGeom prst="rect">
-            <a:avLst/>
-          </a:prstGeom>
-          <a:solidFill>
-            <a:srgbClr val="465359"/>
-          </a:solidFill>
-          <a:ln>
-            <a:noFill/>
-          </a:ln>
-          <a:effectLst>
-            <a:outerShdw blurRad="38100" dir="5400000" dist="25560" rotWithShape="0">
-              <a:srgbClr val="000000">
-                <a:alpha val="55000"/>
-              </a:srgbClr>
-            </a:outerShdw>
-          </a:effectLst>
-        </p:spPr>
-        <p:style>
-          <a:lnRef idx="1">
-            <a:schemeClr val="accent1"/>
-          </a:lnRef>
-          <a:fillRef idx="3">
-            <a:schemeClr val="accent1"/>
-          </a:fillRef>
-          <a:effectRef idx="2">
-            <a:schemeClr val="accent1"/>
-          </a:effectRef>
-          <a:fontRef idx="minor"/>
-        </p:style>
-      </p:sp>
-      <p:sp>
-        <p:nvSpPr>
-          <p:cNvPr id="159" name="CustomShape 5"/>
-          <p:cNvSpPr/>
-          <p:nvPr/>
-        </p:nvSpPr>
-        <p:spPr>
-          <a:xfrm>
-            <a:off x="4241880" y="457200"/>
-            <a:ext cx="3702240" cy="90360"/>
-          </a:xfrm>
-          <a:prstGeom prst="rect">
-            <a:avLst/>
-          </a:prstGeom>
-          <a:solidFill>
-            <a:schemeClr val="accent1"/>
-          </a:solidFill>
-          <a:ln>
-            <a:noFill/>
-          </a:ln>
-          <a:effectLst>
-            <a:outerShdw blurRad="38100" dir="5400000" dist="25560" rotWithShape="0">
-              <a:srgbClr val="000000">
-                <a:alpha val="55000"/>
-              </a:srgbClr>
-            </a:outerShdw>
-          </a:effectLst>
-        </p:spPr>
-        <p:style>
-          <a:lnRef idx="1">
-            <a:schemeClr val="accent1"/>
-          </a:lnRef>
-          <a:fillRef idx="3">
-            <a:schemeClr val="accent1"/>
-          </a:fillRef>
-          <a:effectRef idx="2">
-            <a:schemeClr val="accent1"/>
-          </a:effectRef>
-          <a:fontRef idx="minor"/>
-        </p:style>
-      </p:sp>
-      <p:sp>
-        <p:nvSpPr>
-          <p:cNvPr id="160" name="CustomShape 6"/>
-          <p:cNvSpPr/>
-          <p:nvPr/>
-        </p:nvSpPr>
-        <p:spPr>
-          <a:xfrm>
-            <a:off x="8042040" y="453600"/>
-            <a:ext cx="3702240" cy="97560"/>
-          </a:xfrm>
-          <a:prstGeom prst="rect">
-            <a:avLst/>
-          </a:prstGeom>
-          <a:solidFill>
-            <a:srgbClr val="969fa7"/>
-          </a:solidFill>
-          <a:ln>
-            <a:noFill/>
-          </a:ln>
-          <a:effectLst>
-            <a:outerShdw blurRad="38100" dir="5400000" dist="25560" rotWithShape="0">
-              <a:srgbClr val="000000">
-                <a:alpha val="55000"/>
-              </a:srgbClr>
-            </a:outerShdw>
-          </a:effectLst>
-        </p:spPr>
-        <p:style>
-          <a:lnRef idx="1">
-            <a:schemeClr val="accent1"/>
-          </a:lnRef>
-          <a:fillRef idx="3">
-            <a:schemeClr val="accent1"/>
-          </a:fillRef>
-          <a:effectRef idx="2">
-            <a:schemeClr val="accent1"/>
-          </a:effectRef>
-          <a:fontRef idx="minor"/>
-        </p:style>
-      </p:sp>
-    </p:spTree>
-  </p:cSld>
-  <mc:AlternateContent>
-    <mc:Choice Requires="p14">
-      <p:transition spd="slow" p14:dur="2000"/>
-    </mc:Choice>
-    <mc:Fallback>
+    <mc:Fallback xmlns:p15="http://schemas.microsoft.com/office/powerpoint/2012/main" xmlns="">
       <p:transition spd="slow"/>
     </mc:Fallback>
   </mc:AlternateContent>
@@ -7382,7 +7019,7 @@
 </file>
 
 <file path=ppt/slides/slide6.xml><?xml version="1.0" encoding="utf-8"?>
-<p:sld xmlns:a="http://schemas.openxmlformats.org/drawingml/2006/main" xmlns:p="http://schemas.openxmlformats.org/presentationml/2006/main" xmlns:r="http://schemas.openxmlformats.org/officeDocument/2006/relationships" xmlns:p14="http://schemas.microsoft.com/office/powerpoint/2010/main" xmlns:p15="http://schemas.microsoft.com/office/powerpoint/2012/main" xmlns:mc="http://schemas.openxmlformats.org/markup-compatibility/2006">
+<p:sld xmlns:a="http://schemas.openxmlformats.org/drawingml/2006/main" xmlns:r="http://schemas.openxmlformats.org/officeDocument/2006/relationships" xmlns:p="http://schemas.openxmlformats.org/presentationml/2006/main">
   <p:cSld>
     <p:spTree>
       <p:nvGrpSpPr>
@@ -7418,15 +7055,22 @@
           </a:ln>
         </p:spPr>
         <p:style>
-          <a:lnRef idx="0"/>
-          <a:fillRef idx="0"/>
-          <a:effectRef idx="0"/>
+          <a:lnRef idx="0">
+            <a:scrgbClr r="0" g="0" b="0"/>
+          </a:lnRef>
+          <a:fillRef idx="0">
+            <a:scrgbClr r="0" g="0" b="0"/>
+          </a:fillRef>
+          <a:effectRef idx="0">
+            <a:scrgbClr r="0" g="0" b="0"/>
+          </a:effectRef>
           <a:fontRef idx="minor"/>
         </p:style>
         <p:txBody>
-          <a:bodyPr lIns="90000" rIns="90000" tIns="45000" bIns="45000" anchor="b">
+          <a:bodyPr lIns="90000" tIns="45000" rIns="90000" bIns="45000" anchor="b">
             <a:noAutofit/>
           </a:bodyPr>
+          <a:lstStyle/>
           <a:p>
             <a:pPr algn="ctr">
               <a:lnSpc>
@@ -7434,7 +7078,7 @@
               </a:lnSpc>
             </a:pPr>
             <a:r>
-              <a:rPr b="0" lang="pt-PT" sz="2800" spc="-1" strike="noStrike" cap="all">
+              <a:rPr lang="pt-PT" sz="2800" b="0" strike="noStrike" cap="all" spc="-1">
                 <a:solidFill>
                   <a:srgbClr val="404040"/>
                 </a:solidFill>
@@ -7443,7 +7087,7 @@
               </a:rPr>
               <a:t>Inteligência Artificial – trabalho 1</a:t>
             </a:r>
-            <a:endParaRPr b="0" lang="pt-PT" sz="2800" spc="-1" strike="noStrike">
+            <a:endParaRPr lang="pt-PT" sz="2800" b="0" strike="noStrike" spc="-1">
               <a:latin typeface="Arial"/>
             </a:endParaRPr>
           </a:p>
@@ -7469,15 +7113,22 @@
           </a:ln>
         </p:spPr>
         <p:style>
-          <a:lnRef idx="0"/>
-          <a:fillRef idx="0"/>
-          <a:effectRef idx="0"/>
+          <a:lnRef idx="0">
+            <a:scrgbClr r="0" g="0" b="0"/>
+          </a:lnRef>
+          <a:fillRef idx="0">
+            <a:scrgbClr r="0" g="0" b="0"/>
+          </a:fillRef>
+          <a:effectRef idx="0">
+            <a:scrgbClr r="0" g="0" b="0"/>
+          </a:effectRef>
           <a:fontRef idx="minor"/>
         </p:style>
         <p:txBody>
-          <a:bodyPr lIns="90000" rIns="90000" tIns="45000" bIns="45000">
+          <a:bodyPr lIns="90000" tIns="45000" rIns="90000" bIns="45000">
             <a:spAutoFit/>
           </a:bodyPr>
+          <a:lstStyle/>
           <a:p>
             <a:pPr>
               <a:lnSpc>
@@ -7485,16 +7136,16 @@
               </a:lnSpc>
             </a:pPr>
             <a:r>
-              <a:rPr b="0" lang="pt-PT" sz="1600" spc="-1" strike="noStrike">
-                <a:solidFill>
-                  <a:srgbClr val="1cade4"/>
+              <a:rPr lang="pt-PT" sz="1600" b="0" strike="noStrike" spc="-1">
+                <a:solidFill>
+                  <a:srgbClr val="1CADE4"/>
                 </a:solidFill>
                 <a:latin typeface="Franklin Gothic Book"/>
                 <a:ea typeface="DejaVu Sans"/>
               </a:rPr>
               <a:t>DESENVOLVIMENTO</a:t>
             </a:r>
-            <a:endParaRPr b="0" lang="pt-PT" sz="1600" spc="-1" strike="noStrike">
+            <a:endParaRPr lang="pt-PT" sz="1600" b="0" strike="noStrike" spc="-1">
               <a:latin typeface="Arial"/>
             </a:endParaRPr>
           </a:p>
@@ -7520,15 +7171,22 @@
           </a:ln>
         </p:spPr>
         <p:style>
-          <a:lnRef idx="0"/>
-          <a:fillRef idx="0"/>
-          <a:effectRef idx="0"/>
+          <a:lnRef idx="0">
+            <a:scrgbClr r="0" g="0" b="0"/>
+          </a:lnRef>
+          <a:fillRef idx="0">
+            <a:scrgbClr r="0" g="0" b="0"/>
+          </a:fillRef>
+          <a:effectRef idx="0">
+            <a:scrgbClr r="0" g="0" b="0"/>
+          </a:effectRef>
           <a:fontRef idx="minor"/>
         </p:style>
         <p:txBody>
-          <a:bodyPr lIns="90000" rIns="90000" tIns="45000" bIns="45000">
+          <a:bodyPr lIns="90000" tIns="45000" rIns="90000" bIns="45000">
             <a:spAutoFit/>
           </a:bodyPr>
+          <a:lstStyle/>
           <a:p>
             <a:pPr marL="285840" indent="-284760">
               <a:lnSpc>
@@ -7541,7 +7199,7 @@
               <a:buChar char="•"/>
             </a:pPr>
             <a:r>
-              <a:rPr b="1" lang="pt-PT" sz="1800" spc="-1" strike="noStrike">
+              <a:rPr lang="pt-PT" sz="1800" b="1" strike="noStrike" spc="-1">
                 <a:solidFill>
                   <a:srgbClr val="000000"/>
                 </a:solidFill>
@@ -7551,7 +7209,7 @@
               <a:t>Ambiente de desenvolvimento: </a:t>
             </a:r>
             <a:r>
-              <a:rPr b="0" lang="pt-PT" sz="1800" spc="-1" strike="noStrike">
+              <a:rPr lang="pt-PT" sz="1800" b="0" strike="noStrike" spc="-1">
                 <a:solidFill>
                   <a:srgbClr val="000000"/>
                 </a:solidFill>
@@ -7560,7 +7218,7 @@
               </a:rPr>
               <a:t>Jupyter Notebook</a:t>
             </a:r>
-            <a:endParaRPr b="0" lang="pt-PT" sz="1800" spc="-1" strike="noStrike">
+            <a:endParaRPr lang="pt-PT" sz="1800" b="0" strike="noStrike" spc="-1">
               <a:latin typeface="Arial"/>
             </a:endParaRPr>
           </a:p>
@@ -7576,7 +7234,7 @@
               <a:buChar char="•"/>
             </a:pPr>
             <a:r>
-              <a:rPr b="1" lang="pt-PT" sz="1800" spc="-1" strike="noStrike">
+              <a:rPr lang="pt-PT" sz="1800" b="1" strike="noStrike" spc="-1">
                 <a:solidFill>
                   <a:srgbClr val="000000"/>
                 </a:solidFill>
@@ -7585,7 +7243,7 @@
               </a:rPr>
               <a:t>Bibliotecas:</a:t>
             </a:r>
-            <a:endParaRPr b="0" lang="pt-PT" sz="1800" spc="-1" strike="noStrike">
+            <a:endParaRPr lang="pt-PT" sz="1800" b="0" strike="noStrike" spc="-1">
               <a:latin typeface="Arial"/>
             </a:endParaRPr>
           </a:p>
@@ -7593,11 +7251,14 @@
       </p:sp>
     </p:spTree>
   </p:cSld>
-  <mc:AlternateContent>
+  <p:clrMapOvr>
+    <a:masterClrMapping/>
+  </p:clrMapOvr>
+  <mc:AlternateContent xmlns:mc="http://schemas.openxmlformats.org/markup-compatibility/2006" xmlns:p14="http://schemas.microsoft.com/office/powerpoint/2010/main">
     <mc:Choice Requires="p14">
       <p:transition spd="slow" p14:dur="2000"/>
     </mc:Choice>
-    <mc:Fallback>
+    <mc:Fallback xmlns:p15="http://schemas.microsoft.com/office/powerpoint/2012/main" xmlns="">
       <p:transition spd="slow"/>
     </mc:Fallback>
   </mc:AlternateContent>
@@ -7615,34 +7276,34 @@
         <a:sysClr val="window" lastClr="FFFFFF"/>
       </a:lt1>
       <a:dk2>
-        <a:srgbClr val="335b74"/>
+        <a:srgbClr val="335B74"/>
       </a:dk2>
       <a:lt2>
-        <a:srgbClr val="dfe3e5"/>
+        <a:srgbClr val="DFE3E5"/>
       </a:lt2>
       <a:accent1>
-        <a:srgbClr val="1cade4"/>
+        <a:srgbClr val="1CADE4"/>
       </a:accent1>
       <a:accent2>
-        <a:srgbClr val="2683c6"/>
+        <a:srgbClr val="2683C6"/>
       </a:accent2>
       <a:accent3>
-        <a:srgbClr val="27ced7"/>
+        <a:srgbClr val="27CED7"/>
       </a:accent3>
       <a:accent4>
-        <a:srgbClr val="42ba97"/>
+        <a:srgbClr val="42BA97"/>
       </a:accent4>
       <a:accent5>
-        <a:srgbClr val="3e8853"/>
+        <a:srgbClr val="3E8853"/>
       </a:accent5>
       <a:accent6>
-        <a:srgbClr val="62a39f"/>
+        <a:srgbClr val="62A39F"/>
       </a:accent6>
       <a:hlink>
-        <a:srgbClr val="6eac1c"/>
+        <a:srgbClr val="6EAC1C"/>
       </a:hlink>
       <a:folHlink>
-        <a:srgbClr val="b26b02"/>
+        <a:srgbClr val="B26B02"/>
       </a:folHlink>
     </a:clrScheme>
     <a:fontScheme name="Office">
@@ -7827,6 +7488,8 @@
       </a:bgFillStyleLst>
     </a:fmtScheme>
   </a:themeElements>
+  <a:objectDefaults/>
+  <a:extraClrSchemeLst/>
 </a:theme>
 </file>
 
@@ -7841,34 +7504,34 @@
         <a:sysClr val="window" lastClr="FFFFFF"/>
       </a:lt1>
       <a:dk2>
-        <a:srgbClr val="335b74"/>
+        <a:srgbClr val="335B74"/>
       </a:dk2>
       <a:lt2>
-        <a:srgbClr val="dfe3e5"/>
+        <a:srgbClr val="DFE3E5"/>
       </a:lt2>
       <a:accent1>
-        <a:srgbClr val="1cade4"/>
+        <a:srgbClr val="1CADE4"/>
       </a:accent1>
       <a:accent2>
-        <a:srgbClr val="2683c6"/>
+        <a:srgbClr val="2683C6"/>
       </a:accent2>
       <a:accent3>
-        <a:srgbClr val="27ced7"/>
+        <a:srgbClr val="27CED7"/>
       </a:accent3>
       <a:accent4>
-        <a:srgbClr val="42ba97"/>
+        <a:srgbClr val="42BA97"/>
       </a:accent4>
       <a:accent5>
-        <a:srgbClr val="3e8853"/>
+        <a:srgbClr val="3E8853"/>
       </a:accent5>
       <a:accent6>
-        <a:srgbClr val="62a39f"/>
+        <a:srgbClr val="62A39F"/>
       </a:accent6>
       <a:hlink>
-        <a:srgbClr val="6eac1c"/>
+        <a:srgbClr val="6EAC1C"/>
       </a:hlink>
       <a:folHlink>
-        <a:srgbClr val="b26b02"/>
+        <a:srgbClr val="B26B02"/>
       </a:folHlink>
     </a:clrScheme>
     <a:fontScheme name="Office">
@@ -8053,231 +7716,7 @@
       </a:bgFillStyleLst>
     </a:fmtScheme>
   </a:themeElements>
-</a:theme>
-</file>
-
-<file path=ppt/theme/theme3.xml><?xml version="1.0" encoding="utf-8"?>
-<a:theme xmlns:a="http://schemas.openxmlformats.org/drawingml/2006/main" name="Office Theme">
-  <a:themeElements>
-    <a:clrScheme name="Office">
-      <a:dk1>
-        <a:sysClr val="windowText" lastClr="000000"/>
-      </a:dk1>
-      <a:lt1>
-        <a:sysClr val="window" lastClr="FFFFFF"/>
-      </a:lt1>
-      <a:dk2>
-        <a:srgbClr val="335b74"/>
-      </a:dk2>
-      <a:lt2>
-        <a:srgbClr val="dfe3e5"/>
-      </a:lt2>
-      <a:accent1>
-        <a:srgbClr val="1cade4"/>
-      </a:accent1>
-      <a:accent2>
-        <a:srgbClr val="2683c6"/>
-      </a:accent2>
-      <a:accent3>
-        <a:srgbClr val="27ced7"/>
-      </a:accent3>
-      <a:accent4>
-        <a:srgbClr val="42ba97"/>
-      </a:accent4>
-      <a:accent5>
-        <a:srgbClr val="3e8853"/>
-      </a:accent5>
-      <a:accent6>
-        <a:srgbClr val="62a39f"/>
-      </a:accent6>
-      <a:hlink>
-        <a:srgbClr val="6eac1c"/>
-      </a:hlink>
-      <a:folHlink>
-        <a:srgbClr val="b26b02"/>
-      </a:folHlink>
-    </a:clrScheme>
-    <a:fontScheme name="Office">
-      <a:majorFont>
-        <a:latin typeface="Arial"/>
-        <a:ea typeface="DejaVu Sans"/>
-        <a:cs typeface="DejaVu Sans"/>
-      </a:majorFont>
-      <a:minorFont>
-        <a:latin typeface="Arial"/>
-        <a:ea typeface="DejaVu Sans"/>
-        <a:cs typeface="DejaVu Sans"/>
-      </a:minorFont>
-    </a:fontScheme>
-    <a:fmtScheme name="Office">
-      <a:fillStyleLst>
-        <a:solidFill>
-          <a:schemeClr val="phClr"/>
-        </a:solidFill>
-        <a:gradFill rotWithShape="1">
-          <a:gsLst>
-            <a:gs pos="0">
-              <a:schemeClr val="phClr">
-                <a:tint val="50000"/>
-                <a:satMod val="300000"/>
-              </a:schemeClr>
-            </a:gs>
-            <a:gs pos="35000">
-              <a:schemeClr val="phClr">
-                <a:tint val="37000"/>
-                <a:satMod val="300000"/>
-              </a:schemeClr>
-            </a:gs>
-            <a:gs pos="100000">
-              <a:schemeClr val="phClr">
-                <a:tint val="15000"/>
-                <a:satMod val="350000"/>
-              </a:schemeClr>
-            </a:gs>
-          </a:gsLst>
-          <a:lin ang="16200000" scaled="1"/>
-        </a:gradFill>
-        <a:gradFill rotWithShape="1">
-          <a:gsLst>
-            <a:gs pos="0">
-              <a:schemeClr val="phClr">
-                <a:shade val="51000"/>
-                <a:satMod val="130000"/>
-              </a:schemeClr>
-            </a:gs>
-            <a:gs pos="80000">
-              <a:schemeClr val="phClr">
-                <a:shade val="93000"/>
-                <a:satMod val="130000"/>
-              </a:schemeClr>
-            </a:gs>
-            <a:gs pos="100000">
-              <a:schemeClr val="phClr">
-                <a:shade val="94000"/>
-                <a:satMod val="135000"/>
-              </a:schemeClr>
-            </a:gs>
-          </a:gsLst>
-          <a:lin ang="16200000" scaled="0"/>
-        </a:gradFill>
-      </a:fillStyleLst>
-      <a:lnStyleLst>
-        <a:ln w="9525" cap="flat" cmpd="sng" algn="ctr">
-          <a:solidFill>
-            <a:schemeClr val="phClr">
-              <a:shade val="95000"/>
-              <a:satMod val="105000"/>
-            </a:schemeClr>
-          </a:solidFill>
-          <a:prstDash val="solid"/>
-          <a:miter/>
-        </a:ln>
-        <a:ln w="25400" cap="flat" cmpd="sng" algn="ctr">
-          <a:solidFill>
-            <a:schemeClr val="phClr"/>
-          </a:solidFill>
-          <a:prstDash val="solid"/>
-          <a:miter/>
-        </a:ln>
-        <a:ln w="38100" cap="flat" cmpd="sng" algn="ctr">
-          <a:solidFill>
-            <a:schemeClr val="phClr"/>
-          </a:solidFill>
-          <a:prstDash val="solid"/>
-          <a:miter/>
-        </a:ln>
-      </a:lnStyleLst>
-      <a:effectStyleLst>
-        <a:effectStyle>
-          <a:effectLst>
-            <a:outerShdw blurRad="40000" dist="20000" dir="5400000" rotWithShape="0">
-              <a:srgbClr val="000000">
-                <a:alpha val="38000"/>
-              </a:srgbClr>
-            </a:outerShdw>
-          </a:effectLst>
-        </a:effectStyle>
-        <a:effectStyle>
-          <a:effectLst>
-            <a:outerShdw blurRad="40000" dist="23000" dir="5400000" rotWithShape="0">
-              <a:srgbClr val="000000">
-                <a:alpha val="35000"/>
-              </a:srgbClr>
-            </a:outerShdw>
-          </a:effectLst>
-        </a:effectStyle>
-        <a:effectStyle>
-          <a:effectLst>
-            <a:outerShdw blurRad="40000" dist="23000" dir="5400000" rotWithShape="0">
-              <a:srgbClr val="000000">
-                <a:alpha val="35000"/>
-              </a:srgbClr>
-            </a:outerShdw>
-          </a:effectLst>
-          <a:scene3d>
-            <a:camera prst="orthographicFront">
-              <a:rot lat="0" lon="0" rev="0"/>
-            </a:camera>
-            <a:lightRig rig="threePt" dir="t">
-              <a:rot lat="0" lon="0" rev="1200000"/>
-            </a:lightRig>
-          </a:scene3d>
-          <a:sp3d>
-            <a:bevelT w="63500" h="25400"/>
-          </a:sp3d>
-        </a:effectStyle>
-      </a:effectStyleLst>
-      <a:bgFillStyleLst>
-        <a:solidFill>
-          <a:schemeClr val="phClr"/>
-        </a:solidFill>
-        <a:gradFill rotWithShape="1">
-          <a:gsLst>
-            <a:gs pos="0">
-              <a:schemeClr val="phClr">
-                <a:tint val="40000"/>
-                <a:satMod val="350000"/>
-              </a:schemeClr>
-            </a:gs>
-            <a:gs pos="40000">
-              <a:schemeClr val="phClr">
-                <a:tint val="45000"/>
-                <a:shade val="99000"/>
-                <a:satMod val="350000"/>
-              </a:schemeClr>
-            </a:gs>
-            <a:gs pos="100000">
-              <a:schemeClr val="phClr">
-                <a:shade val="20000"/>
-                <a:satMod val="255000"/>
-              </a:schemeClr>
-            </a:gs>
-          </a:gsLst>
-          <a:path path="circle">
-            <a:fillToRect l="50000" t="-80000" r="50000" b="180000"/>
-          </a:path>
-        </a:gradFill>
-        <a:gradFill rotWithShape="1">
-          <a:gsLst>
-            <a:gs pos="0">
-              <a:schemeClr val="phClr">
-                <a:tint val="80000"/>
-                <a:satMod val="300000"/>
-              </a:schemeClr>
-            </a:gs>
-            <a:gs pos="100000">
-              <a:schemeClr val="phClr">
-                <a:shade val="30000"/>
-                <a:satMod val="200000"/>
-              </a:schemeClr>
-            </a:gs>
-          </a:gsLst>
-          <a:path path="circle">
-            <a:fillToRect l="50000" t="50000" r="50000" b="50000"/>
-          </a:path>
-        </a:gradFill>
-      </a:bgFillStyleLst>
-    </a:fmtScheme>
-  </a:themeElements>
+  <a:objectDefaults/>
+  <a:extraClrSchemeLst/>
 </a:theme>
 </file>
--- a/Assigment2/Checkpoint1_trabalho2.pptx
+++ b/Assigment2/Checkpoint1_trabalho2.pptx
@@ -14,6 +14,7 @@
     <p:sldId id="260" r:id="rId9"/>
     <p:sldId id="261" r:id="rId10"/>
     <p:sldId id="262" r:id="rId11"/>
+    <p:sldId id="263" r:id="rId12"/>
   </p:sldIdLst>
   <p:sldSz cx="12192000" cy="6858000"/>
   <p:notesSz cx="7559675" cy="10691812"/>
@@ -72,7 +73,7 @@
         <p:spPr>
           <a:xfrm>
             <a:off x="576000" y="729720"/>
-            <a:ext cx="11028240" cy="986760"/>
+            <a:ext cx="11027880" cy="986400"/>
           </a:xfrm>
           <a:prstGeom prst="rect">
             <a:avLst/>
@@ -83,10 +84,8 @@
             <a:noAutofit/>
           </a:bodyPr>
           <a:p>
-            <a:endParaRPr b="0" lang="pt-PT" sz="1800" spc="-1" strike="noStrike">
-              <a:solidFill>
-                <a:srgbClr val="000000"/>
-              </a:solidFill>
+            <a:pPr algn="ctr"/>
+            <a:endParaRPr b="0" lang="pt-PT" sz="4400" spc="-1" strike="noStrike">
               <a:latin typeface="Arial"/>
             </a:endParaRPr>
           </a:p>
@@ -116,10 +115,7 @@
             <a:normAutofit/>
           </a:bodyPr>
           <a:p>
-            <a:endParaRPr b="0" lang="pt-PT" sz="2800" spc="-1" strike="noStrike">
-              <a:solidFill>
-                <a:srgbClr val="000000"/>
-              </a:solidFill>
+            <a:endParaRPr b="0" lang="pt-PT" sz="3200" spc="-1" strike="noStrike">
               <a:latin typeface="Arial"/>
             </a:endParaRPr>
           </a:p>
@@ -149,10 +145,7 @@
             <a:normAutofit/>
           </a:bodyPr>
           <a:p>
-            <a:endParaRPr b="0" lang="pt-PT" sz="2800" spc="-1" strike="noStrike">
-              <a:solidFill>
-                <a:srgbClr val="000000"/>
-              </a:solidFill>
+            <a:endParaRPr b="0" lang="pt-PT" sz="3200" spc="-1" strike="noStrike">
               <a:latin typeface="Arial"/>
             </a:endParaRPr>
           </a:p>
@@ -193,7 +186,7 @@
         <p:spPr>
           <a:xfrm>
             <a:off x="576000" y="729720"/>
-            <a:ext cx="11028240" cy="986760"/>
+            <a:ext cx="11027880" cy="986400"/>
           </a:xfrm>
           <a:prstGeom prst="rect">
             <a:avLst/>
@@ -204,10 +197,8 @@
             <a:noAutofit/>
           </a:bodyPr>
           <a:p>
-            <a:endParaRPr b="0" lang="pt-PT" sz="1800" spc="-1" strike="noStrike">
-              <a:solidFill>
-                <a:srgbClr val="000000"/>
-              </a:solidFill>
+            <a:pPr algn="ctr"/>
+            <a:endParaRPr b="0" lang="pt-PT" sz="4400" spc="-1" strike="noStrike">
               <a:latin typeface="Arial"/>
             </a:endParaRPr>
           </a:p>
@@ -237,10 +228,7 @@
             <a:normAutofit/>
           </a:bodyPr>
           <a:p>
-            <a:endParaRPr b="0" lang="pt-PT" sz="2800" spc="-1" strike="noStrike">
-              <a:solidFill>
-                <a:srgbClr val="000000"/>
-              </a:solidFill>
+            <a:endParaRPr b="0" lang="pt-PT" sz="3200" spc="-1" strike="noStrike">
               <a:latin typeface="Arial"/>
             </a:endParaRPr>
           </a:p>
@@ -270,10 +258,7 @@
             <a:normAutofit/>
           </a:bodyPr>
           <a:p>
-            <a:endParaRPr b="0" lang="pt-PT" sz="2800" spc="-1" strike="noStrike">
-              <a:solidFill>
-                <a:srgbClr val="000000"/>
-              </a:solidFill>
+            <a:endParaRPr b="0" lang="pt-PT" sz="3200" spc="-1" strike="noStrike">
               <a:latin typeface="Arial"/>
             </a:endParaRPr>
           </a:p>
@@ -303,10 +288,7 @@
             <a:normAutofit/>
           </a:bodyPr>
           <a:p>
-            <a:endParaRPr b="0" lang="pt-PT" sz="2800" spc="-1" strike="noStrike">
-              <a:solidFill>
-                <a:srgbClr val="000000"/>
-              </a:solidFill>
+            <a:endParaRPr b="0" lang="pt-PT" sz="3200" spc="-1" strike="noStrike">
               <a:latin typeface="Arial"/>
             </a:endParaRPr>
           </a:p>
@@ -336,10 +318,7 @@
             <a:normAutofit/>
           </a:bodyPr>
           <a:p>
-            <a:endParaRPr b="0" lang="pt-PT" sz="2800" spc="-1" strike="noStrike">
-              <a:solidFill>
-                <a:srgbClr val="000000"/>
-              </a:solidFill>
+            <a:endParaRPr b="0" lang="pt-PT" sz="3200" spc="-1" strike="noStrike">
               <a:latin typeface="Arial"/>
             </a:endParaRPr>
           </a:p>
@@ -380,7 +359,7 @@
         <p:spPr>
           <a:xfrm>
             <a:off x="576000" y="729720"/>
-            <a:ext cx="11028240" cy="986760"/>
+            <a:ext cx="11027880" cy="986400"/>
           </a:xfrm>
           <a:prstGeom prst="rect">
             <a:avLst/>
@@ -391,10 +370,8 @@
             <a:noAutofit/>
           </a:bodyPr>
           <a:p>
-            <a:endParaRPr b="0" lang="pt-PT" sz="1800" spc="-1" strike="noStrike">
-              <a:solidFill>
-                <a:srgbClr val="000000"/>
-              </a:solidFill>
+            <a:pPr algn="ctr"/>
+            <a:endParaRPr b="0" lang="pt-PT" sz="4400" spc="-1" strike="noStrike">
               <a:latin typeface="Arial"/>
             </a:endParaRPr>
           </a:p>
@@ -424,10 +401,7 @@
             <a:normAutofit/>
           </a:bodyPr>
           <a:p>
-            <a:endParaRPr b="0" lang="pt-PT" sz="2800" spc="-1" strike="noStrike">
-              <a:solidFill>
-                <a:srgbClr val="000000"/>
-              </a:solidFill>
+            <a:endParaRPr b="0" lang="pt-PT" sz="3200" spc="-1" strike="noStrike">
               <a:latin typeface="Arial"/>
             </a:endParaRPr>
           </a:p>
@@ -457,10 +431,7 @@
             <a:normAutofit/>
           </a:bodyPr>
           <a:p>
-            <a:endParaRPr b="0" lang="pt-PT" sz="2800" spc="-1" strike="noStrike">
-              <a:solidFill>
-                <a:srgbClr val="000000"/>
-              </a:solidFill>
+            <a:endParaRPr b="0" lang="pt-PT" sz="3200" spc="-1" strike="noStrike">
               <a:latin typeface="Arial"/>
             </a:endParaRPr>
           </a:p>
@@ -490,10 +461,7 @@
             <a:normAutofit/>
           </a:bodyPr>
           <a:p>
-            <a:endParaRPr b="0" lang="pt-PT" sz="2800" spc="-1" strike="noStrike">
-              <a:solidFill>
-                <a:srgbClr val="000000"/>
-              </a:solidFill>
+            <a:endParaRPr b="0" lang="pt-PT" sz="3200" spc="-1" strike="noStrike">
               <a:latin typeface="Arial"/>
             </a:endParaRPr>
           </a:p>
@@ -523,10 +491,7 @@
             <a:normAutofit/>
           </a:bodyPr>
           <a:p>
-            <a:endParaRPr b="0" lang="pt-PT" sz="2800" spc="-1" strike="noStrike">
-              <a:solidFill>
-                <a:srgbClr val="000000"/>
-              </a:solidFill>
+            <a:endParaRPr b="0" lang="pt-PT" sz="3200" spc="-1" strike="noStrike">
               <a:latin typeface="Arial"/>
             </a:endParaRPr>
           </a:p>
@@ -556,10 +521,7 @@
             <a:normAutofit/>
           </a:bodyPr>
           <a:p>
-            <a:endParaRPr b="0" lang="pt-PT" sz="2800" spc="-1" strike="noStrike">
-              <a:solidFill>
-                <a:srgbClr val="000000"/>
-              </a:solidFill>
+            <a:endParaRPr b="0" lang="pt-PT" sz="3200" spc="-1" strike="noStrike">
               <a:latin typeface="Arial"/>
             </a:endParaRPr>
           </a:p>
@@ -589,10 +551,7 @@
             <a:normAutofit/>
           </a:bodyPr>
           <a:p>
-            <a:endParaRPr b="0" lang="pt-PT" sz="2800" spc="-1" strike="noStrike">
-              <a:solidFill>
-                <a:srgbClr val="000000"/>
-              </a:solidFill>
+            <a:endParaRPr b="0" lang="pt-PT" sz="3200" spc="-1" strike="noStrike">
               <a:latin typeface="Arial"/>
             </a:endParaRPr>
           </a:p>
@@ -655,7 +614,7 @@
         <p:spPr>
           <a:xfrm>
             <a:off x="576000" y="729720"/>
-            <a:ext cx="11028240" cy="986760"/>
+            <a:ext cx="11027880" cy="986400"/>
           </a:xfrm>
           <a:prstGeom prst="rect">
             <a:avLst/>
@@ -666,10 +625,8 @@
             <a:noAutofit/>
           </a:bodyPr>
           <a:p>
-            <a:endParaRPr b="0" lang="pt-PT" sz="1800" spc="-1" strike="noStrike">
-              <a:solidFill>
-                <a:srgbClr val="000000"/>
-              </a:solidFill>
+            <a:pPr algn="ctr"/>
+            <a:endParaRPr b="0" lang="pt-PT" sz="4400" spc="-1" strike="noStrike">
               <a:latin typeface="Arial"/>
             </a:endParaRPr>
           </a:p>
@@ -741,7 +698,7 @@
         <p:spPr>
           <a:xfrm>
             <a:off x="576000" y="729720"/>
-            <a:ext cx="11028240" cy="986760"/>
+            <a:ext cx="11027880" cy="986400"/>
           </a:xfrm>
           <a:prstGeom prst="rect">
             <a:avLst/>
@@ -752,10 +709,8 @@
             <a:noAutofit/>
           </a:bodyPr>
           <a:p>
-            <a:endParaRPr b="0" lang="pt-PT" sz="1800" spc="-1" strike="noStrike">
-              <a:solidFill>
-                <a:srgbClr val="000000"/>
-              </a:solidFill>
+            <a:pPr algn="ctr"/>
+            <a:endParaRPr b="0" lang="pt-PT" sz="4400" spc="-1" strike="noStrike">
               <a:latin typeface="Arial"/>
             </a:endParaRPr>
           </a:p>
@@ -785,10 +740,7 @@
             <a:normAutofit/>
           </a:bodyPr>
           <a:p>
-            <a:endParaRPr b="0" lang="pt-PT" sz="2800" spc="-1" strike="noStrike">
-              <a:solidFill>
-                <a:srgbClr val="000000"/>
-              </a:solidFill>
+            <a:endParaRPr b="0" lang="pt-PT" sz="3200" spc="-1" strike="noStrike">
               <a:latin typeface="Arial"/>
             </a:endParaRPr>
           </a:p>
@@ -829,7 +781,7 @@
         <p:spPr>
           <a:xfrm>
             <a:off x="576000" y="729720"/>
-            <a:ext cx="11028240" cy="986760"/>
+            <a:ext cx="11027880" cy="986400"/>
           </a:xfrm>
           <a:prstGeom prst="rect">
             <a:avLst/>
@@ -840,10 +792,8 @@
             <a:noAutofit/>
           </a:bodyPr>
           <a:p>
-            <a:endParaRPr b="0" lang="pt-PT" sz="1800" spc="-1" strike="noStrike">
-              <a:solidFill>
-                <a:srgbClr val="000000"/>
-              </a:solidFill>
+            <a:pPr algn="ctr"/>
+            <a:endParaRPr b="0" lang="pt-PT" sz="4400" spc="-1" strike="noStrike">
               <a:latin typeface="Arial"/>
             </a:endParaRPr>
           </a:p>
@@ -873,10 +823,7 @@
             <a:normAutofit/>
           </a:bodyPr>
           <a:p>
-            <a:endParaRPr b="0" lang="pt-PT" sz="2800" spc="-1" strike="noStrike">
-              <a:solidFill>
-                <a:srgbClr val="000000"/>
-              </a:solidFill>
+            <a:endParaRPr b="0" lang="pt-PT" sz="3200" spc="-1" strike="noStrike">
               <a:latin typeface="Arial"/>
             </a:endParaRPr>
           </a:p>
@@ -906,10 +853,7 @@
             <a:normAutofit/>
           </a:bodyPr>
           <a:p>
-            <a:endParaRPr b="0" lang="pt-PT" sz="2800" spc="-1" strike="noStrike">
-              <a:solidFill>
-                <a:srgbClr val="000000"/>
-              </a:solidFill>
+            <a:endParaRPr b="0" lang="pt-PT" sz="3200" spc="-1" strike="noStrike">
               <a:latin typeface="Arial"/>
             </a:endParaRPr>
           </a:p>
@@ -950,7 +894,7 @@
         <p:spPr>
           <a:xfrm>
             <a:off x="576000" y="729720"/>
-            <a:ext cx="11028240" cy="986760"/>
+            <a:ext cx="11027880" cy="986400"/>
           </a:xfrm>
           <a:prstGeom prst="rect">
             <a:avLst/>
@@ -961,10 +905,8 @@
             <a:noAutofit/>
           </a:bodyPr>
           <a:p>
-            <a:endParaRPr b="0" lang="pt-PT" sz="1800" spc="-1" strike="noStrike">
-              <a:solidFill>
-                <a:srgbClr val="000000"/>
-              </a:solidFill>
+            <a:pPr algn="ctr"/>
+            <a:endParaRPr b="0" lang="pt-PT" sz="4400" spc="-1" strike="noStrike">
               <a:latin typeface="Arial"/>
             </a:endParaRPr>
           </a:p>
@@ -1005,7 +947,7 @@
         <p:spPr>
           <a:xfrm>
             <a:off x="576000" y="729720"/>
-            <a:ext cx="11028240" cy="4575240"/>
+            <a:ext cx="11027880" cy="4573800"/>
           </a:xfrm>
           <a:prstGeom prst="rect">
             <a:avLst/>
@@ -1058,7 +1000,7 @@
         <p:spPr>
           <a:xfrm>
             <a:off x="576000" y="729720"/>
-            <a:ext cx="11028240" cy="986760"/>
+            <a:ext cx="11027880" cy="986400"/>
           </a:xfrm>
           <a:prstGeom prst="rect">
             <a:avLst/>
@@ -1069,10 +1011,8 @@
             <a:noAutofit/>
           </a:bodyPr>
           <a:p>
-            <a:endParaRPr b="0" lang="pt-PT" sz="1800" spc="-1" strike="noStrike">
-              <a:solidFill>
-                <a:srgbClr val="000000"/>
-              </a:solidFill>
+            <a:pPr algn="ctr"/>
+            <a:endParaRPr b="0" lang="pt-PT" sz="4400" spc="-1" strike="noStrike">
               <a:latin typeface="Arial"/>
             </a:endParaRPr>
           </a:p>
@@ -1102,10 +1042,7 @@
             <a:normAutofit/>
           </a:bodyPr>
           <a:p>
-            <a:endParaRPr b="0" lang="pt-PT" sz="2800" spc="-1" strike="noStrike">
-              <a:solidFill>
-                <a:srgbClr val="000000"/>
-              </a:solidFill>
+            <a:endParaRPr b="0" lang="pt-PT" sz="3200" spc="-1" strike="noStrike">
               <a:latin typeface="Arial"/>
             </a:endParaRPr>
           </a:p>
@@ -1135,10 +1072,7 @@
             <a:normAutofit/>
           </a:bodyPr>
           <a:p>
-            <a:endParaRPr b="0" lang="pt-PT" sz="2800" spc="-1" strike="noStrike">
-              <a:solidFill>
-                <a:srgbClr val="000000"/>
-              </a:solidFill>
+            <a:endParaRPr b="0" lang="pt-PT" sz="3200" spc="-1" strike="noStrike">
               <a:latin typeface="Arial"/>
             </a:endParaRPr>
           </a:p>
@@ -1168,10 +1102,7 @@
             <a:normAutofit/>
           </a:bodyPr>
           <a:p>
-            <a:endParaRPr b="0" lang="pt-PT" sz="2800" spc="-1" strike="noStrike">
-              <a:solidFill>
-                <a:srgbClr val="000000"/>
-              </a:solidFill>
+            <a:endParaRPr b="0" lang="pt-PT" sz="3200" spc="-1" strike="noStrike">
               <a:latin typeface="Arial"/>
             </a:endParaRPr>
           </a:p>
@@ -1212,7 +1143,7 @@
         <p:spPr>
           <a:xfrm>
             <a:off x="576000" y="729720"/>
-            <a:ext cx="11028240" cy="986760"/>
+            <a:ext cx="11027880" cy="986400"/>
           </a:xfrm>
           <a:prstGeom prst="rect">
             <a:avLst/>
@@ -1223,10 +1154,8 @@
             <a:noAutofit/>
           </a:bodyPr>
           <a:p>
-            <a:endParaRPr b="0" lang="pt-PT" sz="1800" spc="-1" strike="noStrike">
-              <a:solidFill>
-                <a:srgbClr val="000000"/>
-              </a:solidFill>
+            <a:pPr algn="ctr"/>
+            <a:endParaRPr b="0" lang="pt-PT" sz="4400" spc="-1" strike="noStrike">
               <a:latin typeface="Arial"/>
             </a:endParaRPr>
           </a:p>
@@ -1298,7 +1227,7 @@
         <p:spPr>
           <a:xfrm>
             <a:off x="576000" y="729720"/>
-            <a:ext cx="11028240" cy="986760"/>
+            <a:ext cx="11027880" cy="986400"/>
           </a:xfrm>
           <a:prstGeom prst="rect">
             <a:avLst/>
@@ -1309,10 +1238,8 @@
             <a:noAutofit/>
           </a:bodyPr>
           <a:p>
-            <a:endParaRPr b="0" lang="pt-PT" sz="1800" spc="-1" strike="noStrike">
-              <a:solidFill>
-                <a:srgbClr val="000000"/>
-              </a:solidFill>
+            <a:pPr algn="ctr"/>
+            <a:endParaRPr b="0" lang="pt-PT" sz="4400" spc="-1" strike="noStrike">
               <a:latin typeface="Arial"/>
             </a:endParaRPr>
           </a:p>
@@ -1342,10 +1269,7 @@
             <a:normAutofit/>
           </a:bodyPr>
           <a:p>
-            <a:endParaRPr b="0" lang="pt-PT" sz="2800" spc="-1" strike="noStrike">
-              <a:solidFill>
-                <a:srgbClr val="000000"/>
-              </a:solidFill>
+            <a:endParaRPr b="0" lang="pt-PT" sz="3200" spc="-1" strike="noStrike">
               <a:latin typeface="Arial"/>
             </a:endParaRPr>
           </a:p>
@@ -1375,10 +1299,7 @@
             <a:normAutofit/>
           </a:bodyPr>
           <a:p>
-            <a:endParaRPr b="0" lang="pt-PT" sz="2800" spc="-1" strike="noStrike">
-              <a:solidFill>
-                <a:srgbClr val="000000"/>
-              </a:solidFill>
+            <a:endParaRPr b="0" lang="pt-PT" sz="3200" spc="-1" strike="noStrike">
               <a:latin typeface="Arial"/>
             </a:endParaRPr>
           </a:p>
@@ -1408,10 +1329,7 @@
             <a:normAutofit/>
           </a:bodyPr>
           <a:p>
-            <a:endParaRPr b="0" lang="pt-PT" sz="2800" spc="-1" strike="noStrike">
-              <a:solidFill>
-                <a:srgbClr val="000000"/>
-              </a:solidFill>
+            <a:endParaRPr b="0" lang="pt-PT" sz="3200" spc="-1" strike="noStrike">
               <a:latin typeface="Arial"/>
             </a:endParaRPr>
           </a:p>
@@ -1452,7 +1370,7 @@
         <p:spPr>
           <a:xfrm>
             <a:off x="576000" y="729720"/>
-            <a:ext cx="11028240" cy="986760"/>
+            <a:ext cx="11027880" cy="986400"/>
           </a:xfrm>
           <a:prstGeom prst="rect">
             <a:avLst/>
@@ -1463,10 +1381,8 @@
             <a:noAutofit/>
           </a:bodyPr>
           <a:p>
-            <a:endParaRPr b="0" lang="pt-PT" sz="1800" spc="-1" strike="noStrike">
-              <a:solidFill>
-                <a:srgbClr val="000000"/>
-              </a:solidFill>
+            <a:pPr algn="ctr"/>
+            <a:endParaRPr b="0" lang="pt-PT" sz="4400" spc="-1" strike="noStrike">
               <a:latin typeface="Arial"/>
             </a:endParaRPr>
           </a:p>
@@ -1496,10 +1412,7 @@
             <a:normAutofit/>
           </a:bodyPr>
           <a:p>
-            <a:endParaRPr b="0" lang="pt-PT" sz="2800" spc="-1" strike="noStrike">
-              <a:solidFill>
-                <a:srgbClr val="000000"/>
-              </a:solidFill>
+            <a:endParaRPr b="0" lang="pt-PT" sz="3200" spc="-1" strike="noStrike">
               <a:latin typeface="Arial"/>
             </a:endParaRPr>
           </a:p>
@@ -1529,10 +1442,7 @@
             <a:normAutofit/>
           </a:bodyPr>
           <a:p>
-            <a:endParaRPr b="0" lang="pt-PT" sz="2800" spc="-1" strike="noStrike">
-              <a:solidFill>
-                <a:srgbClr val="000000"/>
-              </a:solidFill>
+            <a:endParaRPr b="0" lang="pt-PT" sz="3200" spc="-1" strike="noStrike">
               <a:latin typeface="Arial"/>
             </a:endParaRPr>
           </a:p>
@@ -1562,10 +1472,7 @@
             <a:normAutofit/>
           </a:bodyPr>
           <a:p>
-            <a:endParaRPr b="0" lang="pt-PT" sz="2800" spc="-1" strike="noStrike">
-              <a:solidFill>
-                <a:srgbClr val="000000"/>
-              </a:solidFill>
+            <a:endParaRPr b="0" lang="pt-PT" sz="3200" spc="-1" strike="noStrike">
               <a:latin typeface="Arial"/>
             </a:endParaRPr>
           </a:p>
@@ -1606,7 +1513,7 @@
         <p:spPr>
           <a:xfrm>
             <a:off x="576000" y="729720"/>
-            <a:ext cx="11028240" cy="986760"/>
+            <a:ext cx="11027880" cy="986400"/>
           </a:xfrm>
           <a:prstGeom prst="rect">
             <a:avLst/>
@@ -1617,10 +1524,8 @@
             <a:noAutofit/>
           </a:bodyPr>
           <a:p>
-            <a:endParaRPr b="0" lang="pt-PT" sz="1800" spc="-1" strike="noStrike">
-              <a:solidFill>
-                <a:srgbClr val="000000"/>
-              </a:solidFill>
+            <a:pPr algn="ctr"/>
+            <a:endParaRPr b="0" lang="pt-PT" sz="4400" spc="-1" strike="noStrike">
               <a:latin typeface="Arial"/>
             </a:endParaRPr>
           </a:p>
@@ -1650,10 +1555,7 @@
             <a:normAutofit/>
           </a:bodyPr>
           <a:p>
-            <a:endParaRPr b="0" lang="pt-PT" sz="2800" spc="-1" strike="noStrike">
-              <a:solidFill>
-                <a:srgbClr val="000000"/>
-              </a:solidFill>
+            <a:endParaRPr b="0" lang="pt-PT" sz="3200" spc="-1" strike="noStrike">
               <a:latin typeface="Arial"/>
             </a:endParaRPr>
           </a:p>
@@ -1683,10 +1585,7 @@
             <a:normAutofit/>
           </a:bodyPr>
           <a:p>
-            <a:endParaRPr b="0" lang="pt-PT" sz="2800" spc="-1" strike="noStrike">
-              <a:solidFill>
-                <a:srgbClr val="000000"/>
-              </a:solidFill>
+            <a:endParaRPr b="0" lang="pt-PT" sz="3200" spc="-1" strike="noStrike">
               <a:latin typeface="Arial"/>
             </a:endParaRPr>
           </a:p>
@@ -1727,7 +1626,7 @@
         <p:spPr>
           <a:xfrm>
             <a:off x="576000" y="729720"/>
-            <a:ext cx="11028240" cy="986760"/>
+            <a:ext cx="11027880" cy="986400"/>
           </a:xfrm>
           <a:prstGeom prst="rect">
             <a:avLst/>
@@ -1738,10 +1637,8 @@
             <a:noAutofit/>
           </a:bodyPr>
           <a:p>
-            <a:endParaRPr b="0" lang="pt-PT" sz="1800" spc="-1" strike="noStrike">
-              <a:solidFill>
-                <a:srgbClr val="000000"/>
-              </a:solidFill>
+            <a:pPr algn="ctr"/>
+            <a:endParaRPr b="0" lang="pt-PT" sz="4400" spc="-1" strike="noStrike">
               <a:latin typeface="Arial"/>
             </a:endParaRPr>
           </a:p>
@@ -1771,10 +1668,7 @@
             <a:normAutofit/>
           </a:bodyPr>
           <a:p>
-            <a:endParaRPr b="0" lang="pt-PT" sz="2800" spc="-1" strike="noStrike">
-              <a:solidFill>
-                <a:srgbClr val="000000"/>
-              </a:solidFill>
+            <a:endParaRPr b="0" lang="pt-PT" sz="3200" spc="-1" strike="noStrike">
               <a:latin typeface="Arial"/>
             </a:endParaRPr>
           </a:p>
@@ -1804,10 +1698,7 @@
             <a:normAutofit/>
           </a:bodyPr>
           <a:p>
-            <a:endParaRPr b="0" lang="pt-PT" sz="2800" spc="-1" strike="noStrike">
-              <a:solidFill>
-                <a:srgbClr val="000000"/>
-              </a:solidFill>
+            <a:endParaRPr b="0" lang="pt-PT" sz="3200" spc="-1" strike="noStrike">
               <a:latin typeface="Arial"/>
             </a:endParaRPr>
           </a:p>
@@ -1837,10 +1728,7 @@
             <a:normAutofit/>
           </a:bodyPr>
           <a:p>
-            <a:endParaRPr b="0" lang="pt-PT" sz="2800" spc="-1" strike="noStrike">
-              <a:solidFill>
-                <a:srgbClr val="000000"/>
-              </a:solidFill>
+            <a:endParaRPr b="0" lang="pt-PT" sz="3200" spc="-1" strike="noStrike">
               <a:latin typeface="Arial"/>
             </a:endParaRPr>
           </a:p>
@@ -1870,10 +1758,7 @@
             <a:normAutofit/>
           </a:bodyPr>
           <a:p>
-            <a:endParaRPr b="0" lang="pt-PT" sz="2800" spc="-1" strike="noStrike">
-              <a:solidFill>
-                <a:srgbClr val="000000"/>
-              </a:solidFill>
+            <a:endParaRPr b="0" lang="pt-PT" sz="3200" spc="-1" strike="noStrike">
               <a:latin typeface="Arial"/>
             </a:endParaRPr>
           </a:p>
@@ -1914,7 +1799,7 @@
         <p:spPr>
           <a:xfrm>
             <a:off x="576000" y="729720"/>
-            <a:ext cx="11028240" cy="986760"/>
+            <a:ext cx="11027880" cy="986400"/>
           </a:xfrm>
           <a:prstGeom prst="rect">
             <a:avLst/>
@@ -1925,10 +1810,8 @@
             <a:noAutofit/>
           </a:bodyPr>
           <a:p>
-            <a:endParaRPr b="0" lang="pt-PT" sz="1800" spc="-1" strike="noStrike">
-              <a:solidFill>
-                <a:srgbClr val="000000"/>
-              </a:solidFill>
+            <a:pPr algn="ctr"/>
+            <a:endParaRPr b="0" lang="pt-PT" sz="4400" spc="-1" strike="noStrike">
               <a:latin typeface="Arial"/>
             </a:endParaRPr>
           </a:p>
@@ -1958,10 +1841,7 @@
             <a:normAutofit/>
           </a:bodyPr>
           <a:p>
-            <a:endParaRPr b="0" lang="pt-PT" sz="2800" spc="-1" strike="noStrike">
-              <a:solidFill>
-                <a:srgbClr val="000000"/>
-              </a:solidFill>
+            <a:endParaRPr b="0" lang="pt-PT" sz="3200" spc="-1" strike="noStrike">
               <a:latin typeface="Arial"/>
             </a:endParaRPr>
           </a:p>
@@ -1991,10 +1871,7 @@
             <a:normAutofit/>
           </a:bodyPr>
           <a:p>
-            <a:endParaRPr b="0" lang="pt-PT" sz="2800" spc="-1" strike="noStrike">
-              <a:solidFill>
-                <a:srgbClr val="000000"/>
-              </a:solidFill>
+            <a:endParaRPr b="0" lang="pt-PT" sz="3200" spc="-1" strike="noStrike">
               <a:latin typeface="Arial"/>
             </a:endParaRPr>
           </a:p>
@@ -2024,10 +1901,7 @@
             <a:normAutofit/>
           </a:bodyPr>
           <a:p>
-            <a:endParaRPr b="0" lang="pt-PT" sz="2800" spc="-1" strike="noStrike">
-              <a:solidFill>
-                <a:srgbClr val="000000"/>
-              </a:solidFill>
+            <a:endParaRPr b="0" lang="pt-PT" sz="3200" spc="-1" strike="noStrike">
               <a:latin typeface="Arial"/>
             </a:endParaRPr>
           </a:p>
@@ -2057,10 +1931,7 @@
             <a:normAutofit/>
           </a:bodyPr>
           <a:p>
-            <a:endParaRPr b="0" lang="pt-PT" sz="2800" spc="-1" strike="noStrike">
-              <a:solidFill>
-                <a:srgbClr val="000000"/>
-              </a:solidFill>
+            <a:endParaRPr b="0" lang="pt-PT" sz="3200" spc="-1" strike="noStrike">
               <a:latin typeface="Arial"/>
             </a:endParaRPr>
           </a:p>
@@ -2090,10 +1961,7 @@
             <a:normAutofit/>
           </a:bodyPr>
           <a:p>
-            <a:endParaRPr b="0" lang="pt-PT" sz="2800" spc="-1" strike="noStrike">
-              <a:solidFill>
-                <a:srgbClr val="000000"/>
-              </a:solidFill>
+            <a:endParaRPr b="0" lang="pt-PT" sz="3200" spc="-1" strike="noStrike">
               <a:latin typeface="Arial"/>
             </a:endParaRPr>
           </a:p>
@@ -2123,10 +1991,7 @@
             <a:normAutofit/>
           </a:bodyPr>
           <a:p>
-            <a:endParaRPr b="0" lang="pt-PT" sz="2800" spc="-1" strike="noStrike">
-              <a:solidFill>
-                <a:srgbClr val="000000"/>
-              </a:solidFill>
+            <a:endParaRPr b="0" lang="pt-PT" sz="3200" spc="-1" strike="noStrike">
               <a:latin typeface="Arial"/>
             </a:endParaRPr>
           </a:p>
@@ -2189,7 +2054,7 @@
         <p:spPr>
           <a:xfrm>
             <a:off x="576000" y="729720"/>
-            <a:ext cx="11028240" cy="986760"/>
+            <a:ext cx="11027880" cy="986400"/>
           </a:xfrm>
           <a:prstGeom prst="rect">
             <a:avLst/>
@@ -2200,10 +2065,8 @@
             <a:noAutofit/>
           </a:bodyPr>
           <a:p>
-            <a:endParaRPr b="0" lang="pt-PT" sz="1800" spc="-1" strike="noStrike">
-              <a:solidFill>
-                <a:srgbClr val="000000"/>
-              </a:solidFill>
+            <a:pPr algn="ctr"/>
+            <a:endParaRPr b="0" lang="pt-PT" sz="4400" spc="-1" strike="noStrike">
               <a:latin typeface="Arial"/>
             </a:endParaRPr>
           </a:p>
@@ -2275,7 +2138,7 @@
         <p:spPr>
           <a:xfrm>
             <a:off x="576000" y="729720"/>
-            <a:ext cx="11028240" cy="986760"/>
+            <a:ext cx="11027880" cy="986400"/>
           </a:xfrm>
           <a:prstGeom prst="rect">
             <a:avLst/>
@@ -2286,10 +2149,8 @@
             <a:noAutofit/>
           </a:bodyPr>
           <a:p>
-            <a:endParaRPr b="0" lang="pt-PT" sz="1800" spc="-1" strike="noStrike">
-              <a:solidFill>
-                <a:srgbClr val="000000"/>
-              </a:solidFill>
+            <a:pPr algn="ctr"/>
+            <a:endParaRPr b="0" lang="pt-PT" sz="4400" spc="-1" strike="noStrike">
               <a:latin typeface="Arial"/>
             </a:endParaRPr>
           </a:p>
@@ -2319,10 +2180,7 @@
             <a:normAutofit/>
           </a:bodyPr>
           <a:p>
-            <a:endParaRPr b="0" lang="pt-PT" sz="2800" spc="-1" strike="noStrike">
-              <a:solidFill>
-                <a:srgbClr val="000000"/>
-              </a:solidFill>
+            <a:endParaRPr b="0" lang="pt-PT" sz="3200" spc="-1" strike="noStrike">
               <a:latin typeface="Arial"/>
             </a:endParaRPr>
           </a:p>
@@ -2363,7 +2221,7 @@
         <p:spPr>
           <a:xfrm>
             <a:off x="576000" y="729720"/>
-            <a:ext cx="11028240" cy="986760"/>
+            <a:ext cx="11027880" cy="986400"/>
           </a:xfrm>
           <a:prstGeom prst="rect">
             <a:avLst/>
@@ -2374,10 +2232,8 @@
             <a:noAutofit/>
           </a:bodyPr>
           <a:p>
-            <a:endParaRPr b="0" lang="pt-PT" sz="1800" spc="-1" strike="noStrike">
-              <a:solidFill>
-                <a:srgbClr val="000000"/>
-              </a:solidFill>
+            <a:pPr algn="ctr"/>
+            <a:endParaRPr b="0" lang="pt-PT" sz="4400" spc="-1" strike="noStrike">
               <a:latin typeface="Arial"/>
             </a:endParaRPr>
           </a:p>
@@ -2407,10 +2263,7 @@
             <a:normAutofit/>
           </a:bodyPr>
           <a:p>
-            <a:endParaRPr b="0" lang="pt-PT" sz="2800" spc="-1" strike="noStrike">
-              <a:solidFill>
-                <a:srgbClr val="000000"/>
-              </a:solidFill>
+            <a:endParaRPr b="0" lang="pt-PT" sz="3200" spc="-1" strike="noStrike">
               <a:latin typeface="Arial"/>
             </a:endParaRPr>
           </a:p>
@@ -2440,10 +2293,7 @@
             <a:normAutofit/>
           </a:bodyPr>
           <a:p>
-            <a:endParaRPr b="0" lang="pt-PT" sz="2800" spc="-1" strike="noStrike">
-              <a:solidFill>
-                <a:srgbClr val="000000"/>
-              </a:solidFill>
+            <a:endParaRPr b="0" lang="pt-PT" sz="3200" spc="-1" strike="noStrike">
               <a:latin typeface="Arial"/>
             </a:endParaRPr>
           </a:p>
@@ -2484,7 +2334,7 @@
         <p:spPr>
           <a:xfrm>
             <a:off x="576000" y="729720"/>
-            <a:ext cx="11028240" cy="986760"/>
+            <a:ext cx="11027880" cy="986400"/>
           </a:xfrm>
           <a:prstGeom prst="rect">
             <a:avLst/>
@@ -2495,10 +2345,8 @@
             <a:noAutofit/>
           </a:bodyPr>
           <a:p>
-            <a:endParaRPr b="0" lang="pt-PT" sz="1800" spc="-1" strike="noStrike">
-              <a:solidFill>
-                <a:srgbClr val="000000"/>
-              </a:solidFill>
+            <a:pPr algn="ctr"/>
+            <a:endParaRPr b="0" lang="pt-PT" sz="4400" spc="-1" strike="noStrike">
               <a:latin typeface="Arial"/>
             </a:endParaRPr>
           </a:p>
@@ -2539,7 +2387,7 @@
         <p:spPr>
           <a:xfrm>
             <a:off x="576000" y="729720"/>
-            <a:ext cx="11028240" cy="986760"/>
+            <a:ext cx="11027880" cy="986400"/>
           </a:xfrm>
           <a:prstGeom prst="rect">
             <a:avLst/>
@@ -2550,10 +2398,8 @@
             <a:noAutofit/>
           </a:bodyPr>
           <a:p>
-            <a:endParaRPr b="0" lang="pt-PT" sz="1800" spc="-1" strike="noStrike">
-              <a:solidFill>
-                <a:srgbClr val="000000"/>
-              </a:solidFill>
+            <a:pPr algn="ctr"/>
+            <a:endParaRPr b="0" lang="pt-PT" sz="4400" spc="-1" strike="noStrike">
               <a:latin typeface="Arial"/>
             </a:endParaRPr>
           </a:p>
@@ -2583,10 +2429,7 @@
             <a:normAutofit/>
           </a:bodyPr>
           <a:p>
-            <a:endParaRPr b="0" lang="pt-PT" sz="2800" spc="-1" strike="noStrike">
-              <a:solidFill>
-                <a:srgbClr val="000000"/>
-              </a:solidFill>
+            <a:endParaRPr b="0" lang="pt-PT" sz="3200" spc="-1" strike="noStrike">
               <a:latin typeface="Arial"/>
             </a:endParaRPr>
           </a:p>
@@ -2627,7 +2470,7 @@
         <p:spPr>
           <a:xfrm>
             <a:off x="576000" y="729720"/>
-            <a:ext cx="11028240" cy="4575240"/>
+            <a:ext cx="11027880" cy="4573800"/>
           </a:xfrm>
           <a:prstGeom prst="rect">
             <a:avLst/>
@@ -2680,7 +2523,7 @@
         <p:spPr>
           <a:xfrm>
             <a:off x="576000" y="729720"/>
-            <a:ext cx="11028240" cy="986760"/>
+            <a:ext cx="11027880" cy="986400"/>
           </a:xfrm>
           <a:prstGeom prst="rect">
             <a:avLst/>
@@ -2691,10 +2534,8 @@
             <a:noAutofit/>
           </a:bodyPr>
           <a:p>
-            <a:endParaRPr b="0" lang="pt-PT" sz="1800" spc="-1" strike="noStrike">
-              <a:solidFill>
-                <a:srgbClr val="000000"/>
-              </a:solidFill>
+            <a:pPr algn="ctr"/>
+            <a:endParaRPr b="0" lang="pt-PT" sz="4400" spc="-1" strike="noStrike">
               <a:latin typeface="Arial"/>
             </a:endParaRPr>
           </a:p>
@@ -2724,10 +2565,7 @@
             <a:normAutofit/>
           </a:bodyPr>
           <a:p>
-            <a:endParaRPr b="0" lang="pt-PT" sz="2800" spc="-1" strike="noStrike">
-              <a:solidFill>
-                <a:srgbClr val="000000"/>
-              </a:solidFill>
+            <a:endParaRPr b="0" lang="pt-PT" sz="3200" spc="-1" strike="noStrike">
               <a:latin typeface="Arial"/>
             </a:endParaRPr>
           </a:p>
@@ -2757,10 +2595,7 @@
             <a:normAutofit/>
           </a:bodyPr>
           <a:p>
-            <a:endParaRPr b="0" lang="pt-PT" sz="2800" spc="-1" strike="noStrike">
-              <a:solidFill>
-                <a:srgbClr val="000000"/>
-              </a:solidFill>
+            <a:endParaRPr b="0" lang="pt-PT" sz="3200" spc="-1" strike="noStrike">
               <a:latin typeface="Arial"/>
             </a:endParaRPr>
           </a:p>
@@ -2790,10 +2625,7 @@
             <a:normAutofit/>
           </a:bodyPr>
           <a:p>
-            <a:endParaRPr b="0" lang="pt-PT" sz="2800" spc="-1" strike="noStrike">
-              <a:solidFill>
-                <a:srgbClr val="000000"/>
-              </a:solidFill>
+            <a:endParaRPr b="0" lang="pt-PT" sz="3200" spc="-1" strike="noStrike">
               <a:latin typeface="Arial"/>
             </a:endParaRPr>
           </a:p>
@@ -2834,7 +2666,7 @@
         <p:spPr>
           <a:xfrm>
             <a:off x="576000" y="729720"/>
-            <a:ext cx="11028240" cy="986760"/>
+            <a:ext cx="11027880" cy="986400"/>
           </a:xfrm>
           <a:prstGeom prst="rect">
             <a:avLst/>
@@ -2845,10 +2677,8 @@
             <a:noAutofit/>
           </a:bodyPr>
           <a:p>
-            <a:endParaRPr b="0" lang="pt-PT" sz="1800" spc="-1" strike="noStrike">
-              <a:solidFill>
-                <a:srgbClr val="000000"/>
-              </a:solidFill>
+            <a:pPr algn="ctr"/>
+            <a:endParaRPr b="0" lang="pt-PT" sz="4400" spc="-1" strike="noStrike">
               <a:latin typeface="Arial"/>
             </a:endParaRPr>
           </a:p>
@@ -2878,10 +2708,7 @@
             <a:normAutofit/>
           </a:bodyPr>
           <a:p>
-            <a:endParaRPr b="0" lang="pt-PT" sz="2800" spc="-1" strike="noStrike">
-              <a:solidFill>
-                <a:srgbClr val="000000"/>
-              </a:solidFill>
+            <a:endParaRPr b="0" lang="pt-PT" sz="3200" spc="-1" strike="noStrike">
               <a:latin typeface="Arial"/>
             </a:endParaRPr>
           </a:p>
@@ -2911,10 +2738,7 @@
             <a:normAutofit/>
           </a:bodyPr>
           <a:p>
-            <a:endParaRPr b="0" lang="pt-PT" sz="2800" spc="-1" strike="noStrike">
-              <a:solidFill>
-                <a:srgbClr val="000000"/>
-              </a:solidFill>
+            <a:endParaRPr b="0" lang="pt-PT" sz="3200" spc="-1" strike="noStrike">
               <a:latin typeface="Arial"/>
             </a:endParaRPr>
           </a:p>
@@ -2944,10 +2768,7 @@
             <a:normAutofit/>
           </a:bodyPr>
           <a:p>
-            <a:endParaRPr b="0" lang="pt-PT" sz="2800" spc="-1" strike="noStrike">
-              <a:solidFill>
-                <a:srgbClr val="000000"/>
-              </a:solidFill>
+            <a:endParaRPr b="0" lang="pt-PT" sz="3200" spc="-1" strike="noStrike">
               <a:latin typeface="Arial"/>
             </a:endParaRPr>
           </a:p>
@@ -2988,7 +2809,7 @@
         <p:spPr>
           <a:xfrm>
             <a:off x="576000" y="729720"/>
-            <a:ext cx="11028240" cy="986760"/>
+            <a:ext cx="11027880" cy="986400"/>
           </a:xfrm>
           <a:prstGeom prst="rect">
             <a:avLst/>
@@ -2999,10 +2820,8 @@
             <a:noAutofit/>
           </a:bodyPr>
           <a:p>
-            <a:endParaRPr b="0" lang="pt-PT" sz="1800" spc="-1" strike="noStrike">
-              <a:solidFill>
-                <a:srgbClr val="000000"/>
-              </a:solidFill>
+            <a:pPr algn="ctr"/>
+            <a:endParaRPr b="0" lang="pt-PT" sz="4400" spc="-1" strike="noStrike">
               <a:latin typeface="Arial"/>
             </a:endParaRPr>
           </a:p>
@@ -3032,10 +2851,7 @@
             <a:normAutofit/>
           </a:bodyPr>
           <a:p>
-            <a:endParaRPr b="0" lang="pt-PT" sz="2800" spc="-1" strike="noStrike">
-              <a:solidFill>
-                <a:srgbClr val="000000"/>
-              </a:solidFill>
+            <a:endParaRPr b="0" lang="pt-PT" sz="3200" spc="-1" strike="noStrike">
               <a:latin typeface="Arial"/>
             </a:endParaRPr>
           </a:p>
@@ -3065,10 +2881,7 @@
             <a:normAutofit/>
           </a:bodyPr>
           <a:p>
-            <a:endParaRPr b="0" lang="pt-PT" sz="2800" spc="-1" strike="noStrike">
-              <a:solidFill>
-                <a:srgbClr val="000000"/>
-              </a:solidFill>
+            <a:endParaRPr b="0" lang="pt-PT" sz="3200" spc="-1" strike="noStrike">
               <a:latin typeface="Arial"/>
             </a:endParaRPr>
           </a:p>
@@ -3098,10 +2911,7 @@
             <a:normAutofit/>
           </a:bodyPr>
           <a:p>
-            <a:endParaRPr b="0" lang="pt-PT" sz="2800" spc="-1" strike="noStrike">
-              <a:solidFill>
-                <a:srgbClr val="000000"/>
-              </a:solidFill>
+            <a:endParaRPr b="0" lang="pt-PT" sz="3200" spc="-1" strike="noStrike">
               <a:latin typeface="Arial"/>
             </a:endParaRPr>
           </a:p>
@@ -3142,7 +2952,7 @@
         <p:spPr>
           <a:xfrm>
             <a:off x="576000" y="729720"/>
-            <a:ext cx="11028240" cy="986760"/>
+            <a:ext cx="11027880" cy="986400"/>
           </a:xfrm>
           <a:prstGeom prst="rect">
             <a:avLst/>
@@ -3153,10 +2963,8 @@
             <a:noAutofit/>
           </a:bodyPr>
           <a:p>
-            <a:endParaRPr b="0" lang="pt-PT" sz="1800" spc="-1" strike="noStrike">
-              <a:solidFill>
-                <a:srgbClr val="000000"/>
-              </a:solidFill>
+            <a:pPr algn="ctr"/>
+            <a:endParaRPr b="0" lang="pt-PT" sz="4400" spc="-1" strike="noStrike">
               <a:latin typeface="Arial"/>
             </a:endParaRPr>
           </a:p>
@@ -3186,10 +2994,7 @@
             <a:normAutofit/>
           </a:bodyPr>
           <a:p>
-            <a:endParaRPr b="0" lang="pt-PT" sz="2800" spc="-1" strike="noStrike">
-              <a:solidFill>
-                <a:srgbClr val="000000"/>
-              </a:solidFill>
+            <a:endParaRPr b="0" lang="pt-PT" sz="3200" spc="-1" strike="noStrike">
               <a:latin typeface="Arial"/>
             </a:endParaRPr>
           </a:p>
@@ -3219,10 +3024,7 @@
             <a:normAutofit/>
           </a:bodyPr>
           <a:p>
-            <a:endParaRPr b="0" lang="pt-PT" sz="2800" spc="-1" strike="noStrike">
-              <a:solidFill>
-                <a:srgbClr val="000000"/>
-              </a:solidFill>
+            <a:endParaRPr b="0" lang="pt-PT" sz="3200" spc="-1" strike="noStrike">
               <a:latin typeface="Arial"/>
             </a:endParaRPr>
           </a:p>
@@ -3263,7 +3065,7 @@
         <p:spPr>
           <a:xfrm>
             <a:off x="576000" y="729720"/>
-            <a:ext cx="11028240" cy="986760"/>
+            <a:ext cx="11027880" cy="986400"/>
           </a:xfrm>
           <a:prstGeom prst="rect">
             <a:avLst/>
@@ -3274,10 +3076,8 @@
             <a:noAutofit/>
           </a:bodyPr>
           <a:p>
-            <a:endParaRPr b="0" lang="pt-PT" sz="1800" spc="-1" strike="noStrike">
-              <a:solidFill>
-                <a:srgbClr val="000000"/>
-              </a:solidFill>
+            <a:pPr algn="ctr"/>
+            <a:endParaRPr b="0" lang="pt-PT" sz="4400" spc="-1" strike="noStrike">
               <a:latin typeface="Arial"/>
             </a:endParaRPr>
           </a:p>
@@ -3307,10 +3107,7 @@
             <a:normAutofit/>
           </a:bodyPr>
           <a:p>
-            <a:endParaRPr b="0" lang="pt-PT" sz="2800" spc="-1" strike="noStrike">
-              <a:solidFill>
-                <a:srgbClr val="000000"/>
-              </a:solidFill>
+            <a:endParaRPr b="0" lang="pt-PT" sz="3200" spc="-1" strike="noStrike">
               <a:latin typeface="Arial"/>
             </a:endParaRPr>
           </a:p>
@@ -3340,10 +3137,7 @@
             <a:normAutofit/>
           </a:bodyPr>
           <a:p>
-            <a:endParaRPr b="0" lang="pt-PT" sz="2800" spc="-1" strike="noStrike">
-              <a:solidFill>
-                <a:srgbClr val="000000"/>
-              </a:solidFill>
+            <a:endParaRPr b="0" lang="pt-PT" sz="3200" spc="-1" strike="noStrike">
               <a:latin typeface="Arial"/>
             </a:endParaRPr>
           </a:p>
@@ -3373,10 +3167,7 @@
             <a:normAutofit/>
           </a:bodyPr>
           <a:p>
-            <a:endParaRPr b="0" lang="pt-PT" sz="2800" spc="-1" strike="noStrike">
-              <a:solidFill>
-                <a:srgbClr val="000000"/>
-              </a:solidFill>
+            <a:endParaRPr b="0" lang="pt-PT" sz="3200" spc="-1" strike="noStrike">
               <a:latin typeface="Arial"/>
             </a:endParaRPr>
           </a:p>
@@ -3406,10 +3197,7 @@
             <a:normAutofit/>
           </a:bodyPr>
           <a:p>
-            <a:endParaRPr b="0" lang="pt-PT" sz="2800" spc="-1" strike="noStrike">
-              <a:solidFill>
-                <a:srgbClr val="000000"/>
-              </a:solidFill>
+            <a:endParaRPr b="0" lang="pt-PT" sz="3200" spc="-1" strike="noStrike">
               <a:latin typeface="Arial"/>
             </a:endParaRPr>
           </a:p>
@@ -3450,7 +3238,7 @@
         <p:spPr>
           <a:xfrm>
             <a:off x="576000" y="729720"/>
-            <a:ext cx="11028240" cy="986760"/>
+            <a:ext cx="11027880" cy="986400"/>
           </a:xfrm>
           <a:prstGeom prst="rect">
             <a:avLst/>
@@ -3461,10 +3249,8 @@
             <a:noAutofit/>
           </a:bodyPr>
           <a:p>
-            <a:endParaRPr b="0" lang="pt-PT" sz="1800" spc="-1" strike="noStrike">
-              <a:solidFill>
-                <a:srgbClr val="000000"/>
-              </a:solidFill>
+            <a:pPr algn="ctr"/>
+            <a:endParaRPr b="0" lang="pt-PT" sz="4400" spc="-1" strike="noStrike">
               <a:latin typeface="Arial"/>
             </a:endParaRPr>
           </a:p>
@@ -3494,10 +3280,7 @@
             <a:normAutofit/>
           </a:bodyPr>
           <a:p>
-            <a:endParaRPr b="0" lang="pt-PT" sz="2800" spc="-1" strike="noStrike">
-              <a:solidFill>
-                <a:srgbClr val="000000"/>
-              </a:solidFill>
+            <a:endParaRPr b="0" lang="pt-PT" sz="3200" spc="-1" strike="noStrike">
               <a:latin typeface="Arial"/>
             </a:endParaRPr>
           </a:p>
@@ -3527,10 +3310,7 @@
             <a:normAutofit/>
           </a:bodyPr>
           <a:p>
-            <a:endParaRPr b="0" lang="pt-PT" sz="2800" spc="-1" strike="noStrike">
-              <a:solidFill>
-                <a:srgbClr val="000000"/>
-              </a:solidFill>
+            <a:endParaRPr b="0" lang="pt-PT" sz="3200" spc="-1" strike="noStrike">
               <a:latin typeface="Arial"/>
             </a:endParaRPr>
           </a:p>
@@ -3560,10 +3340,7 @@
             <a:normAutofit/>
           </a:bodyPr>
           <a:p>
-            <a:endParaRPr b="0" lang="pt-PT" sz="2800" spc="-1" strike="noStrike">
-              <a:solidFill>
-                <a:srgbClr val="000000"/>
-              </a:solidFill>
+            <a:endParaRPr b="0" lang="pt-PT" sz="3200" spc="-1" strike="noStrike">
               <a:latin typeface="Arial"/>
             </a:endParaRPr>
           </a:p>
@@ -3593,10 +3370,7 @@
             <a:normAutofit/>
           </a:bodyPr>
           <a:p>
-            <a:endParaRPr b="0" lang="pt-PT" sz="2800" spc="-1" strike="noStrike">
-              <a:solidFill>
-                <a:srgbClr val="000000"/>
-              </a:solidFill>
+            <a:endParaRPr b="0" lang="pt-PT" sz="3200" spc="-1" strike="noStrike">
               <a:latin typeface="Arial"/>
             </a:endParaRPr>
           </a:p>
@@ -3626,10 +3400,7 @@
             <a:normAutofit/>
           </a:bodyPr>
           <a:p>
-            <a:endParaRPr b="0" lang="pt-PT" sz="2800" spc="-1" strike="noStrike">
-              <a:solidFill>
-                <a:srgbClr val="000000"/>
-              </a:solidFill>
+            <a:endParaRPr b="0" lang="pt-PT" sz="3200" spc="-1" strike="noStrike">
               <a:latin typeface="Arial"/>
             </a:endParaRPr>
           </a:p>
@@ -3659,10 +3430,7 @@
             <a:normAutofit/>
           </a:bodyPr>
           <a:p>
-            <a:endParaRPr b="0" lang="pt-PT" sz="2800" spc="-1" strike="noStrike">
-              <a:solidFill>
-                <a:srgbClr val="000000"/>
-              </a:solidFill>
+            <a:endParaRPr b="0" lang="pt-PT" sz="3200" spc="-1" strike="noStrike">
               <a:latin typeface="Arial"/>
             </a:endParaRPr>
           </a:p>
@@ -3703,7 +3471,7 @@
         <p:spPr>
           <a:xfrm>
             <a:off x="576000" y="729720"/>
-            <a:ext cx="11028240" cy="986760"/>
+            <a:ext cx="11027880" cy="986400"/>
           </a:xfrm>
           <a:prstGeom prst="rect">
             <a:avLst/>
@@ -3714,10 +3482,8 @@
             <a:noAutofit/>
           </a:bodyPr>
           <a:p>
-            <a:endParaRPr b="0" lang="pt-PT" sz="1800" spc="-1" strike="noStrike">
-              <a:solidFill>
-                <a:srgbClr val="000000"/>
-              </a:solidFill>
+            <a:pPr algn="ctr"/>
+            <a:endParaRPr b="0" lang="pt-PT" sz="4400" spc="-1" strike="noStrike">
               <a:latin typeface="Arial"/>
             </a:endParaRPr>
           </a:p>
@@ -3747,10 +3513,7 @@
             <a:normAutofit/>
           </a:bodyPr>
           <a:p>
-            <a:endParaRPr b="0" lang="pt-PT" sz="2800" spc="-1" strike="noStrike">
-              <a:solidFill>
-                <a:srgbClr val="000000"/>
-              </a:solidFill>
+            <a:endParaRPr b="0" lang="pt-PT" sz="3200" spc="-1" strike="noStrike">
               <a:latin typeface="Arial"/>
             </a:endParaRPr>
           </a:p>
@@ -3780,10 +3543,7 @@
             <a:normAutofit/>
           </a:bodyPr>
           <a:p>
-            <a:endParaRPr b="0" lang="pt-PT" sz="2800" spc="-1" strike="noStrike">
-              <a:solidFill>
-                <a:srgbClr val="000000"/>
-              </a:solidFill>
+            <a:endParaRPr b="0" lang="pt-PT" sz="3200" spc="-1" strike="noStrike">
               <a:latin typeface="Arial"/>
             </a:endParaRPr>
           </a:p>
@@ -3824,7 +3584,7 @@
         <p:spPr>
           <a:xfrm>
             <a:off x="576000" y="729720"/>
-            <a:ext cx="11028240" cy="986760"/>
+            <a:ext cx="11027880" cy="986400"/>
           </a:xfrm>
           <a:prstGeom prst="rect">
             <a:avLst/>
@@ -3835,10 +3595,8 @@
             <a:noAutofit/>
           </a:bodyPr>
           <a:p>
-            <a:endParaRPr b="0" lang="pt-PT" sz="1800" spc="-1" strike="noStrike">
-              <a:solidFill>
-                <a:srgbClr val="000000"/>
-              </a:solidFill>
+            <a:pPr algn="ctr"/>
+            <a:endParaRPr b="0" lang="pt-PT" sz="4400" spc="-1" strike="noStrike">
               <a:latin typeface="Arial"/>
             </a:endParaRPr>
           </a:p>
@@ -3879,7 +3637,7 @@
         <p:spPr>
           <a:xfrm>
             <a:off x="576000" y="729720"/>
-            <a:ext cx="11028240" cy="4575240"/>
+            <a:ext cx="11027880" cy="4573800"/>
           </a:xfrm>
           <a:prstGeom prst="rect">
             <a:avLst/>
@@ -3932,7 +3690,7 @@
         <p:spPr>
           <a:xfrm>
             <a:off x="576000" y="729720"/>
-            <a:ext cx="11028240" cy="986760"/>
+            <a:ext cx="11027880" cy="986400"/>
           </a:xfrm>
           <a:prstGeom prst="rect">
             <a:avLst/>
@@ -3943,10 +3701,8 @@
             <a:noAutofit/>
           </a:bodyPr>
           <a:p>
-            <a:endParaRPr b="0" lang="pt-PT" sz="1800" spc="-1" strike="noStrike">
-              <a:solidFill>
-                <a:srgbClr val="000000"/>
-              </a:solidFill>
+            <a:pPr algn="ctr"/>
+            <a:endParaRPr b="0" lang="pt-PT" sz="4400" spc="-1" strike="noStrike">
               <a:latin typeface="Arial"/>
             </a:endParaRPr>
           </a:p>
@@ -3976,10 +3732,7 @@
             <a:normAutofit/>
           </a:bodyPr>
           <a:p>
-            <a:endParaRPr b="0" lang="pt-PT" sz="2800" spc="-1" strike="noStrike">
-              <a:solidFill>
-                <a:srgbClr val="000000"/>
-              </a:solidFill>
+            <a:endParaRPr b="0" lang="pt-PT" sz="3200" spc="-1" strike="noStrike">
               <a:latin typeface="Arial"/>
             </a:endParaRPr>
           </a:p>
@@ -4009,10 +3762,7 @@
             <a:normAutofit/>
           </a:bodyPr>
           <a:p>
-            <a:endParaRPr b="0" lang="pt-PT" sz="2800" spc="-1" strike="noStrike">
-              <a:solidFill>
-                <a:srgbClr val="000000"/>
-              </a:solidFill>
+            <a:endParaRPr b="0" lang="pt-PT" sz="3200" spc="-1" strike="noStrike">
               <a:latin typeface="Arial"/>
             </a:endParaRPr>
           </a:p>
@@ -4042,10 +3792,7 @@
             <a:normAutofit/>
           </a:bodyPr>
           <a:p>
-            <a:endParaRPr b="0" lang="pt-PT" sz="2800" spc="-1" strike="noStrike">
-              <a:solidFill>
-                <a:srgbClr val="000000"/>
-              </a:solidFill>
+            <a:endParaRPr b="0" lang="pt-PT" sz="3200" spc="-1" strike="noStrike">
               <a:latin typeface="Arial"/>
             </a:endParaRPr>
           </a:p>
@@ -4086,7 +3833,7 @@
         <p:spPr>
           <a:xfrm>
             <a:off x="576000" y="729720"/>
-            <a:ext cx="11028240" cy="986760"/>
+            <a:ext cx="11027880" cy="986400"/>
           </a:xfrm>
           <a:prstGeom prst="rect">
             <a:avLst/>
@@ -4097,10 +3844,8 @@
             <a:noAutofit/>
           </a:bodyPr>
           <a:p>
-            <a:endParaRPr b="0" lang="pt-PT" sz="1800" spc="-1" strike="noStrike">
-              <a:solidFill>
-                <a:srgbClr val="000000"/>
-              </a:solidFill>
+            <a:pPr algn="ctr"/>
+            <a:endParaRPr b="0" lang="pt-PT" sz="4400" spc="-1" strike="noStrike">
               <a:latin typeface="Arial"/>
             </a:endParaRPr>
           </a:p>
@@ -4130,10 +3875,7 @@
             <a:normAutofit/>
           </a:bodyPr>
           <a:p>
-            <a:endParaRPr b="0" lang="pt-PT" sz="2800" spc="-1" strike="noStrike">
-              <a:solidFill>
-                <a:srgbClr val="000000"/>
-              </a:solidFill>
+            <a:endParaRPr b="0" lang="pt-PT" sz="3200" spc="-1" strike="noStrike">
               <a:latin typeface="Arial"/>
             </a:endParaRPr>
           </a:p>
@@ -4163,10 +3905,7 @@
             <a:normAutofit/>
           </a:bodyPr>
           <a:p>
-            <a:endParaRPr b="0" lang="pt-PT" sz="2800" spc="-1" strike="noStrike">
-              <a:solidFill>
-                <a:srgbClr val="000000"/>
-              </a:solidFill>
+            <a:endParaRPr b="0" lang="pt-PT" sz="3200" spc="-1" strike="noStrike">
               <a:latin typeface="Arial"/>
             </a:endParaRPr>
           </a:p>
@@ -4196,10 +3935,7 @@
             <a:normAutofit/>
           </a:bodyPr>
           <a:p>
-            <a:endParaRPr b="0" lang="pt-PT" sz="2800" spc="-1" strike="noStrike">
-              <a:solidFill>
-                <a:srgbClr val="000000"/>
-              </a:solidFill>
+            <a:endParaRPr b="0" lang="pt-PT" sz="3200" spc="-1" strike="noStrike">
               <a:latin typeface="Arial"/>
             </a:endParaRPr>
           </a:p>
@@ -4240,7 +3976,7 @@
         <p:spPr>
           <a:xfrm>
             <a:off x="576000" y="729720"/>
-            <a:ext cx="11028240" cy="986760"/>
+            <a:ext cx="11027880" cy="986400"/>
           </a:xfrm>
           <a:prstGeom prst="rect">
             <a:avLst/>
@@ -4251,10 +3987,8 @@
             <a:noAutofit/>
           </a:bodyPr>
           <a:p>
-            <a:endParaRPr b="0" lang="pt-PT" sz="1800" spc="-1" strike="noStrike">
-              <a:solidFill>
-                <a:srgbClr val="000000"/>
-              </a:solidFill>
+            <a:pPr algn="ctr"/>
+            <a:endParaRPr b="0" lang="pt-PT" sz="4400" spc="-1" strike="noStrike">
               <a:latin typeface="Arial"/>
             </a:endParaRPr>
           </a:p>
@@ -4284,10 +4018,7 @@
             <a:normAutofit/>
           </a:bodyPr>
           <a:p>
-            <a:endParaRPr b="0" lang="pt-PT" sz="2800" spc="-1" strike="noStrike">
-              <a:solidFill>
-                <a:srgbClr val="000000"/>
-              </a:solidFill>
+            <a:endParaRPr b="0" lang="pt-PT" sz="3200" spc="-1" strike="noStrike">
               <a:latin typeface="Arial"/>
             </a:endParaRPr>
           </a:p>
@@ -4317,10 +4048,7 @@
             <a:normAutofit/>
           </a:bodyPr>
           <a:p>
-            <a:endParaRPr b="0" lang="pt-PT" sz="2800" spc="-1" strike="noStrike">
-              <a:solidFill>
-                <a:srgbClr val="000000"/>
-              </a:solidFill>
+            <a:endParaRPr b="0" lang="pt-PT" sz="3200" spc="-1" strike="noStrike">
               <a:latin typeface="Arial"/>
             </a:endParaRPr>
           </a:p>
@@ -4350,10 +4078,7 @@
             <a:normAutofit/>
           </a:bodyPr>
           <a:p>
-            <a:endParaRPr b="0" lang="pt-PT" sz="2800" spc="-1" strike="noStrike">
-              <a:solidFill>
-                <a:srgbClr val="000000"/>
-              </a:solidFill>
+            <a:endParaRPr b="0" lang="pt-PT" sz="3200" spc="-1" strike="noStrike">
               <a:latin typeface="Arial"/>
             </a:endParaRPr>
           </a:p>
@@ -4397,7 +4122,7 @@
         <p:spPr>
           <a:xfrm>
             <a:off x="446400" y="457200"/>
-            <a:ext cx="3701880" cy="93600"/>
+            <a:ext cx="3701520" cy="93240"/>
           </a:xfrm>
           <a:prstGeom prst="rect">
             <a:avLst/>
@@ -4438,7 +4163,7 @@
         <p:spPr>
           <a:xfrm>
             <a:off x="8042040" y="453600"/>
-            <a:ext cx="3701880" cy="97200"/>
+            <a:ext cx="3701520" cy="96840"/>
           </a:xfrm>
           <a:prstGeom prst="rect">
             <a:avLst/>
@@ -4479,7 +4204,7 @@
         <p:spPr>
           <a:xfrm>
             <a:off x="4241880" y="457200"/>
-            <a:ext cx="3701880" cy="90000"/>
+            <a:ext cx="3701520" cy="89640"/>
           </a:xfrm>
           <a:prstGeom prst="rect">
             <a:avLst/>
@@ -4520,7 +4245,7 @@
         <p:spPr>
           <a:xfrm>
             <a:off x="447840" y="5141880"/>
-            <a:ext cx="11289600" cy="1257480"/>
+            <a:ext cx="11289240" cy="1257120"/>
           </a:xfrm>
           <a:prstGeom prst="rect">
             <a:avLst/>
@@ -4576,19 +4301,14 @@
             <a:noAutofit/>
           </a:bodyPr>
           <a:p>
-            <a:r>
-              <a:rPr b="0" lang="pt-PT" sz="1800" spc="-1" strike="noStrike">
-                <a:solidFill>
-                  <a:srgbClr val="000000"/>
-                </a:solidFill>
+            <a:pPr algn="ctr"/>
+            <a:r>
+              <a:rPr b="0" lang="pt-PT" sz="4400" spc="-1" strike="noStrike">
                 <a:latin typeface="Arial"/>
               </a:rPr>
               <a:t>Clique para editar o formato do título</a:t>
             </a:r>
-            <a:endParaRPr b="0" lang="pt-PT" sz="1800" spc="-1" strike="noStrike">
-              <a:solidFill>
-                <a:srgbClr val="000000"/>
-              </a:solidFill>
+            <a:endParaRPr b="0" lang="pt-PT" sz="4400" spc="-1" strike="noStrike">
               <a:latin typeface="Arial"/>
             </a:endParaRPr>
           </a:p>
@@ -4630,18 +4350,12 @@
               <a:buChar char=""/>
             </a:pPr>
             <a:r>
-              <a:rPr b="0" lang="pt-PT" sz="2800" spc="-1" strike="noStrike">
-                <a:solidFill>
-                  <a:srgbClr val="000000"/>
-                </a:solidFill>
+              <a:rPr b="0" lang="pt-PT" sz="3200" spc="-1" strike="noStrike">
                 <a:latin typeface="Arial"/>
               </a:rPr>
               <a:t>Clique para editar o formato de texto dos tópicos</a:t>
             </a:r>
-            <a:endParaRPr b="0" lang="pt-PT" sz="2800" spc="-1" strike="noStrike">
-              <a:solidFill>
-                <a:srgbClr val="000000"/>
-              </a:solidFill>
+            <a:endParaRPr b="0" lang="pt-PT" sz="3200" spc="-1" strike="noStrike">
               <a:latin typeface="Arial"/>
             </a:endParaRPr>
           </a:p>
@@ -4658,18 +4372,12 @@
               <a:buChar char=""/>
             </a:pPr>
             <a:r>
-              <a:rPr b="0" lang="pt-PT" sz="2000" spc="-1" strike="noStrike">
-                <a:solidFill>
-                  <a:srgbClr val="000000"/>
-                </a:solidFill>
+              <a:rPr b="0" lang="pt-PT" sz="2800" spc="-1" strike="noStrike">
                 <a:latin typeface="Arial"/>
               </a:rPr>
               <a:t>Segundo nível de tópicos</a:t>
             </a:r>
-            <a:endParaRPr b="0" lang="pt-PT" sz="2000" spc="-1" strike="noStrike">
-              <a:solidFill>
-                <a:srgbClr val="000000"/>
-              </a:solidFill>
+            <a:endParaRPr b="0" lang="pt-PT" sz="2800" spc="-1" strike="noStrike">
               <a:latin typeface="Arial"/>
             </a:endParaRPr>
           </a:p>
@@ -4686,18 +4394,12 @@
               <a:buChar char=""/>
             </a:pPr>
             <a:r>
-              <a:rPr b="0" lang="pt-PT" sz="1800" spc="-1" strike="noStrike">
-                <a:solidFill>
-                  <a:srgbClr val="000000"/>
-                </a:solidFill>
+              <a:rPr b="0" lang="pt-PT" sz="2400" spc="-1" strike="noStrike">
                 <a:latin typeface="Arial"/>
               </a:rPr>
               <a:t>Terceiro nível de tópicos</a:t>
             </a:r>
-            <a:endParaRPr b="0" lang="pt-PT" sz="1800" spc="-1" strike="noStrike">
-              <a:solidFill>
-                <a:srgbClr val="000000"/>
-              </a:solidFill>
+            <a:endParaRPr b="0" lang="pt-PT" sz="2400" spc="-1" strike="noStrike">
               <a:latin typeface="Arial"/>
             </a:endParaRPr>
           </a:p>
@@ -4714,18 +4416,12 @@
               <a:buChar char=""/>
             </a:pPr>
             <a:r>
-              <a:rPr b="0" lang="pt-PT" sz="1800" spc="-1" strike="noStrike">
-                <a:solidFill>
-                  <a:srgbClr val="000000"/>
-                </a:solidFill>
+              <a:rPr b="0" lang="pt-PT" sz="2000" spc="-1" strike="noStrike">
                 <a:latin typeface="Arial"/>
               </a:rPr>
               <a:t>Quarto nível de tópicos</a:t>
             </a:r>
-            <a:endParaRPr b="0" lang="pt-PT" sz="1800" spc="-1" strike="noStrike">
-              <a:solidFill>
-                <a:srgbClr val="000000"/>
-              </a:solidFill>
+            <a:endParaRPr b="0" lang="pt-PT" sz="2000" spc="-1" strike="noStrike">
               <a:latin typeface="Arial"/>
             </a:endParaRPr>
           </a:p>
@@ -4743,17 +4439,11 @@
             </a:pPr>
             <a:r>
               <a:rPr b="0" lang="pt-PT" sz="2000" spc="-1" strike="noStrike">
-                <a:solidFill>
-                  <a:srgbClr val="000000"/>
-                </a:solidFill>
                 <a:latin typeface="Arial"/>
               </a:rPr>
               <a:t>Quinto nível de tópicos</a:t>
             </a:r>
             <a:endParaRPr b="0" lang="pt-PT" sz="2000" spc="-1" strike="noStrike">
-              <a:solidFill>
-                <a:srgbClr val="000000"/>
-              </a:solidFill>
               <a:latin typeface="Arial"/>
             </a:endParaRPr>
           </a:p>
@@ -4771,17 +4461,11 @@
             </a:pPr>
             <a:r>
               <a:rPr b="0" lang="pt-PT" sz="2000" spc="-1" strike="noStrike">
-                <a:solidFill>
-                  <a:srgbClr val="000000"/>
-                </a:solidFill>
                 <a:latin typeface="Arial"/>
               </a:rPr>
               <a:t>Sexto nível de tópicos</a:t>
             </a:r>
             <a:endParaRPr b="0" lang="pt-PT" sz="2000" spc="-1" strike="noStrike">
-              <a:solidFill>
-                <a:srgbClr val="000000"/>
-              </a:solidFill>
               <a:latin typeface="Arial"/>
             </a:endParaRPr>
           </a:p>
@@ -4799,17 +4483,11 @@
             </a:pPr>
             <a:r>
               <a:rPr b="0" lang="pt-PT" sz="2000" spc="-1" strike="noStrike">
-                <a:solidFill>
-                  <a:srgbClr val="000000"/>
-                </a:solidFill>
                 <a:latin typeface="Arial"/>
               </a:rPr>
               <a:t>Sétimo nível de tópicos</a:t>
             </a:r>
             <a:endParaRPr b="0" lang="pt-PT" sz="2000" spc="-1" strike="noStrike">
-              <a:solidFill>
-                <a:srgbClr val="000000"/>
-              </a:solidFill>
               <a:latin typeface="Arial"/>
             </a:endParaRPr>
           </a:p>
@@ -4868,7 +4546,7 @@
         <p:spPr>
           <a:xfrm>
             <a:off x="446400" y="457200"/>
-            <a:ext cx="3701880" cy="93600"/>
+            <a:ext cx="3701520" cy="93240"/>
           </a:xfrm>
           <a:prstGeom prst="rect">
             <a:avLst/>
@@ -4909,7 +4587,7 @@
         <p:spPr>
           <a:xfrm>
             <a:off x="8042040" y="453600"/>
-            <a:ext cx="3701880" cy="97200"/>
+            <a:ext cx="3701520" cy="96840"/>
           </a:xfrm>
           <a:prstGeom prst="rect">
             <a:avLst/>
@@ -4950,7 +4628,7 @@
         <p:spPr>
           <a:xfrm>
             <a:off x="4241880" y="457200"/>
-            <a:ext cx="3701880" cy="90000"/>
+            <a:ext cx="3701520" cy="89640"/>
           </a:xfrm>
           <a:prstGeom prst="rect">
             <a:avLst/>
@@ -5006,19 +4684,14 @@
             <a:noAutofit/>
           </a:bodyPr>
           <a:p>
-            <a:r>
-              <a:rPr b="0" lang="pt-PT" sz="1800" spc="-1" strike="noStrike">
-                <a:solidFill>
-                  <a:srgbClr val="000000"/>
-                </a:solidFill>
+            <a:pPr algn="ctr"/>
+            <a:r>
+              <a:rPr b="0" lang="pt-PT" sz="4400" spc="-1" strike="noStrike">
                 <a:latin typeface="Arial"/>
               </a:rPr>
               <a:t>Clique para editar o formato do título</a:t>
             </a:r>
-            <a:endParaRPr b="0" lang="pt-PT" sz="1800" spc="-1" strike="noStrike">
-              <a:solidFill>
-                <a:srgbClr val="000000"/>
-              </a:solidFill>
+            <a:endParaRPr b="0" lang="pt-PT" sz="4400" spc="-1" strike="noStrike">
               <a:latin typeface="Arial"/>
             </a:endParaRPr>
           </a:p>
@@ -5060,18 +4733,12 @@
               <a:buChar char=""/>
             </a:pPr>
             <a:r>
-              <a:rPr b="0" lang="pt-PT" sz="2800" spc="-1" strike="noStrike">
-                <a:solidFill>
-                  <a:srgbClr val="000000"/>
-                </a:solidFill>
+              <a:rPr b="0" lang="pt-PT" sz="3200" spc="-1" strike="noStrike">
                 <a:latin typeface="Arial"/>
               </a:rPr>
               <a:t>Clique para editar o formato de texto dos tópicos</a:t>
             </a:r>
-            <a:endParaRPr b="0" lang="pt-PT" sz="2800" spc="-1" strike="noStrike">
-              <a:solidFill>
-                <a:srgbClr val="000000"/>
-              </a:solidFill>
+            <a:endParaRPr b="0" lang="pt-PT" sz="3200" spc="-1" strike="noStrike">
               <a:latin typeface="Arial"/>
             </a:endParaRPr>
           </a:p>
@@ -5088,18 +4755,12 @@
               <a:buChar char=""/>
             </a:pPr>
             <a:r>
-              <a:rPr b="0" lang="pt-PT" sz="2000" spc="-1" strike="noStrike">
-                <a:solidFill>
-                  <a:srgbClr val="000000"/>
-                </a:solidFill>
+              <a:rPr b="0" lang="pt-PT" sz="2800" spc="-1" strike="noStrike">
                 <a:latin typeface="Arial"/>
               </a:rPr>
               <a:t>Segundo nível de tópicos</a:t>
             </a:r>
-            <a:endParaRPr b="0" lang="pt-PT" sz="2000" spc="-1" strike="noStrike">
-              <a:solidFill>
-                <a:srgbClr val="000000"/>
-              </a:solidFill>
+            <a:endParaRPr b="0" lang="pt-PT" sz="2800" spc="-1" strike="noStrike">
               <a:latin typeface="Arial"/>
             </a:endParaRPr>
           </a:p>
@@ -5116,18 +4777,12 @@
               <a:buChar char=""/>
             </a:pPr>
             <a:r>
-              <a:rPr b="0" lang="pt-PT" sz="1800" spc="-1" strike="noStrike">
-                <a:solidFill>
-                  <a:srgbClr val="000000"/>
-                </a:solidFill>
+              <a:rPr b="0" lang="pt-PT" sz="2400" spc="-1" strike="noStrike">
                 <a:latin typeface="Arial"/>
               </a:rPr>
               <a:t>Terceiro nível de tópicos</a:t>
             </a:r>
-            <a:endParaRPr b="0" lang="pt-PT" sz="1800" spc="-1" strike="noStrike">
-              <a:solidFill>
-                <a:srgbClr val="000000"/>
-              </a:solidFill>
+            <a:endParaRPr b="0" lang="pt-PT" sz="2400" spc="-1" strike="noStrike">
               <a:latin typeface="Arial"/>
             </a:endParaRPr>
           </a:p>
@@ -5144,18 +4799,12 @@
               <a:buChar char=""/>
             </a:pPr>
             <a:r>
-              <a:rPr b="0" lang="pt-PT" sz="1800" spc="-1" strike="noStrike">
-                <a:solidFill>
-                  <a:srgbClr val="000000"/>
-                </a:solidFill>
+              <a:rPr b="0" lang="pt-PT" sz="2000" spc="-1" strike="noStrike">
                 <a:latin typeface="Arial"/>
               </a:rPr>
               <a:t>Quarto nível de tópicos</a:t>
             </a:r>
-            <a:endParaRPr b="0" lang="pt-PT" sz="1800" spc="-1" strike="noStrike">
-              <a:solidFill>
-                <a:srgbClr val="000000"/>
-              </a:solidFill>
+            <a:endParaRPr b="0" lang="pt-PT" sz="2000" spc="-1" strike="noStrike">
               <a:latin typeface="Arial"/>
             </a:endParaRPr>
           </a:p>
@@ -5173,17 +4822,11 @@
             </a:pPr>
             <a:r>
               <a:rPr b="0" lang="pt-PT" sz="2000" spc="-1" strike="noStrike">
-                <a:solidFill>
-                  <a:srgbClr val="000000"/>
-                </a:solidFill>
                 <a:latin typeface="Arial"/>
               </a:rPr>
               <a:t>Quinto nível de tópicos</a:t>
             </a:r>
             <a:endParaRPr b="0" lang="pt-PT" sz="2000" spc="-1" strike="noStrike">
-              <a:solidFill>
-                <a:srgbClr val="000000"/>
-              </a:solidFill>
               <a:latin typeface="Arial"/>
             </a:endParaRPr>
           </a:p>
@@ -5201,17 +4844,11 @@
             </a:pPr>
             <a:r>
               <a:rPr b="0" lang="pt-PT" sz="2000" spc="-1" strike="noStrike">
-                <a:solidFill>
-                  <a:srgbClr val="000000"/>
-                </a:solidFill>
                 <a:latin typeface="Arial"/>
               </a:rPr>
               <a:t>Sexto nível de tópicos</a:t>
             </a:r>
             <a:endParaRPr b="0" lang="pt-PT" sz="2000" spc="-1" strike="noStrike">
-              <a:solidFill>
-                <a:srgbClr val="000000"/>
-              </a:solidFill>
               <a:latin typeface="Arial"/>
             </a:endParaRPr>
           </a:p>
@@ -5229,17 +4866,11 @@
             </a:pPr>
             <a:r>
               <a:rPr b="0" lang="pt-PT" sz="2000" spc="-1" strike="noStrike">
-                <a:solidFill>
-                  <a:srgbClr val="000000"/>
-                </a:solidFill>
                 <a:latin typeface="Arial"/>
               </a:rPr>
               <a:t>Sétimo nível de tópicos</a:t>
             </a:r>
             <a:endParaRPr b="0" lang="pt-PT" sz="2000" spc="-1" strike="noStrike">
-              <a:solidFill>
-                <a:srgbClr val="000000"/>
-              </a:solidFill>
               <a:latin typeface="Arial"/>
             </a:endParaRPr>
           </a:p>
@@ -5298,7 +4929,7 @@
         <p:spPr>
           <a:xfrm>
             <a:off x="446400" y="457200"/>
-            <a:ext cx="3701880" cy="93600"/>
+            <a:ext cx="3701520" cy="93240"/>
           </a:xfrm>
           <a:prstGeom prst="rect">
             <a:avLst/>
@@ -5339,7 +4970,7 @@
         <p:spPr>
           <a:xfrm>
             <a:off x="8042040" y="453600"/>
-            <a:ext cx="3701880" cy="97200"/>
+            <a:ext cx="3701520" cy="96840"/>
           </a:xfrm>
           <a:prstGeom prst="rect">
             <a:avLst/>
@@ -5380,7 +5011,7 @@
         <p:spPr>
           <a:xfrm>
             <a:off x="4241880" y="457200"/>
-            <a:ext cx="3701880" cy="90000"/>
+            <a:ext cx="3701520" cy="89640"/>
           </a:xfrm>
           <a:prstGeom prst="rect">
             <a:avLst/>
@@ -5425,7 +5056,7 @@
         <p:spPr>
           <a:xfrm>
             <a:off x="576000" y="729720"/>
-            <a:ext cx="11028240" cy="986760"/>
+            <a:ext cx="11027880" cy="986400"/>
           </a:xfrm>
           <a:prstGeom prst="rect">
             <a:avLst/>
@@ -5438,18 +5069,12 @@
           <a:p>
             <a:pPr algn="ctr"/>
             <a:r>
-              <a:rPr b="0" lang="pt-PT" sz="4400" spc="-1" strike="noStrike">
-                <a:solidFill>
-                  <a:srgbClr val="000000"/>
-                </a:solidFill>
+              <a:rPr b="0" lang="pt-PT" sz="1800" spc="-1" strike="noStrike">
                 <a:latin typeface="Arial"/>
               </a:rPr>
               <a:t>Clique para editar o formato do título</a:t>
             </a:r>
-            <a:endParaRPr b="0" lang="pt-PT" sz="4400" spc="-1" strike="noStrike">
-              <a:solidFill>
-                <a:srgbClr val="000000"/>
-              </a:solidFill>
+            <a:endParaRPr b="0" lang="pt-PT" sz="1800" spc="-1" strike="noStrike">
               <a:latin typeface="Arial"/>
             </a:endParaRPr>
           </a:p>
@@ -5491,18 +5116,12 @@
               <a:buChar char=""/>
             </a:pPr>
             <a:r>
-              <a:rPr b="0" lang="pt-PT" sz="2800" spc="-1" strike="noStrike">
-                <a:solidFill>
-                  <a:srgbClr val="000000"/>
-                </a:solidFill>
+              <a:rPr b="0" lang="pt-PT" sz="3200" spc="-1" strike="noStrike">
                 <a:latin typeface="Arial"/>
               </a:rPr>
               <a:t>Clique para editar o formato de texto dos tópicos</a:t>
             </a:r>
-            <a:endParaRPr b="0" lang="pt-PT" sz="2800" spc="-1" strike="noStrike">
-              <a:solidFill>
-                <a:srgbClr val="000000"/>
-              </a:solidFill>
+            <a:endParaRPr b="0" lang="pt-PT" sz="3200" spc="-1" strike="noStrike">
               <a:latin typeface="Arial"/>
             </a:endParaRPr>
           </a:p>
@@ -5519,18 +5138,12 @@
               <a:buChar char=""/>
             </a:pPr>
             <a:r>
-              <a:rPr b="0" lang="pt-PT" sz="2000" spc="-1" strike="noStrike">
-                <a:solidFill>
-                  <a:srgbClr val="000000"/>
-                </a:solidFill>
+              <a:rPr b="0" lang="pt-PT" sz="2800" spc="-1" strike="noStrike">
                 <a:latin typeface="Arial"/>
               </a:rPr>
               <a:t>Segundo nível de tópicos</a:t>
             </a:r>
-            <a:endParaRPr b="0" lang="pt-PT" sz="2000" spc="-1" strike="noStrike">
-              <a:solidFill>
-                <a:srgbClr val="000000"/>
-              </a:solidFill>
+            <a:endParaRPr b="0" lang="pt-PT" sz="2800" spc="-1" strike="noStrike">
               <a:latin typeface="Arial"/>
             </a:endParaRPr>
           </a:p>
@@ -5547,18 +5160,12 @@
               <a:buChar char=""/>
             </a:pPr>
             <a:r>
-              <a:rPr b="0" lang="pt-PT" sz="1800" spc="-1" strike="noStrike">
-                <a:solidFill>
-                  <a:srgbClr val="000000"/>
-                </a:solidFill>
+              <a:rPr b="0" lang="pt-PT" sz="2400" spc="-1" strike="noStrike">
                 <a:latin typeface="Arial"/>
               </a:rPr>
               <a:t>Terceiro nível de tópicos</a:t>
             </a:r>
-            <a:endParaRPr b="0" lang="pt-PT" sz="1800" spc="-1" strike="noStrike">
-              <a:solidFill>
-                <a:srgbClr val="000000"/>
-              </a:solidFill>
+            <a:endParaRPr b="0" lang="pt-PT" sz="2400" spc="-1" strike="noStrike">
               <a:latin typeface="Arial"/>
             </a:endParaRPr>
           </a:p>
@@ -5575,18 +5182,12 @@
               <a:buChar char=""/>
             </a:pPr>
             <a:r>
-              <a:rPr b="0" lang="pt-PT" sz="1800" spc="-1" strike="noStrike">
-                <a:solidFill>
-                  <a:srgbClr val="000000"/>
-                </a:solidFill>
+              <a:rPr b="0" lang="pt-PT" sz="2000" spc="-1" strike="noStrike">
                 <a:latin typeface="Arial"/>
               </a:rPr>
               <a:t>Quarto nível de tópicos</a:t>
             </a:r>
-            <a:endParaRPr b="0" lang="pt-PT" sz="1800" spc="-1" strike="noStrike">
-              <a:solidFill>
-                <a:srgbClr val="000000"/>
-              </a:solidFill>
+            <a:endParaRPr b="0" lang="pt-PT" sz="2000" spc="-1" strike="noStrike">
               <a:latin typeface="Arial"/>
             </a:endParaRPr>
           </a:p>
@@ -5604,17 +5205,11 @@
             </a:pPr>
             <a:r>
               <a:rPr b="0" lang="pt-PT" sz="2000" spc="-1" strike="noStrike">
-                <a:solidFill>
-                  <a:srgbClr val="000000"/>
-                </a:solidFill>
                 <a:latin typeface="Arial"/>
               </a:rPr>
               <a:t>Quinto nível de tópicos</a:t>
             </a:r>
             <a:endParaRPr b="0" lang="pt-PT" sz="2000" spc="-1" strike="noStrike">
-              <a:solidFill>
-                <a:srgbClr val="000000"/>
-              </a:solidFill>
               <a:latin typeface="Arial"/>
             </a:endParaRPr>
           </a:p>
@@ -5632,17 +5227,11 @@
             </a:pPr>
             <a:r>
               <a:rPr b="0" lang="pt-PT" sz="2000" spc="-1" strike="noStrike">
-                <a:solidFill>
-                  <a:srgbClr val="000000"/>
-                </a:solidFill>
                 <a:latin typeface="Arial"/>
               </a:rPr>
               <a:t>Sexto nível de tópicos</a:t>
             </a:r>
             <a:endParaRPr b="0" lang="pt-PT" sz="2000" spc="-1" strike="noStrike">
-              <a:solidFill>
-                <a:srgbClr val="000000"/>
-              </a:solidFill>
               <a:latin typeface="Arial"/>
             </a:endParaRPr>
           </a:p>
@@ -5660,17 +5249,11 @@
             </a:pPr>
             <a:r>
               <a:rPr b="0" lang="pt-PT" sz="2000" spc="-1" strike="noStrike">
-                <a:solidFill>
-                  <a:srgbClr val="000000"/>
-                </a:solidFill>
                 <a:latin typeface="Arial"/>
               </a:rPr>
               <a:t>Sétimo nível de tópicos</a:t>
             </a:r>
             <a:endParaRPr b="0" lang="pt-PT" sz="2000" spc="-1" strike="noStrike">
-              <a:solidFill>
-                <a:srgbClr val="000000"/>
-              </a:solidFill>
               <a:latin typeface="Arial"/>
             </a:endParaRPr>
           </a:p>
@@ -5722,7 +5305,7 @@
         <p:spPr>
           <a:xfrm>
             <a:off x="581040" y="2394000"/>
-            <a:ext cx="11028240" cy="2145960"/>
+            <a:ext cx="11027880" cy="2145600"/>
           </a:xfrm>
           <a:prstGeom prst="rect">
             <a:avLst/>
@@ -5773,7 +5356,7 @@
         <p:spPr>
           <a:xfrm>
             <a:off x="581040" y="4541400"/>
-            <a:ext cx="11028240" cy="599040"/>
+            <a:ext cx="11027880" cy="598680"/>
           </a:xfrm>
           <a:prstGeom prst="rect">
             <a:avLst/>
@@ -5830,7 +5413,7 @@
         <p:spPr>
           <a:xfrm>
             <a:off x="8959320" y="6423840"/>
-            <a:ext cx="2843280" cy="363600"/>
+            <a:ext cx="2842920" cy="363240"/>
           </a:xfrm>
           <a:prstGeom prst="rect">
             <a:avLst/>
@@ -5859,7 +5442,7 @@
                 <a:spcPts val="601"/>
               </a:spcAft>
             </a:pPr>
-            <a:fld id="{1F9EBA3E-0AEE-4EE3-90B5-BC9B60094931}" type="datetime1">
+            <a:fld id="{3F074B73-EFE3-4FEF-BC79-B4AF8BB52677}" type="datetime1">
               <a:rPr b="0" lang="pt-PT" sz="900" spc="-1" strike="noStrike">
                 <a:solidFill>
                   <a:srgbClr val="404040"/>
@@ -5867,7 +5450,7 @@
                 <a:latin typeface="Franklin Gothic Book"/>
                 <a:ea typeface="DejaVu Sans"/>
               </a:rPr>
-              <a:t>07-05-2020</a:t>
+              <a:t>10-05-2020</a:t>
             </a:fld>
             <a:endParaRPr b="0" lang="pt-PT" sz="900" spc="-1" strike="noStrike">
               <a:latin typeface="Arial"/>
@@ -5884,7 +5467,7 @@
         <p:spPr>
           <a:xfrm>
             <a:off x="581040" y="5321160"/>
-            <a:ext cx="11028240" cy="912600"/>
+            <a:ext cx="11027880" cy="912600"/>
           </a:xfrm>
           <a:prstGeom prst="rect">
             <a:avLst/>
@@ -5979,7 +5562,7 @@
         <p:spPr>
           <a:xfrm>
             <a:off x="457200" y="694800"/>
-            <a:ext cx="3253680" cy="1249560"/>
+            <a:ext cx="3253320" cy="1249200"/>
           </a:xfrm>
           <a:prstGeom prst="rect">
             <a:avLst/>
@@ -6035,7 +5618,7 @@
         <p:spPr>
           <a:xfrm>
             <a:off x="729000" y="771840"/>
-            <a:ext cx="10740960" cy="579600"/>
+            <a:ext cx="10740600" cy="579240"/>
           </a:xfrm>
           <a:prstGeom prst="rect">
             <a:avLst/>
@@ -6086,7 +5669,7 @@
         <p:spPr>
           <a:xfrm>
             <a:off x="728280" y="1415160"/>
-            <a:ext cx="5912640" cy="610200"/>
+            <a:ext cx="5912280" cy="609840"/>
           </a:xfrm>
           <a:prstGeom prst="rect">
             <a:avLst/>
@@ -6143,7 +5726,7 @@
         <p:spPr>
           <a:xfrm>
             <a:off x="446400" y="457200"/>
-            <a:ext cx="3701880" cy="93600"/>
+            <a:ext cx="3701520" cy="93240"/>
           </a:xfrm>
           <a:prstGeom prst="rect">
             <a:avLst/>
@@ -6184,7 +5767,7 @@
         <p:spPr>
           <a:xfrm>
             <a:off x="4241880" y="457200"/>
-            <a:ext cx="3701880" cy="90000"/>
+            <a:ext cx="3701520" cy="89640"/>
           </a:xfrm>
           <a:prstGeom prst="rect">
             <a:avLst/>
@@ -6225,7 +5808,7 @@
         <p:spPr>
           <a:xfrm>
             <a:off x="8042040" y="453600"/>
-            <a:ext cx="3701880" cy="97200"/>
+            <a:ext cx="3701520" cy="96840"/>
           </a:xfrm>
           <a:prstGeom prst="rect">
             <a:avLst/>
@@ -6266,7 +5849,7 @@
         <p:spPr>
           <a:xfrm>
             <a:off x="728280" y="1756440"/>
-            <a:ext cx="10770840" cy="2279880"/>
+            <a:ext cx="10770480" cy="2279880"/>
           </a:xfrm>
           <a:prstGeom prst="rect">
             <a:avLst/>
@@ -6370,7 +5953,7 @@
                 <a:latin typeface="Franklin Gothic Book"/>
                 <a:ea typeface="DejaVu Sans"/>
               </a:rPr>
-              <a:t>pode ser obtida de duas maneiras: Regressão (estimam-se valores reais, não discretos) e </a:t>
+              <a:t>pode ser obtida de duas maneiras: Regressão - estimam-se valores reais, não discretos; e </a:t>
             </a:r>
             <a:r>
               <a:rPr b="1" lang="pt-PT" sz="1600" spc="-1" strike="noStrike">
@@ -6380,7 +5963,17 @@
                 <a:latin typeface="Franklin Gothic Book"/>
                 <a:ea typeface="DejaVu Sans"/>
               </a:rPr>
-              <a:t>Classificação</a:t>
+              <a:t>c</a:t>
+            </a:r>
+            <a:r>
+              <a:rPr b="1" lang="pt-PT" sz="1600" spc="-1" strike="noStrike">
+                <a:solidFill>
+                  <a:srgbClr val="000000"/>
+                </a:solidFill>
+                <a:latin typeface="Franklin Gothic Book"/>
+                <a:ea typeface="DejaVu Sans"/>
+              </a:rPr>
+              <a:t>lassificação – </a:t>
             </a:r>
             <a:r>
               <a:rPr b="0" lang="pt-PT" sz="1600" spc="-1" strike="noStrike">
@@ -6390,7 +5983,7 @@
                 <a:latin typeface="Franklin Gothic Book"/>
                 <a:ea typeface="DejaVu Sans"/>
               </a:rPr>
-              <a:t> (estimas feitas com um conjunto finito de </a:t>
+              <a:t>é estimado um conjunto finito de </a:t>
             </a:r>
             <a:r>
               <a:rPr b="0" i="1" lang="pt-PT" sz="1600" spc="-1" strike="noStrike">
@@ -6400,7 +5993,27 @@
                 <a:latin typeface="Franklin Gothic Book"/>
                 <a:ea typeface="DejaVu Sans"/>
               </a:rPr>
-              <a:t>labels; </a:t>
+              <a:t>labels </a:t>
+            </a:r>
+            <a:r>
+              <a:rPr b="0" lang="pt-PT" sz="1600" spc="-1" strike="noStrike">
+                <a:solidFill>
+                  <a:srgbClr val="000000"/>
+                </a:solidFill>
+                <a:latin typeface="Franklin Gothic Book"/>
+                <a:ea typeface="DejaVu Sans"/>
+              </a:rPr>
+              <a:t>em que</a:t>
+            </a:r>
+            <a:r>
+              <a:rPr b="0" i="1" lang="pt-PT" sz="1600" spc="-1" strike="noStrike">
+                <a:solidFill>
+                  <a:srgbClr val="000000"/>
+                </a:solidFill>
+                <a:latin typeface="Franklin Gothic Book"/>
+                <a:ea typeface="DejaVu Sans"/>
+              </a:rPr>
+              <a:t> </a:t>
             </a:r>
             <a:r>
               <a:rPr b="0" lang="pt-PT" sz="1600" spc="-1" strike="noStrike">
@@ -6457,7 +6070,7 @@
         <p:spPr>
           <a:xfrm>
             <a:off x="742680" y="3682080"/>
-            <a:ext cx="10742400" cy="501120"/>
+            <a:ext cx="10742040" cy="2147040"/>
           </a:xfrm>
           <a:prstGeom prst="rect">
             <a:avLst/>
@@ -6492,6 +6105,46 @@
                 <a:ea typeface="DejaVu Sans"/>
               </a:rPr>
               <a:t>Especificação do trabalho</a:t>
+            </a:r>
+            <a:endParaRPr b="0" lang="pt-PT" sz="1800" spc="-1" strike="noStrike">
+              <a:latin typeface="Arial"/>
+            </a:endParaRPr>
+          </a:p>
+          <a:p>
+            <a:pPr algn="just">
+              <a:lnSpc>
+                <a:spcPct val="150000"/>
+              </a:lnSpc>
+            </a:pPr>
+            <a:r>
+              <a:rPr b="0" lang="pt-PT" sz="1800" spc="-1" strike="noStrike">
+                <a:solidFill>
+                  <a:srgbClr val="000000"/>
+                </a:solidFill>
+                <a:latin typeface="Franklin Gothic Book"/>
+                <a:ea typeface="DejaVu Sans"/>
+              </a:rPr>
+              <a:t>A partir do </a:t>
+            </a:r>
+            <a:r>
+              <a:rPr b="0" i="1" lang="pt-PT" sz="1800" spc="-1" strike="noStrike">
+                <a:solidFill>
+                  <a:srgbClr val="000000"/>
+                </a:solidFill>
+                <a:latin typeface="Franklin Gothic Book"/>
+                <a:ea typeface="DejaVu Sans"/>
+              </a:rPr>
+              <a:t>data set </a:t>
+            </a:r>
+            <a:r>
+              <a:rPr b="0" lang="pt-PT" sz="1800" spc="-1" strike="noStrike">
+                <a:solidFill>
+                  <a:srgbClr val="000000"/>
+                </a:solidFill>
+                <a:latin typeface="Franklin Gothic Book"/>
+                <a:ea typeface="DejaVu Sans"/>
+              </a:rPr>
+              <a:t>utilizado espera-se aplicar uma correta rotulação do desfecho de um evento, neste caso um jogo de futebol. Esta rotulação será realizada por um de três?? algoritmos, sendo que posteriormente será analisada a exatidão dos resultados e as diferenças entre algortimos.</a:t>
             </a:r>
             <a:endParaRPr b="0" lang="pt-PT" sz="1800" spc="-1" strike="noStrike">
               <a:latin typeface="Arial"/>
@@ -6545,7 +6198,7 @@
         <p:spPr>
           <a:xfrm>
             <a:off x="729000" y="771840"/>
-            <a:ext cx="10740960" cy="579600"/>
+            <a:ext cx="10740600" cy="579240"/>
           </a:xfrm>
           <a:prstGeom prst="rect">
             <a:avLst/>
@@ -6596,7 +6249,7 @@
         <p:spPr>
           <a:xfrm>
             <a:off x="728280" y="1370880"/>
-            <a:ext cx="3293640" cy="610200"/>
+            <a:ext cx="3293280" cy="609840"/>
           </a:xfrm>
           <a:prstGeom prst="rect">
             <a:avLst/>
@@ -6653,7 +6306,7 @@
         <p:spPr>
           <a:xfrm>
             <a:off x="446400" y="457200"/>
-            <a:ext cx="3701880" cy="93600"/>
+            <a:ext cx="3701520" cy="93240"/>
           </a:xfrm>
           <a:prstGeom prst="rect">
             <a:avLst/>
@@ -6694,7 +6347,7 @@
         <p:spPr>
           <a:xfrm>
             <a:off x="4241880" y="457200"/>
-            <a:ext cx="3701880" cy="90000"/>
+            <a:ext cx="3701520" cy="89640"/>
           </a:xfrm>
           <a:prstGeom prst="rect">
             <a:avLst/>
@@ -6735,7 +6388,7 @@
         <p:spPr>
           <a:xfrm>
             <a:off x="8042040" y="453600"/>
-            <a:ext cx="3701880" cy="97200"/>
+            <a:ext cx="3701520" cy="96840"/>
           </a:xfrm>
           <a:prstGeom prst="rect">
             <a:avLst/>
@@ -6776,7 +6429,7 @@
         <p:spPr>
           <a:xfrm>
             <a:off x="728280" y="2553480"/>
-            <a:ext cx="10742400" cy="501120"/>
+            <a:ext cx="10742040" cy="501120"/>
           </a:xfrm>
           <a:prstGeom prst="rect">
             <a:avLst/>
@@ -6827,7 +6480,7 @@
         <p:spPr>
           <a:xfrm>
             <a:off x="727560" y="1865520"/>
-            <a:ext cx="10742400" cy="820440"/>
+            <a:ext cx="10742040" cy="820080"/>
           </a:xfrm>
           <a:prstGeom prst="rect">
             <a:avLst/>
@@ -6918,7 +6571,7 @@
         <p:spPr>
           <a:xfrm>
             <a:off x="727560" y="1727640"/>
-            <a:ext cx="11016360" cy="820440"/>
+            <a:ext cx="11016000" cy="820080"/>
           </a:xfrm>
           <a:prstGeom prst="rect">
             <a:avLst/>
@@ -7048,7 +6701,7 @@
         <p:spPr>
           <a:xfrm>
             <a:off x="729000" y="771840"/>
-            <a:ext cx="10740960" cy="579600"/>
+            <a:ext cx="10740600" cy="579240"/>
           </a:xfrm>
           <a:prstGeom prst="rect">
             <a:avLst/>
@@ -7099,7 +6752,7 @@
         <p:spPr>
           <a:xfrm>
             <a:off x="728280" y="1370880"/>
-            <a:ext cx="3293640" cy="610200"/>
+            <a:ext cx="3293280" cy="609840"/>
           </a:xfrm>
           <a:prstGeom prst="rect">
             <a:avLst/>
@@ -7125,7 +6778,7 @@
         <p:spPr>
           <a:xfrm>
             <a:off x="446400" y="457200"/>
-            <a:ext cx="3701880" cy="93600"/>
+            <a:ext cx="3701520" cy="93240"/>
           </a:xfrm>
           <a:prstGeom prst="rect">
             <a:avLst/>
@@ -7166,7 +6819,7 @@
         <p:spPr>
           <a:xfrm>
             <a:off x="4241880" y="457200"/>
-            <a:ext cx="3701880" cy="90000"/>
+            <a:ext cx="3701520" cy="89640"/>
           </a:xfrm>
           <a:prstGeom prst="rect">
             <a:avLst/>
@@ -7207,7 +6860,7 @@
         <p:spPr>
           <a:xfrm>
             <a:off x="8042040" y="453600"/>
-            <a:ext cx="3701880" cy="97200"/>
+            <a:ext cx="3701520" cy="96840"/>
           </a:xfrm>
           <a:prstGeom prst="rect">
             <a:avLst/>
@@ -7248,7 +6901,7 @@
         <p:spPr>
           <a:xfrm>
             <a:off x="705600" y="1440000"/>
-            <a:ext cx="10742400" cy="501120"/>
+            <a:ext cx="10742040" cy="501120"/>
           </a:xfrm>
           <a:prstGeom prst="rect">
             <a:avLst/>
@@ -7299,7 +6952,7 @@
         <p:spPr>
           <a:xfrm>
             <a:off x="727560" y="1865520"/>
-            <a:ext cx="10742400" cy="820440"/>
+            <a:ext cx="10742040" cy="820080"/>
           </a:xfrm>
           <a:prstGeom prst="rect">
             <a:avLst/>
@@ -7390,7 +7043,7 @@
         <p:spPr>
           <a:xfrm>
             <a:off x="705600" y="1989000"/>
-            <a:ext cx="10990800" cy="4563000"/>
+            <a:ext cx="10990440" cy="4501800"/>
           </a:xfrm>
           <a:prstGeom prst="rect">
             <a:avLst/>
@@ -7778,7 +7431,7 @@
         <p:spPr>
           <a:xfrm>
             <a:off x="729000" y="771840"/>
-            <a:ext cx="10740960" cy="579600"/>
+            <a:ext cx="10740600" cy="579240"/>
           </a:xfrm>
           <a:prstGeom prst="rect">
             <a:avLst/>
@@ -7829,7 +7482,7 @@
         <p:spPr>
           <a:xfrm>
             <a:off x="446400" y="457200"/>
-            <a:ext cx="3701880" cy="93600"/>
+            <a:ext cx="3701520" cy="93240"/>
           </a:xfrm>
           <a:prstGeom prst="rect">
             <a:avLst/>
@@ -7870,7 +7523,7 @@
         <p:spPr>
           <a:xfrm>
             <a:off x="4241880" y="457200"/>
-            <a:ext cx="3701880" cy="90000"/>
+            <a:ext cx="3701520" cy="89640"/>
           </a:xfrm>
           <a:prstGeom prst="rect">
             <a:avLst/>
@@ -7911,7 +7564,7 @@
         <p:spPr>
           <a:xfrm>
             <a:off x="8042040" y="453600"/>
-            <a:ext cx="3701880" cy="97200"/>
+            <a:ext cx="3701520" cy="96840"/>
           </a:xfrm>
           <a:prstGeom prst="rect">
             <a:avLst/>
@@ -7952,7 +7605,7 @@
         <p:spPr>
           <a:xfrm>
             <a:off x="728280" y="1415160"/>
-            <a:ext cx="3787920" cy="610200"/>
+            <a:ext cx="3787560" cy="609840"/>
           </a:xfrm>
           <a:prstGeom prst="rect">
             <a:avLst/>
@@ -8009,7 +7662,7 @@
         <p:spPr>
           <a:xfrm>
             <a:off x="727560" y="1771920"/>
-            <a:ext cx="11016360" cy="1063080"/>
+            <a:ext cx="11016000" cy="1063080"/>
           </a:xfrm>
           <a:prstGeom prst="rect">
             <a:avLst/>
@@ -8093,17 +7746,7 @@
                 <a:latin typeface="Franklin Gothic Book"/>
                 <a:ea typeface="DejaVu Sans"/>
               </a:rPr>
-              <a:t>Os modelos escolhidos são: árvore de decisão</a:t>
-            </a:r>
-            <a:r>
-              <a:rPr b="0" lang="pt-PT" sz="1600" spc="-1" strike="noStrike">
-                <a:solidFill>
-                  <a:srgbClr val="000000"/>
-                </a:solidFill>
-                <a:latin typeface="Franklin Gothic Book"/>
-                <a:ea typeface="DejaVu Sans"/>
-              </a:rPr>
-              <a:t>, // Continuar</a:t>
+              <a:t>Os modelos escolhidos são: árvore de decisão, // Continuar</a:t>
             </a:r>
             <a:endParaRPr b="0" lang="pt-PT" sz="1600" spc="-1" strike="noStrike">
               <a:latin typeface="Arial"/>
@@ -8120,7 +7763,7 @@
         <p:spPr>
           <a:xfrm>
             <a:off x="721800" y="2659320"/>
-            <a:ext cx="10742400" cy="501120"/>
+            <a:ext cx="10742040" cy="501120"/>
           </a:xfrm>
           <a:prstGeom prst="rect">
             <a:avLst/>
@@ -8171,7 +7814,7 @@
         <p:spPr>
           <a:xfrm>
             <a:off x="721800" y="3114720"/>
-            <a:ext cx="11016360" cy="2523240"/>
+            <a:ext cx="11016000" cy="2523240"/>
           </a:xfrm>
           <a:prstGeom prst="rect">
             <a:avLst/>
@@ -8379,7 +8022,7 @@
         <p:spPr>
           <a:xfrm>
             <a:off x="729000" y="771840"/>
-            <a:ext cx="10740960" cy="579600"/>
+            <a:ext cx="10740600" cy="579240"/>
           </a:xfrm>
           <a:prstGeom prst="rect">
             <a:avLst/>
@@ -8429,65 +8072,8 @@
         </p:nvSpPr>
         <p:spPr>
           <a:xfrm>
-            <a:off x="748440" y="1409400"/>
-            <a:ext cx="8942760" cy="610200"/>
-          </a:xfrm>
-          <a:prstGeom prst="rect">
-            <a:avLst/>
-          </a:prstGeom>
-          <a:noFill/>
-          <a:ln>
-            <a:noFill/>
-          </a:ln>
-        </p:spPr>
-        <p:style>
-          <a:lnRef idx="0"/>
-          <a:fillRef idx="0"/>
-          <a:effectRef idx="0"/>
-          <a:fontRef idx="minor"/>
-        </p:style>
-        <p:txBody>
-          <a:bodyPr lIns="90000" rIns="90000" tIns="45000" bIns="45000">
-            <a:normAutofit/>
-          </a:bodyPr>
-          <a:p>
-            <a:pPr>
-              <a:lnSpc>
-                <a:spcPct val="110000"/>
-              </a:lnSpc>
-              <a:spcBef>
-                <a:spcPts val="400"/>
-              </a:spcBef>
-              <a:spcAft>
-                <a:spcPts val="601"/>
-              </a:spcAft>
-            </a:pPr>
-            <a:r>
-              <a:rPr b="1" lang="pt-PT" sz="2000" spc="-1" strike="noStrike">
-                <a:solidFill>
-                  <a:srgbClr val="1cade4"/>
-                </a:solidFill>
-                <a:latin typeface="Franklin Gothic Book"/>
-                <a:ea typeface="DejaVu Sans"/>
-              </a:rPr>
-              <a:t>TRABALHOS RELACIONADOS</a:t>
-            </a:r>
-            <a:endParaRPr b="0" lang="pt-PT" sz="2000" spc="-1" strike="noStrike">
-              <a:latin typeface="Arial"/>
-            </a:endParaRPr>
-          </a:p>
-        </p:txBody>
-      </p:sp>
-      <p:sp>
-        <p:nvSpPr>
-          <p:cNvPr id="162" name="CustomShape 3"/>
-          <p:cNvSpPr/>
-          <p:nvPr/>
-        </p:nvSpPr>
-        <p:spPr>
-          <a:xfrm>
             <a:off x="446400" y="457200"/>
-            <a:ext cx="3701880" cy="93600"/>
+            <a:ext cx="3701520" cy="93240"/>
           </a:xfrm>
           <a:prstGeom prst="rect">
             <a:avLst/>
@@ -8521,14 +8107,14 @@
       </p:sp>
       <p:sp>
         <p:nvSpPr>
-          <p:cNvPr id="163" name="CustomShape 4"/>
+          <p:cNvPr id="162" name="CustomShape 3"/>
           <p:cNvSpPr/>
           <p:nvPr/>
         </p:nvSpPr>
         <p:spPr>
           <a:xfrm>
             <a:off x="4241880" y="457200"/>
-            <a:ext cx="3701880" cy="90000"/>
+            <a:ext cx="3701520" cy="89640"/>
           </a:xfrm>
           <a:prstGeom prst="rect">
             <a:avLst/>
@@ -8562,14 +8148,14 @@
       </p:sp>
       <p:sp>
         <p:nvSpPr>
-          <p:cNvPr id="164" name="CustomShape 5"/>
+          <p:cNvPr id="163" name="CustomShape 4"/>
           <p:cNvSpPr/>
           <p:nvPr/>
         </p:nvSpPr>
         <p:spPr>
           <a:xfrm>
             <a:off x="8042040" y="453600"/>
-            <a:ext cx="3701880" cy="97200"/>
+            <a:ext cx="3701520" cy="96840"/>
           </a:xfrm>
           <a:prstGeom prst="rect">
             <a:avLst/>
@@ -8600,6 +8186,275 @@
           </a:effectRef>
           <a:fontRef idx="minor"/>
         </p:style>
+      </p:sp>
+      <p:sp>
+        <p:nvSpPr>
+          <p:cNvPr id="164" name="CustomShape 5"/>
+          <p:cNvSpPr/>
+          <p:nvPr/>
+        </p:nvSpPr>
+        <p:spPr>
+          <a:xfrm>
+            <a:off x="728280" y="1415160"/>
+            <a:ext cx="3787560" cy="609840"/>
+          </a:xfrm>
+          <a:prstGeom prst="rect">
+            <a:avLst/>
+          </a:prstGeom>
+          <a:noFill/>
+          <a:ln>
+            <a:noFill/>
+          </a:ln>
+        </p:spPr>
+        <p:style>
+          <a:lnRef idx="0"/>
+          <a:fillRef idx="0"/>
+          <a:effectRef idx="0"/>
+          <a:fontRef idx="minor"/>
+        </p:style>
+        <p:txBody>
+          <a:bodyPr lIns="90000" rIns="90000" tIns="45000" bIns="45000">
+            <a:normAutofit fontScale="70000"/>
+          </a:bodyPr>
+          <a:p>
+            <a:pPr>
+              <a:lnSpc>
+                <a:spcPct val="110000"/>
+              </a:lnSpc>
+              <a:spcBef>
+                <a:spcPts val="400"/>
+              </a:spcBef>
+              <a:spcAft>
+                <a:spcPts val="601"/>
+              </a:spcAft>
+            </a:pPr>
+            <a:r>
+              <a:rPr b="1" lang="pt-PT" sz="2000" spc="-1" strike="noStrike">
+                <a:solidFill>
+                  <a:srgbClr val="1cade4"/>
+                </a:solidFill>
+                <a:latin typeface="Franklin Gothic Book"/>
+                <a:ea typeface="DejaVu Sans"/>
+              </a:rPr>
+              <a:t>MODELOS DE APRENDIZAGEM</a:t>
+            </a:r>
+            <a:endParaRPr b="0" lang="pt-PT" sz="2000" spc="-1" strike="noStrike">
+              <a:latin typeface="Arial"/>
+            </a:endParaRPr>
+          </a:p>
+        </p:txBody>
+      </p:sp>
+      <p:sp>
+        <p:nvSpPr>
+          <p:cNvPr id="165" name="CustomShape 6"/>
+          <p:cNvSpPr/>
+          <p:nvPr/>
+        </p:nvSpPr>
+        <p:spPr>
+          <a:xfrm>
+            <a:off x="721800" y="1723320"/>
+            <a:ext cx="10742040" cy="501120"/>
+          </a:xfrm>
+          <a:prstGeom prst="rect">
+            <a:avLst/>
+          </a:prstGeom>
+          <a:noFill/>
+          <a:ln>
+            <a:noFill/>
+          </a:ln>
+        </p:spPr>
+        <p:style>
+          <a:lnRef idx="0"/>
+          <a:fillRef idx="0"/>
+          <a:effectRef idx="0"/>
+          <a:fontRef idx="minor"/>
+        </p:style>
+        <p:txBody>
+          <a:bodyPr lIns="90000" rIns="90000" tIns="45000" bIns="45000">
+            <a:spAutoFit/>
+          </a:bodyPr>
+          <a:p>
+            <a:pPr algn="just">
+              <a:lnSpc>
+                <a:spcPct val="150000"/>
+              </a:lnSpc>
+            </a:pPr>
+            <a:r>
+              <a:rPr b="1" lang="pt-PT" sz="1800" spc="-1" strike="noStrike">
+                <a:solidFill>
+                  <a:srgbClr val="000000"/>
+                </a:solidFill>
+                <a:latin typeface="Franklin Gothic Book"/>
+                <a:ea typeface="DejaVu Sans"/>
+              </a:rPr>
+              <a:t>K-nearest neighbor (KNN)</a:t>
+            </a:r>
+            <a:endParaRPr b="0" lang="pt-PT" sz="1800" spc="-1" strike="noStrike">
+              <a:latin typeface="Arial"/>
+            </a:endParaRPr>
+          </a:p>
+        </p:txBody>
+      </p:sp>
+      <p:sp>
+        <p:nvSpPr>
+          <p:cNvPr id="166" name="CustomShape 7"/>
+          <p:cNvSpPr/>
+          <p:nvPr/>
+        </p:nvSpPr>
+        <p:spPr>
+          <a:xfrm>
+            <a:off x="721800" y="2286720"/>
+            <a:ext cx="11016000" cy="2523960"/>
+          </a:xfrm>
+          <a:prstGeom prst="rect">
+            <a:avLst/>
+          </a:prstGeom>
+          <a:noFill/>
+          <a:ln>
+            <a:noFill/>
+          </a:ln>
+        </p:spPr>
+        <p:style>
+          <a:lnRef idx="0"/>
+          <a:fillRef idx="0"/>
+          <a:effectRef idx="0"/>
+          <a:fontRef idx="minor"/>
+        </p:style>
+        <p:txBody>
+          <a:bodyPr lIns="90000" rIns="90000" tIns="45000" bIns="45000">
+            <a:spAutoFit/>
+          </a:bodyPr>
+          <a:p>
+            <a:pPr algn="just">
+              <a:lnSpc>
+                <a:spcPct val="100000"/>
+              </a:lnSpc>
+            </a:pPr>
+            <a:r>
+              <a:rPr b="0" lang="pt-PT" sz="1600" spc="-1" strike="noStrike">
+                <a:solidFill>
+                  <a:srgbClr val="000000"/>
+                </a:solidFill>
+                <a:latin typeface="Franklin Gothic Book"/>
+                <a:ea typeface="DejaVu Sans"/>
+              </a:rPr>
+              <a:t>O algoritmo KNN é </a:t>
+            </a:r>
+            <a:r>
+              <a:rPr b="1" lang="pt-PT" sz="1600" spc="-1" strike="noStrike">
+                <a:solidFill>
+                  <a:srgbClr val="000000"/>
+                </a:solidFill>
+                <a:latin typeface="Franklin Gothic Book"/>
+                <a:ea typeface="DejaVu Sans"/>
+              </a:rPr>
+              <a:t>não paramétrico e denominado “preguiçoso”.</a:t>
+            </a:r>
+            <a:endParaRPr b="0" lang="pt-PT" sz="1600" spc="-1" strike="noStrike">
+              <a:latin typeface="Arial"/>
+            </a:endParaRPr>
+          </a:p>
+          <a:p>
+            <a:pPr algn="just">
+              <a:lnSpc>
+                <a:spcPct val="100000"/>
+              </a:lnSpc>
+            </a:pPr>
+            <a:r>
+              <a:rPr b="0" lang="pt-PT" sz="1600" spc="-1" strike="noStrike">
+                <a:solidFill>
+                  <a:srgbClr val="000000"/>
+                </a:solidFill>
+                <a:latin typeface="Franklin Gothic Book"/>
+                <a:ea typeface="DejaVu Sans"/>
+              </a:rPr>
+              <a:t>É considerado não paramétrico porque assume que os dados seguem uma distribuição normal e é considerado porque não necessita de treino para a geração do modelo. Desta forma a fase de treino é muito rápida em oposição à fase de teste, que é lenta e dispendiosa em termos de memória.</a:t>
+            </a:r>
+            <a:endParaRPr b="0" lang="pt-PT" sz="1600" spc="-1" strike="noStrike">
+              <a:latin typeface="Arial"/>
+            </a:endParaRPr>
+          </a:p>
+          <a:p>
+            <a:pPr algn="just">
+              <a:lnSpc>
+                <a:spcPct val="100000"/>
+              </a:lnSpc>
+            </a:pPr>
+            <a:r>
+              <a:rPr b="1" lang="pt-PT" sz="1600" spc="-1" strike="noStrike">
+                <a:solidFill>
+                  <a:srgbClr val="000000"/>
+                </a:solidFill>
+                <a:latin typeface="Franklin Gothic Book"/>
+                <a:ea typeface="DejaVu Sans"/>
+              </a:rPr>
+              <a:t>KNN tem um melhor desempenho quando lida com poucas dimensões.</a:t>
+            </a:r>
+            <a:r>
+              <a:rPr b="0" lang="pt-PT" sz="1600" spc="-1" strike="noStrike">
+                <a:solidFill>
+                  <a:srgbClr val="000000"/>
+                </a:solidFill>
+                <a:latin typeface="Franklin Gothic Book"/>
+                <a:ea typeface="DejaVu Sans"/>
+              </a:rPr>
+              <a:t> Quando o número de dimensões aumenta, o tamanho dos dados tem de aumentar consideravelmente. O aumento de dimensões leva também a um aumento do fenómeno de </a:t>
+            </a:r>
+            <a:r>
+              <a:rPr b="0" i="1" lang="pt-PT" sz="1600" spc="-1" strike="noStrike">
+                <a:solidFill>
+                  <a:srgbClr val="000000"/>
+                </a:solidFill>
+                <a:latin typeface="Franklin Gothic Book"/>
+                <a:ea typeface="DejaVu Sans"/>
+              </a:rPr>
+              <a:t>overfitting.</a:t>
+            </a:r>
+            <a:endParaRPr b="0" lang="pt-PT" sz="1600" spc="-1" strike="noStrike">
+              <a:latin typeface="Arial"/>
+            </a:endParaRPr>
+          </a:p>
+          <a:p>
+            <a:pPr algn="just">
+              <a:lnSpc>
+                <a:spcPct val="100000"/>
+              </a:lnSpc>
+            </a:pPr>
+            <a:r>
+              <a:rPr b="0" lang="pt-PT" sz="1600" spc="-1" strike="noStrike">
+                <a:solidFill>
+                  <a:srgbClr val="000000"/>
+                </a:solidFill>
+                <a:latin typeface="Franklin Gothic Book"/>
+                <a:ea typeface="DejaVu Sans"/>
+              </a:rPr>
+              <a:t> </a:t>
+            </a:r>
+            <a:endParaRPr b="0" lang="pt-PT" sz="1600" spc="-1" strike="noStrike">
+              <a:latin typeface="Arial"/>
+            </a:endParaRPr>
+          </a:p>
+          <a:p>
+            <a:pPr algn="just">
+              <a:lnSpc>
+                <a:spcPct val="100000"/>
+              </a:lnSpc>
+            </a:pPr>
+            <a:endParaRPr b="0" lang="pt-PT" sz="1600" spc="-1" strike="noStrike">
+              <a:latin typeface="Arial"/>
+            </a:endParaRPr>
+          </a:p>
+          <a:p>
+            <a:pPr algn="just">
+              <a:lnSpc>
+                <a:spcPct val="100000"/>
+              </a:lnSpc>
+            </a:pPr>
+            <a:endParaRPr b="0" lang="pt-PT" sz="1600" spc="-1" strike="noStrike">
+              <a:latin typeface="Arial"/>
+            </a:endParaRPr>
+          </a:p>
+        </p:txBody>
       </p:sp>
     </p:spTree>
   </p:cSld>
@@ -8617,6 +8472,13 @@
 <file path=ppt/slides/slide7.xml><?xml version="1.0" encoding="utf-8"?>
 <p:sld xmlns:a="http://schemas.openxmlformats.org/drawingml/2006/main" xmlns:p="http://schemas.openxmlformats.org/presentationml/2006/main" xmlns:r="http://schemas.openxmlformats.org/officeDocument/2006/relationships" xmlns:p14="http://schemas.microsoft.com/office/powerpoint/2010/main" xmlns:p15="http://schemas.microsoft.com/office/powerpoint/2012/main" xmlns:mc="http://schemas.openxmlformats.org/markup-compatibility/2006">
   <p:cSld>
+    <p:bg>
+      <p:bgPr>
+        <a:solidFill>
+          <a:srgbClr val="ffffff"/>
+        </a:solidFill>
+      </p:bgPr>
+    </p:bg>
     <p:spTree>
       <p:nvGrpSpPr>
         <p:cNvPr id="1" name=""/>
@@ -8633,14 +8495,14 @@
       </p:grpSpPr>
       <p:sp>
         <p:nvSpPr>
-          <p:cNvPr id="165" name="CustomShape 1"/>
+          <p:cNvPr id="167" name="CustomShape 1"/>
           <p:cNvSpPr/>
           <p:nvPr/>
         </p:nvSpPr>
         <p:spPr>
           <a:xfrm>
-            <a:off x="581040" y="814320"/>
-            <a:ext cx="11028600" cy="498960"/>
+            <a:off x="729000" y="771840"/>
+            <a:ext cx="10740600" cy="579240"/>
           </a:xfrm>
           <a:prstGeom prst="rect">
             <a:avLst/>
@@ -8684,14 +8546,14 @@
       </p:sp>
       <p:sp>
         <p:nvSpPr>
-          <p:cNvPr id="166" name="CustomShape 2"/>
+          <p:cNvPr id="168" name="CustomShape 2"/>
           <p:cNvSpPr/>
           <p:nvPr/>
         </p:nvSpPr>
         <p:spPr>
           <a:xfrm>
-            <a:off x="581040" y="1653480"/>
-            <a:ext cx="2874600" cy="333000"/>
+            <a:off x="748440" y="1409400"/>
+            <a:ext cx="8942400" cy="609840"/>
           </a:xfrm>
           <a:prstGeom prst="rect">
             <a:avLst/>
@@ -8709,40 +8571,199 @@
         </p:style>
         <p:txBody>
           <a:bodyPr lIns="90000" rIns="90000" tIns="45000" bIns="45000">
-            <a:spAutoFit/>
+            <a:normAutofit/>
           </a:bodyPr>
           <a:p>
             <a:pPr>
               <a:lnSpc>
-                <a:spcPct val="100000"/>
+                <a:spcPct val="110000"/>
               </a:lnSpc>
+              <a:spcBef>
+                <a:spcPts val="400"/>
+              </a:spcBef>
+              <a:spcAft>
+                <a:spcPts val="601"/>
+              </a:spcAft>
             </a:pPr>
             <a:r>
-              <a:rPr b="0" lang="pt-PT" sz="1600" spc="-1" strike="noStrike">
+              <a:rPr b="1" lang="pt-PT" sz="2000" spc="-1" strike="noStrike">
                 <a:solidFill>
                   <a:srgbClr val="1cade4"/>
                 </a:solidFill>
                 <a:latin typeface="Franklin Gothic Book"/>
                 <a:ea typeface="DejaVu Sans"/>
               </a:rPr>
-              <a:t>DESENVOLVIMENTO</a:t>
-            </a:r>
-            <a:endParaRPr b="0" lang="pt-PT" sz="1600" spc="-1" strike="noStrike">
-              <a:latin typeface="Arial"/>
-            </a:endParaRPr>
-          </a:p>
-        </p:txBody>
-      </p:sp>
-      <p:sp>
-        <p:nvSpPr>
-          <p:cNvPr id="167" name="CustomShape 3"/>
+              <a:t>TRABALHOS RELACIONADOS</a:t>
+            </a:r>
+            <a:endParaRPr b="0" lang="pt-PT" sz="2000" spc="-1" strike="noStrike">
+              <a:latin typeface="Arial"/>
+            </a:endParaRPr>
+          </a:p>
+        </p:txBody>
+      </p:sp>
+      <p:sp>
+        <p:nvSpPr>
+          <p:cNvPr id="169" name="CustomShape 3"/>
           <p:cNvSpPr/>
           <p:nvPr/>
         </p:nvSpPr>
         <p:spPr>
           <a:xfrm>
-            <a:off x="1916640" y="2943720"/>
-            <a:ext cx="7501680" cy="912600"/>
+            <a:off x="446400" y="457200"/>
+            <a:ext cx="3701520" cy="93240"/>
+          </a:xfrm>
+          <a:prstGeom prst="rect">
+            <a:avLst/>
+          </a:prstGeom>
+          <a:solidFill>
+            <a:srgbClr val="465359"/>
+          </a:solidFill>
+          <a:ln>
+            <a:noFill/>
+          </a:ln>
+          <a:effectLst>
+            <a:outerShdw blurRad="38100" dir="5400000" dist="25560" rotWithShape="0">
+              <a:srgbClr val="000000">
+                <a:alpha val="55000"/>
+              </a:srgbClr>
+            </a:outerShdw>
+          </a:effectLst>
+        </p:spPr>
+        <p:style>
+          <a:lnRef idx="1">
+            <a:schemeClr val="accent1"/>
+          </a:lnRef>
+          <a:fillRef idx="3">
+            <a:schemeClr val="accent1"/>
+          </a:fillRef>
+          <a:effectRef idx="2">
+            <a:schemeClr val="accent1"/>
+          </a:effectRef>
+          <a:fontRef idx="minor"/>
+        </p:style>
+      </p:sp>
+      <p:sp>
+        <p:nvSpPr>
+          <p:cNvPr id="170" name="CustomShape 4"/>
+          <p:cNvSpPr/>
+          <p:nvPr/>
+        </p:nvSpPr>
+        <p:spPr>
+          <a:xfrm>
+            <a:off x="4241880" y="457200"/>
+            <a:ext cx="3701520" cy="89640"/>
+          </a:xfrm>
+          <a:prstGeom prst="rect">
+            <a:avLst/>
+          </a:prstGeom>
+          <a:solidFill>
+            <a:schemeClr val="accent1"/>
+          </a:solidFill>
+          <a:ln>
+            <a:noFill/>
+          </a:ln>
+          <a:effectLst>
+            <a:outerShdw blurRad="38100" dir="5400000" dist="25560" rotWithShape="0">
+              <a:srgbClr val="000000">
+                <a:alpha val="55000"/>
+              </a:srgbClr>
+            </a:outerShdw>
+          </a:effectLst>
+        </p:spPr>
+        <p:style>
+          <a:lnRef idx="1">
+            <a:schemeClr val="accent1"/>
+          </a:lnRef>
+          <a:fillRef idx="3">
+            <a:schemeClr val="accent1"/>
+          </a:fillRef>
+          <a:effectRef idx="2">
+            <a:schemeClr val="accent1"/>
+          </a:effectRef>
+          <a:fontRef idx="minor"/>
+        </p:style>
+      </p:sp>
+      <p:sp>
+        <p:nvSpPr>
+          <p:cNvPr id="171" name="CustomShape 5"/>
+          <p:cNvSpPr/>
+          <p:nvPr/>
+        </p:nvSpPr>
+        <p:spPr>
+          <a:xfrm>
+            <a:off x="8042040" y="453600"/>
+            <a:ext cx="3701520" cy="96840"/>
+          </a:xfrm>
+          <a:prstGeom prst="rect">
+            <a:avLst/>
+          </a:prstGeom>
+          <a:solidFill>
+            <a:srgbClr val="969fa7"/>
+          </a:solidFill>
+          <a:ln>
+            <a:noFill/>
+          </a:ln>
+          <a:effectLst>
+            <a:outerShdw blurRad="38100" dir="5400000" dist="25560" rotWithShape="0">
+              <a:srgbClr val="000000">
+                <a:alpha val="55000"/>
+              </a:srgbClr>
+            </a:outerShdw>
+          </a:effectLst>
+        </p:spPr>
+        <p:style>
+          <a:lnRef idx="1">
+            <a:schemeClr val="accent1"/>
+          </a:lnRef>
+          <a:fillRef idx="3">
+            <a:schemeClr val="accent1"/>
+          </a:fillRef>
+          <a:effectRef idx="2">
+            <a:schemeClr val="accent1"/>
+          </a:effectRef>
+          <a:fontRef idx="minor"/>
+        </p:style>
+      </p:sp>
+    </p:spTree>
+  </p:cSld>
+  <mc:AlternateContent>
+    <mc:Choice Requires="p14">
+      <p:transition spd="slow" p14:dur="2000"/>
+    </mc:Choice>
+    <mc:Fallback>
+      <p:transition spd="slow"/>
+    </mc:Fallback>
+  </mc:AlternateContent>
+</p:sld>
+</file>
+
+<file path=ppt/slides/slide8.xml><?xml version="1.0" encoding="utf-8"?>
+<p:sld xmlns:a="http://schemas.openxmlformats.org/drawingml/2006/main" xmlns:p="http://schemas.openxmlformats.org/presentationml/2006/main" xmlns:r="http://schemas.openxmlformats.org/officeDocument/2006/relationships" xmlns:p14="http://schemas.microsoft.com/office/powerpoint/2010/main" xmlns:p15="http://schemas.microsoft.com/office/powerpoint/2012/main" xmlns:mc="http://schemas.openxmlformats.org/markup-compatibility/2006">
+  <p:cSld>
+    <p:spTree>
+      <p:nvGrpSpPr>
+        <p:cNvPr id="1" name=""/>
+        <p:cNvGrpSpPr/>
+        <p:nvPr/>
+      </p:nvGrpSpPr>
+      <p:grpSpPr>
+        <a:xfrm>
+          <a:off x="0" y="0"/>
+          <a:ext cx="0" cy="0"/>
+          <a:chOff x="0" y="0"/>
+          <a:chExt cx="0" cy="0"/>
+        </a:xfrm>
+      </p:grpSpPr>
+      <p:sp>
+        <p:nvSpPr>
+          <p:cNvPr id="172" name="CustomShape 1"/>
+          <p:cNvSpPr/>
+          <p:nvPr/>
+        </p:nvSpPr>
+        <p:spPr>
+          <a:xfrm>
+            <a:off x="581040" y="814320"/>
+            <a:ext cx="11028240" cy="498600"/>
           </a:xfrm>
           <a:prstGeom prst="rect">
             <a:avLst/>
@@ -8759,11 +8780,113 @@
           <a:fontRef idx="minor"/>
         </p:style>
         <p:txBody>
+          <a:bodyPr lIns="90000" rIns="90000" tIns="45000" bIns="45000" anchor="b">
+            <a:noAutofit/>
+          </a:bodyPr>
+          <a:p>
+            <a:pPr algn="ctr">
+              <a:lnSpc>
+                <a:spcPct val="100000"/>
+              </a:lnSpc>
+            </a:pPr>
+            <a:r>
+              <a:rPr b="0" lang="pt-PT" sz="2800" spc="-1" strike="noStrike" cap="all">
+                <a:solidFill>
+                  <a:srgbClr val="404040"/>
+                </a:solidFill>
+                <a:latin typeface="Franklin Gothic Demi"/>
+                <a:ea typeface="DejaVu Sans"/>
+              </a:rPr>
+              <a:t>Inteligência Artificial – trabalho 2</a:t>
+            </a:r>
+            <a:endParaRPr b="0" lang="pt-PT" sz="2800" spc="-1" strike="noStrike">
+              <a:latin typeface="Arial"/>
+            </a:endParaRPr>
+          </a:p>
+        </p:txBody>
+      </p:sp>
+      <p:sp>
+        <p:nvSpPr>
+          <p:cNvPr id="173" name="CustomShape 2"/>
+          <p:cNvSpPr/>
+          <p:nvPr/>
+        </p:nvSpPr>
+        <p:spPr>
+          <a:xfrm>
+            <a:off x="581040" y="1653480"/>
+            <a:ext cx="2874240" cy="333000"/>
+          </a:xfrm>
+          <a:prstGeom prst="rect">
+            <a:avLst/>
+          </a:prstGeom>
+          <a:noFill/>
+          <a:ln>
+            <a:noFill/>
+          </a:ln>
+        </p:spPr>
+        <p:style>
+          <a:lnRef idx="0"/>
+          <a:fillRef idx="0"/>
+          <a:effectRef idx="0"/>
+          <a:fontRef idx="minor"/>
+        </p:style>
+        <p:txBody>
           <a:bodyPr lIns="90000" rIns="90000" tIns="45000" bIns="45000">
             <a:spAutoFit/>
           </a:bodyPr>
           <a:p>
-            <a:pPr marL="285840" indent="-284400">
+            <a:pPr>
+              <a:lnSpc>
+                <a:spcPct val="100000"/>
+              </a:lnSpc>
+            </a:pPr>
+            <a:r>
+              <a:rPr b="0" lang="pt-PT" sz="1600" spc="-1" strike="noStrike">
+                <a:solidFill>
+                  <a:srgbClr val="1cade4"/>
+                </a:solidFill>
+                <a:latin typeface="Franklin Gothic Book"/>
+                <a:ea typeface="DejaVu Sans"/>
+              </a:rPr>
+              <a:t>DESENVOLVIMENTO</a:t>
+            </a:r>
+            <a:endParaRPr b="0" lang="pt-PT" sz="1600" spc="-1" strike="noStrike">
+              <a:latin typeface="Arial"/>
+            </a:endParaRPr>
+          </a:p>
+        </p:txBody>
+      </p:sp>
+      <p:sp>
+        <p:nvSpPr>
+          <p:cNvPr id="174" name="CustomShape 3"/>
+          <p:cNvSpPr/>
+          <p:nvPr/>
+        </p:nvSpPr>
+        <p:spPr>
+          <a:xfrm>
+            <a:off x="1916640" y="2943720"/>
+            <a:ext cx="7501320" cy="912600"/>
+          </a:xfrm>
+          <a:prstGeom prst="rect">
+            <a:avLst/>
+          </a:prstGeom>
+          <a:noFill/>
+          <a:ln>
+            <a:noFill/>
+          </a:ln>
+        </p:spPr>
+        <p:style>
+          <a:lnRef idx="0"/>
+          <a:fillRef idx="0"/>
+          <a:effectRef idx="0"/>
+          <a:fontRef idx="minor"/>
+        </p:style>
+        <p:txBody>
+          <a:bodyPr lIns="90000" rIns="90000" tIns="45000" bIns="45000">
+            <a:spAutoFit/>
+          </a:bodyPr>
+          <a:p>
+            <a:pPr marL="285840" indent="-284040">
               <a:lnSpc>
                 <a:spcPct val="150000"/>
               </a:lnSpc>
@@ -8798,7 +8921,7 @@
             </a:endParaRPr>
           </a:p>
           <a:p>
-            <a:pPr marL="285840" indent="-284400">
+            <a:pPr marL="285840" indent="-284040">
               <a:lnSpc>
                 <a:spcPct val="150000"/>
               </a:lnSpc>
